--- a/presentation.pptx
+++ b/presentation.pptx
@@ -5,27 +5,29 @@
     <p:sldMasterId id="2147483672" r:id="rId1"/>
   </p:sldMasterIdLst>
   <p:notesMasterIdLst>
-    <p:notesMasterId r:id="rId20"/>
+    <p:notesMasterId r:id="rId22"/>
   </p:notesMasterIdLst>
   <p:sldIdLst>
     <p:sldId id="256" r:id="rId2"/>
     <p:sldId id="344" r:id="rId3"/>
     <p:sldId id="349" r:id="rId4"/>
-    <p:sldId id="348" r:id="rId5"/>
-    <p:sldId id="289" r:id="rId6"/>
+    <p:sldId id="350" r:id="rId5"/>
+    <p:sldId id="348" r:id="rId6"/>
     <p:sldId id="324" r:id="rId7"/>
     <p:sldId id="346" r:id="rId8"/>
     <p:sldId id="347" r:id="rId9"/>
     <p:sldId id="345" r:id="rId10"/>
-    <p:sldId id="262" r:id="rId11"/>
-    <p:sldId id="340" r:id="rId12"/>
-    <p:sldId id="339" r:id="rId13"/>
-    <p:sldId id="343" r:id="rId14"/>
-    <p:sldId id="338" r:id="rId15"/>
-    <p:sldId id="341" r:id="rId16"/>
-    <p:sldId id="342" r:id="rId17"/>
-    <p:sldId id="334" r:id="rId18"/>
-    <p:sldId id="336" r:id="rId19"/>
+    <p:sldId id="352" r:id="rId11"/>
+    <p:sldId id="262" r:id="rId12"/>
+    <p:sldId id="351" r:id="rId13"/>
+    <p:sldId id="340" r:id="rId14"/>
+    <p:sldId id="339" r:id="rId15"/>
+    <p:sldId id="343" r:id="rId16"/>
+    <p:sldId id="338" r:id="rId17"/>
+    <p:sldId id="341" r:id="rId18"/>
+    <p:sldId id="342" r:id="rId19"/>
+    <p:sldId id="334" r:id="rId20"/>
+    <p:sldId id="336" r:id="rId21"/>
   </p:sldIdLst>
   <p:sldSz cx="12192000" cy="6858000"/>
   <p:notesSz cx="6858000" cy="9144000"/>
@@ -214,7 +216,7 @@
           <a:p>
             <a:fld id="{6DE9E842-1B71-4FDF-8546-7CFAC534C405}" type="datetimeFigureOut">
               <a:rPr lang="en-US" smtClean="0"/>
-              <a:t>12/1/2020</a:t>
+              <a:t>12/11/2020</a:t>
             </a:fld>
             <a:endParaRPr lang="en-US"/>
           </a:p>
@@ -663,7 +665,7 @@
           <a:p>
             <a:fld id="{8CBD757D-DE5A-4CD1-82FB-678E1CF7B585}" type="slidenum">
               <a:rPr lang="en-US" smtClean="0"/>
-              <a:t>11</a:t>
+              <a:t>10</a:t>
             </a:fld>
             <a:endParaRPr lang="en-US"/>
           </a:p>
@@ -672,7 +674,7 @@
     </p:spTree>
     <p:extLst>
       <p:ext uri="{BB962C8B-B14F-4D97-AF65-F5344CB8AC3E}">
-        <p14:creationId xmlns:p14="http://schemas.microsoft.com/office/powerpoint/2010/main" val="3720847408"/>
+        <p14:creationId xmlns:p14="http://schemas.microsoft.com/office/powerpoint/2010/main" val="560364245"/>
       </p:ext>
     </p:extLst>
   </p:cSld>
@@ -728,93 +730,7 @@
           <a:p>
             <a:r>
               <a:rPr lang="en-US" dirty="0"/>
-              <a:t>This work is motivated from our previous work on Explainable active learning or XAL.</a:t>
-            </a:r>
-          </a:p>
-          <a:p>
-            <a:endParaRPr lang="en-US" dirty="0"/>
-          </a:p>
-          <a:p>
-            <a:r>
-              <a:rPr lang="en-US" sz="1200" dirty="0"/>
-              <a:t>we conducted a user study to understand the impact of adding local explanations with every query in the Active learning pipeline.</a:t>
-            </a:r>
-          </a:p>
-          <a:p>
-            <a:pPr marL="0" marR="0" lvl="0" indent="0" algn="l" defTabSz="914400" rtl="0" eaLnBrk="1" fontAlgn="auto" latinLnBrk="0" hangingPunct="1">
-              <a:lnSpc>
-                <a:spcPct val="100000"/>
-              </a:lnSpc>
-              <a:spcBef>
-                <a:spcPts val="0"/>
-              </a:spcBef>
-              <a:spcAft>
-                <a:spcPts val="0"/>
-              </a:spcAft>
-              <a:buClrTx/>
-              <a:buSzTx/>
-              <a:buFontTx/>
-              <a:buNone/>
-              <a:tabLst/>
-              <a:defRPr/>
-            </a:pPr>
-            <a:r>
-              <a:rPr lang="en-US" dirty="0"/>
-              <a:t>One of the key takeaways from the this work is that </a:t>
-            </a:r>
-          </a:p>
-          <a:p>
-            <a:pPr marL="0" marR="0" lvl="0" indent="0" algn="l" defTabSz="914400" rtl="0" eaLnBrk="1" fontAlgn="auto" latinLnBrk="0" hangingPunct="1">
-              <a:lnSpc>
-                <a:spcPct val="100000"/>
-              </a:lnSpc>
-              <a:spcBef>
-                <a:spcPts val="0"/>
-              </a:spcBef>
-              <a:spcAft>
-                <a:spcPts val="0"/>
-              </a:spcAft>
-              <a:buClrTx/>
-              <a:buSzTx/>
-              <a:buFontTx/>
-              <a:buNone/>
-              <a:tabLst/>
-              <a:defRPr/>
-            </a:pPr>
-            <a:r>
-              <a:rPr lang="en-US" dirty="0"/>
-              <a:t>A common way to justify their label is by indicating the most important features</a:t>
-            </a:r>
-          </a:p>
-          <a:p>
-            <a:r>
-              <a:rPr lang="en-US" sz="1200" dirty="0"/>
-              <a:t> </a:t>
-            </a:r>
-            <a:endParaRPr lang="en-US" dirty="0"/>
-          </a:p>
-          <a:p>
-            <a:r>
-              <a:rPr lang="en-US" sz="1200" dirty="0"/>
-              <a:t>where an annotator is presented with a query, model’s prediction and its local explanation </a:t>
-            </a:r>
-          </a:p>
-          <a:p>
-            <a:endParaRPr lang="en-US" sz="1200" dirty="0"/>
-          </a:p>
-          <a:p>
-            <a:r>
-              <a:rPr lang="en-US" dirty="0"/>
-              <a:t>Last summer, we were working on a different project where we  </a:t>
-            </a:r>
-          </a:p>
-          <a:p>
-            <a:endParaRPr lang="en-US" dirty="0"/>
-          </a:p>
-          <a:p>
-            <a:r>
-              <a:rPr lang="en-US" dirty="0"/>
-              <a:t>To know more about XAL, please refer </a:t>
+              <a:t>Existing literature to counter algorithmic bias can be classified into 3 different stages :- data, model and prediction</a:t>
             </a:r>
           </a:p>
         </p:txBody>
@@ -845,7 +761,7 @@
     </p:spTree>
     <p:extLst>
       <p:ext uri="{BB962C8B-B14F-4D97-AF65-F5344CB8AC3E}">
-        <p14:creationId xmlns:p14="http://schemas.microsoft.com/office/powerpoint/2010/main" val="3375990655"/>
+        <p14:creationId xmlns:p14="http://schemas.microsoft.com/office/powerpoint/2010/main" val="2823344191"/>
       </p:ext>
     </p:extLst>
   </p:cSld>
@@ -901,40 +817,7 @@
           <a:p>
             <a:r>
               <a:rPr lang="en-US" dirty="0"/>
-              <a:t>Let’s first see how a typical QBC sampling strategy works.</a:t>
-            </a:r>
-          </a:p>
-          <a:p>
-            <a:r>
-              <a:rPr lang="en-US" dirty="0"/>
-              <a:t>Given a pool of labeled data, we train a set of models by randomly selecting instances. These models form the committee of classifiers</a:t>
-            </a:r>
-          </a:p>
-          <a:p>
-            <a:r>
-              <a:rPr lang="en-US" dirty="0"/>
-              <a:t>Thereafter, each model is used to generate predictions for the unlabeled data. The unlabeled instance on which the committee disagrees the most is selected to be queried.</a:t>
-            </a:r>
-          </a:p>
-          <a:p>
-            <a:r>
-              <a:rPr lang="en-US" dirty="0"/>
-              <a:t>In this current system, each model in the committee has equal say.  </a:t>
-            </a:r>
-          </a:p>
-          <a:p>
-            <a:r>
-              <a:rPr lang="en-US" dirty="0"/>
-              <a:t>However for AL++, we have modified this strategy such the each model is assigned a weight wi. If a model’s rationale is pretty similar to the annotator’s rationale, its assigned a higher weight.   </a:t>
-            </a:r>
-          </a:p>
-          <a:p>
-            <a:endParaRPr lang="en-US" dirty="0"/>
-          </a:p>
-          <a:p>
-            <a:r>
-              <a:rPr lang="en-US" dirty="0"/>
-              <a:t>Model agnostic</a:t>
+              <a:t>Existing literature to counter algorithmic bias can be classified into 3 different stages :- data, model and prediction</a:t>
             </a:r>
           </a:p>
         </p:txBody>
@@ -965,7 +848,7 @@
     </p:spTree>
     <p:extLst>
       <p:ext uri="{BB962C8B-B14F-4D97-AF65-F5344CB8AC3E}">
-        <p14:creationId xmlns:p14="http://schemas.microsoft.com/office/powerpoint/2010/main" val="886881953"/>
+        <p14:creationId xmlns:p14="http://schemas.microsoft.com/office/powerpoint/2010/main" val="3720847408"/>
       </p:ext>
     </p:extLst>
   </p:cSld>
@@ -1021,13 +904,93 @@
           <a:p>
             <a:r>
               <a:rPr lang="en-US" dirty="0"/>
-              <a:t>To address this challenges, we present a new AL framework called Active Learning++</a:t>
+              <a:t>This work is motivated from our previous work on Explainable active learning or XAL.</a:t>
             </a:r>
           </a:p>
           <a:p>
+            <a:endParaRPr lang="en-US" dirty="0"/>
+          </a:p>
+          <a:p>
+            <a:r>
+              <a:rPr lang="en-US" sz="1200" dirty="0"/>
+              <a:t>we conducted a user study to understand the impact of adding local explanations with every query in the Active learning pipeline.</a:t>
+            </a:r>
+          </a:p>
+          <a:p>
+            <a:pPr marL="0" marR="0" lvl="0" indent="0" algn="l" defTabSz="914400" rtl="0" eaLnBrk="1" fontAlgn="auto" latinLnBrk="0" hangingPunct="1">
+              <a:lnSpc>
+                <a:spcPct val="100000"/>
+              </a:lnSpc>
+              <a:spcBef>
+                <a:spcPts val="0"/>
+              </a:spcBef>
+              <a:spcAft>
+                <a:spcPts val="0"/>
+              </a:spcAft>
+              <a:buClrTx/>
+              <a:buSzTx/>
+              <a:buFontTx/>
+              <a:buNone/>
+              <a:tabLst/>
+              <a:defRPr/>
+            </a:pPr>
             <a:r>
               <a:rPr lang="en-US" dirty="0"/>
-              <a:t>Rationale is the additional feedback which provides the reasoning behind the label</a:t>
+              <a:t>One of the key takeaways from the this work is that </a:t>
+            </a:r>
+          </a:p>
+          <a:p>
+            <a:pPr marL="0" marR="0" lvl="0" indent="0" algn="l" defTabSz="914400" rtl="0" eaLnBrk="1" fontAlgn="auto" latinLnBrk="0" hangingPunct="1">
+              <a:lnSpc>
+                <a:spcPct val="100000"/>
+              </a:lnSpc>
+              <a:spcBef>
+                <a:spcPts val="0"/>
+              </a:spcBef>
+              <a:spcAft>
+                <a:spcPts val="0"/>
+              </a:spcAft>
+              <a:buClrTx/>
+              <a:buSzTx/>
+              <a:buFontTx/>
+              <a:buNone/>
+              <a:tabLst/>
+              <a:defRPr/>
+            </a:pPr>
+            <a:r>
+              <a:rPr lang="en-US" dirty="0"/>
+              <a:t>A common way to justify their label is by indicating the most important features</a:t>
+            </a:r>
+          </a:p>
+          <a:p>
+            <a:r>
+              <a:rPr lang="en-US" sz="1200" dirty="0"/>
+              <a:t> </a:t>
+            </a:r>
+            <a:endParaRPr lang="en-US" dirty="0"/>
+          </a:p>
+          <a:p>
+            <a:r>
+              <a:rPr lang="en-US" sz="1200" dirty="0"/>
+              <a:t>where an annotator is presented with a query, model’s prediction and its local explanation </a:t>
+            </a:r>
+          </a:p>
+          <a:p>
+            <a:endParaRPr lang="en-US" sz="1200" dirty="0"/>
+          </a:p>
+          <a:p>
+            <a:r>
+              <a:rPr lang="en-US" dirty="0"/>
+              <a:t>Last summer, we were working on a different project where we  </a:t>
+            </a:r>
+          </a:p>
+          <a:p>
+            <a:endParaRPr lang="en-US" dirty="0"/>
+          </a:p>
+          <a:p>
+            <a:r>
+              <a:rPr lang="en-US" dirty="0"/>
+              <a:t>To know more about XAL, please refer </a:t>
             </a:r>
           </a:p>
         </p:txBody>
@@ -1058,7 +1021,7 @@
     </p:spTree>
     <p:extLst>
       <p:ext uri="{BB962C8B-B14F-4D97-AF65-F5344CB8AC3E}">
-        <p14:creationId xmlns:p14="http://schemas.microsoft.com/office/powerpoint/2010/main" val="1866115805"/>
+        <p14:creationId xmlns:p14="http://schemas.microsoft.com/office/powerpoint/2010/main" val="3375990655"/>
       </p:ext>
     </p:extLst>
   </p:cSld>
@@ -1114,13 +1077,40 @@
           <a:p>
             <a:r>
               <a:rPr lang="en-US" dirty="0"/>
-              <a:t>This is line with our XAL study</a:t>
+              <a:t>Let’s first see how a typical QBC sampling strategy works.</a:t>
             </a:r>
           </a:p>
           <a:p>
             <a:r>
               <a:rPr lang="en-US" dirty="0"/>
-              <a:t>Where we saw that annotator’s feedback is imprecise. </a:t>
+              <a:t>Given a pool of labeled data, we train a set of models by randomly selecting instances. These models form the committee of classifiers</a:t>
+            </a:r>
+          </a:p>
+          <a:p>
+            <a:r>
+              <a:rPr lang="en-US" dirty="0"/>
+              <a:t>Thereafter, each model is used to generate predictions for the unlabeled data. The unlabeled instance on which the committee disagrees the most is selected to be queried.</a:t>
+            </a:r>
+          </a:p>
+          <a:p>
+            <a:r>
+              <a:rPr lang="en-US" dirty="0"/>
+              <a:t>In this current system, each model in the committee has equal say.  </a:t>
+            </a:r>
+          </a:p>
+          <a:p>
+            <a:r>
+              <a:rPr lang="en-US" dirty="0"/>
+              <a:t>However for AL++, we have modified this strategy such the each model is assigned a weight wi. If a model’s rationale is pretty similar to the annotator’s rationale, its assigned a higher weight.   </a:t>
+            </a:r>
+          </a:p>
+          <a:p>
+            <a:endParaRPr lang="en-US" dirty="0"/>
+          </a:p>
+          <a:p>
+            <a:r>
+              <a:rPr lang="en-US" dirty="0"/>
+              <a:t>Model agnostic</a:t>
             </a:r>
           </a:p>
         </p:txBody>
@@ -1151,7 +1141,7 @@
     </p:spTree>
     <p:extLst>
       <p:ext uri="{BB962C8B-B14F-4D97-AF65-F5344CB8AC3E}">
-        <p14:creationId xmlns:p14="http://schemas.microsoft.com/office/powerpoint/2010/main" val="1244047263"/>
+        <p14:creationId xmlns:p14="http://schemas.microsoft.com/office/powerpoint/2010/main" val="886881953"/>
       </p:ext>
     </p:extLst>
   </p:cSld>
@@ -1207,40 +1197,13 @@
           <a:p>
             <a:r>
               <a:rPr lang="en-US" dirty="0"/>
-              <a:t>Let’s first see how a typical QBC sampling strategy works.</a:t>
+              <a:t>To address this challenges, we present a new AL framework called Active Learning++</a:t>
             </a:r>
           </a:p>
           <a:p>
             <a:r>
               <a:rPr lang="en-US" dirty="0"/>
-              <a:t>Given a pool of labeled data, we train a set of models by randomly selecting instances. These models form the committee of classifiers</a:t>
-            </a:r>
-          </a:p>
-          <a:p>
-            <a:r>
-              <a:rPr lang="en-US" dirty="0"/>
-              <a:t>Thereafter, each model is used to generate predictions for the unlabeled data. The unlabeled instance on which the committee disagrees the most is selected to be queried.</a:t>
-            </a:r>
-          </a:p>
-          <a:p>
-            <a:r>
-              <a:rPr lang="en-US" dirty="0"/>
-              <a:t>In this current system, each model in the committee has equal say.  </a:t>
-            </a:r>
-          </a:p>
-          <a:p>
-            <a:r>
-              <a:rPr lang="en-US" dirty="0"/>
-              <a:t>However for AL++, we have modified this strategy such the each model is assigned a weight wi. If a model’s rationale is pretty similar to the annotator’s rationale, its assigned a higher weight.   </a:t>
-            </a:r>
-          </a:p>
-          <a:p>
-            <a:endParaRPr lang="en-US" dirty="0"/>
-          </a:p>
-          <a:p>
-            <a:r>
-              <a:rPr lang="en-US" dirty="0"/>
-              <a:t>Model agnostic</a:t>
+              <a:t>Rationale is the additional feedback which provides the reasoning behind the label</a:t>
             </a:r>
           </a:p>
         </p:txBody>
@@ -1271,7 +1234,7 @@
     </p:spTree>
     <p:extLst>
       <p:ext uri="{BB962C8B-B14F-4D97-AF65-F5344CB8AC3E}">
-        <p14:creationId xmlns:p14="http://schemas.microsoft.com/office/powerpoint/2010/main" val="3665275022"/>
+        <p14:creationId xmlns:p14="http://schemas.microsoft.com/office/powerpoint/2010/main" val="1866115805"/>
       </p:ext>
     </p:extLst>
   </p:cSld>
@@ -1327,24 +1290,13 @@
           <a:p>
             <a:r>
               <a:rPr lang="en-US" dirty="0"/>
-              <a:t>AL++ maintains a </a:t>
+              <a:t>This is line with our XAL study</a:t>
             </a:r>
-            <a:r>
-              <a:rPr lang="en-US" dirty="0" err="1"/>
-              <a:t>contant</a:t>
-            </a:r>
+          </a:p>
+          <a:p>
             <a:r>
               <a:rPr lang="en-US" dirty="0"/>
-              <a:t> lead over others right from the beginning</a:t>
-            </a:r>
-          </a:p>
-          <a:p>
-            <a:endParaRPr lang="en-US" dirty="0"/>
-          </a:p>
-          <a:p>
-            <a:r>
-              <a:rPr lang="en-US" dirty="0"/>
-              <a:t>This simulation based on Adult Income dataset show that AL++ helps train ………………..</a:t>
+              <a:t>Where we saw that annotator’s feedback is imprecise. </a:t>
             </a:r>
           </a:p>
         </p:txBody>
@@ -1375,7 +1327,7 @@
     </p:spTree>
     <p:extLst>
       <p:ext uri="{BB962C8B-B14F-4D97-AF65-F5344CB8AC3E}">
-        <p14:creationId xmlns:p14="http://schemas.microsoft.com/office/powerpoint/2010/main" val="3509166380"/>
+        <p14:creationId xmlns:p14="http://schemas.microsoft.com/office/powerpoint/2010/main" val="1244047263"/>
       </p:ext>
     </p:extLst>
   </p:cSld>
@@ -1431,25 +1383,40 @@
           <a:p>
             <a:r>
               <a:rPr lang="en-US" dirty="0"/>
-              <a:t>For k=1, annotator only needs to provide the most important feature for a given query.</a:t>
+              <a:t>Let’s first see how a typical QBC sampling strategy works.</a:t>
             </a:r>
-          </a:p>
-          <a:p>
-            <a:endParaRPr lang="en-US" dirty="0"/>
           </a:p>
           <a:p>
             <a:r>
               <a:rPr lang="en-US" dirty="0"/>
-              <a:t>For comparing with vanilla AL, we can also account for the cost of providing the additional feedback.</a:t>
+              <a:t>Given a pool of labeled data, we train a set of models by randomly selecting instances. These models form the committee of classifiers</a:t>
             </a:r>
-          </a:p>
-          <a:p>
-            <a:endParaRPr lang="en-US" dirty="0"/>
           </a:p>
           <a:p>
             <a:r>
               <a:rPr lang="en-US" dirty="0"/>
-              <a:t>With that, I thank you for your attention. Looking forward to any questions, suggestions, feedback!</a:t>
+              <a:t>Thereafter, each model is used to generate predictions for the unlabeled data. The unlabeled instance on which the committee disagrees the most is selected to be queried.</a:t>
+            </a:r>
+          </a:p>
+          <a:p>
+            <a:r>
+              <a:rPr lang="en-US" dirty="0"/>
+              <a:t>In this current system, each model in the committee has equal say.  </a:t>
+            </a:r>
+          </a:p>
+          <a:p>
+            <a:r>
+              <a:rPr lang="en-US" dirty="0"/>
+              <a:t>However for AL++, we have modified this strategy such the each model is assigned a weight wi. If a model’s rationale is pretty similar to the annotator’s rationale, its assigned a higher weight.   </a:t>
+            </a:r>
+          </a:p>
+          <a:p>
+            <a:endParaRPr lang="en-US" dirty="0"/>
+          </a:p>
+          <a:p>
+            <a:r>
+              <a:rPr lang="en-US" dirty="0"/>
+              <a:t>Model agnostic</a:t>
             </a:r>
           </a:p>
         </p:txBody>
@@ -1472,6 +1439,215 @@
             <a:fld id="{8CBD757D-DE5A-4CD1-82FB-678E1CF7B585}" type="slidenum">
               <a:rPr lang="en-US" smtClean="0"/>
               <a:t>18</a:t>
+            </a:fld>
+            <a:endParaRPr lang="en-US"/>
+          </a:p>
+        </p:txBody>
+      </p:sp>
+    </p:spTree>
+    <p:extLst>
+      <p:ext uri="{BB962C8B-B14F-4D97-AF65-F5344CB8AC3E}">
+        <p14:creationId xmlns:p14="http://schemas.microsoft.com/office/powerpoint/2010/main" val="3665275022"/>
+      </p:ext>
+    </p:extLst>
+  </p:cSld>
+  <p:clrMapOvr>
+    <a:masterClrMapping/>
+  </p:clrMapOvr>
+</p:notes>
+</file>
+
+<file path=ppt/notesSlides/notesSlide18.xml><?xml version="1.0" encoding="utf-8"?>
+<p:notes xmlns:a="http://schemas.openxmlformats.org/drawingml/2006/main" xmlns:r="http://schemas.openxmlformats.org/officeDocument/2006/relationships" xmlns:p="http://schemas.openxmlformats.org/presentationml/2006/main">
+  <p:cSld>
+    <p:spTree>
+      <p:nvGrpSpPr>
+        <p:cNvPr id="1" name=""/>
+        <p:cNvGrpSpPr/>
+        <p:nvPr/>
+      </p:nvGrpSpPr>
+      <p:grpSpPr>
+        <a:xfrm>
+          <a:off x="0" y="0"/>
+          <a:ext cx="0" cy="0"/>
+          <a:chOff x="0" y="0"/>
+          <a:chExt cx="0" cy="0"/>
+        </a:xfrm>
+      </p:grpSpPr>
+      <p:sp>
+        <p:nvSpPr>
+          <p:cNvPr id="2" name="Slide Image Placeholder 1"/>
+          <p:cNvSpPr>
+            <a:spLocks noGrp="1" noRot="1" noChangeAspect="1"/>
+          </p:cNvSpPr>
+          <p:nvPr>
+            <p:ph type="sldImg"/>
+          </p:nvPr>
+        </p:nvSpPr>
+        <p:spPr/>
+      </p:sp>
+      <p:sp>
+        <p:nvSpPr>
+          <p:cNvPr id="3" name="Notes Placeholder 2"/>
+          <p:cNvSpPr>
+            <a:spLocks noGrp="1"/>
+          </p:cNvSpPr>
+          <p:nvPr>
+            <p:ph type="body" idx="1"/>
+          </p:nvPr>
+        </p:nvSpPr>
+        <p:spPr/>
+        <p:txBody>
+          <a:bodyPr/>
+          <a:lstStyle/>
+          <a:p>
+            <a:r>
+              <a:rPr lang="en-US" dirty="0"/>
+              <a:t>AL++ maintains a </a:t>
+            </a:r>
+            <a:r>
+              <a:rPr lang="en-US" dirty="0" err="1"/>
+              <a:t>contant</a:t>
+            </a:r>
+            <a:r>
+              <a:rPr lang="en-US" dirty="0"/>
+              <a:t> lead over others right from the beginning</a:t>
+            </a:r>
+          </a:p>
+          <a:p>
+            <a:endParaRPr lang="en-US" dirty="0"/>
+          </a:p>
+          <a:p>
+            <a:r>
+              <a:rPr lang="en-US" dirty="0"/>
+              <a:t>This simulation based on Adult Income dataset show that AL++ helps train ………………..</a:t>
+            </a:r>
+          </a:p>
+        </p:txBody>
+      </p:sp>
+      <p:sp>
+        <p:nvSpPr>
+          <p:cNvPr id="4" name="Slide Number Placeholder 3"/>
+          <p:cNvSpPr>
+            <a:spLocks noGrp="1"/>
+          </p:cNvSpPr>
+          <p:nvPr>
+            <p:ph type="sldNum" sz="quarter" idx="10"/>
+          </p:nvPr>
+        </p:nvSpPr>
+        <p:spPr/>
+        <p:txBody>
+          <a:bodyPr/>
+          <a:lstStyle/>
+          <a:p>
+            <a:fld id="{8CBD757D-DE5A-4CD1-82FB-678E1CF7B585}" type="slidenum">
+              <a:rPr lang="en-US" smtClean="0"/>
+              <a:t>19</a:t>
+            </a:fld>
+            <a:endParaRPr lang="en-US"/>
+          </a:p>
+        </p:txBody>
+      </p:sp>
+    </p:spTree>
+    <p:extLst>
+      <p:ext uri="{BB962C8B-B14F-4D97-AF65-F5344CB8AC3E}">
+        <p14:creationId xmlns:p14="http://schemas.microsoft.com/office/powerpoint/2010/main" val="3509166380"/>
+      </p:ext>
+    </p:extLst>
+  </p:cSld>
+  <p:clrMapOvr>
+    <a:masterClrMapping/>
+  </p:clrMapOvr>
+</p:notes>
+</file>
+
+<file path=ppt/notesSlides/notesSlide19.xml><?xml version="1.0" encoding="utf-8"?>
+<p:notes xmlns:a="http://schemas.openxmlformats.org/drawingml/2006/main" xmlns:r="http://schemas.openxmlformats.org/officeDocument/2006/relationships" xmlns:p="http://schemas.openxmlformats.org/presentationml/2006/main">
+  <p:cSld>
+    <p:spTree>
+      <p:nvGrpSpPr>
+        <p:cNvPr id="1" name=""/>
+        <p:cNvGrpSpPr/>
+        <p:nvPr/>
+      </p:nvGrpSpPr>
+      <p:grpSpPr>
+        <a:xfrm>
+          <a:off x="0" y="0"/>
+          <a:ext cx="0" cy="0"/>
+          <a:chOff x="0" y="0"/>
+          <a:chExt cx="0" cy="0"/>
+        </a:xfrm>
+      </p:grpSpPr>
+      <p:sp>
+        <p:nvSpPr>
+          <p:cNvPr id="2" name="Slide Image Placeholder 1"/>
+          <p:cNvSpPr>
+            <a:spLocks noGrp="1" noRot="1" noChangeAspect="1"/>
+          </p:cNvSpPr>
+          <p:nvPr>
+            <p:ph type="sldImg"/>
+          </p:nvPr>
+        </p:nvSpPr>
+        <p:spPr/>
+      </p:sp>
+      <p:sp>
+        <p:nvSpPr>
+          <p:cNvPr id="3" name="Notes Placeholder 2"/>
+          <p:cNvSpPr>
+            <a:spLocks noGrp="1"/>
+          </p:cNvSpPr>
+          <p:nvPr>
+            <p:ph type="body" idx="1"/>
+          </p:nvPr>
+        </p:nvSpPr>
+        <p:spPr/>
+        <p:txBody>
+          <a:bodyPr/>
+          <a:lstStyle/>
+          <a:p>
+            <a:r>
+              <a:rPr lang="en-US" dirty="0"/>
+              <a:t>For k=1, annotator only needs to provide the most important feature for a given query.</a:t>
+            </a:r>
+          </a:p>
+          <a:p>
+            <a:endParaRPr lang="en-US" dirty="0"/>
+          </a:p>
+          <a:p>
+            <a:r>
+              <a:rPr lang="en-US" dirty="0"/>
+              <a:t>For comparing with vanilla AL, we can also account for the cost of providing the additional feedback.</a:t>
+            </a:r>
+          </a:p>
+          <a:p>
+            <a:endParaRPr lang="en-US" dirty="0"/>
+          </a:p>
+          <a:p>
+            <a:r>
+              <a:rPr lang="en-US" dirty="0"/>
+              <a:t>With that, I thank you for your attention. Looking forward to any questions, suggestions, feedback!</a:t>
+            </a:r>
+          </a:p>
+        </p:txBody>
+      </p:sp>
+      <p:sp>
+        <p:nvSpPr>
+          <p:cNvPr id="4" name="Slide Number Placeholder 3"/>
+          <p:cNvSpPr>
+            <a:spLocks noGrp="1"/>
+          </p:cNvSpPr>
+          <p:nvPr>
+            <p:ph type="sldNum" sz="quarter" idx="10"/>
+          </p:nvPr>
+        </p:nvSpPr>
+        <p:spPr/>
+        <p:txBody>
+          <a:bodyPr/>
+          <a:lstStyle/>
+          <a:p>
+            <a:fld id="{8CBD757D-DE5A-4CD1-82FB-678E1CF7B585}" type="slidenum">
+              <a:rPr lang="en-US" smtClean="0"/>
+              <a:t>20</a:t>
             </a:fld>
             <a:endParaRPr lang="en-US"/>
           </a:p>
@@ -1741,7 +1917,7 @@
     </p:spTree>
     <p:extLst>
       <p:ext uri="{BB962C8B-B14F-4D97-AF65-F5344CB8AC3E}">
-        <p14:creationId xmlns:p14="http://schemas.microsoft.com/office/powerpoint/2010/main" val="4266289329"/>
+        <p14:creationId xmlns:p14="http://schemas.microsoft.com/office/powerpoint/2010/main" val="1541593783"/>
       </p:ext>
     </p:extLst>
   </p:cSld>
@@ -1828,7 +2004,7 @@
     </p:spTree>
     <p:extLst>
       <p:ext uri="{BB962C8B-B14F-4D97-AF65-F5344CB8AC3E}">
-        <p14:creationId xmlns:p14="http://schemas.microsoft.com/office/powerpoint/2010/main" val="1993935609"/>
+        <p14:creationId xmlns:p14="http://schemas.microsoft.com/office/powerpoint/2010/main" val="4266289329"/>
       </p:ext>
     </p:extLst>
   </p:cSld>
@@ -2407,7 +2583,7 @@
           <a:p>
             <a:fld id="{CDEEAA9E-B205-4E3D-B322-3F4BE24D9928}" type="datetimeFigureOut">
               <a:rPr lang="en-US" smtClean="0"/>
-              <a:t>12/1/2020</a:t>
+              <a:t>12/11/2020</a:t>
             </a:fld>
             <a:endParaRPr lang="en-US"/>
           </a:p>
@@ -2605,7 +2781,7 @@
           <a:p>
             <a:fld id="{CDEEAA9E-B205-4E3D-B322-3F4BE24D9928}" type="datetimeFigureOut">
               <a:rPr lang="en-US" smtClean="0"/>
-              <a:t>12/1/2020</a:t>
+              <a:t>12/11/2020</a:t>
             </a:fld>
             <a:endParaRPr lang="en-US"/>
           </a:p>
@@ -2813,7 +2989,7 @@
           <a:p>
             <a:fld id="{CDEEAA9E-B205-4E3D-B322-3F4BE24D9928}" type="datetimeFigureOut">
               <a:rPr lang="en-US" smtClean="0"/>
-              <a:t>12/1/2020</a:t>
+              <a:t>12/11/2020</a:t>
             </a:fld>
             <a:endParaRPr lang="en-US"/>
           </a:p>
@@ -3011,7 +3187,7 @@
           <a:p>
             <a:fld id="{CDEEAA9E-B205-4E3D-B322-3F4BE24D9928}" type="datetimeFigureOut">
               <a:rPr lang="en-US" smtClean="0"/>
-              <a:t>12/1/2020</a:t>
+              <a:t>12/11/2020</a:t>
             </a:fld>
             <a:endParaRPr lang="en-US"/>
           </a:p>
@@ -3286,7 +3462,7 @@
           <a:p>
             <a:fld id="{CDEEAA9E-B205-4E3D-B322-3F4BE24D9928}" type="datetimeFigureOut">
               <a:rPr lang="en-US" smtClean="0"/>
-              <a:t>12/1/2020</a:t>
+              <a:t>12/11/2020</a:t>
             </a:fld>
             <a:endParaRPr lang="en-US"/>
           </a:p>
@@ -3551,7 +3727,7 @@
           <a:p>
             <a:fld id="{CDEEAA9E-B205-4E3D-B322-3F4BE24D9928}" type="datetimeFigureOut">
               <a:rPr lang="en-US" smtClean="0"/>
-              <a:t>12/1/2020</a:t>
+              <a:t>12/11/2020</a:t>
             </a:fld>
             <a:endParaRPr lang="en-US"/>
           </a:p>
@@ -3963,7 +4139,7 @@
           <a:p>
             <a:fld id="{CDEEAA9E-B205-4E3D-B322-3F4BE24D9928}" type="datetimeFigureOut">
               <a:rPr lang="en-US" smtClean="0"/>
-              <a:t>12/1/2020</a:t>
+              <a:t>12/11/2020</a:t>
             </a:fld>
             <a:endParaRPr lang="en-US"/>
           </a:p>
@@ -4104,7 +4280,7 @@
           <a:p>
             <a:fld id="{CDEEAA9E-B205-4E3D-B322-3F4BE24D9928}" type="datetimeFigureOut">
               <a:rPr lang="en-US" smtClean="0"/>
-              <a:t>12/1/2020</a:t>
+              <a:t>12/11/2020</a:t>
             </a:fld>
             <a:endParaRPr lang="en-US"/>
           </a:p>
@@ -4217,7 +4393,7 @@
           <a:p>
             <a:fld id="{CDEEAA9E-B205-4E3D-B322-3F4BE24D9928}" type="datetimeFigureOut">
               <a:rPr lang="en-US" smtClean="0"/>
-              <a:t>12/1/2020</a:t>
+              <a:t>12/11/2020</a:t>
             </a:fld>
             <a:endParaRPr lang="en-US"/>
           </a:p>
@@ -4528,7 +4704,7 @@
           <a:p>
             <a:fld id="{CDEEAA9E-B205-4E3D-B322-3F4BE24D9928}" type="datetimeFigureOut">
               <a:rPr lang="en-US" smtClean="0"/>
-              <a:t>12/1/2020</a:t>
+              <a:t>12/11/2020</a:t>
             </a:fld>
             <a:endParaRPr lang="en-US"/>
           </a:p>
@@ -4816,7 +4992,7 @@
           <a:p>
             <a:fld id="{CDEEAA9E-B205-4E3D-B322-3F4BE24D9928}" type="datetimeFigureOut">
               <a:rPr lang="en-US" smtClean="0"/>
-              <a:t>12/1/2020</a:t>
+              <a:t>12/11/2020</a:t>
             </a:fld>
             <a:endParaRPr lang="en-US"/>
           </a:p>
@@ -5057,7 +5233,7 @@
           <a:p>
             <a:fld id="{CDEEAA9E-B205-4E3D-B322-3F4BE24D9928}" type="datetimeFigureOut">
               <a:rPr lang="en-US" smtClean="0"/>
-              <a:t>12/1/2020</a:t>
+              <a:t>12/11/2020</a:t>
             </a:fld>
             <a:endParaRPr lang="en-US"/>
           </a:p>
@@ -5899,6 +6075,318 @@
       </p:grpSpPr>
       <p:sp>
         <p:nvSpPr>
+          <p:cNvPr id="19" name="Title 1">
+            <a:extLst>
+              <a:ext uri="{FF2B5EF4-FFF2-40B4-BE49-F238E27FC236}">
+                <a16:creationId xmlns:a16="http://schemas.microsoft.com/office/drawing/2014/main" id="{1145B1FC-8B5F-4A10-B215-C60705EDF134}"/>
+              </a:ext>
+            </a:extLst>
+          </p:cNvPr>
+          <p:cNvSpPr txBox="1">
+            <a:spLocks/>
+          </p:cNvSpPr>
+          <p:nvPr/>
+        </p:nvSpPr>
+        <p:spPr>
+          <a:xfrm>
+            <a:off x="807187" y="280918"/>
+            <a:ext cx="10772775" cy="961277"/>
+          </a:xfrm>
+          <a:prstGeom prst="rect">
+            <a:avLst/>
+          </a:prstGeom>
+        </p:spPr>
+        <p:txBody>
+          <a:bodyPr vert="horz" lIns="91440" tIns="45720" rIns="91440" bIns="45720" rtlCol="0" anchor="ctr">
+            <a:normAutofit/>
+          </a:bodyPr>
+          <a:lstStyle>
+            <a:lvl1pPr algn="l" defTabSz="914400" rtl="0" eaLnBrk="1" latinLnBrk="0" hangingPunct="1">
+              <a:lnSpc>
+                <a:spcPct val="90000"/>
+              </a:lnSpc>
+              <a:spcBef>
+                <a:spcPct val="0"/>
+              </a:spcBef>
+              <a:buNone/>
+              <a:defRPr sz="4400" kern="1200">
+                <a:solidFill>
+                  <a:schemeClr val="tx1"/>
+                </a:solidFill>
+                <a:latin typeface="+mj-lt"/>
+                <a:ea typeface="+mj-ea"/>
+                <a:cs typeface="+mj-cs"/>
+              </a:defRPr>
+            </a:lvl1pPr>
+          </a:lstStyle>
+          <a:p>
+            <a:pPr algn="ctr"/>
+            <a:r>
+              <a:rPr lang="en-US" b="1" dirty="0">
+                <a:solidFill>
+                  <a:schemeClr val="accent1">
+                    <a:lumMod val="75000"/>
+                  </a:schemeClr>
+                </a:solidFill>
+                <a:latin typeface="+mn-lt"/>
+              </a:rPr>
+              <a:t>Limitations</a:t>
+            </a:r>
+          </a:p>
+        </p:txBody>
+      </p:sp>
+      <p:pic>
+        <p:nvPicPr>
+          <p:cNvPr id="20" name="Picture 19" descr="A picture containing object&#10;&#10;Description generated with very high confidence">
+            <a:extLst>
+              <a:ext uri="{FF2B5EF4-FFF2-40B4-BE49-F238E27FC236}">
+                <a16:creationId xmlns:a16="http://schemas.microsoft.com/office/drawing/2014/main" id="{BFA8EE74-C4C5-4B64-A157-B93B22BF494E}"/>
+              </a:ext>
+            </a:extLst>
+          </p:cNvPr>
+          <p:cNvPicPr>
+            <a:picLocks noChangeAspect="1"/>
+          </p:cNvPicPr>
+          <p:nvPr/>
+        </p:nvPicPr>
+        <p:blipFill>
+          <a:blip r:embed="rId3">
+            <a:extLst>
+              <a:ext uri="{28A0092B-C50C-407E-A947-70E740481C1C}">
+                <a14:useLocalDpi xmlns:a14="http://schemas.microsoft.com/office/drawing/2010/main" val="0"/>
+              </a:ext>
+            </a:extLst>
+          </a:blip>
+          <a:stretch>
+            <a:fillRect/>
+          </a:stretch>
+        </p:blipFill>
+        <p:spPr>
+          <a:xfrm>
+            <a:off x="9835376" y="6328400"/>
+            <a:ext cx="2223771" cy="428280"/>
+          </a:xfrm>
+          <a:prstGeom prst="rect">
+            <a:avLst/>
+          </a:prstGeom>
+        </p:spPr>
+      </p:pic>
+      <p:sp>
+        <p:nvSpPr>
+          <p:cNvPr id="6" name="TextBox 5">
+            <a:extLst>
+              <a:ext uri="{FF2B5EF4-FFF2-40B4-BE49-F238E27FC236}">
+                <a16:creationId xmlns:a16="http://schemas.microsoft.com/office/drawing/2014/main" id="{74D658F0-641F-4B92-BDB3-3845C185EDF3}"/>
+              </a:ext>
+            </a:extLst>
+          </p:cNvPr>
+          <p:cNvSpPr txBox="1"/>
+          <p:nvPr/>
+        </p:nvSpPr>
+        <p:spPr>
+          <a:xfrm>
+            <a:off x="677878" y="1069360"/>
+            <a:ext cx="11031392" cy="1015663"/>
+          </a:xfrm>
+          <a:prstGeom prst="rect">
+            <a:avLst/>
+          </a:prstGeom>
+          <a:noFill/>
+        </p:spPr>
+        <p:txBody>
+          <a:bodyPr wrap="square" rtlCol="0">
+            <a:spAutoFit/>
+          </a:bodyPr>
+          <a:lstStyle/>
+          <a:p>
+            <a:pPr marL="457200" indent="-457200">
+              <a:buFont typeface="Wingdings" panose="05000000000000000000" pitchFamily="2" charset="2"/>
+              <a:buChar char="§"/>
+            </a:pPr>
+            <a:r>
+              <a:rPr lang="en-US" sz="2000" dirty="0"/>
+              <a:t>Words Representing Names, Places, etc. can’t be substituted</a:t>
+            </a:r>
+          </a:p>
+          <a:p>
+            <a:pPr marL="457200" indent="-457200">
+              <a:buFont typeface="Wingdings" panose="05000000000000000000" pitchFamily="2" charset="2"/>
+              <a:buChar char="§"/>
+            </a:pPr>
+            <a:endParaRPr lang="en-US" sz="2000" dirty="0"/>
+          </a:p>
+          <a:p>
+            <a:pPr marL="457200" indent="-457200">
+              <a:buFont typeface="Wingdings" panose="05000000000000000000" pitchFamily="2" charset="2"/>
+              <a:buChar char="§"/>
+            </a:pPr>
+            <a:r>
+              <a:rPr lang="en-US" sz="2000" dirty="0"/>
+              <a:t> </a:t>
+            </a:r>
+          </a:p>
+        </p:txBody>
+      </p:sp>
+    </p:spTree>
+    <p:extLst>
+      <p:ext uri="{BB962C8B-B14F-4D97-AF65-F5344CB8AC3E}">
+        <p14:creationId xmlns:p14="http://schemas.microsoft.com/office/powerpoint/2010/main" val="3244494352"/>
+      </p:ext>
+    </p:extLst>
+  </p:cSld>
+  <p:clrMapOvr>
+    <a:masterClrMapping/>
+  </p:clrMapOvr>
+  <p:timing>
+    <p:tnLst>
+      <p:par>
+        <p:cTn id="1" dur="indefinite" restart="never" nodeType="tmRoot">
+          <p:childTnLst>
+            <p:seq concurrent="1" nextAc="seek">
+              <p:cTn id="2" dur="indefinite" nodeType="mainSeq">
+                <p:childTnLst>
+                  <p:par>
+                    <p:cTn id="3" fill="hold">
+                      <p:stCondLst>
+                        <p:cond delay="indefinite"/>
+                      </p:stCondLst>
+                      <p:childTnLst>
+                        <p:par>
+                          <p:cTn id="4" fill="hold">
+                            <p:stCondLst>
+                              <p:cond delay="0"/>
+                            </p:stCondLst>
+                            <p:childTnLst>
+                              <p:par>
+                                <p:cTn id="5" presetID="1" presetClass="entr" presetSubtype="0" fill="hold" nodeType="clickEffect">
+                                  <p:stCondLst>
+                                    <p:cond delay="0"/>
+                                  </p:stCondLst>
+                                  <p:childTnLst>
+                                    <p:set>
+                                      <p:cBhvr>
+                                        <p:cTn id="6" dur="1" fill="hold">
+                                          <p:stCondLst>
+                                            <p:cond delay="0"/>
+                                          </p:stCondLst>
+                                        </p:cTn>
+                                        <p:tgtEl>
+                                          <p:spTgt spid="6">
+                                            <p:txEl>
+                                              <p:pRg st="0" end="0"/>
+                                            </p:txEl>
+                                          </p:spTgt>
+                                        </p:tgtEl>
+                                        <p:attrNameLst>
+                                          <p:attrName>style.visibility</p:attrName>
+                                        </p:attrNameLst>
+                                      </p:cBhvr>
+                                      <p:to>
+                                        <p:strVal val="visible"/>
+                                      </p:to>
+                                    </p:set>
+                                  </p:childTnLst>
+                                </p:cTn>
+                              </p:par>
+                            </p:childTnLst>
+                          </p:cTn>
+                        </p:par>
+                      </p:childTnLst>
+                    </p:cTn>
+                  </p:par>
+                  <p:par>
+                    <p:cTn id="7" fill="hold">
+                      <p:stCondLst>
+                        <p:cond delay="indefinite"/>
+                      </p:stCondLst>
+                      <p:childTnLst>
+                        <p:par>
+                          <p:cTn id="8" fill="hold">
+                            <p:stCondLst>
+                              <p:cond delay="0"/>
+                            </p:stCondLst>
+                            <p:childTnLst>
+                              <p:par>
+                                <p:cTn id="9" presetID="1" presetClass="entr" presetSubtype="0" fill="hold" nodeType="clickEffect">
+                                  <p:stCondLst>
+                                    <p:cond delay="0"/>
+                                  </p:stCondLst>
+                                  <p:childTnLst>
+                                    <p:set>
+                                      <p:cBhvr>
+                                        <p:cTn id="10" dur="1" fill="hold">
+                                          <p:stCondLst>
+                                            <p:cond delay="0"/>
+                                          </p:stCondLst>
+                                        </p:cTn>
+                                        <p:tgtEl>
+                                          <p:spTgt spid="6">
+                                            <p:txEl>
+                                              <p:pRg st="2" end="2"/>
+                                            </p:txEl>
+                                          </p:spTgt>
+                                        </p:tgtEl>
+                                        <p:attrNameLst>
+                                          <p:attrName>style.visibility</p:attrName>
+                                        </p:attrNameLst>
+                                      </p:cBhvr>
+                                      <p:to>
+                                        <p:strVal val="visible"/>
+                                      </p:to>
+                                    </p:set>
+                                  </p:childTnLst>
+                                </p:cTn>
+                              </p:par>
+                            </p:childTnLst>
+                          </p:cTn>
+                        </p:par>
+                      </p:childTnLst>
+                    </p:cTn>
+                  </p:par>
+                </p:childTnLst>
+              </p:cTn>
+              <p:prevCondLst>
+                <p:cond evt="onPrev" delay="0">
+                  <p:tgtEl>
+                    <p:sldTgt/>
+                  </p:tgtEl>
+                </p:cond>
+              </p:prevCondLst>
+              <p:nextCondLst>
+                <p:cond evt="onNext" delay="0">
+                  <p:tgtEl>
+                    <p:sldTgt/>
+                  </p:tgtEl>
+                </p:cond>
+              </p:nextCondLst>
+            </p:seq>
+          </p:childTnLst>
+        </p:cTn>
+      </p:par>
+    </p:tnLst>
+  </p:timing>
+</p:sld>
+</file>
+
+<file path=ppt/slides/slide11.xml><?xml version="1.0" encoding="utf-8"?>
+<p:sld xmlns:a="http://schemas.openxmlformats.org/drawingml/2006/main" xmlns:r="http://schemas.openxmlformats.org/officeDocument/2006/relationships" xmlns:p="http://schemas.openxmlformats.org/presentationml/2006/main">
+  <p:cSld>
+    <p:spTree>
+      <p:nvGrpSpPr>
+        <p:cNvPr id="1" name=""/>
+        <p:cNvGrpSpPr/>
+        <p:nvPr/>
+      </p:nvGrpSpPr>
+      <p:grpSpPr>
+        <a:xfrm>
+          <a:off x="0" y="0"/>
+          <a:ext cx="0" cy="0"/>
+          <a:chOff x="0" y="0"/>
+          <a:chExt cx="0" cy="0"/>
+        </a:xfrm>
+      </p:grpSpPr>
+      <p:sp>
+        <p:nvSpPr>
           <p:cNvPr id="7" name="Title 1">
             <a:extLst>
               <a:ext uri="{FF2B5EF4-FFF2-40B4-BE49-F238E27FC236}">
@@ -6177,7 +6665,517 @@
 </p:sld>
 </file>
 
-<file path=ppt/slides/slide11.xml><?xml version="1.0" encoding="utf-8"?>
+<file path=ppt/slides/slide12.xml><?xml version="1.0" encoding="utf-8"?>
+<p:sld xmlns:a="http://schemas.openxmlformats.org/drawingml/2006/main" xmlns:r="http://schemas.openxmlformats.org/officeDocument/2006/relationships" xmlns:p="http://schemas.openxmlformats.org/presentationml/2006/main">
+  <p:cSld>
+    <p:spTree>
+      <p:nvGrpSpPr>
+        <p:cNvPr id="1" name=""/>
+        <p:cNvGrpSpPr/>
+        <p:nvPr/>
+      </p:nvGrpSpPr>
+      <p:grpSpPr>
+        <a:xfrm>
+          <a:off x="0" y="0"/>
+          <a:ext cx="0" cy="0"/>
+          <a:chOff x="0" y="0"/>
+          <a:chExt cx="0" cy="0"/>
+        </a:xfrm>
+      </p:grpSpPr>
+      <p:sp>
+        <p:nvSpPr>
+          <p:cNvPr id="19" name="Title 1">
+            <a:extLst>
+              <a:ext uri="{FF2B5EF4-FFF2-40B4-BE49-F238E27FC236}">
+                <a16:creationId xmlns:a16="http://schemas.microsoft.com/office/drawing/2014/main" id="{1145B1FC-8B5F-4A10-B215-C60705EDF134}"/>
+              </a:ext>
+            </a:extLst>
+          </p:cNvPr>
+          <p:cNvSpPr txBox="1">
+            <a:spLocks/>
+          </p:cNvSpPr>
+          <p:nvPr/>
+        </p:nvSpPr>
+        <p:spPr>
+          <a:xfrm>
+            <a:off x="807187" y="101320"/>
+            <a:ext cx="10772775" cy="961277"/>
+          </a:xfrm>
+          <a:prstGeom prst="rect">
+            <a:avLst/>
+          </a:prstGeom>
+        </p:spPr>
+        <p:txBody>
+          <a:bodyPr vert="horz" lIns="91440" tIns="45720" rIns="91440" bIns="45720" rtlCol="0" anchor="ctr">
+            <a:normAutofit/>
+          </a:bodyPr>
+          <a:lstStyle>
+            <a:lvl1pPr algn="l" defTabSz="914400" rtl="0" eaLnBrk="1" latinLnBrk="0" hangingPunct="1">
+              <a:lnSpc>
+                <a:spcPct val="90000"/>
+              </a:lnSpc>
+              <a:spcBef>
+                <a:spcPct val="0"/>
+              </a:spcBef>
+              <a:buNone/>
+              <a:defRPr sz="4400" kern="1200">
+                <a:solidFill>
+                  <a:schemeClr val="tx1"/>
+                </a:solidFill>
+                <a:latin typeface="+mj-lt"/>
+                <a:ea typeface="+mj-ea"/>
+                <a:cs typeface="+mj-cs"/>
+              </a:defRPr>
+            </a:lvl1pPr>
+          </a:lstStyle>
+          <a:p>
+            <a:pPr algn="ctr"/>
+            <a:r>
+              <a:rPr lang="en-US" b="1" dirty="0">
+                <a:solidFill>
+                  <a:schemeClr val="accent1">
+                    <a:lumMod val="75000"/>
+                  </a:schemeClr>
+                </a:solidFill>
+                <a:latin typeface="+mn-lt"/>
+              </a:rPr>
+              <a:t>Xiaojun Bi’s Feedback</a:t>
+            </a:r>
+          </a:p>
+        </p:txBody>
+      </p:sp>
+      <p:pic>
+        <p:nvPicPr>
+          <p:cNvPr id="20" name="Picture 19" descr="A picture containing object&#10;&#10;Description generated with very high confidence">
+            <a:extLst>
+              <a:ext uri="{FF2B5EF4-FFF2-40B4-BE49-F238E27FC236}">
+                <a16:creationId xmlns:a16="http://schemas.microsoft.com/office/drawing/2014/main" id="{BFA8EE74-C4C5-4B64-A157-B93B22BF494E}"/>
+              </a:ext>
+            </a:extLst>
+          </p:cNvPr>
+          <p:cNvPicPr>
+            <a:picLocks noChangeAspect="1"/>
+          </p:cNvPicPr>
+          <p:nvPr/>
+        </p:nvPicPr>
+        <p:blipFill>
+          <a:blip r:embed="rId3">
+            <a:extLst>
+              <a:ext uri="{28A0092B-C50C-407E-A947-70E740481C1C}">
+                <a14:useLocalDpi xmlns:a14="http://schemas.microsoft.com/office/drawing/2010/main" val="0"/>
+              </a:ext>
+            </a:extLst>
+          </a:blip>
+          <a:stretch>
+            <a:fillRect/>
+          </a:stretch>
+        </p:blipFill>
+        <p:spPr>
+          <a:xfrm>
+            <a:off x="9835376" y="6328400"/>
+            <a:ext cx="2223771" cy="428280"/>
+          </a:xfrm>
+          <a:prstGeom prst="rect">
+            <a:avLst/>
+          </a:prstGeom>
+        </p:spPr>
+      </p:pic>
+      <p:sp>
+        <p:nvSpPr>
+          <p:cNvPr id="6" name="TextBox 5">
+            <a:extLst>
+              <a:ext uri="{FF2B5EF4-FFF2-40B4-BE49-F238E27FC236}">
+                <a16:creationId xmlns:a16="http://schemas.microsoft.com/office/drawing/2014/main" id="{74D658F0-641F-4B92-BDB3-3845C185EDF3}"/>
+              </a:ext>
+            </a:extLst>
+          </p:cNvPr>
+          <p:cNvSpPr txBox="1"/>
+          <p:nvPr/>
+        </p:nvSpPr>
+        <p:spPr>
+          <a:xfrm>
+            <a:off x="677878" y="908301"/>
+            <a:ext cx="11031392" cy="6001643"/>
+          </a:xfrm>
+          <a:prstGeom prst="rect">
+            <a:avLst/>
+          </a:prstGeom>
+          <a:noFill/>
+        </p:spPr>
+        <p:txBody>
+          <a:bodyPr wrap="square" rtlCol="0">
+            <a:spAutoFit/>
+          </a:bodyPr>
+          <a:lstStyle/>
+          <a:p>
+            <a:pPr marL="457200" indent="-457200">
+              <a:buFont typeface="Wingdings" panose="05000000000000000000" pitchFamily="2" charset="2"/>
+              <a:buChar char="§"/>
+            </a:pPr>
+            <a:r>
+              <a:rPr lang="en-US" sz="3200" dirty="0"/>
+              <a:t>Name, place, date can’t be replaced – limitation</a:t>
+            </a:r>
+          </a:p>
+          <a:p>
+            <a:pPr marL="457200" indent="-457200">
+              <a:buFont typeface="Wingdings" panose="05000000000000000000" pitchFamily="2" charset="2"/>
+              <a:buChar char="§"/>
+            </a:pPr>
+            <a:endParaRPr lang="en-US" sz="3200" dirty="0"/>
+          </a:p>
+          <a:p>
+            <a:pPr marL="457200" indent="-457200">
+              <a:buFont typeface="Wingdings" panose="05000000000000000000" pitchFamily="2" charset="2"/>
+              <a:buChar char="§"/>
+            </a:pPr>
+            <a:r>
+              <a:rPr lang="en-US" sz="3200" dirty="0"/>
+              <a:t>Best way is not to avoid such words – Justify if this approach is right</a:t>
+            </a:r>
+          </a:p>
+          <a:p>
+            <a:pPr marL="457200" indent="-457200">
+              <a:buFont typeface="Wingdings" panose="05000000000000000000" pitchFamily="2" charset="2"/>
+              <a:buChar char="§"/>
+            </a:pPr>
+            <a:endParaRPr lang="en-US" sz="3200" dirty="0"/>
+          </a:p>
+          <a:p>
+            <a:pPr marL="457200" indent="-457200">
+              <a:buFont typeface="Wingdings" panose="05000000000000000000" pitchFamily="2" charset="2"/>
+              <a:buChar char="§"/>
+            </a:pPr>
+            <a:r>
+              <a:rPr lang="en-US" sz="3200" dirty="0"/>
+              <a:t>Each word has a nuance. Can’t be completely replaced</a:t>
+            </a:r>
+          </a:p>
+          <a:p>
+            <a:pPr marL="457200" indent="-457200">
+              <a:buFont typeface="Wingdings" panose="05000000000000000000" pitchFamily="2" charset="2"/>
+              <a:buChar char="§"/>
+            </a:pPr>
+            <a:endParaRPr lang="en-US" sz="3200" dirty="0"/>
+          </a:p>
+          <a:p>
+            <a:pPr marL="457200" indent="-457200">
+              <a:buFont typeface="Wingdings" panose="05000000000000000000" pitchFamily="2" charset="2"/>
+              <a:buChar char="§"/>
+            </a:pPr>
+            <a:r>
+              <a:rPr lang="en-US" sz="3200" dirty="0"/>
+              <a:t>Maybe, helps user to better pronounce by identifying such words</a:t>
+            </a:r>
+          </a:p>
+          <a:p>
+            <a:pPr marL="457200" indent="-457200">
+              <a:buFont typeface="Wingdings" panose="05000000000000000000" pitchFamily="2" charset="2"/>
+              <a:buChar char="§"/>
+            </a:pPr>
+            <a:endParaRPr lang="en-US" sz="3200" dirty="0"/>
+          </a:p>
+          <a:p>
+            <a:pPr marL="457200" indent="-457200">
+              <a:buFont typeface="Wingdings" panose="05000000000000000000" pitchFamily="2" charset="2"/>
+              <a:buChar char="§"/>
+            </a:pPr>
+            <a:r>
+              <a:rPr lang="en-US" sz="3200" dirty="0"/>
+              <a:t>Evaluation – baseline – manual replacement, Expert interview, simulating</a:t>
+            </a:r>
+          </a:p>
+        </p:txBody>
+      </p:sp>
+    </p:spTree>
+    <p:extLst>
+      <p:ext uri="{BB962C8B-B14F-4D97-AF65-F5344CB8AC3E}">
+        <p14:creationId xmlns:p14="http://schemas.microsoft.com/office/powerpoint/2010/main" val="3116428453"/>
+      </p:ext>
+    </p:extLst>
+  </p:cSld>
+  <p:clrMapOvr>
+    <a:masterClrMapping/>
+  </p:clrMapOvr>
+  <p:timing>
+    <p:tnLst>
+      <p:par>
+        <p:cTn id="1" dur="indefinite" restart="never" nodeType="tmRoot">
+          <p:childTnLst>
+            <p:seq concurrent="1" nextAc="seek">
+              <p:cTn id="2" dur="indefinite" nodeType="mainSeq">
+                <p:childTnLst>
+                  <p:par>
+                    <p:cTn id="3" fill="hold">
+                      <p:stCondLst>
+                        <p:cond delay="indefinite"/>
+                      </p:stCondLst>
+                      <p:childTnLst>
+                        <p:par>
+                          <p:cTn id="4" fill="hold">
+                            <p:stCondLst>
+                              <p:cond delay="0"/>
+                            </p:stCondLst>
+                            <p:childTnLst>
+                              <p:par>
+                                <p:cTn id="5" presetID="1" presetClass="entr" presetSubtype="0" fill="hold" nodeType="clickEffect">
+                                  <p:stCondLst>
+                                    <p:cond delay="0"/>
+                                  </p:stCondLst>
+                                  <p:childTnLst>
+                                    <p:set>
+                                      <p:cBhvr>
+                                        <p:cTn id="6" dur="1" fill="hold">
+                                          <p:stCondLst>
+                                            <p:cond delay="0"/>
+                                          </p:stCondLst>
+                                        </p:cTn>
+                                        <p:tgtEl>
+                                          <p:spTgt spid="6">
+                                            <p:txEl>
+                                              <p:pRg st="0" end="0"/>
+                                            </p:txEl>
+                                          </p:spTgt>
+                                        </p:tgtEl>
+                                        <p:attrNameLst>
+                                          <p:attrName>style.visibility</p:attrName>
+                                        </p:attrNameLst>
+                                      </p:cBhvr>
+                                      <p:to>
+                                        <p:strVal val="visible"/>
+                                      </p:to>
+                                    </p:set>
+                                  </p:childTnLst>
+                                </p:cTn>
+                              </p:par>
+                            </p:childTnLst>
+                          </p:cTn>
+                        </p:par>
+                      </p:childTnLst>
+                    </p:cTn>
+                  </p:par>
+                  <p:par>
+                    <p:cTn id="7" fill="hold">
+                      <p:stCondLst>
+                        <p:cond delay="indefinite"/>
+                      </p:stCondLst>
+                      <p:childTnLst>
+                        <p:par>
+                          <p:cTn id="8" fill="hold">
+                            <p:stCondLst>
+                              <p:cond delay="0"/>
+                            </p:stCondLst>
+                            <p:childTnLst>
+                              <p:par>
+                                <p:cTn id="9" presetID="1" presetClass="entr" presetSubtype="0" fill="hold" nodeType="clickEffect">
+                                  <p:stCondLst>
+                                    <p:cond delay="0"/>
+                                  </p:stCondLst>
+                                  <p:childTnLst>
+                                    <p:set>
+                                      <p:cBhvr>
+                                        <p:cTn id="10" dur="1" fill="hold">
+                                          <p:stCondLst>
+                                            <p:cond delay="0"/>
+                                          </p:stCondLst>
+                                        </p:cTn>
+                                        <p:tgtEl>
+                                          <p:spTgt spid="6">
+                                            <p:txEl>
+                                              <p:pRg st="2" end="2"/>
+                                            </p:txEl>
+                                          </p:spTgt>
+                                        </p:tgtEl>
+                                        <p:attrNameLst>
+                                          <p:attrName>style.visibility</p:attrName>
+                                        </p:attrNameLst>
+                                      </p:cBhvr>
+                                      <p:to>
+                                        <p:strVal val="visible"/>
+                                      </p:to>
+                                    </p:set>
+                                  </p:childTnLst>
+                                </p:cTn>
+                              </p:par>
+                            </p:childTnLst>
+                          </p:cTn>
+                        </p:par>
+                      </p:childTnLst>
+                    </p:cTn>
+                  </p:par>
+                  <p:par>
+                    <p:cTn id="11" fill="hold">
+                      <p:stCondLst>
+                        <p:cond delay="indefinite"/>
+                      </p:stCondLst>
+                      <p:childTnLst>
+                        <p:par>
+                          <p:cTn id="12" fill="hold">
+                            <p:stCondLst>
+                              <p:cond delay="0"/>
+                            </p:stCondLst>
+                            <p:childTnLst>
+                              <p:par>
+                                <p:cTn id="13" presetID="1" presetClass="entr" presetSubtype="0" fill="hold" nodeType="clickEffect">
+                                  <p:stCondLst>
+                                    <p:cond delay="0"/>
+                                  </p:stCondLst>
+                                  <p:childTnLst>
+                                    <p:set>
+                                      <p:cBhvr>
+                                        <p:cTn id="14" dur="1" fill="hold">
+                                          <p:stCondLst>
+                                            <p:cond delay="0"/>
+                                          </p:stCondLst>
+                                        </p:cTn>
+                                        <p:tgtEl>
+                                          <p:spTgt spid="6">
+                                            <p:txEl>
+                                              <p:pRg st="4" end="4"/>
+                                            </p:txEl>
+                                          </p:spTgt>
+                                        </p:tgtEl>
+                                        <p:attrNameLst>
+                                          <p:attrName>style.visibility</p:attrName>
+                                        </p:attrNameLst>
+                                      </p:cBhvr>
+                                      <p:to>
+                                        <p:strVal val="visible"/>
+                                      </p:to>
+                                    </p:set>
+                                  </p:childTnLst>
+                                </p:cTn>
+                              </p:par>
+                            </p:childTnLst>
+                          </p:cTn>
+                        </p:par>
+                      </p:childTnLst>
+                    </p:cTn>
+                  </p:par>
+                  <p:par>
+                    <p:cTn id="15" fill="hold">
+                      <p:stCondLst>
+                        <p:cond delay="indefinite"/>
+                      </p:stCondLst>
+                      <p:childTnLst>
+                        <p:par>
+                          <p:cTn id="16" fill="hold">
+                            <p:stCondLst>
+                              <p:cond delay="0"/>
+                            </p:stCondLst>
+                            <p:childTnLst>
+                              <p:par>
+                                <p:cTn id="17" presetID="1" presetClass="entr" presetSubtype="0" fill="hold" nodeType="clickEffect">
+                                  <p:stCondLst>
+                                    <p:cond delay="0"/>
+                                  </p:stCondLst>
+                                  <p:childTnLst>
+                                    <p:set>
+                                      <p:cBhvr>
+                                        <p:cTn id="18" dur="1" fill="hold">
+                                          <p:stCondLst>
+                                            <p:cond delay="0"/>
+                                          </p:stCondLst>
+                                        </p:cTn>
+                                        <p:tgtEl>
+                                          <p:spTgt spid="6">
+                                            <p:txEl>
+                                              <p:pRg st="6" end="6"/>
+                                            </p:txEl>
+                                          </p:spTgt>
+                                        </p:tgtEl>
+                                        <p:attrNameLst>
+                                          <p:attrName>style.visibility</p:attrName>
+                                        </p:attrNameLst>
+                                      </p:cBhvr>
+                                      <p:to>
+                                        <p:strVal val="visible"/>
+                                      </p:to>
+                                    </p:set>
+                                  </p:childTnLst>
+                                </p:cTn>
+                              </p:par>
+                            </p:childTnLst>
+                          </p:cTn>
+                        </p:par>
+                      </p:childTnLst>
+                    </p:cTn>
+                  </p:par>
+                  <p:par>
+                    <p:cTn id="19" fill="hold">
+                      <p:stCondLst>
+                        <p:cond delay="indefinite"/>
+                      </p:stCondLst>
+                      <p:childTnLst>
+                        <p:par>
+                          <p:cTn id="20" fill="hold">
+                            <p:stCondLst>
+                              <p:cond delay="0"/>
+                            </p:stCondLst>
+                            <p:childTnLst>
+                              <p:par>
+                                <p:cTn id="21" presetID="1" presetClass="entr" presetSubtype="0" fill="hold" nodeType="clickEffect">
+                                  <p:stCondLst>
+                                    <p:cond delay="0"/>
+                                  </p:stCondLst>
+                                  <p:childTnLst>
+                                    <p:set>
+                                      <p:cBhvr>
+                                        <p:cTn id="22" dur="1" fill="hold">
+                                          <p:stCondLst>
+                                            <p:cond delay="0"/>
+                                          </p:stCondLst>
+                                        </p:cTn>
+                                        <p:tgtEl>
+                                          <p:spTgt spid="6">
+                                            <p:txEl>
+                                              <p:pRg st="8" end="8"/>
+                                            </p:txEl>
+                                          </p:spTgt>
+                                        </p:tgtEl>
+                                        <p:attrNameLst>
+                                          <p:attrName>style.visibility</p:attrName>
+                                        </p:attrNameLst>
+                                      </p:cBhvr>
+                                      <p:to>
+                                        <p:strVal val="visible"/>
+                                      </p:to>
+                                    </p:set>
+                                  </p:childTnLst>
+                                </p:cTn>
+                              </p:par>
+                            </p:childTnLst>
+                          </p:cTn>
+                        </p:par>
+                      </p:childTnLst>
+                    </p:cTn>
+                  </p:par>
+                </p:childTnLst>
+              </p:cTn>
+              <p:prevCondLst>
+                <p:cond evt="onPrev" delay="0">
+                  <p:tgtEl>
+                    <p:sldTgt/>
+                  </p:tgtEl>
+                </p:cond>
+              </p:prevCondLst>
+              <p:nextCondLst>
+                <p:cond evt="onNext" delay="0">
+                  <p:tgtEl>
+                    <p:sldTgt/>
+                  </p:tgtEl>
+                </p:cond>
+              </p:nextCondLst>
+            </p:seq>
+          </p:childTnLst>
+        </p:cTn>
+      </p:par>
+    </p:tnLst>
+  </p:timing>
+</p:sld>
+</file>
+
+<file path=ppt/slides/slide13.xml><?xml version="1.0" encoding="utf-8"?>
 <p:sld xmlns:a="http://schemas.openxmlformats.org/drawingml/2006/main" xmlns:r="http://schemas.openxmlformats.org/officeDocument/2006/relationships" xmlns:p="http://schemas.openxmlformats.org/presentationml/2006/main">
   <p:cSld>
     <p:spTree>
@@ -8892,7 +9890,7 @@
 </p:sld>
 </file>
 
-<file path=ppt/slides/slide12.xml><?xml version="1.0" encoding="utf-8"?>
+<file path=ppt/slides/slide14.xml><?xml version="1.0" encoding="utf-8"?>
 <p:sld xmlns:a="http://schemas.openxmlformats.org/drawingml/2006/main" xmlns:r="http://schemas.openxmlformats.org/officeDocument/2006/relationships" xmlns:p="http://schemas.openxmlformats.org/presentationml/2006/main">
   <p:cSld>
     <p:spTree>
@@ -11747,7 +12745,7 @@
 </p:sld>
 </file>
 
-<file path=ppt/slides/slide13.xml><?xml version="1.0" encoding="utf-8"?>
+<file path=ppt/slides/slide15.xml><?xml version="1.0" encoding="utf-8"?>
 <p:sld xmlns:a="http://schemas.openxmlformats.org/drawingml/2006/main" xmlns:r="http://schemas.openxmlformats.org/officeDocument/2006/relationships" xmlns:p="http://schemas.openxmlformats.org/presentationml/2006/main">
   <p:cSld>
     <p:spTree>
@@ -15040,7 +16038,7 @@
 </p:sld>
 </file>
 
-<file path=ppt/slides/slide14.xml><?xml version="1.0" encoding="utf-8"?>
+<file path=ppt/slides/slide16.xml><?xml version="1.0" encoding="utf-8"?>
 <p:sld xmlns:a="http://schemas.openxmlformats.org/drawingml/2006/main" xmlns:r="http://schemas.openxmlformats.org/officeDocument/2006/relationships" xmlns:p="http://schemas.openxmlformats.org/presentationml/2006/main">
   <p:cSld>
     <p:spTree>
@@ -17663,7 +18661,7 @@
 </p:sld>
 </file>
 
-<file path=ppt/slides/slide15.xml><?xml version="1.0" encoding="utf-8"?>
+<file path=ppt/slides/slide17.xml><?xml version="1.0" encoding="utf-8"?>
 <p:sld xmlns:a="http://schemas.openxmlformats.org/drawingml/2006/main" xmlns:r="http://schemas.openxmlformats.org/officeDocument/2006/relationships" xmlns:p="http://schemas.openxmlformats.org/presentationml/2006/main">
   <p:cSld>
     <p:spTree>
@@ -20168,7 +21166,7 @@
 </p:sld>
 </file>
 
-<file path=ppt/slides/slide16.xml><?xml version="1.0" encoding="utf-8"?>
+<file path=ppt/slides/slide18.xml><?xml version="1.0" encoding="utf-8"?>
 <p:sld xmlns:a="http://schemas.openxmlformats.org/drawingml/2006/main" xmlns:r="http://schemas.openxmlformats.org/officeDocument/2006/relationships" xmlns:p="http://schemas.openxmlformats.org/presentationml/2006/main">
   <p:cSld>
     <p:spTree>
@@ -22357,7 +23355,7 @@
 </p:sld>
 </file>
 
-<file path=ppt/slides/slide17.xml><?xml version="1.0" encoding="utf-8"?>
+<file path=ppt/slides/slide19.xml><?xml version="1.0" encoding="utf-8"?>
 <p:sld xmlns:a="http://schemas.openxmlformats.org/drawingml/2006/main" xmlns:r="http://schemas.openxmlformats.org/officeDocument/2006/relationships" xmlns:p="http://schemas.openxmlformats.org/presentationml/2006/main">
   <p:cSld>
     <p:spTree>
@@ -22954,7 +23952,437 @@
 </p:sld>
 </file>
 
-<file path=ppt/slides/slide18.xml><?xml version="1.0" encoding="utf-8"?>
+<file path=ppt/slides/slide2.xml><?xml version="1.0" encoding="utf-8"?>
+<p:sld xmlns:a="http://schemas.openxmlformats.org/drawingml/2006/main" xmlns:r="http://schemas.openxmlformats.org/officeDocument/2006/relationships" xmlns:p="http://schemas.openxmlformats.org/presentationml/2006/main">
+  <p:cSld>
+    <p:spTree>
+      <p:nvGrpSpPr>
+        <p:cNvPr id="1" name=""/>
+        <p:cNvGrpSpPr/>
+        <p:nvPr/>
+      </p:nvGrpSpPr>
+      <p:grpSpPr>
+        <a:xfrm>
+          <a:off x="0" y="0"/>
+          <a:ext cx="0" cy="0"/>
+          <a:chOff x="0" y="0"/>
+          <a:chExt cx="0" cy="0"/>
+        </a:xfrm>
+      </p:grpSpPr>
+      <p:sp>
+        <p:nvSpPr>
+          <p:cNvPr id="19" name="Title 1">
+            <a:extLst>
+              <a:ext uri="{FF2B5EF4-FFF2-40B4-BE49-F238E27FC236}">
+                <a16:creationId xmlns:a16="http://schemas.microsoft.com/office/drawing/2014/main" id="{1145B1FC-8B5F-4A10-B215-C60705EDF134}"/>
+              </a:ext>
+            </a:extLst>
+          </p:cNvPr>
+          <p:cNvSpPr txBox="1">
+            <a:spLocks/>
+          </p:cNvSpPr>
+          <p:nvPr/>
+        </p:nvSpPr>
+        <p:spPr>
+          <a:xfrm>
+            <a:off x="807187" y="280918"/>
+            <a:ext cx="10772775" cy="961277"/>
+          </a:xfrm>
+          <a:prstGeom prst="rect">
+            <a:avLst/>
+          </a:prstGeom>
+        </p:spPr>
+        <p:txBody>
+          <a:bodyPr vert="horz" lIns="91440" tIns="45720" rIns="91440" bIns="45720" rtlCol="0" anchor="ctr">
+            <a:normAutofit/>
+          </a:bodyPr>
+          <a:lstStyle>
+            <a:lvl1pPr algn="l" defTabSz="914400" rtl="0" eaLnBrk="1" latinLnBrk="0" hangingPunct="1">
+              <a:lnSpc>
+                <a:spcPct val="90000"/>
+              </a:lnSpc>
+              <a:spcBef>
+                <a:spcPct val="0"/>
+              </a:spcBef>
+              <a:buNone/>
+              <a:defRPr sz="4400" kern="1200">
+                <a:solidFill>
+                  <a:schemeClr val="tx1"/>
+                </a:solidFill>
+                <a:latin typeface="+mj-lt"/>
+                <a:ea typeface="+mj-ea"/>
+                <a:cs typeface="+mj-cs"/>
+              </a:defRPr>
+            </a:lvl1pPr>
+          </a:lstStyle>
+          <a:p>
+            <a:pPr algn="ctr"/>
+            <a:r>
+              <a:rPr lang="en-US" b="1" dirty="0">
+                <a:solidFill>
+                  <a:schemeClr val="accent1">
+                    <a:lumMod val="75000"/>
+                  </a:schemeClr>
+                </a:solidFill>
+                <a:latin typeface="+mn-lt"/>
+              </a:rPr>
+              <a:t>Speaking Difficulties</a:t>
+            </a:r>
+          </a:p>
+        </p:txBody>
+      </p:sp>
+      <p:pic>
+        <p:nvPicPr>
+          <p:cNvPr id="20" name="Picture 19" descr="A picture containing object&#10;&#10;Description generated with very high confidence">
+            <a:extLst>
+              <a:ext uri="{FF2B5EF4-FFF2-40B4-BE49-F238E27FC236}">
+                <a16:creationId xmlns:a16="http://schemas.microsoft.com/office/drawing/2014/main" id="{BFA8EE74-C4C5-4B64-A157-B93B22BF494E}"/>
+              </a:ext>
+            </a:extLst>
+          </p:cNvPr>
+          <p:cNvPicPr>
+            <a:picLocks noChangeAspect="1"/>
+          </p:cNvPicPr>
+          <p:nvPr/>
+        </p:nvPicPr>
+        <p:blipFill>
+          <a:blip r:embed="rId3">
+            <a:extLst>
+              <a:ext uri="{28A0092B-C50C-407E-A947-70E740481C1C}">
+                <a14:useLocalDpi xmlns:a14="http://schemas.microsoft.com/office/drawing/2010/main" val="0"/>
+              </a:ext>
+            </a:extLst>
+          </a:blip>
+          <a:stretch>
+            <a:fillRect/>
+          </a:stretch>
+        </p:blipFill>
+        <p:spPr>
+          <a:xfrm>
+            <a:off x="9835376" y="6328400"/>
+            <a:ext cx="2223771" cy="428280"/>
+          </a:xfrm>
+          <a:prstGeom prst="rect">
+            <a:avLst/>
+          </a:prstGeom>
+        </p:spPr>
+      </p:pic>
+      <p:sp>
+        <p:nvSpPr>
+          <p:cNvPr id="6" name="TextBox 5">
+            <a:extLst>
+              <a:ext uri="{FF2B5EF4-FFF2-40B4-BE49-F238E27FC236}">
+                <a16:creationId xmlns:a16="http://schemas.microsoft.com/office/drawing/2014/main" id="{74D658F0-641F-4B92-BDB3-3845C185EDF3}"/>
+              </a:ext>
+            </a:extLst>
+          </p:cNvPr>
+          <p:cNvSpPr txBox="1"/>
+          <p:nvPr/>
+        </p:nvSpPr>
+        <p:spPr>
+          <a:xfrm>
+            <a:off x="1004461" y="1712156"/>
+            <a:ext cx="11031392" cy="2554545"/>
+          </a:xfrm>
+          <a:prstGeom prst="rect">
+            <a:avLst/>
+          </a:prstGeom>
+          <a:noFill/>
+        </p:spPr>
+        <p:txBody>
+          <a:bodyPr wrap="square" rtlCol="0">
+            <a:spAutoFit/>
+          </a:bodyPr>
+          <a:lstStyle/>
+          <a:p>
+            <a:pPr marL="457200" indent="-457200">
+              <a:buFont typeface="Wingdings" panose="05000000000000000000" pitchFamily="2" charset="2"/>
+              <a:buChar char="§"/>
+            </a:pPr>
+            <a:r>
+              <a:rPr lang="en-US" sz="3200" dirty="0"/>
+              <a:t>What are speaking difficulties</a:t>
+            </a:r>
+          </a:p>
+          <a:p>
+            <a:pPr marL="914400" lvl="1" indent="-457200">
+              <a:buFont typeface="Wingdings" panose="05000000000000000000" pitchFamily="2" charset="2"/>
+              <a:buChar char="§"/>
+            </a:pPr>
+            <a:r>
+              <a:rPr lang="en-US" sz="3200" dirty="0"/>
+              <a:t>Lisp, Selective stuttering</a:t>
+            </a:r>
+          </a:p>
+          <a:p>
+            <a:pPr marL="457200" indent="-457200">
+              <a:buFont typeface="Wingdings" panose="05000000000000000000" pitchFamily="2" charset="2"/>
+              <a:buChar char="§"/>
+            </a:pPr>
+            <a:r>
+              <a:rPr lang="en-US" sz="3200" dirty="0"/>
+              <a:t>What kind of problems</a:t>
+            </a:r>
+          </a:p>
+          <a:p>
+            <a:pPr marL="914400" lvl="1" indent="-457200">
+              <a:buFont typeface="Wingdings" panose="05000000000000000000" pitchFamily="2" charset="2"/>
+              <a:buChar char="§"/>
+            </a:pPr>
+            <a:r>
+              <a:rPr lang="en-US" sz="3200" dirty="0"/>
+              <a:t>Elongating a sound, pausing</a:t>
+            </a:r>
+          </a:p>
+          <a:p>
+            <a:pPr marL="457200" indent="-457200">
+              <a:buFont typeface="Wingdings" panose="05000000000000000000" pitchFamily="2" charset="2"/>
+              <a:buChar char="§"/>
+            </a:pPr>
+            <a:endParaRPr lang="en-US" sz="3200" dirty="0"/>
+          </a:p>
+        </p:txBody>
+      </p:sp>
+    </p:spTree>
+    <p:extLst>
+      <p:ext uri="{BB962C8B-B14F-4D97-AF65-F5344CB8AC3E}">
+        <p14:creationId xmlns:p14="http://schemas.microsoft.com/office/powerpoint/2010/main" val="1989034601"/>
+      </p:ext>
+    </p:extLst>
+  </p:cSld>
+  <p:clrMapOvr>
+    <a:masterClrMapping/>
+  </p:clrMapOvr>
+  <p:timing>
+    <p:tnLst>
+      <p:par>
+        <p:cTn id="1" dur="indefinite" restart="never" nodeType="tmRoot">
+          <p:childTnLst>
+            <p:seq concurrent="1" nextAc="seek">
+              <p:cTn id="2" dur="indefinite" nodeType="mainSeq">
+                <p:childTnLst>
+                  <p:par>
+                    <p:cTn id="3" fill="hold">
+                      <p:stCondLst>
+                        <p:cond delay="indefinite"/>
+                      </p:stCondLst>
+                      <p:childTnLst>
+                        <p:par>
+                          <p:cTn id="4" fill="hold">
+                            <p:stCondLst>
+                              <p:cond delay="0"/>
+                            </p:stCondLst>
+                            <p:childTnLst>
+                              <p:par>
+                                <p:cTn id="5" presetID="1" presetClass="entr" presetSubtype="0" fill="hold" nodeType="clickEffect">
+                                  <p:stCondLst>
+                                    <p:cond delay="0"/>
+                                  </p:stCondLst>
+                                  <p:childTnLst>
+                                    <p:set>
+                                      <p:cBhvr>
+                                        <p:cTn id="6" dur="1" fill="hold">
+                                          <p:stCondLst>
+                                            <p:cond delay="0"/>
+                                          </p:stCondLst>
+                                        </p:cTn>
+                                        <p:tgtEl>
+                                          <p:spTgt spid="6">
+                                            <p:txEl>
+                                              <p:pRg st="0" end="0"/>
+                                            </p:txEl>
+                                          </p:spTgt>
+                                        </p:tgtEl>
+                                        <p:attrNameLst>
+                                          <p:attrName>style.visibility</p:attrName>
+                                        </p:attrNameLst>
+                                      </p:cBhvr>
+                                      <p:to>
+                                        <p:strVal val="visible"/>
+                                      </p:to>
+                                    </p:set>
+                                  </p:childTnLst>
+                                </p:cTn>
+                              </p:par>
+                            </p:childTnLst>
+                          </p:cTn>
+                        </p:par>
+                      </p:childTnLst>
+                    </p:cTn>
+                  </p:par>
+                  <p:par>
+                    <p:cTn id="7" fill="hold">
+                      <p:stCondLst>
+                        <p:cond delay="indefinite"/>
+                      </p:stCondLst>
+                      <p:childTnLst>
+                        <p:par>
+                          <p:cTn id="8" fill="hold">
+                            <p:stCondLst>
+                              <p:cond delay="0"/>
+                            </p:stCondLst>
+                            <p:childTnLst>
+                              <p:par>
+                                <p:cTn id="9" presetID="1" presetClass="entr" presetSubtype="0" fill="hold" nodeType="clickEffect">
+                                  <p:stCondLst>
+                                    <p:cond delay="0"/>
+                                  </p:stCondLst>
+                                  <p:childTnLst>
+                                    <p:set>
+                                      <p:cBhvr>
+                                        <p:cTn id="10" dur="1" fill="hold">
+                                          <p:stCondLst>
+                                            <p:cond delay="0"/>
+                                          </p:stCondLst>
+                                        </p:cTn>
+                                        <p:tgtEl>
+                                          <p:spTgt spid="6">
+                                            <p:txEl>
+                                              <p:pRg st="1" end="1"/>
+                                            </p:txEl>
+                                          </p:spTgt>
+                                        </p:tgtEl>
+                                        <p:attrNameLst>
+                                          <p:attrName>style.visibility</p:attrName>
+                                        </p:attrNameLst>
+                                      </p:cBhvr>
+                                      <p:to>
+                                        <p:strVal val="visible"/>
+                                      </p:to>
+                                    </p:set>
+                                  </p:childTnLst>
+                                </p:cTn>
+                              </p:par>
+                            </p:childTnLst>
+                          </p:cTn>
+                        </p:par>
+                      </p:childTnLst>
+                    </p:cTn>
+                  </p:par>
+                  <p:par>
+                    <p:cTn id="11" fill="hold">
+                      <p:stCondLst>
+                        <p:cond delay="indefinite"/>
+                      </p:stCondLst>
+                      <p:childTnLst>
+                        <p:par>
+                          <p:cTn id="12" fill="hold">
+                            <p:stCondLst>
+                              <p:cond delay="0"/>
+                            </p:stCondLst>
+                            <p:childTnLst>
+                              <p:par>
+                                <p:cTn id="13" presetID="1" presetClass="entr" presetSubtype="0" fill="hold" nodeType="clickEffect">
+                                  <p:stCondLst>
+                                    <p:cond delay="0"/>
+                                  </p:stCondLst>
+                                  <p:childTnLst>
+                                    <p:set>
+                                      <p:cBhvr>
+                                        <p:cTn id="14" dur="1" fill="hold">
+                                          <p:stCondLst>
+                                            <p:cond delay="0"/>
+                                          </p:stCondLst>
+                                        </p:cTn>
+                                        <p:tgtEl>
+                                          <p:spTgt spid="6">
+                                            <p:txEl>
+                                              <p:pRg st="2" end="2"/>
+                                            </p:txEl>
+                                          </p:spTgt>
+                                        </p:tgtEl>
+                                        <p:attrNameLst>
+                                          <p:attrName>style.visibility</p:attrName>
+                                        </p:attrNameLst>
+                                      </p:cBhvr>
+                                      <p:to>
+                                        <p:strVal val="visible"/>
+                                      </p:to>
+                                    </p:set>
+                                  </p:childTnLst>
+                                </p:cTn>
+                              </p:par>
+                            </p:childTnLst>
+                          </p:cTn>
+                        </p:par>
+                      </p:childTnLst>
+                    </p:cTn>
+                  </p:par>
+                  <p:par>
+                    <p:cTn id="15" fill="hold">
+                      <p:stCondLst>
+                        <p:cond delay="indefinite"/>
+                      </p:stCondLst>
+                      <p:childTnLst>
+                        <p:par>
+                          <p:cTn id="16" fill="hold">
+                            <p:stCondLst>
+                              <p:cond delay="0"/>
+                            </p:stCondLst>
+                            <p:childTnLst>
+                              <p:par>
+                                <p:cTn id="17" presetID="1" presetClass="entr" presetSubtype="0" fill="hold" nodeType="clickEffect">
+                                  <p:stCondLst>
+                                    <p:cond delay="0"/>
+                                  </p:stCondLst>
+                                  <p:childTnLst>
+                                    <p:set>
+                                      <p:cBhvr>
+                                        <p:cTn id="18" dur="1" fill="hold">
+                                          <p:stCondLst>
+                                            <p:cond delay="0"/>
+                                          </p:stCondLst>
+                                        </p:cTn>
+                                        <p:tgtEl>
+                                          <p:spTgt spid="6">
+                                            <p:txEl>
+                                              <p:pRg st="3" end="3"/>
+                                            </p:txEl>
+                                          </p:spTgt>
+                                        </p:tgtEl>
+                                        <p:attrNameLst>
+                                          <p:attrName>style.visibility</p:attrName>
+                                        </p:attrNameLst>
+                                      </p:cBhvr>
+                                      <p:to>
+                                        <p:strVal val="visible"/>
+                                      </p:to>
+                                    </p:set>
+                                  </p:childTnLst>
+                                </p:cTn>
+                              </p:par>
+                            </p:childTnLst>
+                          </p:cTn>
+                        </p:par>
+                      </p:childTnLst>
+                    </p:cTn>
+                  </p:par>
+                </p:childTnLst>
+              </p:cTn>
+              <p:prevCondLst>
+                <p:cond evt="onPrev" delay="0">
+                  <p:tgtEl>
+                    <p:sldTgt/>
+                  </p:tgtEl>
+                </p:cond>
+              </p:prevCondLst>
+              <p:nextCondLst>
+                <p:cond evt="onNext" delay="0">
+                  <p:tgtEl>
+                    <p:sldTgt/>
+                  </p:tgtEl>
+                </p:cond>
+              </p:nextCondLst>
+            </p:seq>
+          </p:childTnLst>
+        </p:cTn>
+      </p:par>
+    </p:tnLst>
+  </p:timing>
+</p:sld>
+</file>
+
+<file path=ppt/slides/slide20.xml><?xml version="1.0" encoding="utf-8"?>
 <p:sld xmlns:a="http://schemas.openxmlformats.org/drawingml/2006/main" xmlns:r="http://schemas.openxmlformats.org/officeDocument/2006/relationships" xmlns:p="http://schemas.openxmlformats.org/presentationml/2006/main">
   <p:cSld>
     <p:spTree>
@@ -23521,318 +24949,6 @@
 </p:sld>
 </file>
 
-<file path=ppt/slides/slide2.xml><?xml version="1.0" encoding="utf-8"?>
-<p:sld xmlns:a="http://schemas.openxmlformats.org/drawingml/2006/main" xmlns:r="http://schemas.openxmlformats.org/officeDocument/2006/relationships" xmlns:p="http://schemas.openxmlformats.org/presentationml/2006/main">
-  <p:cSld>
-    <p:spTree>
-      <p:nvGrpSpPr>
-        <p:cNvPr id="1" name=""/>
-        <p:cNvGrpSpPr/>
-        <p:nvPr/>
-      </p:nvGrpSpPr>
-      <p:grpSpPr>
-        <a:xfrm>
-          <a:off x="0" y="0"/>
-          <a:ext cx="0" cy="0"/>
-          <a:chOff x="0" y="0"/>
-          <a:chExt cx="0" cy="0"/>
-        </a:xfrm>
-      </p:grpSpPr>
-      <p:sp>
-        <p:nvSpPr>
-          <p:cNvPr id="19" name="Title 1">
-            <a:extLst>
-              <a:ext uri="{FF2B5EF4-FFF2-40B4-BE49-F238E27FC236}">
-                <a16:creationId xmlns:a16="http://schemas.microsoft.com/office/drawing/2014/main" id="{1145B1FC-8B5F-4A10-B215-C60705EDF134}"/>
-              </a:ext>
-            </a:extLst>
-          </p:cNvPr>
-          <p:cNvSpPr txBox="1">
-            <a:spLocks/>
-          </p:cNvSpPr>
-          <p:nvPr/>
-        </p:nvSpPr>
-        <p:spPr>
-          <a:xfrm>
-            <a:off x="807187" y="280918"/>
-            <a:ext cx="10772775" cy="961277"/>
-          </a:xfrm>
-          <a:prstGeom prst="rect">
-            <a:avLst/>
-          </a:prstGeom>
-        </p:spPr>
-        <p:txBody>
-          <a:bodyPr vert="horz" lIns="91440" tIns="45720" rIns="91440" bIns="45720" rtlCol="0" anchor="ctr">
-            <a:normAutofit/>
-          </a:bodyPr>
-          <a:lstStyle>
-            <a:lvl1pPr algn="l" defTabSz="914400" rtl="0" eaLnBrk="1" latinLnBrk="0" hangingPunct="1">
-              <a:lnSpc>
-                <a:spcPct val="90000"/>
-              </a:lnSpc>
-              <a:spcBef>
-                <a:spcPct val="0"/>
-              </a:spcBef>
-              <a:buNone/>
-              <a:defRPr sz="4400" kern="1200">
-                <a:solidFill>
-                  <a:schemeClr val="tx1"/>
-                </a:solidFill>
-                <a:latin typeface="+mj-lt"/>
-                <a:ea typeface="+mj-ea"/>
-                <a:cs typeface="+mj-cs"/>
-              </a:defRPr>
-            </a:lvl1pPr>
-          </a:lstStyle>
-          <a:p>
-            <a:pPr algn="ctr"/>
-            <a:r>
-              <a:rPr lang="en-US" b="1" dirty="0">
-                <a:solidFill>
-                  <a:schemeClr val="accent1">
-                    <a:lumMod val="75000"/>
-                  </a:schemeClr>
-                </a:solidFill>
-                <a:latin typeface="+mn-lt"/>
-              </a:rPr>
-              <a:t>Speaking Difficulties</a:t>
-            </a:r>
-          </a:p>
-        </p:txBody>
-      </p:sp>
-      <p:pic>
-        <p:nvPicPr>
-          <p:cNvPr id="20" name="Picture 19" descr="A picture containing object&#10;&#10;Description generated with very high confidence">
-            <a:extLst>
-              <a:ext uri="{FF2B5EF4-FFF2-40B4-BE49-F238E27FC236}">
-                <a16:creationId xmlns:a16="http://schemas.microsoft.com/office/drawing/2014/main" id="{BFA8EE74-C4C5-4B64-A157-B93B22BF494E}"/>
-              </a:ext>
-            </a:extLst>
-          </p:cNvPr>
-          <p:cNvPicPr>
-            <a:picLocks noChangeAspect="1"/>
-          </p:cNvPicPr>
-          <p:nvPr/>
-        </p:nvPicPr>
-        <p:blipFill>
-          <a:blip r:embed="rId3">
-            <a:extLst>
-              <a:ext uri="{28A0092B-C50C-407E-A947-70E740481C1C}">
-                <a14:useLocalDpi xmlns:a14="http://schemas.microsoft.com/office/drawing/2010/main" val="0"/>
-              </a:ext>
-            </a:extLst>
-          </a:blip>
-          <a:stretch>
-            <a:fillRect/>
-          </a:stretch>
-        </p:blipFill>
-        <p:spPr>
-          <a:xfrm>
-            <a:off x="9835376" y="6328400"/>
-            <a:ext cx="2223771" cy="428280"/>
-          </a:xfrm>
-          <a:prstGeom prst="rect">
-            <a:avLst/>
-          </a:prstGeom>
-        </p:spPr>
-      </p:pic>
-      <p:sp>
-        <p:nvSpPr>
-          <p:cNvPr id="6" name="TextBox 5">
-            <a:extLst>
-              <a:ext uri="{FF2B5EF4-FFF2-40B4-BE49-F238E27FC236}">
-                <a16:creationId xmlns:a16="http://schemas.microsoft.com/office/drawing/2014/main" id="{74D658F0-641F-4B92-BDB3-3845C185EDF3}"/>
-              </a:ext>
-            </a:extLst>
-          </p:cNvPr>
-          <p:cNvSpPr txBox="1"/>
-          <p:nvPr/>
-        </p:nvSpPr>
-        <p:spPr>
-          <a:xfrm>
-            <a:off x="1004461" y="1712156"/>
-            <a:ext cx="11031392" cy="1569660"/>
-          </a:xfrm>
-          <a:prstGeom prst="rect">
-            <a:avLst/>
-          </a:prstGeom>
-          <a:noFill/>
-        </p:spPr>
-        <p:txBody>
-          <a:bodyPr wrap="square" rtlCol="0">
-            <a:spAutoFit/>
-          </a:bodyPr>
-          <a:lstStyle/>
-          <a:p>
-            <a:pPr marL="457200" indent="-457200">
-              <a:buFont typeface="Wingdings" panose="05000000000000000000" pitchFamily="2" charset="2"/>
-              <a:buChar char="§"/>
-            </a:pPr>
-            <a:r>
-              <a:rPr lang="en-US" sz="3200" dirty="0"/>
-              <a:t>What are speaking difficulties</a:t>
-            </a:r>
-          </a:p>
-          <a:p>
-            <a:pPr marL="457200" indent="-457200">
-              <a:buFont typeface="Wingdings" panose="05000000000000000000" pitchFamily="2" charset="2"/>
-              <a:buChar char="§"/>
-            </a:pPr>
-            <a:r>
-              <a:rPr lang="en-US" sz="3200" dirty="0"/>
-              <a:t>What kind of problems</a:t>
-            </a:r>
-          </a:p>
-          <a:p>
-            <a:pPr marL="457200" indent="-457200">
-              <a:buFont typeface="Wingdings" panose="05000000000000000000" pitchFamily="2" charset="2"/>
-              <a:buChar char="§"/>
-            </a:pPr>
-            <a:endParaRPr lang="en-US" sz="3200" dirty="0"/>
-          </a:p>
-        </p:txBody>
-      </p:sp>
-    </p:spTree>
-    <p:extLst>
-      <p:ext uri="{BB962C8B-B14F-4D97-AF65-F5344CB8AC3E}">
-        <p14:creationId xmlns:p14="http://schemas.microsoft.com/office/powerpoint/2010/main" val="1989034601"/>
-      </p:ext>
-    </p:extLst>
-  </p:cSld>
-  <p:clrMapOvr>
-    <a:masterClrMapping/>
-  </p:clrMapOvr>
-  <p:timing>
-    <p:tnLst>
-      <p:par>
-        <p:cTn id="1" dur="indefinite" restart="never" nodeType="tmRoot">
-          <p:childTnLst>
-            <p:seq concurrent="1" nextAc="seek">
-              <p:cTn id="2" dur="indefinite" nodeType="mainSeq">
-                <p:childTnLst>
-                  <p:par>
-                    <p:cTn id="3" fill="hold">
-                      <p:stCondLst>
-                        <p:cond delay="indefinite"/>
-                      </p:stCondLst>
-                      <p:childTnLst>
-                        <p:par>
-                          <p:cTn id="4" fill="hold">
-                            <p:stCondLst>
-                              <p:cond delay="0"/>
-                            </p:stCondLst>
-                            <p:childTnLst>
-                              <p:par>
-                                <p:cTn id="5" presetID="1" presetClass="entr" presetSubtype="0" fill="hold" nodeType="clickEffect">
-                                  <p:stCondLst>
-                                    <p:cond delay="0"/>
-                                  </p:stCondLst>
-                                  <p:childTnLst>
-                                    <p:set>
-                                      <p:cBhvr>
-                                        <p:cTn id="6" dur="1" fill="hold">
-                                          <p:stCondLst>
-                                            <p:cond delay="0"/>
-                                          </p:stCondLst>
-                                        </p:cTn>
-                                        <p:tgtEl>
-                                          <p:spTgt spid="6">
-                                            <p:txEl>
-                                              <p:pRg st="0" end="0"/>
-                                            </p:txEl>
-                                          </p:spTgt>
-                                        </p:tgtEl>
-                                        <p:attrNameLst>
-                                          <p:attrName>style.visibility</p:attrName>
-                                        </p:attrNameLst>
-                                      </p:cBhvr>
-                                      <p:to>
-                                        <p:strVal val="visible"/>
-                                      </p:to>
-                                    </p:set>
-                                  </p:childTnLst>
-                                </p:cTn>
-                              </p:par>
-                            </p:childTnLst>
-                          </p:cTn>
-                        </p:par>
-                      </p:childTnLst>
-                    </p:cTn>
-                  </p:par>
-                  <p:par>
-                    <p:cTn id="7" fill="hold">
-                      <p:stCondLst>
-                        <p:cond delay="indefinite"/>
-                      </p:stCondLst>
-                      <p:childTnLst>
-                        <p:par>
-                          <p:cTn id="8" fill="hold">
-                            <p:stCondLst>
-                              <p:cond delay="0"/>
-                            </p:stCondLst>
-                            <p:childTnLst>
-                              <p:par>
-                                <p:cTn id="9" presetID="1" presetClass="entr" presetSubtype="0" fill="hold" nodeType="clickEffect">
-                                  <p:stCondLst>
-                                    <p:cond delay="0"/>
-                                  </p:stCondLst>
-                                  <p:childTnLst>
-                                    <p:set>
-                                      <p:cBhvr>
-                                        <p:cTn id="10" dur="1" fill="hold">
-                                          <p:stCondLst>
-                                            <p:cond delay="0"/>
-                                          </p:stCondLst>
-                                        </p:cTn>
-                                        <p:tgtEl>
-                                          <p:spTgt spid="6">
-                                            <p:txEl>
-                                              <p:pRg st="1" end="1"/>
-                                            </p:txEl>
-                                          </p:spTgt>
-                                        </p:tgtEl>
-                                        <p:attrNameLst>
-                                          <p:attrName>style.visibility</p:attrName>
-                                        </p:attrNameLst>
-                                      </p:cBhvr>
-                                      <p:to>
-                                        <p:strVal val="visible"/>
-                                      </p:to>
-                                    </p:set>
-                                  </p:childTnLst>
-                                </p:cTn>
-                              </p:par>
-                            </p:childTnLst>
-                          </p:cTn>
-                        </p:par>
-                      </p:childTnLst>
-                    </p:cTn>
-                  </p:par>
-                </p:childTnLst>
-              </p:cTn>
-              <p:prevCondLst>
-                <p:cond evt="onPrev" delay="0">
-                  <p:tgtEl>
-                    <p:sldTgt/>
-                  </p:tgtEl>
-                </p:cond>
-              </p:prevCondLst>
-              <p:nextCondLst>
-                <p:cond evt="onNext" delay="0">
-                  <p:tgtEl>
-                    <p:sldTgt/>
-                  </p:tgtEl>
-                </p:cond>
-              </p:nextCondLst>
-            </p:seq>
-          </p:childTnLst>
-        </p:cTn>
-      </p:par>
-    </p:tnLst>
-  </p:timing>
-</p:sld>
-</file>
-
 <file path=ppt/slides/slide3.xml><?xml version="1.0" encoding="utf-8"?>
 <p:sld xmlns:a="http://schemas.openxmlformats.org/drawingml/2006/main" xmlns:r="http://schemas.openxmlformats.org/officeDocument/2006/relationships" xmlns:p="http://schemas.openxmlformats.org/presentationml/2006/main">
   <p:cSld>
@@ -24285,7 +25401,7 @@
                 </a:solidFill>
                 <a:latin typeface="+mn-lt"/>
               </a:rPr>
-              <a:t>Phonetic Embeddings</a:t>
+              <a:t>AI Augmented Writing Platforms</a:t>
             </a:r>
           </a:p>
         </p:txBody>
@@ -24340,7 +25456,7 @@
         </p:nvSpPr>
         <p:spPr>
           <a:xfrm>
-            <a:off x="1004461" y="1712156"/>
+            <a:off x="677878" y="1242195"/>
             <a:ext cx="11031392" cy="1569660"/>
           </a:xfrm>
           <a:prstGeom prst="rect">
@@ -24354,38 +25470,51 @@
           </a:bodyPr>
           <a:lstStyle/>
           <a:p>
-            <a:pPr marL="457200" indent="-457200">
-              <a:buFont typeface="Wingdings" panose="05000000000000000000" pitchFamily="2" charset="2"/>
-              <a:buChar char="§"/>
+            <a:pPr marL="342900" indent="-342900">
+              <a:buFontTx/>
+              <a:buChar char="-"/>
             </a:pPr>
             <a:r>
-              <a:rPr lang="en-US" sz="3200" dirty="0"/>
-              <a:t>What are speaking difficulties</a:t>
+              <a:rPr lang="en-US" sz="2400" dirty="0"/>
+              <a:t>People with Visual Impairments</a:t>
             </a:r>
           </a:p>
           <a:p>
-            <a:pPr marL="457200" indent="-457200">
-              <a:buFont typeface="Wingdings" panose="05000000000000000000" pitchFamily="2" charset="2"/>
-              <a:buChar char="§"/>
+            <a:pPr marL="342900" indent="-342900">
+              <a:buFontTx/>
+              <a:buChar char="-"/>
             </a:pPr>
             <a:r>
-              <a:rPr lang="en-US" sz="3200" dirty="0"/>
-              <a:t>What kind of problems</a:t>
+              <a:rPr lang="en-US" sz="2400" dirty="0"/>
+              <a:t>Autocompletion of sentences</a:t>
             </a:r>
           </a:p>
           <a:p>
-            <a:pPr marL="457200" indent="-457200">
-              <a:buFont typeface="Wingdings" panose="05000000000000000000" pitchFamily="2" charset="2"/>
-              <a:buChar char="§"/>
+            <a:pPr marL="342900" indent="-342900">
+              <a:buFontTx/>
+              <a:buChar char="-"/>
             </a:pPr>
-            <a:endParaRPr lang="en-US" sz="3200" dirty="0"/>
+            <a:r>
+              <a:rPr lang="en-US" sz="2400" dirty="0"/>
+              <a:t>Refine tone, grammatical errors (Grammarly)</a:t>
+            </a:r>
+          </a:p>
+          <a:p>
+            <a:pPr marL="342900" indent="-342900">
+              <a:buFontTx/>
+              <a:buChar char="-"/>
+            </a:pPr>
+            <a:r>
+              <a:rPr lang="en-US" sz="2400" dirty="0"/>
+              <a:t>Gender Bias (Text.io)</a:t>
+            </a:r>
           </a:p>
         </p:txBody>
       </p:sp>
     </p:spTree>
     <p:extLst>
       <p:ext uri="{BB962C8B-B14F-4D97-AF65-F5344CB8AC3E}">
-        <p14:creationId xmlns:p14="http://schemas.microsoft.com/office/powerpoint/2010/main" val="4034023474"/>
+        <p14:creationId xmlns:p14="http://schemas.microsoft.com/office/powerpoint/2010/main" val="3249092814"/>
       </p:ext>
     </p:extLst>
   </p:cSld>
@@ -24498,6 +25627,104 @@
                       </p:childTnLst>
                     </p:cTn>
                   </p:par>
+                  <p:par>
+                    <p:cTn id="11" fill="hold">
+                      <p:stCondLst>
+                        <p:cond delay="indefinite"/>
+                      </p:stCondLst>
+                      <p:childTnLst>
+                        <p:par>
+                          <p:cTn id="12" fill="hold">
+                            <p:stCondLst>
+                              <p:cond delay="0"/>
+                            </p:stCondLst>
+                            <p:childTnLst>
+                              <p:par>
+                                <p:cTn id="13" presetID="1" presetClass="entr" presetSubtype="0" fill="hold" nodeType="clickEffect">
+                                  <p:stCondLst>
+                                    <p:cond delay="0"/>
+                                  </p:stCondLst>
+                                  <p:childTnLst>
+                                    <p:set>
+                                      <p:cBhvr>
+                                        <p:cTn id="14" dur="1" fill="hold">
+                                          <p:stCondLst>
+                                            <p:cond delay="0"/>
+                                          </p:stCondLst>
+                                        </p:cTn>
+                                        <p:tgtEl>
+                                          <p:spTgt spid="6">
+                                            <p:txEl>
+                                              <p:pRg st="2" end="2"/>
+                                            </p:txEl>
+                                          </p:spTgt>
+                                        </p:tgtEl>
+                                        <p:attrNameLst>
+                                          <p:attrName>style.visibility</p:attrName>
+                                        </p:attrNameLst>
+                                      </p:cBhvr>
+                                      <p:to>
+                                        <p:strVal val="visible"/>
+                                      </p:to>
+                                    </p:set>
+                                  </p:childTnLst>
+                                </p:cTn>
+                              </p:par>
+                            </p:childTnLst>
+                          </p:cTn>
+                        </p:par>
+                      </p:childTnLst>
+                    </p:cTn>
+                  </p:par>
+                  <p:par>
+                    <p:cTn id="15" fill="hold">
+                      <p:stCondLst>
+                        <p:cond delay="indefinite"/>
+                      </p:stCondLst>
+                      <p:childTnLst>
+                        <p:par>
+                          <p:cTn id="16" fill="hold">
+                            <p:stCondLst>
+                              <p:cond delay="0"/>
+                            </p:stCondLst>
+                            <p:childTnLst>
+                              <p:par>
+                                <p:cTn id="17" presetID="1" presetClass="entr" presetSubtype="0" fill="hold" nodeType="clickEffect">
+                                  <p:stCondLst>
+                                    <p:cond delay="0"/>
+                                  </p:stCondLst>
+                                  <p:childTnLst>
+                                    <p:set>
+                                      <p:cBhvr>
+                                        <p:cTn id="18" dur="1" fill="hold">
+                                          <p:stCondLst>
+                                            <p:cond delay="0"/>
+                                          </p:stCondLst>
+                                        </p:cTn>
+                                        <p:tgtEl>
+                                          <p:spTgt spid="6">
+                                            <p:txEl>
+                                              <p:pRg st="3" end="3"/>
+                                            </p:txEl>
+                                          </p:spTgt>
+                                        </p:tgtEl>
+                                        <p:attrNameLst>
+                                          <p:attrName>style.visibility</p:attrName>
+                                        </p:attrNameLst>
+                                      </p:cBhvr>
+                                      <p:to>
+                                        <p:strVal val="visible"/>
+                                      </p:to>
+                                    </p:set>
+                                  </p:childTnLst>
+                                </p:cTn>
+                              </p:par>
+                            </p:childTnLst>
+                          </p:cTn>
+                        </p:par>
+                      </p:childTnLst>
+                    </p:cTn>
+                  </p:par>
                 </p:childTnLst>
               </p:cTn>
               <p:prevCondLst>
@@ -24597,7 +25824,7 @@
                 </a:solidFill>
                 <a:latin typeface="+mn-lt"/>
               </a:rPr>
-              <a:t>Problem Statement</a:t>
+              <a:t>Phonetic Embeddings</a:t>
             </a:r>
           </a:p>
         </p:txBody>
@@ -24652,8 +25879,8 @@
         </p:nvSpPr>
         <p:spPr>
           <a:xfrm>
-            <a:off x="1004461" y="1712156"/>
-            <a:ext cx="11031392" cy="3046988"/>
+            <a:off x="677878" y="1128681"/>
+            <a:ext cx="11031392" cy="830997"/>
           </a:xfrm>
           <a:prstGeom prst="rect">
             <a:avLst/>
@@ -24666,30 +25893,9 @@
           </a:bodyPr>
           <a:lstStyle/>
           <a:p>
-            <a:pPr marL="457200" indent="-457200">
-              <a:buFont typeface="Wingdings" panose="05000000000000000000" pitchFamily="2" charset="2"/>
-              <a:buChar char="§"/>
-            </a:pPr>
             <a:r>
-              <a:rPr lang="en-US" sz="3200" dirty="0"/>
-              <a:t>How can we elicit and incorporate Annotator’s rationale as an additional feedback into the AL pipeline to further expedite the learning process?</a:t>
-            </a:r>
-          </a:p>
-          <a:p>
-            <a:pPr marL="457200" indent="-457200">
-              <a:buFont typeface="Wingdings" panose="05000000000000000000" pitchFamily="2" charset="2"/>
-              <a:buChar char="§"/>
-            </a:pPr>
-            <a:endParaRPr lang="en-US" sz="3200" dirty="0"/>
-          </a:p>
-          <a:p>
-            <a:pPr marL="457200" indent="-457200">
-              <a:buFont typeface="Wingdings" panose="05000000000000000000" pitchFamily="2" charset="2"/>
-              <a:buChar char="§"/>
-            </a:pPr>
-            <a:r>
-              <a:rPr lang="en-US" sz="3200" dirty="0"/>
-              <a:t>Unlike previous work on feature-level input, the approach should be generalizable to tabular datasets as well.</a:t>
+              <a:rPr lang="en-US" sz="2400" dirty="0"/>
+              <a:t>Each word is represented by a high dimensional vector such that words with similar pronunciation lie close to each other.</a:t>
             </a:r>
           </a:p>
         </p:txBody>
@@ -24697,7 +25903,7 @@
     </p:spTree>
     <p:extLst>
       <p:ext uri="{BB962C8B-B14F-4D97-AF65-F5344CB8AC3E}">
-        <p14:creationId xmlns:p14="http://schemas.microsoft.com/office/powerpoint/2010/main" val="292941121"/>
+        <p14:creationId xmlns:p14="http://schemas.microsoft.com/office/powerpoint/2010/main" val="4034023474"/>
       </p:ext>
     </p:extLst>
   </p:cSld>
@@ -24741,55 +25947,6 @@
                                           <p:spTgt spid="6">
                                             <p:txEl>
                                               <p:pRg st="0" end="0"/>
-                                            </p:txEl>
-                                          </p:spTgt>
-                                        </p:tgtEl>
-                                        <p:attrNameLst>
-                                          <p:attrName>style.visibility</p:attrName>
-                                        </p:attrNameLst>
-                                      </p:cBhvr>
-                                      <p:to>
-                                        <p:strVal val="visible"/>
-                                      </p:to>
-                                    </p:set>
-                                  </p:childTnLst>
-                                </p:cTn>
-                              </p:par>
-                            </p:childTnLst>
-                          </p:cTn>
-                        </p:par>
-                      </p:childTnLst>
-                    </p:cTn>
-                  </p:par>
-                  <p:par>
-                    <p:cTn id="7" fill="hold">
-                      <p:stCondLst>
-                        <p:cond delay="indefinite"/>
-                      </p:stCondLst>
-                      <p:childTnLst>
-                        <p:par>
-                          <p:cTn id="8" fill="hold">
-                            <p:stCondLst>
-                              <p:cond delay="0"/>
-                            </p:stCondLst>
-                            <p:childTnLst>
-                              <p:par>
-                                <p:cTn id="9" presetID="1" presetClass="entr" presetSubtype="0" fill="hold" nodeType="clickEffect">
-                                  <p:stCondLst>
-                                    <p:cond delay="0"/>
-                                  </p:stCondLst>
-                                  <p:childTnLst>
-                                    <p:set>
-                                      <p:cBhvr>
-                                        <p:cTn id="10" dur="1" fill="hold">
-                                          <p:stCondLst>
-                                            <p:cond delay="0"/>
-                                          </p:stCondLst>
-                                        </p:cTn>
-                                        <p:tgtEl>
-                                          <p:spTgt spid="6">
-                                            <p:txEl>
-                                              <p:pRg st="2" end="2"/>
                                             </p:txEl>
                                           </p:spTgt>
                                         </p:tgtEl>

--- a/presentation.pptx
+++ b/presentation.pptx
@@ -5,29 +5,32 @@
     <p:sldMasterId id="2147483672" r:id="rId1"/>
   </p:sldMasterIdLst>
   <p:notesMasterIdLst>
-    <p:notesMasterId r:id="rId22"/>
+    <p:notesMasterId r:id="rId25"/>
   </p:notesMasterIdLst>
   <p:sldIdLst>
     <p:sldId id="256" r:id="rId2"/>
     <p:sldId id="344" r:id="rId3"/>
-    <p:sldId id="349" r:id="rId4"/>
-    <p:sldId id="350" r:id="rId5"/>
+    <p:sldId id="350" r:id="rId4"/>
+    <p:sldId id="349" r:id="rId5"/>
     <p:sldId id="348" r:id="rId6"/>
     <p:sldId id="324" r:id="rId7"/>
     <p:sldId id="346" r:id="rId8"/>
     <p:sldId id="347" r:id="rId9"/>
-    <p:sldId id="345" r:id="rId10"/>
-    <p:sldId id="352" r:id="rId11"/>
-    <p:sldId id="262" r:id="rId12"/>
-    <p:sldId id="351" r:id="rId13"/>
-    <p:sldId id="340" r:id="rId14"/>
-    <p:sldId id="339" r:id="rId15"/>
-    <p:sldId id="343" r:id="rId16"/>
-    <p:sldId id="338" r:id="rId17"/>
-    <p:sldId id="341" r:id="rId18"/>
-    <p:sldId id="342" r:id="rId19"/>
-    <p:sldId id="334" r:id="rId20"/>
-    <p:sldId id="336" r:id="rId21"/>
+    <p:sldId id="353" r:id="rId10"/>
+    <p:sldId id="354" r:id="rId11"/>
+    <p:sldId id="352" r:id="rId12"/>
+    <p:sldId id="262" r:id="rId13"/>
+    <p:sldId id="351" r:id="rId14"/>
+    <p:sldId id="345" r:id="rId15"/>
+    <p:sldId id="355" r:id="rId16"/>
+    <p:sldId id="340" r:id="rId17"/>
+    <p:sldId id="339" r:id="rId18"/>
+    <p:sldId id="343" r:id="rId19"/>
+    <p:sldId id="338" r:id="rId20"/>
+    <p:sldId id="341" r:id="rId21"/>
+    <p:sldId id="342" r:id="rId22"/>
+    <p:sldId id="334" r:id="rId23"/>
+    <p:sldId id="336" r:id="rId24"/>
   </p:sldIdLst>
   <p:sldSz cx="12192000" cy="6858000"/>
   <p:notesSz cx="6858000" cy="9144000"/>
@@ -216,7 +219,7 @@
           <a:p>
             <a:fld id="{6DE9E842-1B71-4FDF-8546-7CFAC534C405}" type="datetimeFigureOut">
               <a:rPr lang="en-US" smtClean="0"/>
-              <a:t>12/11/2020</a:t>
+              <a:t>3/29/2021</a:t>
             </a:fld>
             <a:endParaRPr lang="en-US"/>
           </a:p>
@@ -674,7 +677,7 @@
     </p:spTree>
     <p:extLst>
       <p:ext uri="{BB962C8B-B14F-4D97-AF65-F5344CB8AC3E}">
-        <p14:creationId xmlns:p14="http://schemas.microsoft.com/office/powerpoint/2010/main" val="560364245"/>
+        <p14:creationId xmlns:p14="http://schemas.microsoft.com/office/powerpoint/2010/main" val="884477245"/>
       </p:ext>
     </p:extLst>
   </p:cSld>
@@ -752,7 +755,7 @@
           <a:p>
             <a:fld id="{8CBD757D-DE5A-4CD1-82FB-678E1CF7B585}" type="slidenum">
               <a:rPr lang="en-US" smtClean="0"/>
-              <a:t>12</a:t>
+              <a:t>11</a:t>
             </a:fld>
             <a:endParaRPr lang="en-US"/>
           </a:p>
@@ -761,7 +764,7 @@
     </p:spTree>
     <p:extLst>
       <p:ext uri="{BB962C8B-B14F-4D97-AF65-F5344CB8AC3E}">
-        <p14:creationId xmlns:p14="http://schemas.microsoft.com/office/powerpoint/2010/main" val="2823344191"/>
+        <p14:creationId xmlns:p14="http://schemas.microsoft.com/office/powerpoint/2010/main" val="560364245"/>
       </p:ext>
     </p:extLst>
   </p:cSld>
@@ -848,7 +851,7 @@
     </p:spTree>
     <p:extLst>
       <p:ext uri="{BB962C8B-B14F-4D97-AF65-F5344CB8AC3E}">
-        <p14:creationId xmlns:p14="http://schemas.microsoft.com/office/powerpoint/2010/main" val="3720847408"/>
+        <p14:creationId xmlns:p14="http://schemas.microsoft.com/office/powerpoint/2010/main" val="2823344191"/>
       </p:ext>
     </p:extLst>
   </p:cSld>
@@ -904,93 +907,7 @@
           <a:p>
             <a:r>
               <a:rPr lang="en-US" dirty="0"/>
-              <a:t>This work is motivated from our previous work on Explainable active learning or XAL.</a:t>
-            </a:r>
-          </a:p>
-          <a:p>
-            <a:endParaRPr lang="en-US" dirty="0"/>
-          </a:p>
-          <a:p>
-            <a:r>
-              <a:rPr lang="en-US" sz="1200" dirty="0"/>
-              <a:t>we conducted a user study to understand the impact of adding local explanations with every query in the Active learning pipeline.</a:t>
-            </a:r>
-          </a:p>
-          <a:p>
-            <a:pPr marL="0" marR="0" lvl="0" indent="0" algn="l" defTabSz="914400" rtl="0" eaLnBrk="1" fontAlgn="auto" latinLnBrk="0" hangingPunct="1">
-              <a:lnSpc>
-                <a:spcPct val="100000"/>
-              </a:lnSpc>
-              <a:spcBef>
-                <a:spcPts val="0"/>
-              </a:spcBef>
-              <a:spcAft>
-                <a:spcPts val="0"/>
-              </a:spcAft>
-              <a:buClrTx/>
-              <a:buSzTx/>
-              <a:buFontTx/>
-              <a:buNone/>
-              <a:tabLst/>
-              <a:defRPr/>
-            </a:pPr>
-            <a:r>
-              <a:rPr lang="en-US" dirty="0"/>
-              <a:t>One of the key takeaways from the this work is that </a:t>
-            </a:r>
-          </a:p>
-          <a:p>
-            <a:pPr marL="0" marR="0" lvl="0" indent="0" algn="l" defTabSz="914400" rtl="0" eaLnBrk="1" fontAlgn="auto" latinLnBrk="0" hangingPunct="1">
-              <a:lnSpc>
-                <a:spcPct val="100000"/>
-              </a:lnSpc>
-              <a:spcBef>
-                <a:spcPts val="0"/>
-              </a:spcBef>
-              <a:spcAft>
-                <a:spcPts val="0"/>
-              </a:spcAft>
-              <a:buClrTx/>
-              <a:buSzTx/>
-              <a:buFontTx/>
-              <a:buNone/>
-              <a:tabLst/>
-              <a:defRPr/>
-            </a:pPr>
-            <a:r>
-              <a:rPr lang="en-US" dirty="0"/>
-              <a:t>A common way to justify their label is by indicating the most important features</a:t>
-            </a:r>
-          </a:p>
-          <a:p>
-            <a:r>
-              <a:rPr lang="en-US" sz="1200" dirty="0"/>
-              <a:t> </a:t>
-            </a:r>
-            <a:endParaRPr lang="en-US" dirty="0"/>
-          </a:p>
-          <a:p>
-            <a:r>
-              <a:rPr lang="en-US" sz="1200" dirty="0"/>
-              <a:t>where an annotator is presented with a query, model’s prediction and its local explanation </a:t>
-            </a:r>
-          </a:p>
-          <a:p>
-            <a:endParaRPr lang="en-US" sz="1200" dirty="0"/>
-          </a:p>
-          <a:p>
-            <a:r>
-              <a:rPr lang="en-US" dirty="0"/>
-              <a:t>Last summer, we were working on a different project where we  </a:t>
-            </a:r>
-          </a:p>
-          <a:p>
-            <a:endParaRPr lang="en-US" dirty="0"/>
-          </a:p>
-          <a:p>
-            <a:r>
-              <a:rPr lang="en-US" dirty="0"/>
-              <a:t>To know more about XAL, please refer </a:t>
+              <a:t>Existing literature to counter algorithmic bias can be classified into 3 different stages :- data, model and prediction</a:t>
             </a:r>
           </a:p>
         </p:txBody>
@@ -1021,7 +938,7 @@
     </p:spTree>
     <p:extLst>
       <p:ext uri="{BB962C8B-B14F-4D97-AF65-F5344CB8AC3E}">
-        <p14:creationId xmlns:p14="http://schemas.microsoft.com/office/powerpoint/2010/main" val="3375990655"/>
+        <p14:creationId xmlns:p14="http://schemas.microsoft.com/office/powerpoint/2010/main" val="3972126557"/>
       </p:ext>
     </p:extLst>
   </p:cSld>
@@ -1077,40 +994,7 @@
           <a:p>
             <a:r>
               <a:rPr lang="en-US" dirty="0"/>
-              <a:t>Let’s first see how a typical QBC sampling strategy works.</a:t>
-            </a:r>
-          </a:p>
-          <a:p>
-            <a:r>
-              <a:rPr lang="en-US" dirty="0"/>
-              <a:t>Given a pool of labeled data, we train a set of models by randomly selecting instances. These models form the committee of classifiers</a:t>
-            </a:r>
-          </a:p>
-          <a:p>
-            <a:r>
-              <a:rPr lang="en-US" dirty="0"/>
-              <a:t>Thereafter, each model is used to generate predictions for the unlabeled data. The unlabeled instance on which the committee disagrees the most is selected to be queried.</a:t>
-            </a:r>
-          </a:p>
-          <a:p>
-            <a:r>
-              <a:rPr lang="en-US" dirty="0"/>
-              <a:t>In this current system, each model in the committee has equal say.  </a:t>
-            </a:r>
-          </a:p>
-          <a:p>
-            <a:r>
-              <a:rPr lang="en-US" dirty="0"/>
-              <a:t>However for AL++, we have modified this strategy such the each model is assigned a weight wi. If a model’s rationale is pretty similar to the annotator’s rationale, its assigned a higher weight.   </a:t>
-            </a:r>
-          </a:p>
-          <a:p>
-            <a:endParaRPr lang="en-US" dirty="0"/>
-          </a:p>
-          <a:p>
-            <a:r>
-              <a:rPr lang="en-US" dirty="0"/>
-              <a:t>Model agnostic</a:t>
+              <a:t>Existing literature to counter algorithmic bias can be classified into 3 different stages :- data, model and prediction</a:t>
             </a:r>
           </a:p>
         </p:txBody>
@@ -1141,7 +1025,7 @@
     </p:spTree>
     <p:extLst>
       <p:ext uri="{BB962C8B-B14F-4D97-AF65-F5344CB8AC3E}">
-        <p14:creationId xmlns:p14="http://schemas.microsoft.com/office/powerpoint/2010/main" val="886881953"/>
+        <p14:creationId xmlns:p14="http://schemas.microsoft.com/office/powerpoint/2010/main" val="2480879080"/>
       </p:ext>
     </p:extLst>
   </p:cSld>
@@ -1197,13 +1081,7 @@
           <a:p>
             <a:r>
               <a:rPr lang="en-US" dirty="0"/>
-              <a:t>To address this challenges, we present a new AL framework called Active Learning++</a:t>
-            </a:r>
-          </a:p>
-          <a:p>
-            <a:r>
-              <a:rPr lang="en-US" dirty="0"/>
-              <a:t>Rationale is the additional feedback which provides the reasoning behind the label</a:t>
+              <a:t>Existing literature to counter algorithmic bias can be classified into 3 different stages :- data, model and prediction</a:t>
             </a:r>
           </a:p>
         </p:txBody>
@@ -1234,7 +1112,7 @@
     </p:spTree>
     <p:extLst>
       <p:ext uri="{BB962C8B-B14F-4D97-AF65-F5344CB8AC3E}">
-        <p14:creationId xmlns:p14="http://schemas.microsoft.com/office/powerpoint/2010/main" val="1866115805"/>
+        <p14:creationId xmlns:p14="http://schemas.microsoft.com/office/powerpoint/2010/main" val="3720847408"/>
       </p:ext>
     </p:extLst>
   </p:cSld>
@@ -1290,13 +1168,93 @@
           <a:p>
             <a:r>
               <a:rPr lang="en-US" dirty="0"/>
-              <a:t>This is line with our XAL study</a:t>
-            </a:r>
-          </a:p>
-          <a:p>
+              <a:t>This work is motivated from our previous work on Explainable active learning or XAL.</a:t>
+            </a:r>
+          </a:p>
+          <a:p>
+            <a:endParaRPr lang="en-US" dirty="0"/>
+          </a:p>
+          <a:p>
+            <a:r>
+              <a:rPr lang="en-US" sz="1200" dirty="0"/>
+              <a:t>we conducted a user study to understand the impact of adding local explanations with every query in the Active learning pipeline.</a:t>
+            </a:r>
+          </a:p>
+          <a:p>
+            <a:pPr marL="0" marR="0" lvl="0" indent="0" algn="l" defTabSz="914400" rtl="0" eaLnBrk="1" fontAlgn="auto" latinLnBrk="0" hangingPunct="1">
+              <a:lnSpc>
+                <a:spcPct val="100000"/>
+              </a:lnSpc>
+              <a:spcBef>
+                <a:spcPts val="0"/>
+              </a:spcBef>
+              <a:spcAft>
+                <a:spcPts val="0"/>
+              </a:spcAft>
+              <a:buClrTx/>
+              <a:buSzTx/>
+              <a:buFontTx/>
+              <a:buNone/>
+              <a:tabLst/>
+              <a:defRPr/>
+            </a:pPr>
             <a:r>
               <a:rPr lang="en-US" dirty="0"/>
-              <a:t>Where we saw that annotator’s feedback is imprecise. </a:t>
+              <a:t>One of the key takeaways from the this work is that </a:t>
+            </a:r>
+          </a:p>
+          <a:p>
+            <a:pPr marL="0" marR="0" lvl="0" indent="0" algn="l" defTabSz="914400" rtl="0" eaLnBrk="1" fontAlgn="auto" latinLnBrk="0" hangingPunct="1">
+              <a:lnSpc>
+                <a:spcPct val="100000"/>
+              </a:lnSpc>
+              <a:spcBef>
+                <a:spcPts val="0"/>
+              </a:spcBef>
+              <a:spcAft>
+                <a:spcPts val="0"/>
+              </a:spcAft>
+              <a:buClrTx/>
+              <a:buSzTx/>
+              <a:buFontTx/>
+              <a:buNone/>
+              <a:tabLst/>
+              <a:defRPr/>
+            </a:pPr>
+            <a:r>
+              <a:rPr lang="en-US" dirty="0"/>
+              <a:t>A common way to justify their label is by indicating the most important features</a:t>
+            </a:r>
+          </a:p>
+          <a:p>
+            <a:r>
+              <a:rPr lang="en-US" sz="1200" dirty="0"/>
+              <a:t> </a:t>
+            </a:r>
+            <a:endParaRPr lang="en-US" dirty="0"/>
+          </a:p>
+          <a:p>
+            <a:r>
+              <a:rPr lang="en-US" sz="1200" dirty="0"/>
+              <a:t>where an annotator is presented with a query, model’s prediction and its local explanation </a:t>
+            </a:r>
+          </a:p>
+          <a:p>
+            <a:endParaRPr lang="en-US" sz="1200" dirty="0"/>
+          </a:p>
+          <a:p>
+            <a:r>
+              <a:rPr lang="en-US" dirty="0"/>
+              <a:t>Last summer, we were working on a different project where we  </a:t>
+            </a:r>
+          </a:p>
+          <a:p>
+            <a:endParaRPr lang="en-US" dirty="0"/>
+          </a:p>
+          <a:p>
+            <a:r>
+              <a:rPr lang="en-US" dirty="0"/>
+              <a:t>To know more about XAL, please refer </a:t>
             </a:r>
           </a:p>
         </p:txBody>
@@ -1327,7 +1285,7 @@
     </p:spTree>
     <p:extLst>
       <p:ext uri="{BB962C8B-B14F-4D97-AF65-F5344CB8AC3E}">
-        <p14:creationId xmlns:p14="http://schemas.microsoft.com/office/powerpoint/2010/main" val="1244047263"/>
+        <p14:creationId xmlns:p14="http://schemas.microsoft.com/office/powerpoint/2010/main" val="3375990655"/>
       </p:ext>
     </p:extLst>
   </p:cSld>
@@ -1447,7 +1405,7 @@
     </p:spTree>
     <p:extLst>
       <p:ext uri="{BB962C8B-B14F-4D97-AF65-F5344CB8AC3E}">
-        <p14:creationId xmlns:p14="http://schemas.microsoft.com/office/powerpoint/2010/main" val="3665275022"/>
+        <p14:creationId xmlns:p14="http://schemas.microsoft.com/office/powerpoint/2010/main" val="886881953"/>
       </p:ext>
     </p:extLst>
   </p:cSld>
@@ -1503,24 +1461,13 @@
           <a:p>
             <a:r>
               <a:rPr lang="en-US" dirty="0"/>
-              <a:t>AL++ maintains a </a:t>
-            </a:r>
-            <a:r>
-              <a:rPr lang="en-US" dirty="0" err="1"/>
-              <a:t>contant</a:t>
-            </a:r>
+              <a:t>To address this challenges, we present a new AL framework called Active Learning++</a:t>
+            </a:r>
+          </a:p>
+          <a:p>
             <a:r>
               <a:rPr lang="en-US" dirty="0"/>
-              <a:t> lead over others right from the beginning</a:t>
-            </a:r>
-          </a:p>
-          <a:p>
-            <a:endParaRPr lang="en-US" dirty="0"/>
-          </a:p>
-          <a:p>
-            <a:r>
-              <a:rPr lang="en-US" dirty="0"/>
-              <a:t>This simulation based on Adult Income dataset show that AL++ helps train ………………..</a:t>
+              <a:t>Rationale is the additional feedback which provides the reasoning behind the label</a:t>
             </a:r>
           </a:p>
         </p:txBody>
@@ -1551,7 +1498,7 @@
     </p:spTree>
     <p:extLst>
       <p:ext uri="{BB962C8B-B14F-4D97-AF65-F5344CB8AC3E}">
-        <p14:creationId xmlns:p14="http://schemas.microsoft.com/office/powerpoint/2010/main" val="3509166380"/>
+        <p14:creationId xmlns:p14="http://schemas.microsoft.com/office/powerpoint/2010/main" val="1866115805"/>
       </p:ext>
     </p:extLst>
   </p:cSld>
@@ -1607,25 +1554,13 @@
           <a:p>
             <a:r>
               <a:rPr lang="en-US" dirty="0"/>
-              <a:t>For k=1, annotator only needs to provide the most important feature for a given query.</a:t>
-            </a:r>
-          </a:p>
-          <a:p>
-            <a:endParaRPr lang="en-US" dirty="0"/>
+              <a:t>This is line with our XAL study</a:t>
+            </a:r>
           </a:p>
           <a:p>
             <a:r>
               <a:rPr lang="en-US" dirty="0"/>
-              <a:t>For comparing with vanilla AL, we can also account for the cost of providing the additional feedback.</a:t>
-            </a:r>
-          </a:p>
-          <a:p>
-            <a:endParaRPr lang="en-US" dirty="0"/>
-          </a:p>
-          <a:p>
-            <a:r>
-              <a:rPr lang="en-US" dirty="0"/>
-              <a:t>With that, I thank you for your attention. Looking forward to any questions, suggestions, feedback!</a:t>
+              <a:t>Where we saw that annotator’s feedback is imprecise. </a:t>
             </a:r>
           </a:p>
         </p:txBody>
@@ -1656,7 +1591,7 @@
     </p:spTree>
     <p:extLst>
       <p:ext uri="{BB962C8B-B14F-4D97-AF65-F5344CB8AC3E}">
-        <p14:creationId xmlns:p14="http://schemas.microsoft.com/office/powerpoint/2010/main" val="639221140"/>
+        <p14:creationId xmlns:p14="http://schemas.microsoft.com/office/powerpoint/2010/main" val="1244047263"/>
       </p:ext>
     </p:extLst>
   </p:cSld>
@@ -1753,6 +1688,335 @@
 </p:notes>
 </file>
 
+<file path=ppt/notesSlides/notesSlide20.xml><?xml version="1.0" encoding="utf-8"?>
+<p:notes xmlns:a="http://schemas.openxmlformats.org/drawingml/2006/main" xmlns:r="http://schemas.openxmlformats.org/officeDocument/2006/relationships" xmlns:p="http://schemas.openxmlformats.org/presentationml/2006/main">
+  <p:cSld>
+    <p:spTree>
+      <p:nvGrpSpPr>
+        <p:cNvPr id="1" name=""/>
+        <p:cNvGrpSpPr/>
+        <p:nvPr/>
+      </p:nvGrpSpPr>
+      <p:grpSpPr>
+        <a:xfrm>
+          <a:off x="0" y="0"/>
+          <a:ext cx="0" cy="0"/>
+          <a:chOff x="0" y="0"/>
+          <a:chExt cx="0" cy="0"/>
+        </a:xfrm>
+      </p:grpSpPr>
+      <p:sp>
+        <p:nvSpPr>
+          <p:cNvPr id="2" name="Slide Image Placeholder 1"/>
+          <p:cNvSpPr>
+            <a:spLocks noGrp="1" noRot="1" noChangeAspect="1"/>
+          </p:cNvSpPr>
+          <p:nvPr>
+            <p:ph type="sldImg"/>
+          </p:nvPr>
+        </p:nvSpPr>
+        <p:spPr/>
+      </p:sp>
+      <p:sp>
+        <p:nvSpPr>
+          <p:cNvPr id="3" name="Notes Placeholder 2"/>
+          <p:cNvSpPr>
+            <a:spLocks noGrp="1"/>
+          </p:cNvSpPr>
+          <p:nvPr>
+            <p:ph type="body" idx="1"/>
+          </p:nvPr>
+        </p:nvSpPr>
+        <p:spPr/>
+        <p:txBody>
+          <a:bodyPr/>
+          <a:lstStyle/>
+          <a:p>
+            <a:r>
+              <a:rPr lang="en-US" dirty="0"/>
+              <a:t>Let’s first see how a typical QBC sampling strategy works.</a:t>
+            </a:r>
+          </a:p>
+          <a:p>
+            <a:r>
+              <a:rPr lang="en-US" dirty="0"/>
+              <a:t>Given a pool of labeled data, we train a set of models by randomly selecting instances. These models form the committee of classifiers</a:t>
+            </a:r>
+          </a:p>
+          <a:p>
+            <a:r>
+              <a:rPr lang="en-US" dirty="0"/>
+              <a:t>Thereafter, each model is used to generate predictions for the unlabeled data. The unlabeled instance on which the committee disagrees the most is selected to be queried.</a:t>
+            </a:r>
+          </a:p>
+          <a:p>
+            <a:r>
+              <a:rPr lang="en-US" dirty="0"/>
+              <a:t>In this current system, each model in the committee has equal say.  </a:t>
+            </a:r>
+          </a:p>
+          <a:p>
+            <a:r>
+              <a:rPr lang="en-US" dirty="0"/>
+              <a:t>However for AL++, we have modified this strategy such the each model is assigned a weight wi. If a model’s rationale is pretty similar to the annotator’s rationale, its assigned a higher weight.   </a:t>
+            </a:r>
+          </a:p>
+          <a:p>
+            <a:endParaRPr lang="en-US" dirty="0"/>
+          </a:p>
+          <a:p>
+            <a:r>
+              <a:rPr lang="en-US" dirty="0"/>
+              <a:t>Model agnostic</a:t>
+            </a:r>
+          </a:p>
+        </p:txBody>
+      </p:sp>
+      <p:sp>
+        <p:nvSpPr>
+          <p:cNvPr id="4" name="Slide Number Placeholder 3"/>
+          <p:cNvSpPr>
+            <a:spLocks noGrp="1"/>
+          </p:cNvSpPr>
+          <p:nvPr>
+            <p:ph type="sldNum" sz="quarter" idx="10"/>
+          </p:nvPr>
+        </p:nvSpPr>
+        <p:spPr/>
+        <p:txBody>
+          <a:bodyPr/>
+          <a:lstStyle/>
+          <a:p>
+            <a:fld id="{8CBD757D-DE5A-4CD1-82FB-678E1CF7B585}" type="slidenum">
+              <a:rPr lang="en-US" smtClean="0"/>
+              <a:t>21</a:t>
+            </a:fld>
+            <a:endParaRPr lang="en-US"/>
+          </a:p>
+        </p:txBody>
+      </p:sp>
+    </p:spTree>
+    <p:extLst>
+      <p:ext uri="{BB962C8B-B14F-4D97-AF65-F5344CB8AC3E}">
+        <p14:creationId xmlns:p14="http://schemas.microsoft.com/office/powerpoint/2010/main" val="3665275022"/>
+      </p:ext>
+    </p:extLst>
+  </p:cSld>
+  <p:clrMapOvr>
+    <a:masterClrMapping/>
+  </p:clrMapOvr>
+</p:notes>
+</file>
+
+<file path=ppt/notesSlides/notesSlide21.xml><?xml version="1.0" encoding="utf-8"?>
+<p:notes xmlns:a="http://schemas.openxmlformats.org/drawingml/2006/main" xmlns:r="http://schemas.openxmlformats.org/officeDocument/2006/relationships" xmlns:p="http://schemas.openxmlformats.org/presentationml/2006/main">
+  <p:cSld>
+    <p:spTree>
+      <p:nvGrpSpPr>
+        <p:cNvPr id="1" name=""/>
+        <p:cNvGrpSpPr/>
+        <p:nvPr/>
+      </p:nvGrpSpPr>
+      <p:grpSpPr>
+        <a:xfrm>
+          <a:off x="0" y="0"/>
+          <a:ext cx="0" cy="0"/>
+          <a:chOff x="0" y="0"/>
+          <a:chExt cx="0" cy="0"/>
+        </a:xfrm>
+      </p:grpSpPr>
+      <p:sp>
+        <p:nvSpPr>
+          <p:cNvPr id="2" name="Slide Image Placeholder 1"/>
+          <p:cNvSpPr>
+            <a:spLocks noGrp="1" noRot="1" noChangeAspect="1"/>
+          </p:cNvSpPr>
+          <p:nvPr>
+            <p:ph type="sldImg"/>
+          </p:nvPr>
+        </p:nvSpPr>
+        <p:spPr/>
+      </p:sp>
+      <p:sp>
+        <p:nvSpPr>
+          <p:cNvPr id="3" name="Notes Placeholder 2"/>
+          <p:cNvSpPr>
+            <a:spLocks noGrp="1"/>
+          </p:cNvSpPr>
+          <p:nvPr>
+            <p:ph type="body" idx="1"/>
+          </p:nvPr>
+        </p:nvSpPr>
+        <p:spPr/>
+        <p:txBody>
+          <a:bodyPr/>
+          <a:lstStyle/>
+          <a:p>
+            <a:r>
+              <a:rPr lang="en-US" dirty="0"/>
+              <a:t>AL++ maintains a </a:t>
+            </a:r>
+            <a:r>
+              <a:rPr lang="en-US" dirty="0" err="1"/>
+              <a:t>contant</a:t>
+            </a:r>
+            <a:r>
+              <a:rPr lang="en-US" dirty="0"/>
+              <a:t> lead over others right from the beginning</a:t>
+            </a:r>
+          </a:p>
+          <a:p>
+            <a:endParaRPr lang="en-US" dirty="0"/>
+          </a:p>
+          <a:p>
+            <a:r>
+              <a:rPr lang="en-US" dirty="0"/>
+              <a:t>This simulation based on Adult Income dataset show that AL++ helps train ………………..</a:t>
+            </a:r>
+          </a:p>
+        </p:txBody>
+      </p:sp>
+      <p:sp>
+        <p:nvSpPr>
+          <p:cNvPr id="4" name="Slide Number Placeholder 3"/>
+          <p:cNvSpPr>
+            <a:spLocks noGrp="1"/>
+          </p:cNvSpPr>
+          <p:nvPr>
+            <p:ph type="sldNum" sz="quarter" idx="10"/>
+          </p:nvPr>
+        </p:nvSpPr>
+        <p:spPr/>
+        <p:txBody>
+          <a:bodyPr/>
+          <a:lstStyle/>
+          <a:p>
+            <a:fld id="{8CBD757D-DE5A-4CD1-82FB-678E1CF7B585}" type="slidenum">
+              <a:rPr lang="en-US" smtClean="0"/>
+              <a:t>22</a:t>
+            </a:fld>
+            <a:endParaRPr lang="en-US"/>
+          </a:p>
+        </p:txBody>
+      </p:sp>
+    </p:spTree>
+    <p:extLst>
+      <p:ext uri="{BB962C8B-B14F-4D97-AF65-F5344CB8AC3E}">
+        <p14:creationId xmlns:p14="http://schemas.microsoft.com/office/powerpoint/2010/main" val="3509166380"/>
+      </p:ext>
+    </p:extLst>
+  </p:cSld>
+  <p:clrMapOvr>
+    <a:masterClrMapping/>
+  </p:clrMapOvr>
+</p:notes>
+</file>
+
+<file path=ppt/notesSlides/notesSlide22.xml><?xml version="1.0" encoding="utf-8"?>
+<p:notes xmlns:a="http://schemas.openxmlformats.org/drawingml/2006/main" xmlns:r="http://schemas.openxmlformats.org/officeDocument/2006/relationships" xmlns:p="http://schemas.openxmlformats.org/presentationml/2006/main">
+  <p:cSld>
+    <p:spTree>
+      <p:nvGrpSpPr>
+        <p:cNvPr id="1" name=""/>
+        <p:cNvGrpSpPr/>
+        <p:nvPr/>
+      </p:nvGrpSpPr>
+      <p:grpSpPr>
+        <a:xfrm>
+          <a:off x="0" y="0"/>
+          <a:ext cx="0" cy="0"/>
+          <a:chOff x="0" y="0"/>
+          <a:chExt cx="0" cy="0"/>
+        </a:xfrm>
+      </p:grpSpPr>
+      <p:sp>
+        <p:nvSpPr>
+          <p:cNvPr id="2" name="Slide Image Placeholder 1"/>
+          <p:cNvSpPr>
+            <a:spLocks noGrp="1" noRot="1" noChangeAspect="1"/>
+          </p:cNvSpPr>
+          <p:nvPr>
+            <p:ph type="sldImg"/>
+          </p:nvPr>
+        </p:nvSpPr>
+        <p:spPr/>
+      </p:sp>
+      <p:sp>
+        <p:nvSpPr>
+          <p:cNvPr id="3" name="Notes Placeholder 2"/>
+          <p:cNvSpPr>
+            <a:spLocks noGrp="1"/>
+          </p:cNvSpPr>
+          <p:nvPr>
+            <p:ph type="body" idx="1"/>
+          </p:nvPr>
+        </p:nvSpPr>
+        <p:spPr/>
+        <p:txBody>
+          <a:bodyPr/>
+          <a:lstStyle/>
+          <a:p>
+            <a:r>
+              <a:rPr lang="en-US" dirty="0"/>
+              <a:t>For k=1, annotator only needs to provide the most important feature for a given query.</a:t>
+            </a:r>
+          </a:p>
+          <a:p>
+            <a:endParaRPr lang="en-US" dirty="0"/>
+          </a:p>
+          <a:p>
+            <a:r>
+              <a:rPr lang="en-US" dirty="0"/>
+              <a:t>For comparing with vanilla AL, we can also account for the cost of providing the additional feedback.</a:t>
+            </a:r>
+          </a:p>
+          <a:p>
+            <a:endParaRPr lang="en-US" dirty="0"/>
+          </a:p>
+          <a:p>
+            <a:r>
+              <a:rPr lang="en-US" dirty="0"/>
+              <a:t>With that, I thank you for your attention. Looking forward to any questions, suggestions, feedback!</a:t>
+            </a:r>
+          </a:p>
+        </p:txBody>
+      </p:sp>
+      <p:sp>
+        <p:nvSpPr>
+          <p:cNvPr id="4" name="Slide Number Placeholder 3"/>
+          <p:cNvSpPr>
+            <a:spLocks noGrp="1"/>
+          </p:cNvSpPr>
+          <p:nvPr>
+            <p:ph type="sldNum" sz="quarter" idx="10"/>
+          </p:nvPr>
+        </p:nvSpPr>
+        <p:spPr/>
+        <p:txBody>
+          <a:bodyPr/>
+          <a:lstStyle/>
+          <a:p>
+            <a:fld id="{8CBD757D-DE5A-4CD1-82FB-678E1CF7B585}" type="slidenum">
+              <a:rPr lang="en-US" smtClean="0"/>
+              <a:t>23</a:t>
+            </a:fld>
+            <a:endParaRPr lang="en-US"/>
+          </a:p>
+        </p:txBody>
+      </p:sp>
+    </p:spTree>
+    <p:extLst>
+      <p:ext uri="{BB962C8B-B14F-4D97-AF65-F5344CB8AC3E}">
+        <p14:creationId xmlns:p14="http://schemas.microsoft.com/office/powerpoint/2010/main" val="639221140"/>
+      </p:ext>
+    </p:extLst>
+  </p:cSld>
+  <p:clrMapOvr>
+    <a:masterClrMapping/>
+  </p:clrMapOvr>
+</p:notes>
+</file>
+
 <file path=ppt/notesSlides/notesSlide3.xml><?xml version="1.0" encoding="utf-8"?>
 <p:notes xmlns:a="http://schemas.openxmlformats.org/drawingml/2006/main" xmlns:r="http://schemas.openxmlformats.org/officeDocument/2006/relationships" xmlns:p="http://schemas.openxmlformats.org/presentationml/2006/main">
   <p:cSld>
@@ -1830,7 +2094,7 @@
     </p:spTree>
     <p:extLst>
       <p:ext uri="{BB962C8B-B14F-4D97-AF65-F5344CB8AC3E}">
-        <p14:creationId xmlns:p14="http://schemas.microsoft.com/office/powerpoint/2010/main" val="1691595079"/>
+        <p14:creationId xmlns:p14="http://schemas.microsoft.com/office/powerpoint/2010/main" val="1541593783"/>
       </p:ext>
     </p:extLst>
   </p:cSld>
@@ -1917,7 +2181,7 @@
     </p:spTree>
     <p:extLst>
       <p:ext uri="{BB962C8B-B14F-4D97-AF65-F5344CB8AC3E}">
-        <p14:creationId xmlns:p14="http://schemas.microsoft.com/office/powerpoint/2010/main" val="1541593783"/>
+        <p14:creationId xmlns:p14="http://schemas.microsoft.com/office/powerpoint/2010/main" val="1691595079"/>
       </p:ext>
     </p:extLst>
   </p:cSld>
@@ -2426,7 +2690,7 @@
     </p:spTree>
     <p:extLst>
       <p:ext uri="{BB962C8B-B14F-4D97-AF65-F5344CB8AC3E}">
-        <p14:creationId xmlns:p14="http://schemas.microsoft.com/office/powerpoint/2010/main" val="3972126557"/>
+        <p14:creationId xmlns:p14="http://schemas.microsoft.com/office/powerpoint/2010/main" val="1803194857"/>
       </p:ext>
     </p:extLst>
   </p:cSld>
@@ -2583,7 +2847,7 @@
           <a:p>
             <a:fld id="{CDEEAA9E-B205-4E3D-B322-3F4BE24D9928}" type="datetimeFigureOut">
               <a:rPr lang="en-US" smtClean="0"/>
-              <a:t>12/11/2020</a:t>
+              <a:t>3/29/2021</a:t>
             </a:fld>
             <a:endParaRPr lang="en-US"/>
           </a:p>
@@ -2781,7 +3045,7 @@
           <a:p>
             <a:fld id="{CDEEAA9E-B205-4E3D-B322-3F4BE24D9928}" type="datetimeFigureOut">
               <a:rPr lang="en-US" smtClean="0"/>
-              <a:t>12/11/2020</a:t>
+              <a:t>3/29/2021</a:t>
             </a:fld>
             <a:endParaRPr lang="en-US"/>
           </a:p>
@@ -2989,7 +3253,7 @@
           <a:p>
             <a:fld id="{CDEEAA9E-B205-4E3D-B322-3F4BE24D9928}" type="datetimeFigureOut">
               <a:rPr lang="en-US" smtClean="0"/>
-              <a:t>12/11/2020</a:t>
+              <a:t>3/29/2021</a:t>
             </a:fld>
             <a:endParaRPr lang="en-US"/>
           </a:p>
@@ -3187,7 +3451,7 @@
           <a:p>
             <a:fld id="{CDEEAA9E-B205-4E3D-B322-3F4BE24D9928}" type="datetimeFigureOut">
               <a:rPr lang="en-US" smtClean="0"/>
-              <a:t>12/11/2020</a:t>
+              <a:t>3/29/2021</a:t>
             </a:fld>
             <a:endParaRPr lang="en-US"/>
           </a:p>
@@ -3462,7 +3726,7 @@
           <a:p>
             <a:fld id="{CDEEAA9E-B205-4E3D-B322-3F4BE24D9928}" type="datetimeFigureOut">
               <a:rPr lang="en-US" smtClean="0"/>
-              <a:t>12/11/2020</a:t>
+              <a:t>3/29/2021</a:t>
             </a:fld>
             <a:endParaRPr lang="en-US"/>
           </a:p>
@@ -3727,7 +3991,7 @@
           <a:p>
             <a:fld id="{CDEEAA9E-B205-4E3D-B322-3F4BE24D9928}" type="datetimeFigureOut">
               <a:rPr lang="en-US" smtClean="0"/>
-              <a:t>12/11/2020</a:t>
+              <a:t>3/29/2021</a:t>
             </a:fld>
             <a:endParaRPr lang="en-US"/>
           </a:p>
@@ -4139,7 +4403,7 @@
           <a:p>
             <a:fld id="{CDEEAA9E-B205-4E3D-B322-3F4BE24D9928}" type="datetimeFigureOut">
               <a:rPr lang="en-US" smtClean="0"/>
-              <a:t>12/11/2020</a:t>
+              <a:t>3/29/2021</a:t>
             </a:fld>
             <a:endParaRPr lang="en-US"/>
           </a:p>
@@ -4280,7 +4544,7 @@
           <a:p>
             <a:fld id="{CDEEAA9E-B205-4E3D-B322-3F4BE24D9928}" type="datetimeFigureOut">
               <a:rPr lang="en-US" smtClean="0"/>
-              <a:t>12/11/2020</a:t>
+              <a:t>3/29/2021</a:t>
             </a:fld>
             <a:endParaRPr lang="en-US"/>
           </a:p>
@@ -4393,7 +4657,7 @@
           <a:p>
             <a:fld id="{CDEEAA9E-B205-4E3D-B322-3F4BE24D9928}" type="datetimeFigureOut">
               <a:rPr lang="en-US" smtClean="0"/>
-              <a:t>12/11/2020</a:t>
+              <a:t>3/29/2021</a:t>
             </a:fld>
             <a:endParaRPr lang="en-US"/>
           </a:p>
@@ -4704,7 +4968,7 @@
           <a:p>
             <a:fld id="{CDEEAA9E-B205-4E3D-B322-3F4BE24D9928}" type="datetimeFigureOut">
               <a:rPr lang="en-US" smtClean="0"/>
-              <a:t>12/11/2020</a:t>
+              <a:t>3/29/2021</a:t>
             </a:fld>
             <a:endParaRPr lang="en-US"/>
           </a:p>
@@ -4992,7 +5256,7 @@
           <a:p>
             <a:fld id="{CDEEAA9E-B205-4E3D-B322-3F4BE24D9928}" type="datetimeFigureOut">
               <a:rPr lang="en-US" smtClean="0"/>
-              <a:t>12/11/2020</a:t>
+              <a:t>3/29/2021</a:t>
             </a:fld>
             <a:endParaRPr lang="en-US"/>
           </a:p>
@@ -5233,7 +5497,7 @@
           <a:p>
             <a:fld id="{CDEEAA9E-B205-4E3D-B322-3F4BE24D9928}" type="datetimeFigureOut">
               <a:rPr lang="en-US" smtClean="0"/>
-              <a:t>12/11/2020</a:t>
+              <a:t>3/29/2021</a:t>
             </a:fld>
             <a:endParaRPr lang="en-US"/>
           </a:p>
@@ -5930,7 +6194,7 @@
                 </a:solidFill>
                 <a:latin typeface="+mn-lt"/>
               </a:rPr>
-              <a:t>Fluent: An AI Augmented Writing Platform for People with Speaking difficulties</a:t>
+              <a:t>Fluent: An AI Augmented Writing Platform for People who Stutter</a:t>
             </a:r>
           </a:p>
         </p:txBody>
@@ -6089,7 +6353,7 @@
         </p:nvSpPr>
         <p:spPr>
           <a:xfrm>
-            <a:off x="807187" y="280918"/>
+            <a:off x="549465" y="0"/>
             <a:ext cx="10772775" cy="961277"/>
           </a:xfrm>
           <a:prstGeom prst="rect">
@@ -6130,7 +6394,7 @@
                 </a:solidFill>
                 <a:latin typeface="+mn-lt"/>
               </a:rPr>
-              <a:t>Limitations</a:t>
+              <a:t>Results</a:t>
             </a:r>
           </a:p>
         </p:txBody>
@@ -6185,8 +6449,8 @@
         </p:nvSpPr>
         <p:spPr>
           <a:xfrm>
-            <a:off x="677878" y="1069360"/>
-            <a:ext cx="11031392" cy="1015663"/>
+            <a:off x="580304" y="3302893"/>
+            <a:ext cx="11031392" cy="2246769"/>
           </a:xfrm>
           <a:prstGeom prst="rect">
             <a:avLst/>
@@ -6205,7 +6469,7 @@
             </a:pPr>
             <a:r>
               <a:rPr lang="en-US" sz="2000" dirty="0"/>
-              <a:t>Words Representing Names, Places, etc. can’t be substituted</a:t>
+              <a:t>The above plots show the mean accuracy, precision and f1 score across 400 interactions.</a:t>
             </a:r>
           </a:p>
           <a:p>
@@ -6222,7 +6486,700 @@
             </a:pPr>
             <a:r>
               <a:rPr lang="en-US" sz="2000" dirty="0"/>
-              <a:t> </a:t>
+              <a:t>We can observe that the accuracy reaches 85% in under 50 interactions for both modes of feedback.</a:t>
+            </a:r>
+          </a:p>
+          <a:p>
+            <a:pPr marL="457200" indent="-457200">
+              <a:buFont typeface="Wingdings" panose="05000000000000000000" pitchFamily="2" charset="2"/>
+              <a:buChar char="§"/>
+            </a:pPr>
+            <a:endParaRPr lang="en-US" sz="2000" dirty="0"/>
+          </a:p>
+          <a:p>
+            <a:pPr marL="457200" indent="-457200">
+              <a:buFont typeface="Wingdings" panose="05000000000000000000" pitchFamily="2" charset="2"/>
+              <a:buChar char="§"/>
+            </a:pPr>
+            <a:r>
+              <a:rPr lang="en-US" sz="2000" dirty="0"/>
+              <a:t>It is also interesting to observe that Explicit feedback is more effective than Implicit feedback across different metrics. It should be noted that each implicit feedback adds two data points compared to a single data point for Explicit feedback. </a:t>
+            </a:r>
+          </a:p>
+        </p:txBody>
+      </p:sp>
+      <p:pic>
+        <p:nvPicPr>
+          <p:cNvPr id="3" name="Picture 2" descr="A picture containing chart&#10;&#10;Description automatically generated">
+            <a:extLst>
+              <a:ext uri="{FF2B5EF4-FFF2-40B4-BE49-F238E27FC236}">
+                <a16:creationId xmlns:a16="http://schemas.microsoft.com/office/drawing/2014/main" id="{6BA9A6E6-2BF5-4DBE-BB55-B532D85D7E14}"/>
+              </a:ext>
+            </a:extLst>
+          </p:cNvPr>
+          <p:cNvPicPr>
+            <a:picLocks noChangeAspect="1"/>
+          </p:cNvPicPr>
+          <p:nvPr/>
+        </p:nvPicPr>
+        <p:blipFill>
+          <a:blip r:embed="rId4">
+            <a:extLst>
+              <a:ext uri="{28A0092B-C50C-407E-A947-70E740481C1C}">
+                <a14:useLocalDpi xmlns:a14="http://schemas.microsoft.com/office/drawing/2010/main" val="0"/>
+              </a:ext>
+            </a:extLst>
+          </a:blip>
+          <a:stretch>
+            <a:fillRect/>
+          </a:stretch>
+        </p:blipFill>
+        <p:spPr>
+          <a:xfrm>
+            <a:off x="7693445" y="656839"/>
+            <a:ext cx="3601453" cy="2540090"/>
+          </a:xfrm>
+          <a:prstGeom prst="rect">
+            <a:avLst/>
+          </a:prstGeom>
+        </p:spPr>
+      </p:pic>
+      <p:pic>
+        <p:nvPicPr>
+          <p:cNvPr id="5" name="Picture 4" descr="Graphical user interface&#10;&#10;Description automatically generated with medium confidence">
+            <a:extLst>
+              <a:ext uri="{FF2B5EF4-FFF2-40B4-BE49-F238E27FC236}">
+                <a16:creationId xmlns:a16="http://schemas.microsoft.com/office/drawing/2014/main" id="{320A306A-9426-4187-95AD-BA14E12177F5}"/>
+              </a:ext>
+            </a:extLst>
+          </p:cNvPr>
+          <p:cNvPicPr>
+            <a:picLocks noChangeAspect="1"/>
+          </p:cNvPicPr>
+          <p:nvPr/>
+        </p:nvPicPr>
+        <p:blipFill>
+          <a:blip r:embed="rId5">
+            <a:extLst>
+              <a:ext uri="{28A0092B-C50C-407E-A947-70E740481C1C}">
+                <a14:useLocalDpi xmlns:a14="http://schemas.microsoft.com/office/drawing/2010/main" val="0"/>
+              </a:ext>
+            </a:extLst>
+          </a:blip>
+          <a:stretch>
+            <a:fillRect/>
+          </a:stretch>
+        </p:blipFill>
+        <p:spPr>
+          <a:xfrm>
+            <a:off x="801942" y="710708"/>
+            <a:ext cx="3305842" cy="2483475"/>
+          </a:xfrm>
+          <a:prstGeom prst="rect">
+            <a:avLst/>
+          </a:prstGeom>
+        </p:spPr>
+      </p:pic>
+      <p:sp>
+        <p:nvSpPr>
+          <p:cNvPr id="7" name="Rectangle 6">
+            <a:extLst>
+              <a:ext uri="{FF2B5EF4-FFF2-40B4-BE49-F238E27FC236}">
+                <a16:creationId xmlns:a16="http://schemas.microsoft.com/office/drawing/2014/main" id="{B5253E6E-1D78-44D6-8781-333A8FB7836B}"/>
+              </a:ext>
+            </a:extLst>
+          </p:cNvPr>
+          <p:cNvSpPr/>
+          <p:nvPr/>
+        </p:nvSpPr>
+        <p:spPr>
+          <a:xfrm>
+            <a:off x="0" y="5676901"/>
+            <a:ext cx="12192000" cy="524260"/>
+          </a:xfrm>
+          <a:prstGeom prst="rect">
+            <a:avLst/>
+          </a:prstGeom>
+          <a:solidFill>
+            <a:schemeClr val="accent1">
+              <a:lumMod val="75000"/>
+            </a:schemeClr>
+          </a:solidFill>
+        </p:spPr>
+        <p:style>
+          <a:lnRef idx="2">
+            <a:schemeClr val="accent1">
+              <a:shade val="50000"/>
+            </a:schemeClr>
+          </a:lnRef>
+          <a:fillRef idx="1">
+            <a:schemeClr val="accent1"/>
+          </a:fillRef>
+          <a:effectRef idx="0">
+            <a:schemeClr val="accent1"/>
+          </a:effectRef>
+          <a:fontRef idx="minor">
+            <a:schemeClr val="lt1"/>
+          </a:fontRef>
+        </p:style>
+        <p:txBody>
+          <a:bodyPr rtlCol="0" anchor="ctr"/>
+          <a:lstStyle/>
+          <a:p>
+            <a:pPr algn="ctr"/>
+            <a:r>
+              <a:rPr lang="en-US" sz="2800" b="1" dirty="0"/>
+              <a:t>Our approach is effective. Explicit feedback helps learn faster </a:t>
+            </a:r>
+          </a:p>
+        </p:txBody>
+      </p:sp>
+      <p:pic>
+        <p:nvPicPr>
+          <p:cNvPr id="4" name="Picture 3" descr="Chart&#10;&#10;Description automatically generated">
+            <a:extLst>
+              <a:ext uri="{FF2B5EF4-FFF2-40B4-BE49-F238E27FC236}">
+                <a16:creationId xmlns:a16="http://schemas.microsoft.com/office/drawing/2014/main" id="{9F337C0F-305B-4BB0-964E-43EAF4621854}"/>
+              </a:ext>
+            </a:extLst>
+          </p:cNvPr>
+          <p:cNvPicPr>
+            <a:picLocks noChangeAspect="1"/>
+          </p:cNvPicPr>
+          <p:nvPr/>
+        </p:nvPicPr>
+        <p:blipFill>
+          <a:blip r:embed="rId6">
+            <a:extLst>
+              <a:ext uri="{28A0092B-C50C-407E-A947-70E740481C1C}">
+                <a14:useLocalDpi xmlns:a14="http://schemas.microsoft.com/office/drawing/2010/main" val="0"/>
+              </a:ext>
+            </a:extLst>
+          </a:blip>
+          <a:stretch>
+            <a:fillRect/>
+          </a:stretch>
+        </p:blipFill>
+        <p:spPr>
+          <a:xfrm>
+            <a:off x="4064650" y="710708"/>
+            <a:ext cx="3601453" cy="2486221"/>
+          </a:xfrm>
+          <a:prstGeom prst="rect">
+            <a:avLst/>
+          </a:prstGeom>
+        </p:spPr>
+      </p:pic>
+    </p:spTree>
+    <p:extLst>
+      <p:ext uri="{BB962C8B-B14F-4D97-AF65-F5344CB8AC3E}">
+        <p14:creationId xmlns:p14="http://schemas.microsoft.com/office/powerpoint/2010/main" val="2205763302"/>
+      </p:ext>
+    </p:extLst>
+  </p:cSld>
+  <p:clrMapOvr>
+    <a:masterClrMapping/>
+  </p:clrMapOvr>
+  <p:timing>
+    <p:tnLst>
+      <p:par>
+        <p:cTn id="1" dur="indefinite" restart="never" nodeType="tmRoot">
+          <p:childTnLst>
+            <p:seq concurrent="1" nextAc="seek">
+              <p:cTn id="2" dur="indefinite" nodeType="mainSeq">
+                <p:childTnLst>
+                  <p:par>
+                    <p:cTn id="3" fill="hold">
+                      <p:stCondLst>
+                        <p:cond delay="indefinite"/>
+                      </p:stCondLst>
+                      <p:childTnLst>
+                        <p:par>
+                          <p:cTn id="4" fill="hold">
+                            <p:stCondLst>
+                              <p:cond delay="0"/>
+                            </p:stCondLst>
+                            <p:childTnLst>
+                              <p:par>
+                                <p:cTn id="5" presetID="1" presetClass="entr" presetSubtype="0" fill="hold" nodeType="clickEffect">
+                                  <p:stCondLst>
+                                    <p:cond delay="0"/>
+                                  </p:stCondLst>
+                                  <p:childTnLst>
+                                    <p:set>
+                                      <p:cBhvr>
+                                        <p:cTn id="6" dur="1" fill="hold">
+                                          <p:stCondLst>
+                                            <p:cond delay="0"/>
+                                          </p:stCondLst>
+                                        </p:cTn>
+                                        <p:tgtEl>
+                                          <p:spTgt spid="6">
+                                            <p:txEl>
+                                              <p:pRg st="0" end="0"/>
+                                            </p:txEl>
+                                          </p:spTgt>
+                                        </p:tgtEl>
+                                        <p:attrNameLst>
+                                          <p:attrName>style.visibility</p:attrName>
+                                        </p:attrNameLst>
+                                      </p:cBhvr>
+                                      <p:to>
+                                        <p:strVal val="visible"/>
+                                      </p:to>
+                                    </p:set>
+                                  </p:childTnLst>
+                                </p:cTn>
+                              </p:par>
+                            </p:childTnLst>
+                          </p:cTn>
+                        </p:par>
+                      </p:childTnLst>
+                    </p:cTn>
+                  </p:par>
+                  <p:par>
+                    <p:cTn id="7" fill="hold">
+                      <p:stCondLst>
+                        <p:cond delay="indefinite"/>
+                      </p:stCondLst>
+                      <p:childTnLst>
+                        <p:par>
+                          <p:cTn id="8" fill="hold">
+                            <p:stCondLst>
+                              <p:cond delay="0"/>
+                            </p:stCondLst>
+                            <p:childTnLst>
+                              <p:par>
+                                <p:cTn id="9" presetID="1" presetClass="entr" presetSubtype="0" fill="hold" nodeType="clickEffect">
+                                  <p:stCondLst>
+                                    <p:cond delay="0"/>
+                                  </p:stCondLst>
+                                  <p:childTnLst>
+                                    <p:set>
+                                      <p:cBhvr>
+                                        <p:cTn id="10" dur="1" fill="hold">
+                                          <p:stCondLst>
+                                            <p:cond delay="0"/>
+                                          </p:stCondLst>
+                                        </p:cTn>
+                                        <p:tgtEl>
+                                          <p:spTgt spid="6">
+                                            <p:txEl>
+                                              <p:pRg st="2" end="2"/>
+                                            </p:txEl>
+                                          </p:spTgt>
+                                        </p:tgtEl>
+                                        <p:attrNameLst>
+                                          <p:attrName>style.visibility</p:attrName>
+                                        </p:attrNameLst>
+                                      </p:cBhvr>
+                                      <p:to>
+                                        <p:strVal val="visible"/>
+                                      </p:to>
+                                    </p:set>
+                                  </p:childTnLst>
+                                </p:cTn>
+                              </p:par>
+                            </p:childTnLst>
+                          </p:cTn>
+                        </p:par>
+                      </p:childTnLst>
+                    </p:cTn>
+                  </p:par>
+                  <p:par>
+                    <p:cTn id="11" fill="hold">
+                      <p:stCondLst>
+                        <p:cond delay="indefinite"/>
+                      </p:stCondLst>
+                      <p:childTnLst>
+                        <p:par>
+                          <p:cTn id="12" fill="hold">
+                            <p:stCondLst>
+                              <p:cond delay="0"/>
+                            </p:stCondLst>
+                            <p:childTnLst>
+                              <p:par>
+                                <p:cTn id="13" presetID="1" presetClass="entr" presetSubtype="0" fill="hold" nodeType="clickEffect">
+                                  <p:stCondLst>
+                                    <p:cond delay="0"/>
+                                  </p:stCondLst>
+                                  <p:childTnLst>
+                                    <p:set>
+                                      <p:cBhvr>
+                                        <p:cTn id="14" dur="1" fill="hold">
+                                          <p:stCondLst>
+                                            <p:cond delay="0"/>
+                                          </p:stCondLst>
+                                        </p:cTn>
+                                        <p:tgtEl>
+                                          <p:spTgt spid="6">
+                                            <p:txEl>
+                                              <p:pRg st="4" end="4"/>
+                                            </p:txEl>
+                                          </p:spTgt>
+                                        </p:tgtEl>
+                                        <p:attrNameLst>
+                                          <p:attrName>style.visibility</p:attrName>
+                                        </p:attrNameLst>
+                                      </p:cBhvr>
+                                      <p:to>
+                                        <p:strVal val="visible"/>
+                                      </p:to>
+                                    </p:set>
+                                  </p:childTnLst>
+                                </p:cTn>
+                              </p:par>
+                            </p:childTnLst>
+                          </p:cTn>
+                        </p:par>
+                      </p:childTnLst>
+                    </p:cTn>
+                  </p:par>
+                  <p:par>
+                    <p:cTn id="15" fill="hold">
+                      <p:stCondLst>
+                        <p:cond delay="indefinite"/>
+                      </p:stCondLst>
+                      <p:childTnLst>
+                        <p:par>
+                          <p:cTn id="16" fill="hold">
+                            <p:stCondLst>
+                              <p:cond delay="0"/>
+                            </p:stCondLst>
+                            <p:childTnLst>
+                              <p:par>
+                                <p:cTn id="17" presetID="1" presetClass="entr" presetSubtype="0" fill="hold" grpId="0" nodeType="clickEffect">
+                                  <p:stCondLst>
+                                    <p:cond delay="0"/>
+                                  </p:stCondLst>
+                                  <p:childTnLst>
+                                    <p:set>
+                                      <p:cBhvr>
+                                        <p:cTn id="18" dur="1" fill="hold">
+                                          <p:stCondLst>
+                                            <p:cond delay="0"/>
+                                          </p:stCondLst>
+                                        </p:cTn>
+                                        <p:tgtEl>
+                                          <p:spTgt spid="7"/>
+                                        </p:tgtEl>
+                                        <p:attrNameLst>
+                                          <p:attrName>style.visibility</p:attrName>
+                                        </p:attrNameLst>
+                                      </p:cBhvr>
+                                      <p:to>
+                                        <p:strVal val="visible"/>
+                                      </p:to>
+                                    </p:set>
+                                  </p:childTnLst>
+                                </p:cTn>
+                              </p:par>
+                            </p:childTnLst>
+                          </p:cTn>
+                        </p:par>
+                      </p:childTnLst>
+                    </p:cTn>
+                  </p:par>
+                </p:childTnLst>
+              </p:cTn>
+              <p:prevCondLst>
+                <p:cond evt="onPrev" delay="0">
+                  <p:tgtEl>
+                    <p:sldTgt/>
+                  </p:tgtEl>
+                </p:cond>
+              </p:prevCondLst>
+              <p:nextCondLst>
+                <p:cond evt="onNext" delay="0">
+                  <p:tgtEl>
+                    <p:sldTgt/>
+                  </p:tgtEl>
+                </p:cond>
+              </p:nextCondLst>
+            </p:seq>
+          </p:childTnLst>
+        </p:cTn>
+      </p:par>
+    </p:tnLst>
+    <p:bldLst>
+      <p:bldP spid="7" grpId="0" animBg="1"/>
+    </p:bldLst>
+  </p:timing>
+</p:sld>
+</file>
+
+<file path=ppt/slides/slide11.xml><?xml version="1.0" encoding="utf-8"?>
+<p:sld xmlns:a="http://schemas.openxmlformats.org/drawingml/2006/main" xmlns:r="http://schemas.openxmlformats.org/officeDocument/2006/relationships" xmlns:p="http://schemas.openxmlformats.org/presentationml/2006/main">
+  <p:cSld>
+    <p:spTree>
+      <p:nvGrpSpPr>
+        <p:cNvPr id="1" name=""/>
+        <p:cNvGrpSpPr/>
+        <p:nvPr/>
+      </p:nvGrpSpPr>
+      <p:grpSpPr>
+        <a:xfrm>
+          <a:off x="0" y="0"/>
+          <a:ext cx="0" cy="0"/>
+          <a:chOff x="0" y="0"/>
+          <a:chExt cx="0" cy="0"/>
+        </a:xfrm>
+      </p:grpSpPr>
+      <p:sp>
+        <p:nvSpPr>
+          <p:cNvPr id="19" name="Title 1">
+            <a:extLst>
+              <a:ext uri="{FF2B5EF4-FFF2-40B4-BE49-F238E27FC236}">
+                <a16:creationId xmlns:a16="http://schemas.microsoft.com/office/drawing/2014/main" id="{1145B1FC-8B5F-4A10-B215-C60705EDF134}"/>
+              </a:ext>
+            </a:extLst>
+          </p:cNvPr>
+          <p:cNvSpPr txBox="1">
+            <a:spLocks/>
+          </p:cNvSpPr>
+          <p:nvPr/>
+        </p:nvSpPr>
+        <p:spPr>
+          <a:xfrm>
+            <a:off x="807186" y="26623"/>
+            <a:ext cx="10772775" cy="961277"/>
+          </a:xfrm>
+          <a:prstGeom prst="rect">
+            <a:avLst/>
+          </a:prstGeom>
+        </p:spPr>
+        <p:txBody>
+          <a:bodyPr vert="horz" lIns="91440" tIns="45720" rIns="91440" bIns="45720" rtlCol="0" anchor="ctr">
+            <a:normAutofit/>
+          </a:bodyPr>
+          <a:lstStyle>
+            <a:lvl1pPr algn="l" defTabSz="914400" rtl="0" eaLnBrk="1" latinLnBrk="0" hangingPunct="1">
+              <a:lnSpc>
+                <a:spcPct val="90000"/>
+              </a:lnSpc>
+              <a:spcBef>
+                <a:spcPct val="0"/>
+              </a:spcBef>
+              <a:buNone/>
+              <a:defRPr sz="4400" kern="1200">
+                <a:solidFill>
+                  <a:schemeClr val="tx1"/>
+                </a:solidFill>
+                <a:latin typeface="+mj-lt"/>
+                <a:ea typeface="+mj-ea"/>
+                <a:cs typeface="+mj-cs"/>
+              </a:defRPr>
+            </a:lvl1pPr>
+          </a:lstStyle>
+          <a:p>
+            <a:pPr algn="ctr"/>
+            <a:r>
+              <a:rPr lang="en-US" b="1" dirty="0">
+                <a:solidFill>
+                  <a:schemeClr val="accent1">
+                    <a:lumMod val="75000"/>
+                  </a:schemeClr>
+                </a:solidFill>
+                <a:latin typeface="+mn-lt"/>
+              </a:rPr>
+              <a:t>Limitations</a:t>
+            </a:r>
+          </a:p>
+        </p:txBody>
+      </p:sp>
+      <p:pic>
+        <p:nvPicPr>
+          <p:cNvPr id="20" name="Picture 19" descr="A picture containing object&#10;&#10;Description generated with very high confidence">
+            <a:extLst>
+              <a:ext uri="{FF2B5EF4-FFF2-40B4-BE49-F238E27FC236}">
+                <a16:creationId xmlns:a16="http://schemas.microsoft.com/office/drawing/2014/main" id="{BFA8EE74-C4C5-4B64-A157-B93B22BF494E}"/>
+              </a:ext>
+            </a:extLst>
+          </p:cNvPr>
+          <p:cNvPicPr>
+            <a:picLocks noChangeAspect="1"/>
+          </p:cNvPicPr>
+          <p:nvPr/>
+        </p:nvPicPr>
+        <p:blipFill>
+          <a:blip r:embed="rId3">
+            <a:extLst>
+              <a:ext uri="{28A0092B-C50C-407E-A947-70E740481C1C}">
+                <a14:useLocalDpi xmlns:a14="http://schemas.microsoft.com/office/drawing/2010/main" val="0"/>
+              </a:ext>
+            </a:extLst>
+          </a:blip>
+          <a:stretch>
+            <a:fillRect/>
+          </a:stretch>
+        </p:blipFill>
+        <p:spPr>
+          <a:xfrm>
+            <a:off x="9835376" y="6328400"/>
+            <a:ext cx="2223771" cy="428280"/>
+          </a:xfrm>
+          <a:prstGeom prst="rect">
+            <a:avLst/>
+          </a:prstGeom>
+        </p:spPr>
+      </p:pic>
+      <p:sp>
+        <p:nvSpPr>
+          <p:cNvPr id="6" name="TextBox 5">
+            <a:extLst>
+              <a:ext uri="{FF2B5EF4-FFF2-40B4-BE49-F238E27FC236}">
+                <a16:creationId xmlns:a16="http://schemas.microsoft.com/office/drawing/2014/main" id="{74D658F0-641F-4B92-BDB3-3845C185EDF3}"/>
+              </a:ext>
+            </a:extLst>
+          </p:cNvPr>
+          <p:cNvSpPr txBox="1"/>
+          <p:nvPr/>
+        </p:nvSpPr>
+        <p:spPr>
+          <a:xfrm>
+            <a:off x="677877" y="900918"/>
+            <a:ext cx="11031392" cy="4401205"/>
+          </a:xfrm>
+          <a:prstGeom prst="rect">
+            <a:avLst/>
+          </a:prstGeom>
+          <a:noFill/>
+        </p:spPr>
+        <p:txBody>
+          <a:bodyPr wrap="square" rtlCol="0">
+            <a:spAutoFit/>
+          </a:bodyPr>
+          <a:lstStyle/>
+          <a:p>
+            <a:pPr marL="457200" indent="-457200">
+              <a:buFont typeface="Wingdings" panose="05000000000000000000" pitchFamily="2" charset="2"/>
+              <a:buChar char="§"/>
+            </a:pPr>
+            <a:r>
+              <a:rPr lang="en-US" sz="2000" dirty="0"/>
+              <a:t>Our tool classifies each word without considering its context. However, some words might be easier to pronounce on their own but might be difficult with specific other words like ‘rural juror’.   </a:t>
+            </a:r>
+          </a:p>
+          <a:p>
+            <a:pPr marL="457200" indent="-457200">
+              <a:buFont typeface="Wingdings" panose="05000000000000000000" pitchFamily="2" charset="2"/>
+              <a:buChar char="§"/>
+            </a:pPr>
+            <a:endParaRPr lang="en-US" sz="2000" dirty="0"/>
+          </a:p>
+          <a:p>
+            <a:pPr marL="457200" indent="-457200">
+              <a:buFont typeface="Wingdings" panose="05000000000000000000" pitchFamily="2" charset="2"/>
+              <a:buChar char="§"/>
+            </a:pPr>
+            <a:r>
+              <a:rPr lang="en-US" sz="2000" dirty="0"/>
+              <a:t>Words Representing Names, Places, etc. can’t be substituted. Our tool just highlights such words. The user might go for alternate techniques like circumlocution, etc. </a:t>
+            </a:r>
+          </a:p>
+          <a:p>
+            <a:pPr marL="457200" indent="-457200">
+              <a:buFont typeface="Wingdings" panose="05000000000000000000" pitchFamily="2" charset="2"/>
+              <a:buChar char="§"/>
+            </a:pPr>
+            <a:endParaRPr lang="en-US" sz="2000" dirty="0"/>
+          </a:p>
+          <a:p>
+            <a:pPr marL="457200" indent="-457200">
+              <a:buFont typeface="Wingdings" panose="05000000000000000000" pitchFamily="2" charset="2"/>
+              <a:buChar char="§"/>
+            </a:pPr>
+            <a:r>
+              <a:rPr lang="en-US" sz="2000" dirty="0"/>
+              <a:t> Our approach mightn’t work for someone suffering from acute stammering. Substituting multiple words in a sentence might break the semantic structure of the sentence and require rephrasing.</a:t>
+            </a:r>
+          </a:p>
+          <a:p>
+            <a:pPr marL="457200" indent="-457200">
+              <a:buFont typeface="Wingdings" panose="05000000000000000000" pitchFamily="2" charset="2"/>
+              <a:buChar char="§"/>
+            </a:pPr>
+            <a:endParaRPr lang="en-US" sz="2000" dirty="0"/>
+          </a:p>
+          <a:p>
+            <a:pPr marL="457200" indent="-457200">
+              <a:buFont typeface="Wingdings" panose="05000000000000000000" pitchFamily="2" charset="2"/>
+              <a:buChar char="§"/>
+            </a:pPr>
+            <a:r>
+              <a:rPr lang="en-US" sz="2000" dirty="0"/>
+              <a:t>The user is asked to provide a binary label for a word (difficult or not). However, in the real world, a user might struggle on a word often but not always. To cater to such situations, our tool should elicit a more nuanced (continuous) feedback instead of a discrete binary label.</a:t>
+            </a:r>
+          </a:p>
+          <a:p>
+            <a:pPr marL="457200" indent="-457200">
+              <a:buFont typeface="Wingdings" panose="05000000000000000000" pitchFamily="2" charset="2"/>
+              <a:buChar char="§"/>
+            </a:pPr>
+            <a:endParaRPr lang="en-US" sz="2000" dirty="0"/>
+          </a:p>
+          <a:p>
+            <a:pPr marL="457200" indent="-457200">
+              <a:buFont typeface="Wingdings" panose="05000000000000000000" pitchFamily="2" charset="2"/>
+              <a:buChar char="§"/>
+            </a:pPr>
+            <a:r>
+              <a:rPr lang="en-US" sz="2000" dirty="0"/>
+              <a:t>So far, our tool only supports English language.</a:t>
+            </a:r>
+          </a:p>
+        </p:txBody>
+      </p:sp>
+      <p:sp>
+        <p:nvSpPr>
+          <p:cNvPr id="5" name="Rectangle 4">
+            <a:extLst>
+              <a:ext uri="{FF2B5EF4-FFF2-40B4-BE49-F238E27FC236}">
+                <a16:creationId xmlns:a16="http://schemas.microsoft.com/office/drawing/2014/main" id="{90E1F35D-10D3-4257-AFAF-DDA1510FA831}"/>
+              </a:ext>
+            </a:extLst>
+          </p:cNvPr>
+          <p:cNvSpPr/>
+          <p:nvPr/>
+        </p:nvSpPr>
+        <p:spPr>
+          <a:xfrm>
+            <a:off x="0" y="5422232"/>
+            <a:ext cx="12192000" cy="778929"/>
+          </a:xfrm>
+          <a:prstGeom prst="rect">
+            <a:avLst/>
+          </a:prstGeom>
+          <a:solidFill>
+            <a:schemeClr val="accent1">
+              <a:lumMod val="75000"/>
+            </a:schemeClr>
+          </a:solidFill>
+        </p:spPr>
+        <p:style>
+          <a:lnRef idx="2">
+            <a:schemeClr val="accent1">
+              <a:shade val="50000"/>
+            </a:schemeClr>
+          </a:lnRef>
+          <a:fillRef idx="1">
+            <a:schemeClr val="accent1"/>
+          </a:fillRef>
+          <a:effectRef idx="0">
+            <a:schemeClr val="accent1"/>
+          </a:effectRef>
+          <a:fontRef idx="minor">
+            <a:schemeClr val="lt1"/>
+          </a:fontRef>
+        </p:style>
+        <p:txBody>
+          <a:bodyPr rtlCol="0" anchor="ctr"/>
+          <a:lstStyle/>
+          <a:p>
+            <a:pPr algn="ctr"/>
+            <a:r>
+              <a:rPr lang="en-US" sz="2800" b="1" dirty="0"/>
+              <a:t>We hope this work will encourage other researchers to work on this important and under-explored area</a:t>
             </a:r>
           </a:p>
         </p:txBody>
@@ -6343,6 +7300,198 @@
                       </p:childTnLst>
                     </p:cTn>
                   </p:par>
+                  <p:par>
+                    <p:cTn id="11" fill="hold">
+                      <p:stCondLst>
+                        <p:cond delay="indefinite"/>
+                      </p:stCondLst>
+                      <p:childTnLst>
+                        <p:par>
+                          <p:cTn id="12" fill="hold">
+                            <p:stCondLst>
+                              <p:cond delay="0"/>
+                            </p:stCondLst>
+                            <p:childTnLst>
+                              <p:par>
+                                <p:cTn id="13" presetID="1" presetClass="entr" presetSubtype="0" fill="hold" nodeType="clickEffect">
+                                  <p:stCondLst>
+                                    <p:cond delay="0"/>
+                                  </p:stCondLst>
+                                  <p:childTnLst>
+                                    <p:set>
+                                      <p:cBhvr>
+                                        <p:cTn id="14" dur="1" fill="hold">
+                                          <p:stCondLst>
+                                            <p:cond delay="0"/>
+                                          </p:stCondLst>
+                                        </p:cTn>
+                                        <p:tgtEl>
+                                          <p:spTgt spid="6">
+                                            <p:txEl>
+                                              <p:pRg st="4" end="4"/>
+                                            </p:txEl>
+                                          </p:spTgt>
+                                        </p:tgtEl>
+                                        <p:attrNameLst>
+                                          <p:attrName>style.visibility</p:attrName>
+                                        </p:attrNameLst>
+                                      </p:cBhvr>
+                                      <p:to>
+                                        <p:strVal val="visible"/>
+                                      </p:to>
+                                    </p:set>
+                                  </p:childTnLst>
+                                </p:cTn>
+                              </p:par>
+                            </p:childTnLst>
+                          </p:cTn>
+                        </p:par>
+                      </p:childTnLst>
+                    </p:cTn>
+                  </p:par>
+                  <p:par>
+                    <p:cTn id="15" fill="hold">
+                      <p:stCondLst>
+                        <p:cond delay="indefinite"/>
+                      </p:stCondLst>
+                      <p:childTnLst>
+                        <p:par>
+                          <p:cTn id="16" fill="hold">
+                            <p:stCondLst>
+                              <p:cond delay="0"/>
+                            </p:stCondLst>
+                            <p:childTnLst>
+                              <p:par>
+                                <p:cTn id="17" presetID="1" presetClass="entr" presetSubtype="0" fill="hold" nodeType="clickEffect">
+                                  <p:stCondLst>
+                                    <p:cond delay="0"/>
+                                  </p:stCondLst>
+                                  <p:childTnLst>
+                                    <p:set>
+                                      <p:cBhvr>
+                                        <p:cTn id="18" dur="1" fill="hold">
+                                          <p:stCondLst>
+                                            <p:cond delay="0"/>
+                                          </p:stCondLst>
+                                        </p:cTn>
+                                        <p:tgtEl>
+                                          <p:spTgt spid="6">
+                                            <p:txEl>
+                                              <p:pRg st="6" end="6"/>
+                                            </p:txEl>
+                                          </p:spTgt>
+                                        </p:tgtEl>
+                                        <p:attrNameLst>
+                                          <p:attrName>style.visibility</p:attrName>
+                                        </p:attrNameLst>
+                                      </p:cBhvr>
+                                      <p:to>
+                                        <p:strVal val="visible"/>
+                                      </p:to>
+                                    </p:set>
+                                  </p:childTnLst>
+                                </p:cTn>
+                              </p:par>
+                            </p:childTnLst>
+                          </p:cTn>
+                        </p:par>
+                      </p:childTnLst>
+                    </p:cTn>
+                  </p:par>
+                  <p:par>
+                    <p:cTn id="19" fill="hold">
+                      <p:stCondLst>
+                        <p:cond delay="indefinite"/>
+                      </p:stCondLst>
+                      <p:childTnLst>
+                        <p:par>
+                          <p:cTn id="20" fill="hold">
+                            <p:stCondLst>
+                              <p:cond delay="0"/>
+                            </p:stCondLst>
+                            <p:childTnLst>
+                              <p:par>
+                                <p:cTn id="21" presetID="1" presetClass="entr" presetSubtype="0" fill="hold" nodeType="clickEffect">
+                                  <p:stCondLst>
+                                    <p:cond delay="0"/>
+                                  </p:stCondLst>
+                                  <p:childTnLst>
+                                    <p:set>
+                                      <p:cBhvr>
+                                        <p:cTn id="22" dur="1" fill="hold">
+                                          <p:stCondLst>
+                                            <p:cond delay="0"/>
+                                          </p:stCondLst>
+                                        </p:cTn>
+                                        <p:tgtEl>
+                                          <p:spTgt spid="6">
+                                            <p:txEl>
+                                              <p:pRg st="8" end="8"/>
+                                            </p:txEl>
+                                          </p:spTgt>
+                                        </p:tgtEl>
+                                        <p:attrNameLst>
+                                          <p:attrName>style.visibility</p:attrName>
+                                        </p:attrNameLst>
+                                      </p:cBhvr>
+                                      <p:to>
+                                        <p:strVal val="visible"/>
+                                      </p:to>
+                                    </p:set>
+                                  </p:childTnLst>
+                                </p:cTn>
+                              </p:par>
+                            </p:childTnLst>
+                          </p:cTn>
+                        </p:par>
+                      </p:childTnLst>
+                    </p:cTn>
+                  </p:par>
+                  <p:par>
+                    <p:cTn id="23" fill="hold">
+                      <p:stCondLst>
+                        <p:cond delay="indefinite"/>
+                      </p:stCondLst>
+                      <p:childTnLst>
+                        <p:par>
+                          <p:cTn id="24" fill="hold">
+                            <p:stCondLst>
+                              <p:cond delay="0"/>
+                            </p:stCondLst>
+                            <p:childTnLst>
+                              <p:par>
+                                <p:cTn id="25" presetID="1" presetClass="entr" presetSubtype="0" fill="hold" grpId="0" nodeType="clickEffect">
+                                  <p:stCondLst>
+                                    <p:cond delay="0"/>
+                                  </p:stCondLst>
+                                  <p:childTnLst>
+                                    <p:set>
+                                      <p:cBhvr>
+                                        <p:cTn id="26" dur="1" fill="hold">
+                                          <p:stCondLst>
+                                            <p:cond delay="0"/>
+                                          </p:stCondLst>
+                                        </p:cTn>
+                                        <p:tgtEl>
+                                          <p:spTgt spid="5"/>
+                                        </p:tgtEl>
+                                        <p:attrNameLst>
+                                          <p:attrName>style.visibility</p:attrName>
+                                        </p:attrNameLst>
+                                      </p:cBhvr>
+                                      <p:to>
+                                        <p:strVal val="visible"/>
+                                      </p:to>
+                                    </p:set>
+                                  </p:childTnLst>
+                                </p:cTn>
+                              </p:par>
+                            </p:childTnLst>
+                          </p:cTn>
+                        </p:par>
+                      </p:childTnLst>
+                    </p:cTn>
+                  </p:par>
                 </p:childTnLst>
               </p:cTn>
               <p:prevCondLst>
@@ -6364,11 +7513,14 @@
         </p:cTn>
       </p:par>
     </p:tnLst>
+    <p:bldLst>
+      <p:bldP spid="5" grpId="0" animBg="1"/>
+    </p:bldLst>
   </p:timing>
 </p:sld>
 </file>
 
-<file path=ppt/slides/slide11.xml><?xml version="1.0" encoding="utf-8"?>
+<file path=ppt/slides/slide12.xml><?xml version="1.0" encoding="utf-8"?>
 <p:sld xmlns:a="http://schemas.openxmlformats.org/drawingml/2006/main" xmlns:r="http://schemas.openxmlformats.org/officeDocument/2006/relationships" xmlns:p="http://schemas.openxmlformats.org/presentationml/2006/main">
   <p:cSld>
     <p:spTree>
@@ -6665,7 +7817,7 @@
 </p:sld>
 </file>
 
-<file path=ppt/slides/slide12.xml><?xml version="1.0" encoding="utf-8"?>
+<file path=ppt/slides/slide13.xml><?xml version="1.0" encoding="utf-8"?>
 <p:sld xmlns:a="http://schemas.openxmlformats.org/drawingml/2006/main" xmlns:r="http://schemas.openxmlformats.org/officeDocument/2006/relationships" xmlns:p="http://schemas.openxmlformats.org/presentationml/2006/main">
   <p:cSld>
     <p:spTree>
@@ -7175,7 +8327,1097 @@
 </p:sld>
 </file>
 
-<file path=ppt/slides/slide13.xml><?xml version="1.0" encoding="utf-8"?>
+<file path=ppt/slides/slide14.xml><?xml version="1.0" encoding="utf-8"?>
+<p:sld xmlns:a="http://schemas.openxmlformats.org/drawingml/2006/main" xmlns:r="http://schemas.openxmlformats.org/officeDocument/2006/relationships" xmlns:p="http://schemas.openxmlformats.org/presentationml/2006/main">
+  <p:cSld>
+    <p:spTree>
+      <p:nvGrpSpPr>
+        <p:cNvPr id="1" name=""/>
+        <p:cNvGrpSpPr/>
+        <p:nvPr/>
+      </p:nvGrpSpPr>
+      <p:grpSpPr>
+        <a:xfrm>
+          <a:off x="0" y="0"/>
+          <a:ext cx="0" cy="0"/>
+          <a:chOff x="0" y="0"/>
+          <a:chExt cx="0" cy="0"/>
+        </a:xfrm>
+      </p:grpSpPr>
+      <p:sp>
+        <p:nvSpPr>
+          <p:cNvPr id="19" name="Title 1">
+            <a:extLst>
+              <a:ext uri="{FF2B5EF4-FFF2-40B4-BE49-F238E27FC236}">
+                <a16:creationId xmlns:a16="http://schemas.microsoft.com/office/drawing/2014/main" id="{1145B1FC-8B5F-4A10-B215-C60705EDF134}"/>
+              </a:ext>
+            </a:extLst>
+          </p:cNvPr>
+          <p:cNvSpPr txBox="1">
+            <a:spLocks/>
+          </p:cNvSpPr>
+          <p:nvPr/>
+        </p:nvSpPr>
+        <p:spPr>
+          <a:xfrm>
+            <a:off x="807187" y="280918"/>
+            <a:ext cx="10772775" cy="961277"/>
+          </a:xfrm>
+          <a:prstGeom prst="rect">
+            <a:avLst/>
+          </a:prstGeom>
+        </p:spPr>
+        <p:txBody>
+          <a:bodyPr vert="horz" lIns="91440" tIns="45720" rIns="91440" bIns="45720" rtlCol="0" anchor="ctr">
+            <a:normAutofit/>
+          </a:bodyPr>
+          <a:lstStyle>
+            <a:lvl1pPr algn="l" defTabSz="914400" rtl="0" eaLnBrk="1" latinLnBrk="0" hangingPunct="1">
+              <a:lnSpc>
+                <a:spcPct val="90000"/>
+              </a:lnSpc>
+              <a:spcBef>
+                <a:spcPct val="0"/>
+              </a:spcBef>
+              <a:buNone/>
+              <a:defRPr sz="4400" kern="1200">
+                <a:solidFill>
+                  <a:schemeClr val="tx1"/>
+                </a:solidFill>
+                <a:latin typeface="+mj-lt"/>
+                <a:ea typeface="+mj-ea"/>
+                <a:cs typeface="+mj-cs"/>
+              </a:defRPr>
+            </a:lvl1pPr>
+          </a:lstStyle>
+          <a:p>
+            <a:pPr algn="ctr"/>
+            <a:r>
+              <a:rPr lang="en-US" b="1" dirty="0">
+                <a:solidFill>
+                  <a:schemeClr val="accent1">
+                    <a:lumMod val="75000"/>
+                  </a:schemeClr>
+                </a:solidFill>
+                <a:latin typeface="+mn-lt"/>
+              </a:rPr>
+              <a:t>Evaluation</a:t>
+            </a:r>
+          </a:p>
+        </p:txBody>
+      </p:sp>
+      <p:pic>
+        <p:nvPicPr>
+          <p:cNvPr id="20" name="Picture 19" descr="A picture containing object&#10;&#10;Description generated with very high confidence">
+            <a:extLst>
+              <a:ext uri="{FF2B5EF4-FFF2-40B4-BE49-F238E27FC236}">
+                <a16:creationId xmlns:a16="http://schemas.microsoft.com/office/drawing/2014/main" id="{BFA8EE74-C4C5-4B64-A157-B93B22BF494E}"/>
+              </a:ext>
+            </a:extLst>
+          </p:cNvPr>
+          <p:cNvPicPr>
+            <a:picLocks noChangeAspect="1"/>
+          </p:cNvPicPr>
+          <p:nvPr/>
+        </p:nvPicPr>
+        <p:blipFill>
+          <a:blip r:embed="rId3">
+            <a:extLst>
+              <a:ext uri="{28A0092B-C50C-407E-A947-70E740481C1C}">
+                <a14:useLocalDpi xmlns:a14="http://schemas.microsoft.com/office/drawing/2010/main" val="0"/>
+              </a:ext>
+            </a:extLst>
+          </a:blip>
+          <a:stretch>
+            <a:fillRect/>
+          </a:stretch>
+        </p:blipFill>
+        <p:spPr>
+          <a:xfrm>
+            <a:off x="9835376" y="6328400"/>
+            <a:ext cx="2223771" cy="428280"/>
+          </a:xfrm>
+          <a:prstGeom prst="rect">
+            <a:avLst/>
+          </a:prstGeom>
+        </p:spPr>
+      </p:pic>
+      <p:sp>
+        <p:nvSpPr>
+          <p:cNvPr id="6" name="TextBox 5">
+            <a:extLst>
+              <a:ext uri="{FF2B5EF4-FFF2-40B4-BE49-F238E27FC236}">
+                <a16:creationId xmlns:a16="http://schemas.microsoft.com/office/drawing/2014/main" id="{74D658F0-641F-4B92-BDB3-3845C185EDF3}"/>
+              </a:ext>
+            </a:extLst>
+          </p:cNvPr>
+          <p:cNvSpPr txBox="1"/>
+          <p:nvPr/>
+        </p:nvSpPr>
+        <p:spPr>
+          <a:xfrm>
+            <a:off x="677878" y="1069360"/>
+            <a:ext cx="11031392" cy="3539430"/>
+          </a:xfrm>
+          <a:prstGeom prst="rect">
+            <a:avLst/>
+          </a:prstGeom>
+          <a:noFill/>
+        </p:spPr>
+        <p:txBody>
+          <a:bodyPr wrap="square" rtlCol="0">
+            <a:spAutoFit/>
+          </a:bodyPr>
+          <a:lstStyle/>
+          <a:p>
+            <a:pPr marL="457200" indent="-457200">
+              <a:buFont typeface="Wingdings" panose="05000000000000000000" pitchFamily="2" charset="2"/>
+              <a:buChar char="§"/>
+            </a:pPr>
+            <a:r>
+              <a:rPr lang="en-US" sz="2000" dirty="0"/>
+              <a:t>User Study</a:t>
+            </a:r>
+          </a:p>
+          <a:p>
+            <a:pPr marL="914400" lvl="1" indent="-457200">
+              <a:buFont typeface="Wingdings" panose="05000000000000000000" pitchFamily="2" charset="2"/>
+              <a:buChar char="§"/>
+            </a:pPr>
+            <a:r>
+              <a:rPr lang="en-US" sz="2000" dirty="0"/>
+              <a:t>Difficult to find users with speaking difficulties. Non-native speakers might be an option.</a:t>
+            </a:r>
+          </a:p>
+          <a:p>
+            <a:pPr marL="914400" lvl="1" indent="-457200">
+              <a:buFont typeface="Wingdings" panose="05000000000000000000" pitchFamily="2" charset="2"/>
+              <a:buChar char="§"/>
+            </a:pPr>
+            <a:r>
+              <a:rPr lang="en-US" sz="2000" dirty="0"/>
+              <a:t>Our system is bad at the beginning but evolves with time. Might be tricky to evaluate</a:t>
+            </a:r>
+          </a:p>
+          <a:p>
+            <a:pPr marL="914400" lvl="1" indent="-457200">
+              <a:buFont typeface="Wingdings" panose="05000000000000000000" pitchFamily="2" charset="2"/>
+              <a:buChar char="§"/>
+            </a:pPr>
+            <a:r>
+              <a:rPr lang="en-US" sz="2000" dirty="0"/>
+              <a:t>Can ask for subjective evaluation</a:t>
+            </a:r>
+          </a:p>
+          <a:p>
+            <a:pPr marL="914400" lvl="1" indent="-457200">
+              <a:buFont typeface="Wingdings" panose="05000000000000000000" pitchFamily="2" charset="2"/>
+              <a:buChar char="§"/>
+            </a:pPr>
+            <a:endParaRPr lang="en-US" sz="2400" dirty="0"/>
+          </a:p>
+          <a:p>
+            <a:pPr marL="457200" indent="-457200">
+              <a:buFont typeface="Wingdings" panose="05000000000000000000" pitchFamily="2" charset="2"/>
+              <a:buChar char="§"/>
+            </a:pPr>
+            <a:r>
+              <a:rPr lang="en-US" sz="2000" dirty="0"/>
+              <a:t>Expert Evaluation</a:t>
+            </a:r>
+          </a:p>
+          <a:p>
+            <a:pPr lvl="1"/>
+            <a:r>
+              <a:rPr lang="en-US" sz="2000" dirty="0"/>
+              <a:t>We can demonstrate our tool to experts like Speech Language Pathologists Simulation</a:t>
+            </a:r>
+          </a:p>
+          <a:p>
+            <a:pPr marL="457200" indent="-457200">
+              <a:buFont typeface="Wingdings" panose="05000000000000000000" pitchFamily="2" charset="2"/>
+              <a:buChar char="§"/>
+            </a:pPr>
+            <a:endParaRPr lang="en-US" sz="2000" dirty="0"/>
+          </a:p>
+          <a:p>
+            <a:pPr marL="457200" indent="-457200">
+              <a:buFont typeface="Wingdings" panose="05000000000000000000" pitchFamily="2" charset="2"/>
+              <a:buChar char="§"/>
+            </a:pPr>
+            <a:r>
+              <a:rPr lang="en-US" sz="2000" dirty="0"/>
+              <a:t>Simulation</a:t>
+            </a:r>
+          </a:p>
+          <a:p>
+            <a:pPr lvl="1"/>
+            <a:r>
+              <a:rPr lang="en-US" sz="2000" dirty="0"/>
+              <a:t>We can simulate users who find certain words difficult and evaluate our tool on precision and recall. This way we can also see how the performance of the tool increases with time. </a:t>
+            </a:r>
+          </a:p>
+        </p:txBody>
+      </p:sp>
+    </p:spTree>
+    <p:extLst>
+      <p:ext uri="{BB962C8B-B14F-4D97-AF65-F5344CB8AC3E}">
+        <p14:creationId xmlns:p14="http://schemas.microsoft.com/office/powerpoint/2010/main" val="2783539026"/>
+      </p:ext>
+    </p:extLst>
+  </p:cSld>
+  <p:clrMapOvr>
+    <a:masterClrMapping/>
+  </p:clrMapOvr>
+  <p:timing>
+    <p:tnLst>
+      <p:par>
+        <p:cTn id="1" dur="indefinite" restart="never" nodeType="tmRoot">
+          <p:childTnLst>
+            <p:seq concurrent="1" nextAc="seek">
+              <p:cTn id="2" dur="indefinite" nodeType="mainSeq">
+                <p:childTnLst>
+                  <p:par>
+                    <p:cTn id="3" fill="hold">
+                      <p:stCondLst>
+                        <p:cond delay="indefinite"/>
+                      </p:stCondLst>
+                      <p:childTnLst>
+                        <p:par>
+                          <p:cTn id="4" fill="hold">
+                            <p:stCondLst>
+                              <p:cond delay="0"/>
+                            </p:stCondLst>
+                            <p:childTnLst>
+                              <p:par>
+                                <p:cTn id="5" presetID="1" presetClass="entr" presetSubtype="0" fill="hold" nodeType="clickEffect">
+                                  <p:stCondLst>
+                                    <p:cond delay="0"/>
+                                  </p:stCondLst>
+                                  <p:childTnLst>
+                                    <p:set>
+                                      <p:cBhvr>
+                                        <p:cTn id="6" dur="1" fill="hold">
+                                          <p:stCondLst>
+                                            <p:cond delay="0"/>
+                                          </p:stCondLst>
+                                        </p:cTn>
+                                        <p:tgtEl>
+                                          <p:spTgt spid="6">
+                                            <p:txEl>
+                                              <p:pRg st="8" end="8"/>
+                                            </p:txEl>
+                                          </p:spTgt>
+                                        </p:tgtEl>
+                                        <p:attrNameLst>
+                                          <p:attrName>style.visibility</p:attrName>
+                                        </p:attrNameLst>
+                                      </p:cBhvr>
+                                      <p:to>
+                                        <p:strVal val="visible"/>
+                                      </p:to>
+                                    </p:set>
+                                  </p:childTnLst>
+                                </p:cTn>
+                              </p:par>
+                            </p:childTnLst>
+                          </p:cTn>
+                        </p:par>
+                      </p:childTnLst>
+                    </p:cTn>
+                  </p:par>
+                  <p:par>
+                    <p:cTn id="7" fill="hold">
+                      <p:stCondLst>
+                        <p:cond delay="indefinite"/>
+                      </p:stCondLst>
+                      <p:childTnLst>
+                        <p:par>
+                          <p:cTn id="8" fill="hold">
+                            <p:stCondLst>
+                              <p:cond delay="0"/>
+                            </p:stCondLst>
+                            <p:childTnLst>
+                              <p:par>
+                                <p:cTn id="9" presetID="1" presetClass="entr" presetSubtype="0" fill="hold" nodeType="clickEffect">
+                                  <p:stCondLst>
+                                    <p:cond delay="0"/>
+                                  </p:stCondLst>
+                                  <p:childTnLst>
+                                    <p:set>
+                                      <p:cBhvr>
+                                        <p:cTn id="10" dur="1" fill="hold">
+                                          <p:stCondLst>
+                                            <p:cond delay="0"/>
+                                          </p:stCondLst>
+                                        </p:cTn>
+                                        <p:tgtEl>
+                                          <p:spTgt spid="6">
+                                            <p:txEl>
+                                              <p:pRg st="9" end="9"/>
+                                            </p:txEl>
+                                          </p:spTgt>
+                                        </p:tgtEl>
+                                        <p:attrNameLst>
+                                          <p:attrName>style.visibility</p:attrName>
+                                        </p:attrNameLst>
+                                      </p:cBhvr>
+                                      <p:to>
+                                        <p:strVal val="visible"/>
+                                      </p:to>
+                                    </p:set>
+                                  </p:childTnLst>
+                                </p:cTn>
+                              </p:par>
+                            </p:childTnLst>
+                          </p:cTn>
+                        </p:par>
+                      </p:childTnLst>
+                    </p:cTn>
+                  </p:par>
+                  <p:par>
+                    <p:cTn id="11" fill="hold">
+                      <p:stCondLst>
+                        <p:cond delay="indefinite"/>
+                      </p:stCondLst>
+                      <p:childTnLst>
+                        <p:par>
+                          <p:cTn id="12" fill="hold">
+                            <p:stCondLst>
+                              <p:cond delay="0"/>
+                            </p:stCondLst>
+                            <p:childTnLst>
+                              <p:par>
+                                <p:cTn id="13" presetID="1" presetClass="entr" presetSubtype="0" fill="hold" nodeType="clickEffect">
+                                  <p:stCondLst>
+                                    <p:cond delay="0"/>
+                                  </p:stCondLst>
+                                  <p:childTnLst>
+                                    <p:set>
+                                      <p:cBhvr>
+                                        <p:cTn id="14" dur="1" fill="hold">
+                                          <p:stCondLst>
+                                            <p:cond delay="0"/>
+                                          </p:stCondLst>
+                                        </p:cTn>
+                                        <p:tgtEl>
+                                          <p:spTgt spid="6">
+                                            <p:txEl>
+                                              <p:pRg st="0" end="0"/>
+                                            </p:txEl>
+                                          </p:spTgt>
+                                        </p:tgtEl>
+                                        <p:attrNameLst>
+                                          <p:attrName>style.visibility</p:attrName>
+                                        </p:attrNameLst>
+                                      </p:cBhvr>
+                                      <p:to>
+                                        <p:strVal val="visible"/>
+                                      </p:to>
+                                    </p:set>
+                                  </p:childTnLst>
+                                </p:cTn>
+                              </p:par>
+                            </p:childTnLst>
+                          </p:cTn>
+                        </p:par>
+                      </p:childTnLst>
+                    </p:cTn>
+                  </p:par>
+                  <p:par>
+                    <p:cTn id="15" fill="hold">
+                      <p:stCondLst>
+                        <p:cond delay="indefinite"/>
+                      </p:stCondLst>
+                      <p:childTnLst>
+                        <p:par>
+                          <p:cTn id="16" fill="hold">
+                            <p:stCondLst>
+                              <p:cond delay="0"/>
+                            </p:stCondLst>
+                            <p:childTnLst>
+                              <p:par>
+                                <p:cTn id="17" presetID="1" presetClass="entr" presetSubtype="0" fill="hold" nodeType="clickEffect">
+                                  <p:stCondLst>
+                                    <p:cond delay="0"/>
+                                  </p:stCondLst>
+                                  <p:childTnLst>
+                                    <p:set>
+                                      <p:cBhvr>
+                                        <p:cTn id="18" dur="1" fill="hold">
+                                          <p:stCondLst>
+                                            <p:cond delay="0"/>
+                                          </p:stCondLst>
+                                        </p:cTn>
+                                        <p:tgtEl>
+                                          <p:spTgt spid="6">
+                                            <p:txEl>
+                                              <p:pRg st="1" end="1"/>
+                                            </p:txEl>
+                                          </p:spTgt>
+                                        </p:tgtEl>
+                                        <p:attrNameLst>
+                                          <p:attrName>style.visibility</p:attrName>
+                                        </p:attrNameLst>
+                                      </p:cBhvr>
+                                      <p:to>
+                                        <p:strVal val="visible"/>
+                                      </p:to>
+                                    </p:set>
+                                  </p:childTnLst>
+                                </p:cTn>
+                              </p:par>
+                            </p:childTnLst>
+                          </p:cTn>
+                        </p:par>
+                      </p:childTnLst>
+                    </p:cTn>
+                  </p:par>
+                  <p:par>
+                    <p:cTn id="19" fill="hold">
+                      <p:stCondLst>
+                        <p:cond delay="indefinite"/>
+                      </p:stCondLst>
+                      <p:childTnLst>
+                        <p:par>
+                          <p:cTn id="20" fill="hold">
+                            <p:stCondLst>
+                              <p:cond delay="0"/>
+                            </p:stCondLst>
+                            <p:childTnLst>
+                              <p:par>
+                                <p:cTn id="21" presetID="1" presetClass="entr" presetSubtype="0" fill="hold" nodeType="clickEffect">
+                                  <p:stCondLst>
+                                    <p:cond delay="0"/>
+                                  </p:stCondLst>
+                                  <p:childTnLst>
+                                    <p:set>
+                                      <p:cBhvr>
+                                        <p:cTn id="22" dur="1" fill="hold">
+                                          <p:stCondLst>
+                                            <p:cond delay="0"/>
+                                          </p:stCondLst>
+                                        </p:cTn>
+                                        <p:tgtEl>
+                                          <p:spTgt spid="6">
+                                            <p:txEl>
+                                              <p:pRg st="2" end="2"/>
+                                            </p:txEl>
+                                          </p:spTgt>
+                                        </p:tgtEl>
+                                        <p:attrNameLst>
+                                          <p:attrName>style.visibility</p:attrName>
+                                        </p:attrNameLst>
+                                      </p:cBhvr>
+                                      <p:to>
+                                        <p:strVal val="visible"/>
+                                      </p:to>
+                                    </p:set>
+                                  </p:childTnLst>
+                                </p:cTn>
+                              </p:par>
+                            </p:childTnLst>
+                          </p:cTn>
+                        </p:par>
+                      </p:childTnLst>
+                    </p:cTn>
+                  </p:par>
+                  <p:par>
+                    <p:cTn id="23" fill="hold">
+                      <p:stCondLst>
+                        <p:cond delay="indefinite"/>
+                      </p:stCondLst>
+                      <p:childTnLst>
+                        <p:par>
+                          <p:cTn id="24" fill="hold">
+                            <p:stCondLst>
+                              <p:cond delay="0"/>
+                            </p:stCondLst>
+                            <p:childTnLst>
+                              <p:par>
+                                <p:cTn id="25" presetID="1" presetClass="entr" presetSubtype="0" fill="hold" nodeType="clickEffect">
+                                  <p:stCondLst>
+                                    <p:cond delay="0"/>
+                                  </p:stCondLst>
+                                  <p:childTnLst>
+                                    <p:set>
+                                      <p:cBhvr>
+                                        <p:cTn id="26" dur="1" fill="hold">
+                                          <p:stCondLst>
+                                            <p:cond delay="0"/>
+                                          </p:stCondLst>
+                                        </p:cTn>
+                                        <p:tgtEl>
+                                          <p:spTgt spid="6">
+                                            <p:txEl>
+                                              <p:pRg st="3" end="3"/>
+                                            </p:txEl>
+                                          </p:spTgt>
+                                        </p:tgtEl>
+                                        <p:attrNameLst>
+                                          <p:attrName>style.visibility</p:attrName>
+                                        </p:attrNameLst>
+                                      </p:cBhvr>
+                                      <p:to>
+                                        <p:strVal val="visible"/>
+                                      </p:to>
+                                    </p:set>
+                                  </p:childTnLst>
+                                </p:cTn>
+                              </p:par>
+                            </p:childTnLst>
+                          </p:cTn>
+                        </p:par>
+                      </p:childTnLst>
+                    </p:cTn>
+                  </p:par>
+                  <p:par>
+                    <p:cTn id="27" fill="hold">
+                      <p:stCondLst>
+                        <p:cond delay="indefinite"/>
+                      </p:stCondLst>
+                      <p:childTnLst>
+                        <p:par>
+                          <p:cTn id="28" fill="hold">
+                            <p:stCondLst>
+                              <p:cond delay="0"/>
+                            </p:stCondLst>
+                            <p:childTnLst>
+                              <p:par>
+                                <p:cTn id="29" presetID="1" presetClass="entr" presetSubtype="0" fill="hold" nodeType="clickEffect">
+                                  <p:stCondLst>
+                                    <p:cond delay="0"/>
+                                  </p:stCondLst>
+                                  <p:childTnLst>
+                                    <p:set>
+                                      <p:cBhvr>
+                                        <p:cTn id="30" dur="1" fill="hold">
+                                          <p:stCondLst>
+                                            <p:cond delay="0"/>
+                                          </p:stCondLst>
+                                        </p:cTn>
+                                        <p:tgtEl>
+                                          <p:spTgt spid="6">
+                                            <p:txEl>
+                                              <p:pRg st="5" end="5"/>
+                                            </p:txEl>
+                                          </p:spTgt>
+                                        </p:tgtEl>
+                                        <p:attrNameLst>
+                                          <p:attrName>style.visibility</p:attrName>
+                                        </p:attrNameLst>
+                                      </p:cBhvr>
+                                      <p:to>
+                                        <p:strVal val="visible"/>
+                                      </p:to>
+                                    </p:set>
+                                  </p:childTnLst>
+                                </p:cTn>
+                              </p:par>
+                            </p:childTnLst>
+                          </p:cTn>
+                        </p:par>
+                      </p:childTnLst>
+                    </p:cTn>
+                  </p:par>
+                  <p:par>
+                    <p:cTn id="31" fill="hold">
+                      <p:stCondLst>
+                        <p:cond delay="indefinite"/>
+                      </p:stCondLst>
+                      <p:childTnLst>
+                        <p:par>
+                          <p:cTn id="32" fill="hold">
+                            <p:stCondLst>
+                              <p:cond delay="0"/>
+                            </p:stCondLst>
+                            <p:childTnLst>
+                              <p:par>
+                                <p:cTn id="33" presetID="1" presetClass="entr" presetSubtype="0" fill="hold" nodeType="clickEffect">
+                                  <p:stCondLst>
+                                    <p:cond delay="0"/>
+                                  </p:stCondLst>
+                                  <p:childTnLst>
+                                    <p:set>
+                                      <p:cBhvr>
+                                        <p:cTn id="34" dur="1" fill="hold">
+                                          <p:stCondLst>
+                                            <p:cond delay="0"/>
+                                          </p:stCondLst>
+                                        </p:cTn>
+                                        <p:tgtEl>
+                                          <p:spTgt spid="6">
+                                            <p:txEl>
+                                              <p:pRg st="6" end="6"/>
+                                            </p:txEl>
+                                          </p:spTgt>
+                                        </p:tgtEl>
+                                        <p:attrNameLst>
+                                          <p:attrName>style.visibility</p:attrName>
+                                        </p:attrNameLst>
+                                      </p:cBhvr>
+                                      <p:to>
+                                        <p:strVal val="visible"/>
+                                      </p:to>
+                                    </p:set>
+                                  </p:childTnLst>
+                                </p:cTn>
+                              </p:par>
+                            </p:childTnLst>
+                          </p:cTn>
+                        </p:par>
+                      </p:childTnLst>
+                    </p:cTn>
+                  </p:par>
+                </p:childTnLst>
+              </p:cTn>
+              <p:prevCondLst>
+                <p:cond evt="onPrev" delay="0">
+                  <p:tgtEl>
+                    <p:sldTgt/>
+                  </p:tgtEl>
+                </p:cond>
+              </p:prevCondLst>
+              <p:nextCondLst>
+                <p:cond evt="onNext" delay="0">
+                  <p:tgtEl>
+                    <p:sldTgt/>
+                  </p:tgtEl>
+                </p:cond>
+              </p:nextCondLst>
+            </p:seq>
+          </p:childTnLst>
+        </p:cTn>
+      </p:par>
+    </p:tnLst>
+  </p:timing>
+</p:sld>
+</file>
+
+<file path=ppt/slides/slide15.xml><?xml version="1.0" encoding="utf-8"?>
+<p:sld xmlns:a="http://schemas.openxmlformats.org/drawingml/2006/main" xmlns:r="http://schemas.openxmlformats.org/officeDocument/2006/relationships" xmlns:p="http://schemas.openxmlformats.org/presentationml/2006/main">
+  <p:cSld>
+    <p:spTree>
+      <p:nvGrpSpPr>
+        <p:cNvPr id="1" name=""/>
+        <p:cNvGrpSpPr/>
+        <p:nvPr/>
+      </p:nvGrpSpPr>
+      <p:grpSpPr>
+        <a:xfrm>
+          <a:off x="0" y="0"/>
+          <a:ext cx="0" cy="0"/>
+          <a:chOff x="0" y="0"/>
+          <a:chExt cx="0" cy="0"/>
+        </a:xfrm>
+      </p:grpSpPr>
+      <p:sp>
+        <p:nvSpPr>
+          <p:cNvPr id="19" name="Title 1">
+            <a:extLst>
+              <a:ext uri="{FF2B5EF4-FFF2-40B4-BE49-F238E27FC236}">
+                <a16:creationId xmlns:a16="http://schemas.microsoft.com/office/drawing/2014/main" id="{1145B1FC-8B5F-4A10-B215-C60705EDF134}"/>
+              </a:ext>
+            </a:extLst>
+          </p:cNvPr>
+          <p:cNvSpPr txBox="1">
+            <a:spLocks/>
+          </p:cNvSpPr>
+          <p:nvPr/>
+        </p:nvSpPr>
+        <p:spPr>
+          <a:xfrm>
+            <a:off x="807187" y="280918"/>
+            <a:ext cx="10772775" cy="961277"/>
+          </a:xfrm>
+          <a:prstGeom prst="rect">
+            <a:avLst/>
+          </a:prstGeom>
+        </p:spPr>
+        <p:txBody>
+          <a:bodyPr vert="horz" lIns="91440" tIns="45720" rIns="91440" bIns="45720" rtlCol="0" anchor="ctr">
+            <a:normAutofit/>
+          </a:bodyPr>
+          <a:lstStyle>
+            <a:lvl1pPr algn="l" defTabSz="914400" rtl="0" eaLnBrk="1" latinLnBrk="0" hangingPunct="1">
+              <a:lnSpc>
+                <a:spcPct val="90000"/>
+              </a:lnSpc>
+              <a:spcBef>
+                <a:spcPct val="0"/>
+              </a:spcBef>
+              <a:buNone/>
+              <a:defRPr sz="4400" kern="1200">
+                <a:solidFill>
+                  <a:schemeClr val="tx1"/>
+                </a:solidFill>
+                <a:latin typeface="+mj-lt"/>
+                <a:ea typeface="+mj-ea"/>
+                <a:cs typeface="+mj-cs"/>
+              </a:defRPr>
+            </a:lvl1pPr>
+          </a:lstStyle>
+          <a:p>
+            <a:pPr algn="ctr"/>
+            <a:r>
+              <a:rPr lang="en-US" b="1" dirty="0">
+                <a:solidFill>
+                  <a:schemeClr val="accent1">
+                    <a:lumMod val="75000"/>
+                  </a:schemeClr>
+                </a:solidFill>
+                <a:latin typeface="+mn-lt"/>
+              </a:rPr>
+              <a:t>AI Augmented Writing Platforms</a:t>
+            </a:r>
+          </a:p>
+        </p:txBody>
+      </p:sp>
+      <p:pic>
+        <p:nvPicPr>
+          <p:cNvPr id="20" name="Picture 19" descr="A picture containing object&#10;&#10;Description generated with very high confidence">
+            <a:extLst>
+              <a:ext uri="{FF2B5EF4-FFF2-40B4-BE49-F238E27FC236}">
+                <a16:creationId xmlns:a16="http://schemas.microsoft.com/office/drawing/2014/main" id="{BFA8EE74-C4C5-4B64-A157-B93B22BF494E}"/>
+              </a:ext>
+            </a:extLst>
+          </p:cNvPr>
+          <p:cNvPicPr>
+            <a:picLocks noChangeAspect="1"/>
+          </p:cNvPicPr>
+          <p:nvPr/>
+        </p:nvPicPr>
+        <p:blipFill>
+          <a:blip r:embed="rId3">
+            <a:extLst>
+              <a:ext uri="{28A0092B-C50C-407E-A947-70E740481C1C}">
+                <a14:useLocalDpi xmlns:a14="http://schemas.microsoft.com/office/drawing/2010/main" val="0"/>
+              </a:ext>
+            </a:extLst>
+          </a:blip>
+          <a:stretch>
+            <a:fillRect/>
+          </a:stretch>
+        </p:blipFill>
+        <p:spPr>
+          <a:xfrm>
+            <a:off x="9835376" y="6328400"/>
+            <a:ext cx="2223771" cy="428280"/>
+          </a:xfrm>
+          <a:prstGeom prst="rect">
+            <a:avLst/>
+          </a:prstGeom>
+        </p:spPr>
+      </p:pic>
+      <p:sp>
+        <p:nvSpPr>
+          <p:cNvPr id="6" name="TextBox 5">
+            <a:extLst>
+              <a:ext uri="{FF2B5EF4-FFF2-40B4-BE49-F238E27FC236}">
+                <a16:creationId xmlns:a16="http://schemas.microsoft.com/office/drawing/2014/main" id="{74D658F0-641F-4B92-BDB3-3845C185EDF3}"/>
+              </a:ext>
+            </a:extLst>
+          </p:cNvPr>
+          <p:cNvSpPr txBox="1"/>
+          <p:nvPr/>
+        </p:nvSpPr>
+        <p:spPr>
+          <a:xfrm>
+            <a:off x="677878" y="1242195"/>
+            <a:ext cx="11031392" cy="1569660"/>
+          </a:xfrm>
+          <a:prstGeom prst="rect">
+            <a:avLst/>
+          </a:prstGeom>
+          <a:noFill/>
+        </p:spPr>
+        <p:txBody>
+          <a:bodyPr wrap="square" rtlCol="0">
+            <a:spAutoFit/>
+          </a:bodyPr>
+          <a:lstStyle/>
+          <a:p>
+            <a:pPr marL="342900" indent="-342900">
+              <a:buFontTx/>
+              <a:buChar char="-"/>
+            </a:pPr>
+            <a:r>
+              <a:rPr lang="en-US" sz="2400" dirty="0"/>
+              <a:t>People with Visual Impairments</a:t>
+            </a:r>
+          </a:p>
+          <a:p>
+            <a:pPr marL="342900" indent="-342900">
+              <a:buFontTx/>
+              <a:buChar char="-"/>
+            </a:pPr>
+            <a:r>
+              <a:rPr lang="en-US" sz="2400" dirty="0"/>
+              <a:t>Autocompletion of sentences</a:t>
+            </a:r>
+          </a:p>
+          <a:p>
+            <a:pPr marL="342900" indent="-342900">
+              <a:buFontTx/>
+              <a:buChar char="-"/>
+            </a:pPr>
+            <a:r>
+              <a:rPr lang="en-US" sz="2400" dirty="0"/>
+              <a:t>Refine tone, grammatical errors (Grammarly)</a:t>
+            </a:r>
+          </a:p>
+          <a:p>
+            <a:pPr marL="342900" indent="-342900">
+              <a:buFontTx/>
+              <a:buChar char="-"/>
+            </a:pPr>
+            <a:r>
+              <a:rPr lang="en-US" sz="2400" dirty="0"/>
+              <a:t>Gender Bias (Text.io)</a:t>
+            </a:r>
+          </a:p>
+        </p:txBody>
+      </p:sp>
+    </p:spTree>
+    <p:extLst>
+      <p:ext uri="{BB962C8B-B14F-4D97-AF65-F5344CB8AC3E}">
+        <p14:creationId xmlns:p14="http://schemas.microsoft.com/office/powerpoint/2010/main" val="4184678721"/>
+      </p:ext>
+    </p:extLst>
+  </p:cSld>
+  <p:clrMapOvr>
+    <a:masterClrMapping/>
+  </p:clrMapOvr>
+  <p:timing>
+    <p:tnLst>
+      <p:par>
+        <p:cTn id="1" dur="indefinite" restart="never" nodeType="tmRoot">
+          <p:childTnLst>
+            <p:seq concurrent="1" nextAc="seek">
+              <p:cTn id="2" dur="indefinite" nodeType="mainSeq">
+                <p:childTnLst>
+                  <p:par>
+                    <p:cTn id="3" fill="hold">
+                      <p:stCondLst>
+                        <p:cond delay="indefinite"/>
+                      </p:stCondLst>
+                      <p:childTnLst>
+                        <p:par>
+                          <p:cTn id="4" fill="hold">
+                            <p:stCondLst>
+                              <p:cond delay="0"/>
+                            </p:stCondLst>
+                            <p:childTnLst>
+                              <p:par>
+                                <p:cTn id="5" presetID="1" presetClass="entr" presetSubtype="0" fill="hold" nodeType="clickEffect">
+                                  <p:stCondLst>
+                                    <p:cond delay="0"/>
+                                  </p:stCondLst>
+                                  <p:childTnLst>
+                                    <p:set>
+                                      <p:cBhvr>
+                                        <p:cTn id="6" dur="1" fill="hold">
+                                          <p:stCondLst>
+                                            <p:cond delay="0"/>
+                                          </p:stCondLst>
+                                        </p:cTn>
+                                        <p:tgtEl>
+                                          <p:spTgt spid="6">
+                                            <p:txEl>
+                                              <p:pRg st="0" end="0"/>
+                                            </p:txEl>
+                                          </p:spTgt>
+                                        </p:tgtEl>
+                                        <p:attrNameLst>
+                                          <p:attrName>style.visibility</p:attrName>
+                                        </p:attrNameLst>
+                                      </p:cBhvr>
+                                      <p:to>
+                                        <p:strVal val="visible"/>
+                                      </p:to>
+                                    </p:set>
+                                  </p:childTnLst>
+                                </p:cTn>
+                              </p:par>
+                            </p:childTnLst>
+                          </p:cTn>
+                        </p:par>
+                      </p:childTnLst>
+                    </p:cTn>
+                  </p:par>
+                  <p:par>
+                    <p:cTn id="7" fill="hold">
+                      <p:stCondLst>
+                        <p:cond delay="indefinite"/>
+                      </p:stCondLst>
+                      <p:childTnLst>
+                        <p:par>
+                          <p:cTn id="8" fill="hold">
+                            <p:stCondLst>
+                              <p:cond delay="0"/>
+                            </p:stCondLst>
+                            <p:childTnLst>
+                              <p:par>
+                                <p:cTn id="9" presetID="1" presetClass="entr" presetSubtype="0" fill="hold" nodeType="clickEffect">
+                                  <p:stCondLst>
+                                    <p:cond delay="0"/>
+                                  </p:stCondLst>
+                                  <p:childTnLst>
+                                    <p:set>
+                                      <p:cBhvr>
+                                        <p:cTn id="10" dur="1" fill="hold">
+                                          <p:stCondLst>
+                                            <p:cond delay="0"/>
+                                          </p:stCondLst>
+                                        </p:cTn>
+                                        <p:tgtEl>
+                                          <p:spTgt spid="6">
+                                            <p:txEl>
+                                              <p:pRg st="1" end="1"/>
+                                            </p:txEl>
+                                          </p:spTgt>
+                                        </p:tgtEl>
+                                        <p:attrNameLst>
+                                          <p:attrName>style.visibility</p:attrName>
+                                        </p:attrNameLst>
+                                      </p:cBhvr>
+                                      <p:to>
+                                        <p:strVal val="visible"/>
+                                      </p:to>
+                                    </p:set>
+                                  </p:childTnLst>
+                                </p:cTn>
+                              </p:par>
+                            </p:childTnLst>
+                          </p:cTn>
+                        </p:par>
+                      </p:childTnLst>
+                    </p:cTn>
+                  </p:par>
+                  <p:par>
+                    <p:cTn id="11" fill="hold">
+                      <p:stCondLst>
+                        <p:cond delay="indefinite"/>
+                      </p:stCondLst>
+                      <p:childTnLst>
+                        <p:par>
+                          <p:cTn id="12" fill="hold">
+                            <p:stCondLst>
+                              <p:cond delay="0"/>
+                            </p:stCondLst>
+                            <p:childTnLst>
+                              <p:par>
+                                <p:cTn id="13" presetID="1" presetClass="entr" presetSubtype="0" fill="hold" nodeType="clickEffect">
+                                  <p:stCondLst>
+                                    <p:cond delay="0"/>
+                                  </p:stCondLst>
+                                  <p:childTnLst>
+                                    <p:set>
+                                      <p:cBhvr>
+                                        <p:cTn id="14" dur="1" fill="hold">
+                                          <p:stCondLst>
+                                            <p:cond delay="0"/>
+                                          </p:stCondLst>
+                                        </p:cTn>
+                                        <p:tgtEl>
+                                          <p:spTgt spid="6">
+                                            <p:txEl>
+                                              <p:pRg st="2" end="2"/>
+                                            </p:txEl>
+                                          </p:spTgt>
+                                        </p:tgtEl>
+                                        <p:attrNameLst>
+                                          <p:attrName>style.visibility</p:attrName>
+                                        </p:attrNameLst>
+                                      </p:cBhvr>
+                                      <p:to>
+                                        <p:strVal val="visible"/>
+                                      </p:to>
+                                    </p:set>
+                                  </p:childTnLst>
+                                </p:cTn>
+                              </p:par>
+                            </p:childTnLst>
+                          </p:cTn>
+                        </p:par>
+                      </p:childTnLst>
+                    </p:cTn>
+                  </p:par>
+                  <p:par>
+                    <p:cTn id="15" fill="hold">
+                      <p:stCondLst>
+                        <p:cond delay="indefinite"/>
+                      </p:stCondLst>
+                      <p:childTnLst>
+                        <p:par>
+                          <p:cTn id="16" fill="hold">
+                            <p:stCondLst>
+                              <p:cond delay="0"/>
+                            </p:stCondLst>
+                            <p:childTnLst>
+                              <p:par>
+                                <p:cTn id="17" presetID="1" presetClass="entr" presetSubtype="0" fill="hold" nodeType="clickEffect">
+                                  <p:stCondLst>
+                                    <p:cond delay="0"/>
+                                  </p:stCondLst>
+                                  <p:childTnLst>
+                                    <p:set>
+                                      <p:cBhvr>
+                                        <p:cTn id="18" dur="1" fill="hold">
+                                          <p:stCondLst>
+                                            <p:cond delay="0"/>
+                                          </p:stCondLst>
+                                        </p:cTn>
+                                        <p:tgtEl>
+                                          <p:spTgt spid="6">
+                                            <p:txEl>
+                                              <p:pRg st="3" end="3"/>
+                                            </p:txEl>
+                                          </p:spTgt>
+                                        </p:tgtEl>
+                                        <p:attrNameLst>
+                                          <p:attrName>style.visibility</p:attrName>
+                                        </p:attrNameLst>
+                                      </p:cBhvr>
+                                      <p:to>
+                                        <p:strVal val="visible"/>
+                                      </p:to>
+                                    </p:set>
+                                  </p:childTnLst>
+                                </p:cTn>
+                              </p:par>
+                            </p:childTnLst>
+                          </p:cTn>
+                        </p:par>
+                      </p:childTnLst>
+                    </p:cTn>
+                  </p:par>
+                </p:childTnLst>
+              </p:cTn>
+              <p:prevCondLst>
+                <p:cond evt="onPrev" delay="0">
+                  <p:tgtEl>
+                    <p:sldTgt/>
+                  </p:tgtEl>
+                </p:cond>
+              </p:prevCondLst>
+              <p:nextCondLst>
+                <p:cond evt="onNext" delay="0">
+                  <p:tgtEl>
+                    <p:sldTgt/>
+                  </p:tgtEl>
+                </p:cond>
+              </p:nextCondLst>
+            </p:seq>
+          </p:childTnLst>
+        </p:cTn>
+      </p:par>
+    </p:tnLst>
+  </p:timing>
+</p:sld>
+</file>
+
+<file path=ppt/slides/slide16.xml><?xml version="1.0" encoding="utf-8"?>
 <p:sld xmlns:a="http://schemas.openxmlformats.org/drawingml/2006/main" xmlns:r="http://schemas.openxmlformats.org/officeDocument/2006/relationships" xmlns:p="http://schemas.openxmlformats.org/presentationml/2006/main">
   <p:cSld>
     <p:spTree>
@@ -9890,7 +12132,7 @@
 </p:sld>
 </file>
 
-<file path=ppt/slides/slide14.xml><?xml version="1.0" encoding="utf-8"?>
+<file path=ppt/slides/slide17.xml><?xml version="1.0" encoding="utf-8"?>
 <p:sld xmlns:a="http://schemas.openxmlformats.org/drawingml/2006/main" xmlns:r="http://schemas.openxmlformats.org/officeDocument/2006/relationships" xmlns:p="http://schemas.openxmlformats.org/presentationml/2006/main">
   <p:cSld>
     <p:spTree>
@@ -12745,7 +14987,7 @@
 </p:sld>
 </file>
 
-<file path=ppt/slides/slide15.xml><?xml version="1.0" encoding="utf-8"?>
+<file path=ppt/slides/slide18.xml><?xml version="1.0" encoding="utf-8"?>
 <p:sld xmlns:a="http://schemas.openxmlformats.org/drawingml/2006/main" xmlns:r="http://schemas.openxmlformats.org/officeDocument/2006/relationships" xmlns:p="http://schemas.openxmlformats.org/presentationml/2006/main">
   <p:cSld>
     <p:spTree>
@@ -16038,7 +18280,7 @@
 </p:sld>
 </file>
 
-<file path=ppt/slides/slide16.xml><?xml version="1.0" encoding="utf-8"?>
+<file path=ppt/slides/slide19.xml><?xml version="1.0" encoding="utf-8"?>
 <p:sld xmlns:a="http://schemas.openxmlformats.org/drawingml/2006/main" xmlns:r="http://schemas.openxmlformats.org/officeDocument/2006/relationships" xmlns:p="http://schemas.openxmlformats.org/presentationml/2006/main">
   <p:cSld>
     <p:spTree>
@@ -18661,7 +20903,774 @@
 </p:sld>
 </file>
 
-<file path=ppt/slides/slide17.xml><?xml version="1.0" encoding="utf-8"?>
+<file path=ppt/slides/slide2.xml><?xml version="1.0" encoding="utf-8"?>
+<p:sld xmlns:a="http://schemas.openxmlformats.org/drawingml/2006/main" xmlns:r="http://schemas.openxmlformats.org/officeDocument/2006/relationships" xmlns:p="http://schemas.openxmlformats.org/presentationml/2006/main">
+  <p:cSld>
+    <p:spTree>
+      <p:nvGrpSpPr>
+        <p:cNvPr id="1" name=""/>
+        <p:cNvGrpSpPr/>
+        <p:nvPr/>
+      </p:nvGrpSpPr>
+      <p:grpSpPr>
+        <a:xfrm>
+          <a:off x="0" y="0"/>
+          <a:ext cx="0" cy="0"/>
+          <a:chOff x="0" y="0"/>
+          <a:chExt cx="0" cy="0"/>
+        </a:xfrm>
+      </p:grpSpPr>
+      <p:sp>
+        <p:nvSpPr>
+          <p:cNvPr id="19" name="Title 1">
+            <a:extLst>
+              <a:ext uri="{FF2B5EF4-FFF2-40B4-BE49-F238E27FC236}">
+                <a16:creationId xmlns:a16="http://schemas.microsoft.com/office/drawing/2014/main" id="{1145B1FC-8B5F-4A10-B215-C60705EDF134}"/>
+              </a:ext>
+            </a:extLst>
+          </p:cNvPr>
+          <p:cNvSpPr txBox="1">
+            <a:spLocks/>
+          </p:cNvSpPr>
+          <p:nvPr/>
+        </p:nvSpPr>
+        <p:spPr>
+          <a:xfrm>
+            <a:off x="767082" y="0"/>
+            <a:ext cx="10772775" cy="961277"/>
+          </a:xfrm>
+          <a:prstGeom prst="rect">
+            <a:avLst/>
+          </a:prstGeom>
+        </p:spPr>
+        <p:txBody>
+          <a:bodyPr vert="horz" lIns="91440" tIns="45720" rIns="91440" bIns="45720" rtlCol="0" anchor="ctr">
+            <a:normAutofit/>
+          </a:bodyPr>
+          <a:lstStyle>
+            <a:lvl1pPr algn="l" defTabSz="914400" rtl="0" eaLnBrk="1" latinLnBrk="0" hangingPunct="1">
+              <a:lnSpc>
+                <a:spcPct val="90000"/>
+              </a:lnSpc>
+              <a:spcBef>
+                <a:spcPct val="0"/>
+              </a:spcBef>
+              <a:buNone/>
+              <a:defRPr sz="4400" kern="1200">
+                <a:solidFill>
+                  <a:schemeClr val="tx1"/>
+                </a:solidFill>
+                <a:latin typeface="+mj-lt"/>
+                <a:ea typeface="+mj-ea"/>
+                <a:cs typeface="+mj-cs"/>
+              </a:defRPr>
+            </a:lvl1pPr>
+          </a:lstStyle>
+          <a:p>
+            <a:pPr algn="ctr"/>
+            <a:r>
+              <a:rPr lang="en-US" b="1" dirty="0">
+                <a:solidFill>
+                  <a:schemeClr val="accent1">
+                    <a:lumMod val="75000"/>
+                  </a:schemeClr>
+                </a:solidFill>
+                <a:latin typeface="+mn-lt"/>
+              </a:rPr>
+              <a:t>Stuttering</a:t>
+            </a:r>
+          </a:p>
+        </p:txBody>
+      </p:sp>
+      <p:pic>
+        <p:nvPicPr>
+          <p:cNvPr id="20" name="Picture 19" descr="A picture containing object&#10;&#10;Description generated with very high confidence">
+            <a:extLst>
+              <a:ext uri="{FF2B5EF4-FFF2-40B4-BE49-F238E27FC236}">
+                <a16:creationId xmlns:a16="http://schemas.microsoft.com/office/drawing/2014/main" id="{BFA8EE74-C4C5-4B64-A157-B93B22BF494E}"/>
+              </a:ext>
+            </a:extLst>
+          </p:cNvPr>
+          <p:cNvPicPr>
+            <a:picLocks noChangeAspect="1"/>
+          </p:cNvPicPr>
+          <p:nvPr/>
+        </p:nvPicPr>
+        <p:blipFill>
+          <a:blip r:embed="rId3">
+            <a:extLst>
+              <a:ext uri="{28A0092B-C50C-407E-A947-70E740481C1C}">
+                <a14:useLocalDpi xmlns:a14="http://schemas.microsoft.com/office/drawing/2010/main" val="0"/>
+              </a:ext>
+            </a:extLst>
+          </a:blip>
+          <a:stretch>
+            <a:fillRect/>
+          </a:stretch>
+        </p:blipFill>
+        <p:spPr>
+          <a:xfrm>
+            <a:off x="9835376" y="6328400"/>
+            <a:ext cx="2223771" cy="428280"/>
+          </a:xfrm>
+          <a:prstGeom prst="rect">
+            <a:avLst/>
+          </a:prstGeom>
+        </p:spPr>
+      </p:pic>
+      <p:sp>
+        <p:nvSpPr>
+          <p:cNvPr id="6" name="TextBox 5">
+            <a:extLst>
+              <a:ext uri="{FF2B5EF4-FFF2-40B4-BE49-F238E27FC236}">
+                <a16:creationId xmlns:a16="http://schemas.microsoft.com/office/drawing/2014/main" id="{74D658F0-641F-4B92-BDB3-3845C185EDF3}"/>
+              </a:ext>
+            </a:extLst>
+          </p:cNvPr>
+          <p:cNvSpPr txBox="1"/>
+          <p:nvPr/>
+        </p:nvSpPr>
+        <p:spPr>
+          <a:xfrm>
+            <a:off x="652143" y="687600"/>
+            <a:ext cx="10849696" cy="5262979"/>
+          </a:xfrm>
+          <a:prstGeom prst="rect">
+            <a:avLst/>
+          </a:prstGeom>
+          <a:noFill/>
+        </p:spPr>
+        <p:txBody>
+          <a:bodyPr wrap="square" rtlCol="0">
+            <a:spAutoFit/>
+          </a:bodyPr>
+          <a:lstStyle/>
+          <a:p>
+            <a:pPr marL="342900" indent="-342900">
+              <a:buFont typeface="Wingdings" panose="05000000000000000000" pitchFamily="2" charset="2"/>
+              <a:buChar char="§"/>
+            </a:pPr>
+            <a:r>
+              <a:rPr lang="en-US" sz="2400" dirty="0"/>
+              <a:t>Stuttering is a speech disorder which impacts more than 70 million people worldwide.</a:t>
+            </a:r>
+          </a:p>
+          <a:p>
+            <a:pPr marL="342900" indent="-342900">
+              <a:buFont typeface="Wingdings" panose="05000000000000000000" pitchFamily="2" charset="2"/>
+              <a:buChar char="§"/>
+            </a:pPr>
+            <a:endParaRPr lang="en-US" sz="2400" dirty="0"/>
+          </a:p>
+          <a:p>
+            <a:pPr marL="342900" indent="-342900">
+              <a:buFont typeface="Wingdings" panose="05000000000000000000" pitchFamily="2" charset="2"/>
+              <a:buChar char="§"/>
+            </a:pPr>
+            <a:r>
+              <a:rPr lang="en-US" sz="2400" dirty="0"/>
+              <a:t>Its symptoms include:</a:t>
+            </a:r>
+          </a:p>
+          <a:p>
+            <a:pPr marL="800100" lvl="1" indent="-342900">
+              <a:buFont typeface="Wingdings" panose="05000000000000000000" pitchFamily="2" charset="2"/>
+              <a:buChar char="§"/>
+            </a:pPr>
+            <a:r>
+              <a:rPr lang="en-US" sz="2400" dirty="0"/>
+              <a:t>repetition of a sound </a:t>
+            </a:r>
+            <a:r>
+              <a:rPr lang="en-US" sz="2400" dirty="0" err="1"/>
+              <a:t>eg.</a:t>
+            </a:r>
+            <a:r>
+              <a:rPr lang="en-US" sz="2400" dirty="0"/>
+              <a:t> "</a:t>
+            </a:r>
+            <a:r>
+              <a:rPr lang="en-US" sz="2400" dirty="0" err="1"/>
+              <a:t>Iw</a:t>
+            </a:r>
+            <a:r>
+              <a:rPr lang="en-US" sz="2400" dirty="0"/>
+              <a:t>-w-w-want a drink“</a:t>
+            </a:r>
+          </a:p>
+          <a:p>
+            <a:pPr marL="800100" lvl="1" indent="-342900">
+              <a:buFont typeface="Wingdings" panose="05000000000000000000" pitchFamily="2" charset="2"/>
+              <a:buChar char="§"/>
+            </a:pPr>
+            <a:r>
+              <a:rPr lang="en-US" sz="2400" dirty="0"/>
+              <a:t>prolonging a sound </a:t>
+            </a:r>
+            <a:r>
+              <a:rPr lang="en-US" sz="2400" dirty="0" err="1"/>
+              <a:t>eg.</a:t>
+            </a:r>
+            <a:r>
+              <a:rPr lang="en-US" sz="2400" dirty="0"/>
+              <a:t> "</a:t>
+            </a:r>
+            <a:r>
+              <a:rPr lang="en-US" sz="2400" dirty="0" err="1"/>
+              <a:t>Ssssssssam</a:t>
+            </a:r>
+            <a:r>
+              <a:rPr lang="en-US" sz="2400" dirty="0"/>
+              <a:t> is nice“</a:t>
+            </a:r>
+          </a:p>
+          <a:p>
+            <a:pPr marL="800100" lvl="1" indent="-342900">
+              <a:buFont typeface="Wingdings" panose="05000000000000000000" pitchFamily="2" charset="2"/>
+              <a:buChar char="§"/>
+            </a:pPr>
+            <a:r>
+              <a:rPr lang="en-US" sz="2400" dirty="0"/>
+              <a:t>pause or blocks </a:t>
+            </a:r>
+            <a:r>
+              <a:rPr lang="en-US" sz="2400" dirty="0" err="1"/>
+              <a:t>eg.</a:t>
+            </a:r>
+            <a:r>
+              <a:rPr lang="en-US" sz="2400" dirty="0"/>
+              <a:t> "I want a (pause) cookie“</a:t>
+            </a:r>
+          </a:p>
+          <a:p>
+            <a:pPr marL="342900" indent="-342900">
+              <a:buFont typeface="Wingdings" panose="05000000000000000000" pitchFamily="2" charset="2"/>
+              <a:buChar char="§"/>
+            </a:pPr>
+            <a:endParaRPr lang="en-US" sz="2400" dirty="0"/>
+          </a:p>
+          <a:p>
+            <a:pPr marL="342900" indent="-342900">
+              <a:buFont typeface="Wingdings" panose="05000000000000000000" pitchFamily="2" charset="2"/>
+              <a:buChar char="§"/>
+            </a:pPr>
+            <a:r>
+              <a:rPr lang="en-US" sz="2400" dirty="0"/>
+              <a:t>It impacts people across culture, race, sex, age, ethnicity, etc. It is more prevalent in boys than girls.</a:t>
+            </a:r>
+          </a:p>
+          <a:p>
+            <a:pPr marL="342900" indent="-342900">
+              <a:buFont typeface="Wingdings" panose="05000000000000000000" pitchFamily="2" charset="2"/>
+              <a:buChar char="§"/>
+            </a:pPr>
+            <a:endParaRPr lang="en-US" sz="2400" dirty="0"/>
+          </a:p>
+          <a:p>
+            <a:pPr marL="342900" indent="-342900">
+              <a:buFont typeface="Wingdings" panose="05000000000000000000" pitchFamily="2" charset="2"/>
+              <a:buChar char="§"/>
+            </a:pPr>
+            <a:r>
+              <a:rPr lang="en-US" sz="2400" dirty="0"/>
+              <a:t>Stuttering can have a profound negative impact on the personal and professional life of people who stutter (PWS).</a:t>
+            </a:r>
+          </a:p>
+          <a:p>
+            <a:pPr lvl="1"/>
+            <a:endParaRPr lang="en-US" sz="2400" dirty="0"/>
+          </a:p>
+        </p:txBody>
+      </p:sp>
+      <p:sp>
+        <p:nvSpPr>
+          <p:cNvPr id="7" name="Rectangle 6">
+            <a:extLst>
+              <a:ext uri="{FF2B5EF4-FFF2-40B4-BE49-F238E27FC236}">
+                <a16:creationId xmlns:a16="http://schemas.microsoft.com/office/drawing/2014/main" id="{B9CACBA7-B0B6-4338-9DC1-2E6BFC79A0D5}"/>
+              </a:ext>
+            </a:extLst>
+          </p:cNvPr>
+          <p:cNvSpPr/>
+          <p:nvPr/>
+        </p:nvSpPr>
+        <p:spPr>
+          <a:xfrm>
+            <a:off x="0" y="5676901"/>
+            <a:ext cx="12192000" cy="524260"/>
+          </a:xfrm>
+          <a:prstGeom prst="rect">
+            <a:avLst/>
+          </a:prstGeom>
+          <a:solidFill>
+            <a:schemeClr val="accent1">
+              <a:lumMod val="75000"/>
+            </a:schemeClr>
+          </a:solidFill>
+        </p:spPr>
+        <p:style>
+          <a:lnRef idx="2">
+            <a:schemeClr val="accent1">
+              <a:shade val="50000"/>
+            </a:schemeClr>
+          </a:lnRef>
+          <a:fillRef idx="1">
+            <a:schemeClr val="accent1"/>
+          </a:fillRef>
+          <a:effectRef idx="0">
+            <a:schemeClr val="accent1"/>
+          </a:effectRef>
+          <a:fontRef idx="minor">
+            <a:schemeClr val="lt1"/>
+          </a:fontRef>
+        </p:style>
+        <p:txBody>
+          <a:bodyPr rtlCol="0" anchor="ctr"/>
+          <a:lstStyle/>
+          <a:p>
+            <a:pPr algn="ctr"/>
+            <a:r>
+              <a:rPr lang="en-US" sz="2800" b="1" dirty="0"/>
+              <a:t>Unfortunately, there is no quick cure for Stuttering</a:t>
+            </a:r>
+          </a:p>
+        </p:txBody>
+      </p:sp>
+    </p:spTree>
+    <p:extLst>
+      <p:ext uri="{BB962C8B-B14F-4D97-AF65-F5344CB8AC3E}">
+        <p14:creationId xmlns:p14="http://schemas.microsoft.com/office/powerpoint/2010/main" val="1989034601"/>
+      </p:ext>
+    </p:extLst>
+  </p:cSld>
+  <p:clrMapOvr>
+    <a:masterClrMapping/>
+  </p:clrMapOvr>
+  <p:timing>
+    <p:tnLst>
+      <p:par>
+        <p:cTn id="1" dur="indefinite" restart="never" nodeType="tmRoot">
+          <p:childTnLst>
+            <p:seq concurrent="1" nextAc="seek">
+              <p:cTn id="2" dur="indefinite" nodeType="mainSeq">
+                <p:childTnLst>
+                  <p:par>
+                    <p:cTn id="3" fill="hold">
+                      <p:stCondLst>
+                        <p:cond delay="indefinite"/>
+                      </p:stCondLst>
+                      <p:childTnLst>
+                        <p:par>
+                          <p:cTn id="4" fill="hold">
+                            <p:stCondLst>
+                              <p:cond delay="0"/>
+                            </p:stCondLst>
+                            <p:childTnLst>
+                              <p:par>
+                                <p:cTn id="5" presetID="1" presetClass="entr" presetSubtype="0" fill="hold" nodeType="clickEffect">
+                                  <p:stCondLst>
+                                    <p:cond delay="0"/>
+                                  </p:stCondLst>
+                                  <p:childTnLst>
+                                    <p:set>
+                                      <p:cBhvr>
+                                        <p:cTn id="6" dur="1" fill="hold">
+                                          <p:stCondLst>
+                                            <p:cond delay="0"/>
+                                          </p:stCondLst>
+                                        </p:cTn>
+                                        <p:tgtEl>
+                                          <p:spTgt spid="6">
+                                            <p:txEl>
+                                              <p:pRg st="0" end="0"/>
+                                            </p:txEl>
+                                          </p:spTgt>
+                                        </p:tgtEl>
+                                        <p:attrNameLst>
+                                          <p:attrName>style.visibility</p:attrName>
+                                        </p:attrNameLst>
+                                      </p:cBhvr>
+                                      <p:to>
+                                        <p:strVal val="visible"/>
+                                      </p:to>
+                                    </p:set>
+                                  </p:childTnLst>
+                                </p:cTn>
+                              </p:par>
+                            </p:childTnLst>
+                          </p:cTn>
+                        </p:par>
+                      </p:childTnLst>
+                    </p:cTn>
+                  </p:par>
+                  <p:par>
+                    <p:cTn id="7" fill="hold">
+                      <p:stCondLst>
+                        <p:cond delay="indefinite"/>
+                      </p:stCondLst>
+                      <p:childTnLst>
+                        <p:par>
+                          <p:cTn id="8" fill="hold">
+                            <p:stCondLst>
+                              <p:cond delay="0"/>
+                            </p:stCondLst>
+                            <p:childTnLst>
+                              <p:par>
+                                <p:cTn id="9" presetID="1" presetClass="entr" presetSubtype="0" fill="hold" nodeType="clickEffect">
+                                  <p:stCondLst>
+                                    <p:cond delay="0"/>
+                                  </p:stCondLst>
+                                  <p:childTnLst>
+                                    <p:set>
+                                      <p:cBhvr>
+                                        <p:cTn id="10" dur="1" fill="hold">
+                                          <p:stCondLst>
+                                            <p:cond delay="0"/>
+                                          </p:stCondLst>
+                                        </p:cTn>
+                                        <p:tgtEl>
+                                          <p:spTgt spid="6">
+                                            <p:txEl>
+                                              <p:pRg st="2" end="2"/>
+                                            </p:txEl>
+                                          </p:spTgt>
+                                        </p:tgtEl>
+                                        <p:attrNameLst>
+                                          <p:attrName>style.visibility</p:attrName>
+                                        </p:attrNameLst>
+                                      </p:cBhvr>
+                                      <p:to>
+                                        <p:strVal val="visible"/>
+                                      </p:to>
+                                    </p:set>
+                                  </p:childTnLst>
+                                </p:cTn>
+                              </p:par>
+                            </p:childTnLst>
+                          </p:cTn>
+                        </p:par>
+                      </p:childTnLst>
+                    </p:cTn>
+                  </p:par>
+                  <p:par>
+                    <p:cTn id="11" fill="hold">
+                      <p:stCondLst>
+                        <p:cond delay="indefinite"/>
+                      </p:stCondLst>
+                      <p:childTnLst>
+                        <p:par>
+                          <p:cTn id="12" fill="hold">
+                            <p:stCondLst>
+                              <p:cond delay="0"/>
+                            </p:stCondLst>
+                            <p:childTnLst>
+                              <p:par>
+                                <p:cTn id="13" presetID="1" presetClass="entr" presetSubtype="0" fill="hold" nodeType="clickEffect">
+                                  <p:stCondLst>
+                                    <p:cond delay="0"/>
+                                  </p:stCondLst>
+                                  <p:childTnLst>
+                                    <p:set>
+                                      <p:cBhvr>
+                                        <p:cTn id="14" dur="1" fill="hold">
+                                          <p:stCondLst>
+                                            <p:cond delay="0"/>
+                                          </p:stCondLst>
+                                        </p:cTn>
+                                        <p:tgtEl>
+                                          <p:spTgt spid="6">
+                                            <p:txEl>
+                                              <p:pRg st="3" end="3"/>
+                                            </p:txEl>
+                                          </p:spTgt>
+                                        </p:tgtEl>
+                                        <p:attrNameLst>
+                                          <p:attrName>style.visibility</p:attrName>
+                                        </p:attrNameLst>
+                                      </p:cBhvr>
+                                      <p:to>
+                                        <p:strVal val="visible"/>
+                                      </p:to>
+                                    </p:set>
+                                  </p:childTnLst>
+                                </p:cTn>
+                              </p:par>
+                            </p:childTnLst>
+                          </p:cTn>
+                        </p:par>
+                      </p:childTnLst>
+                    </p:cTn>
+                  </p:par>
+                  <p:par>
+                    <p:cTn id="15" fill="hold">
+                      <p:stCondLst>
+                        <p:cond delay="indefinite"/>
+                      </p:stCondLst>
+                      <p:childTnLst>
+                        <p:par>
+                          <p:cTn id="16" fill="hold">
+                            <p:stCondLst>
+                              <p:cond delay="0"/>
+                            </p:stCondLst>
+                            <p:childTnLst>
+                              <p:par>
+                                <p:cTn id="17" presetID="1" presetClass="entr" presetSubtype="0" fill="hold" nodeType="clickEffect">
+                                  <p:stCondLst>
+                                    <p:cond delay="0"/>
+                                  </p:stCondLst>
+                                  <p:childTnLst>
+                                    <p:set>
+                                      <p:cBhvr>
+                                        <p:cTn id="18" dur="1" fill="hold">
+                                          <p:stCondLst>
+                                            <p:cond delay="0"/>
+                                          </p:stCondLst>
+                                        </p:cTn>
+                                        <p:tgtEl>
+                                          <p:spTgt spid="6">
+                                            <p:txEl>
+                                              <p:pRg st="4" end="4"/>
+                                            </p:txEl>
+                                          </p:spTgt>
+                                        </p:tgtEl>
+                                        <p:attrNameLst>
+                                          <p:attrName>style.visibility</p:attrName>
+                                        </p:attrNameLst>
+                                      </p:cBhvr>
+                                      <p:to>
+                                        <p:strVal val="visible"/>
+                                      </p:to>
+                                    </p:set>
+                                  </p:childTnLst>
+                                </p:cTn>
+                              </p:par>
+                            </p:childTnLst>
+                          </p:cTn>
+                        </p:par>
+                      </p:childTnLst>
+                    </p:cTn>
+                  </p:par>
+                  <p:par>
+                    <p:cTn id="19" fill="hold">
+                      <p:stCondLst>
+                        <p:cond delay="indefinite"/>
+                      </p:stCondLst>
+                      <p:childTnLst>
+                        <p:par>
+                          <p:cTn id="20" fill="hold">
+                            <p:stCondLst>
+                              <p:cond delay="0"/>
+                            </p:stCondLst>
+                            <p:childTnLst>
+                              <p:par>
+                                <p:cTn id="21" presetID="1" presetClass="entr" presetSubtype="0" fill="hold" nodeType="clickEffect">
+                                  <p:stCondLst>
+                                    <p:cond delay="0"/>
+                                  </p:stCondLst>
+                                  <p:childTnLst>
+                                    <p:set>
+                                      <p:cBhvr>
+                                        <p:cTn id="22" dur="1" fill="hold">
+                                          <p:stCondLst>
+                                            <p:cond delay="0"/>
+                                          </p:stCondLst>
+                                        </p:cTn>
+                                        <p:tgtEl>
+                                          <p:spTgt spid="6">
+                                            <p:txEl>
+                                              <p:pRg st="5" end="5"/>
+                                            </p:txEl>
+                                          </p:spTgt>
+                                        </p:tgtEl>
+                                        <p:attrNameLst>
+                                          <p:attrName>style.visibility</p:attrName>
+                                        </p:attrNameLst>
+                                      </p:cBhvr>
+                                      <p:to>
+                                        <p:strVal val="visible"/>
+                                      </p:to>
+                                    </p:set>
+                                  </p:childTnLst>
+                                </p:cTn>
+                              </p:par>
+                            </p:childTnLst>
+                          </p:cTn>
+                        </p:par>
+                      </p:childTnLst>
+                    </p:cTn>
+                  </p:par>
+                  <p:par>
+                    <p:cTn id="23" fill="hold">
+                      <p:stCondLst>
+                        <p:cond delay="indefinite"/>
+                      </p:stCondLst>
+                      <p:childTnLst>
+                        <p:par>
+                          <p:cTn id="24" fill="hold">
+                            <p:stCondLst>
+                              <p:cond delay="0"/>
+                            </p:stCondLst>
+                            <p:childTnLst>
+                              <p:par>
+                                <p:cTn id="25" presetID="1" presetClass="entr" presetSubtype="0" fill="hold" nodeType="clickEffect">
+                                  <p:stCondLst>
+                                    <p:cond delay="0"/>
+                                  </p:stCondLst>
+                                  <p:childTnLst>
+                                    <p:set>
+                                      <p:cBhvr>
+                                        <p:cTn id="26" dur="1" fill="hold">
+                                          <p:stCondLst>
+                                            <p:cond delay="0"/>
+                                          </p:stCondLst>
+                                        </p:cTn>
+                                        <p:tgtEl>
+                                          <p:spTgt spid="6">
+                                            <p:txEl>
+                                              <p:pRg st="7" end="7"/>
+                                            </p:txEl>
+                                          </p:spTgt>
+                                        </p:tgtEl>
+                                        <p:attrNameLst>
+                                          <p:attrName>style.visibility</p:attrName>
+                                        </p:attrNameLst>
+                                      </p:cBhvr>
+                                      <p:to>
+                                        <p:strVal val="visible"/>
+                                      </p:to>
+                                    </p:set>
+                                  </p:childTnLst>
+                                </p:cTn>
+                              </p:par>
+                            </p:childTnLst>
+                          </p:cTn>
+                        </p:par>
+                      </p:childTnLst>
+                    </p:cTn>
+                  </p:par>
+                  <p:par>
+                    <p:cTn id="27" fill="hold">
+                      <p:stCondLst>
+                        <p:cond delay="indefinite"/>
+                      </p:stCondLst>
+                      <p:childTnLst>
+                        <p:par>
+                          <p:cTn id="28" fill="hold">
+                            <p:stCondLst>
+                              <p:cond delay="0"/>
+                            </p:stCondLst>
+                            <p:childTnLst>
+                              <p:par>
+                                <p:cTn id="29" presetID="1" presetClass="entr" presetSubtype="0" fill="hold" nodeType="clickEffect">
+                                  <p:stCondLst>
+                                    <p:cond delay="0"/>
+                                  </p:stCondLst>
+                                  <p:childTnLst>
+                                    <p:set>
+                                      <p:cBhvr>
+                                        <p:cTn id="30" dur="1" fill="hold">
+                                          <p:stCondLst>
+                                            <p:cond delay="0"/>
+                                          </p:stCondLst>
+                                        </p:cTn>
+                                        <p:tgtEl>
+                                          <p:spTgt spid="6">
+                                            <p:txEl>
+                                              <p:pRg st="9" end="9"/>
+                                            </p:txEl>
+                                          </p:spTgt>
+                                        </p:tgtEl>
+                                        <p:attrNameLst>
+                                          <p:attrName>style.visibility</p:attrName>
+                                        </p:attrNameLst>
+                                      </p:cBhvr>
+                                      <p:to>
+                                        <p:strVal val="visible"/>
+                                      </p:to>
+                                    </p:set>
+                                  </p:childTnLst>
+                                </p:cTn>
+                              </p:par>
+                            </p:childTnLst>
+                          </p:cTn>
+                        </p:par>
+                      </p:childTnLst>
+                    </p:cTn>
+                  </p:par>
+                  <p:par>
+                    <p:cTn id="31" fill="hold">
+                      <p:stCondLst>
+                        <p:cond delay="indefinite"/>
+                      </p:stCondLst>
+                      <p:childTnLst>
+                        <p:par>
+                          <p:cTn id="32" fill="hold">
+                            <p:stCondLst>
+                              <p:cond delay="0"/>
+                            </p:stCondLst>
+                            <p:childTnLst>
+                              <p:par>
+                                <p:cTn id="33" presetID="1" presetClass="entr" presetSubtype="0" fill="hold" grpId="0" nodeType="clickEffect">
+                                  <p:stCondLst>
+                                    <p:cond delay="0"/>
+                                  </p:stCondLst>
+                                  <p:childTnLst>
+                                    <p:set>
+                                      <p:cBhvr>
+                                        <p:cTn id="34" dur="1" fill="hold">
+                                          <p:stCondLst>
+                                            <p:cond delay="0"/>
+                                          </p:stCondLst>
+                                        </p:cTn>
+                                        <p:tgtEl>
+                                          <p:spTgt spid="7"/>
+                                        </p:tgtEl>
+                                        <p:attrNameLst>
+                                          <p:attrName>style.visibility</p:attrName>
+                                        </p:attrNameLst>
+                                      </p:cBhvr>
+                                      <p:to>
+                                        <p:strVal val="visible"/>
+                                      </p:to>
+                                    </p:set>
+                                  </p:childTnLst>
+                                </p:cTn>
+                              </p:par>
+                            </p:childTnLst>
+                          </p:cTn>
+                        </p:par>
+                      </p:childTnLst>
+                    </p:cTn>
+                  </p:par>
+                </p:childTnLst>
+              </p:cTn>
+              <p:prevCondLst>
+                <p:cond evt="onPrev" delay="0">
+                  <p:tgtEl>
+                    <p:sldTgt/>
+                  </p:tgtEl>
+                </p:cond>
+              </p:prevCondLst>
+              <p:nextCondLst>
+                <p:cond evt="onNext" delay="0">
+                  <p:tgtEl>
+                    <p:sldTgt/>
+                  </p:tgtEl>
+                </p:cond>
+              </p:nextCondLst>
+            </p:seq>
+          </p:childTnLst>
+        </p:cTn>
+      </p:par>
+    </p:tnLst>
+    <p:bldLst>
+      <p:bldP spid="7" grpId="0" animBg="1"/>
+    </p:bldLst>
+  </p:timing>
+</p:sld>
+</file>
+
+<file path=ppt/slides/slide20.xml><?xml version="1.0" encoding="utf-8"?>
 <p:sld xmlns:a="http://schemas.openxmlformats.org/drawingml/2006/main" xmlns:r="http://schemas.openxmlformats.org/officeDocument/2006/relationships" xmlns:p="http://schemas.openxmlformats.org/presentationml/2006/main">
   <p:cSld>
     <p:spTree>
@@ -21166,7 +24175,7 @@
 </p:sld>
 </file>
 
-<file path=ppt/slides/slide18.xml><?xml version="1.0" encoding="utf-8"?>
+<file path=ppt/slides/slide21.xml><?xml version="1.0" encoding="utf-8"?>
 <p:sld xmlns:a="http://schemas.openxmlformats.org/drawingml/2006/main" xmlns:r="http://schemas.openxmlformats.org/officeDocument/2006/relationships" xmlns:p="http://schemas.openxmlformats.org/presentationml/2006/main">
   <p:cSld>
     <p:spTree>
@@ -23355,7 +26364,7 @@
 </p:sld>
 </file>
 
-<file path=ppt/slides/slide19.xml><?xml version="1.0" encoding="utf-8"?>
+<file path=ppt/slides/slide22.xml><?xml version="1.0" encoding="utf-8"?>
 <p:sld xmlns:a="http://schemas.openxmlformats.org/drawingml/2006/main" xmlns:r="http://schemas.openxmlformats.org/officeDocument/2006/relationships" xmlns:p="http://schemas.openxmlformats.org/presentationml/2006/main">
   <p:cSld>
     <p:spTree>
@@ -23952,437 +26961,7 @@
 </p:sld>
 </file>
 
-<file path=ppt/slides/slide2.xml><?xml version="1.0" encoding="utf-8"?>
-<p:sld xmlns:a="http://schemas.openxmlformats.org/drawingml/2006/main" xmlns:r="http://schemas.openxmlformats.org/officeDocument/2006/relationships" xmlns:p="http://schemas.openxmlformats.org/presentationml/2006/main">
-  <p:cSld>
-    <p:spTree>
-      <p:nvGrpSpPr>
-        <p:cNvPr id="1" name=""/>
-        <p:cNvGrpSpPr/>
-        <p:nvPr/>
-      </p:nvGrpSpPr>
-      <p:grpSpPr>
-        <a:xfrm>
-          <a:off x="0" y="0"/>
-          <a:ext cx="0" cy="0"/>
-          <a:chOff x="0" y="0"/>
-          <a:chExt cx="0" cy="0"/>
-        </a:xfrm>
-      </p:grpSpPr>
-      <p:sp>
-        <p:nvSpPr>
-          <p:cNvPr id="19" name="Title 1">
-            <a:extLst>
-              <a:ext uri="{FF2B5EF4-FFF2-40B4-BE49-F238E27FC236}">
-                <a16:creationId xmlns:a16="http://schemas.microsoft.com/office/drawing/2014/main" id="{1145B1FC-8B5F-4A10-B215-C60705EDF134}"/>
-              </a:ext>
-            </a:extLst>
-          </p:cNvPr>
-          <p:cNvSpPr txBox="1">
-            <a:spLocks/>
-          </p:cNvSpPr>
-          <p:nvPr/>
-        </p:nvSpPr>
-        <p:spPr>
-          <a:xfrm>
-            <a:off x="807187" y="280918"/>
-            <a:ext cx="10772775" cy="961277"/>
-          </a:xfrm>
-          <a:prstGeom prst="rect">
-            <a:avLst/>
-          </a:prstGeom>
-        </p:spPr>
-        <p:txBody>
-          <a:bodyPr vert="horz" lIns="91440" tIns="45720" rIns="91440" bIns="45720" rtlCol="0" anchor="ctr">
-            <a:normAutofit/>
-          </a:bodyPr>
-          <a:lstStyle>
-            <a:lvl1pPr algn="l" defTabSz="914400" rtl="0" eaLnBrk="1" latinLnBrk="0" hangingPunct="1">
-              <a:lnSpc>
-                <a:spcPct val="90000"/>
-              </a:lnSpc>
-              <a:spcBef>
-                <a:spcPct val="0"/>
-              </a:spcBef>
-              <a:buNone/>
-              <a:defRPr sz="4400" kern="1200">
-                <a:solidFill>
-                  <a:schemeClr val="tx1"/>
-                </a:solidFill>
-                <a:latin typeface="+mj-lt"/>
-                <a:ea typeface="+mj-ea"/>
-                <a:cs typeface="+mj-cs"/>
-              </a:defRPr>
-            </a:lvl1pPr>
-          </a:lstStyle>
-          <a:p>
-            <a:pPr algn="ctr"/>
-            <a:r>
-              <a:rPr lang="en-US" b="1" dirty="0">
-                <a:solidFill>
-                  <a:schemeClr val="accent1">
-                    <a:lumMod val="75000"/>
-                  </a:schemeClr>
-                </a:solidFill>
-                <a:latin typeface="+mn-lt"/>
-              </a:rPr>
-              <a:t>Speaking Difficulties</a:t>
-            </a:r>
-          </a:p>
-        </p:txBody>
-      </p:sp>
-      <p:pic>
-        <p:nvPicPr>
-          <p:cNvPr id="20" name="Picture 19" descr="A picture containing object&#10;&#10;Description generated with very high confidence">
-            <a:extLst>
-              <a:ext uri="{FF2B5EF4-FFF2-40B4-BE49-F238E27FC236}">
-                <a16:creationId xmlns:a16="http://schemas.microsoft.com/office/drawing/2014/main" id="{BFA8EE74-C4C5-4B64-A157-B93B22BF494E}"/>
-              </a:ext>
-            </a:extLst>
-          </p:cNvPr>
-          <p:cNvPicPr>
-            <a:picLocks noChangeAspect="1"/>
-          </p:cNvPicPr>
-          <p:nvPr/>
-        </p:nvPicPr>
-        <p:blipFill>
-          <a:blip r:embed="rId3">
-            <a:extLst>
-              <a:ext uri="{28A0092B-C50C-407E-A947-70E740481C1C}">
-                <a14:useLocalDpi xmlns:a14="http://schemas.microsoft.com/office/drawing/2010/main" val="0"/>
-              </a:ext>
-            </a:extLst>
-          </a:blip>
-          <a:stretch>
-            <a:fillRect/>
-          </a:stretch>
-        </p:blipFill>
-        <p:spPr>
-          <a:xfrm>
-            <a:off x="9835376" y="6328400"/>
-            <a:ext cx="2223771" cy="428280"/>
-          </a:xfrm>
-          <a:prstGeom prst="rect">
-            <a:avLst/>
-          </a:prstGeom>
-        </p:spPr>
-      </p:pic>
-      <p:sp>
-        <p:nvSpPr>
-          <p:cNvPr id="6" name="TextBox 5">
-            <a:extLst>
-              <a:ext uri="{FF2B5EF4-FFF2-40B4-BE49-F238E27FC236}">
-                <a16:creationId xmlns:a16="http://schemas.microsoft.com/office/drawing/2014/main" id="{74D658F0-641F-4B92-BDB3-3845C185EDF3}"/>
-              </a:ext>
-            </a:extLst>
-          </p:cNvPr>
-          <p:cNvSpPr txBox="1"/>
-          <p:nvPr/>
-        </p:nvSpPr>
-        <p:spPr>
-          <a:xfrm>
-            <a:off x="1004461" y="1712156"/>
-            <a:ext cx="11031392" cy="2554545"/>
-          </a:xfrm>
-          <a:prstGeom prst="rect">
-            <a:avLst/>
-          </a:prstGeom>
-          <a:noFill/>
-        </p:spPr>
-        <p:txBody>
-          <a:bodyPr wrap="square" rtlCol="0">
-            <a:spAutoFit/>
-          </a:bodyPr>
-          <a:lstStyle/>
-          <a:p>
-            <a:pPr marL="457200" indent="-457200">
-              <a:buFont typeface="Wingdings" panose="05000000000000000000" pitchFamily="2" charset="2"/>
-              <a:buChar char="§"/>
-            </a:pPr>
-            <a:r>
-              <a:rPr lang="en-US" sz="3200" dirty="0"/>
-              <a:t>What are speaking difficulties</a:t>
-            </a:r>
-          </a:p>
-          <a:p>
-            <a:pPr marL="914400" lvl="1" indent="-457200">
-              <a:buFont typeface="Wingdings" panose="05000000000000000000" pitchFamily="2" charset="2"/>
-              <a:buChar char="§"/>
-            </a:pPr>
-            <a:r>
-              <a:rPr lang="en-US" sz="3200" dirty="0"/>
-              <a:t>Lisp, Selective stuttering</a:t>
-            </a:r>
-          </a:p>
-          <a:p>
-            <a:pPr marL="457200" indent="-457200">
-              <a:buFont typeface="Wingdings" panose="05000000000000000000" pitchFamily="2" charset="2"/>
-              <a:buChar char="§"/>
-            </a:pPr>
-            <a:r>
-              <a:rPr lang="en-US" sz="3200" dirty="0"/>
-              <a:t>What kind of problems</a:t>
-            </a:r>
-          </a:p>
-          <a:p>
-            <a:pPr marL="914400" lvl="1" indent="-457200">
-              <a:buFont typeface="Wingdings" panose="05000000000000000000" pitchFamily="2" charset="2"/>
-              <a:buChar char="§"/>
-            </a:pPr>
-            <a:r>
-              <a:rPr lang="en-US" sz="3200" dirty="0"/>
-              <a:t>Elongating a sound, pausing</a:t>
-            </a:r>
-          </a:p>
-          <a:p>
-            <a:pPr marL="457200" indent="-457200">
-              <a:buFont typeface="Wingdings" panose="05000000000000000000" pitchFamily="2" charset="2"/>
-              <a:buChar char="§"/>
-            </a:pPr>
-            <a:endParaRPr lang="en-US" sz="3200" dirty="0"/>
-          </a:p>
-        </p:txBody>
-      </p:sp>
-    </p:spTree>
-    <p:extLst>
-      <p:ext uri="{BB962C8B-B14F-4D97-AF65-F5344CB8AC3E}">
-        <p14:creationId xmlns:p14="http://schemas.microsoft.com/office/powerpoint/2010/main" val="1989034601"/>
-      </p:ext>
-    </p:extLst>
-  </p:cSld>
-  <p:clrMapOvr>
-    <a:masterClrMapping/>
-  </p:clrMapOvr>
-  <p:timing>
-    <p:tnLst>
-      <p:par>
-        <p:cTn id="1" dur="indefinite" restart="never" nodeType="tmRoot">
-          <p:childTnLst>
-            <p:seq concurrent="1" nextAc="seek">
-              <p:cTn id="2" dur="indefinite" nodeType="mainSeq">
-                <p:childTnLst>
-                  <p:par>
-                    <p:cTn id="3" fill="hold">
-                      <p:stCondLst>
-                        <p:cond delay="indefinite"/>
-                      </p:stCondLst>
-                      <p:childTnLst>
-                        <p:par>
-                          <p:cTn id="4" fill="hold">
-                            <p:stCondLst>
-                              <p:cond delay="0"/>
-                            </p:stCondLst>
-                            <p:childTnLst>
-                              <p:par>
-                                <p:cTn id="5" presetID="1" presetClass="entr" presetSubtype="0" fill="hold" nodeType="clickEffect">
-                                  <p:stCondLst>
-                                    <p:cond delay="0"/>
-                                  </p:stCondLst>
-                                  <p:childTnLst>
-                                    <p:set>
-                                      <p:cBhvr>
-                                        <p:cTn id="6" dur="1" fill="hold">
-                                          <p:stCondLst>
-                                            <p:cond delay="0"/>
-                                          </p:stCondLst>
-                                        </p:cTn>
-                                        <p:tgtEl>
-                                          <p:spTgt spid="6">
-                                            <p:txEl>
-                                              <p:pRg st="0" end="0"/>
-                                            </p:txEl>
-                                          </p:spTgt>
-                                        </p:tgtEl>
-                                        <p:attrNameLst>
-                                          <p:attrName>style.visibility</p:attrName>
-                                        </p:attrNameLst>
-                                      </p:cBhvr>
-                                      <p:to>
-                                        <p:strVal val="visible"/>
-                                      </p:to>
-                                    </p:set>
-                                  </p:childTnLst>
-                                </p:cTn>
-                              </p:par>
-                            </p:childTnLst>
-                          </p:cTn>
-                        </p:par>
-                      </p:childTnLst>
-                    </p:cTn>
-                  </p:par>
-                  <p:par>
-                    <p:cTn id="7" fill="hold">
-                      <p:stCondLst>
-                        <p:cond delay="indefinite"/>
-                      </p:stCondLst>
-                      <p:childTnLst>
-                        <p:par>
-                          <p:cTn id="8" fill="hold">
-                            <p:stCondLst>
-                              <p:cond delay="0"/>
-                            </p:stCondLst>
-                            <p:childTnLst>
-                              <p:par>
-                                <p:cTn id="9" presetID="1" presetClass="entr" presetSubtype="0" fill="hold" nodeType="clickEffect">
-                                  <p:stCondLst>
-                                    <p:cond delay="0"/>
-                                  </p:stCondLst>
-                                  <p:childTnLst>
-                                    <p:set>
-                                      <p:cBhvr>
-                                        <p:cTn id="10" dur="1" fill="hold">
-                                          <p:stCondLst>
-                                            <p:cond delay="0"/>
-                                          </p:stCondLst>
-                                        </p:cTn>
-                                        <p:tgtEl>
-                                          <p:spTgt spid="6">
-                                            <p:txEl>
-                                              <p:pRg st="1" end="1"/>
-                                            </p:txEl>
-                                          </p:spTgt>
-                                        </p:tgtEl>
-                                        <p:attrNameLst>
-                                          <p:attrName>style.visibility</p:attrName>
-                                        </p:attrNameLst>
-                                      </p:cBhvr>
-                                      <p:to>
-                                        <p:strVal val="visible"/>
-                                      </p:to>
-                                    </p:set>
-                                  </p:childTnLst>
-                                </p:cTn>
-                              </p:par>
-                            </p:childTnLst>
-                          </p:cTn>
-                        </p:par>
-                      </p:childTnLst>
-                    </p:cTn>
-                  </p:par>
-                  <p:par>
-                    <p:cTn id="11" fill="hold">
-                      <p:stCondLst>
-                        <p:cond delay="indefinite"/>
-                      </p:stCondLst>
-                      <p:childTnLst>
-                        <p:par>
-                          <p:cTn id="12" fill="hold">
-                            <p:stCondLst>
-                              <p:cond delay="0"/>
-                            </p:stCondLst>
-                            <p:childTnLst>
-                              <p:par>
-                                <p:cTn id="13" presetID="1" presetClass="entr" presetSubtype="0" fill="hold" nodeType="clickEffect">
-                                  <p:stCondLst>
-                                    <p:cond delay="0"/>
-                                  </p:stCondLst>
-                                  <p:childTnLst>
-                                    <p:set>
-                                      <p:cBhvr>
-                                        <p:cTn id="14" dur="1" fill="hold">
-                                          <p:stCondLst>
-                                            <p:cond delay="0"/>
-                                          </p:stCondLst>
-                                        </p:cTn>
-                                        <p:tgtEl>
-                                          <p:spTgt spid="6">
-                                            <p:txEl>
-                                              <p:pRg st="2" end="2"/>
-                                            </p:txEl>
-                                          </p:spTgt>
-                                        </p:tgtEl>
-                                        <p:attrNameLst>
-                                          <p:attrName>style.visibility</p:attrName>
-                                        </p:attrNameLst>
-                                      </p:cBhvr>
-                                      <p:to>
-                                        <p:strVal val="visible"/>
-                                      </p:to>
-                                    </p:set>
-                                  </p:childTnLst>
-                                </p:cTn>
-                              </p:par>
-                            </p:childTnLst>
-                          </p:cTn>
-                        </p:par>
-                      </p:childTnLst>
-                    </p:cTn>
-                  </p:par>
-                  <p:par>
-                    <p:cTn id="15" fill="hold">
-                      <p:stCondLst>
-                        <p:cond delay="indefinite"/>
-                      </p:stCondLst>
-                      <p:childTnLst>
-                        <p:par>
-                          <p:cTn id="16" fill="hold">
-                            <p:stCondLst>
-                              <p:cond delay="0"/>
-                            </p:stCondLst>
-                            <p:childTnLst>
-                              <p:par>
-                                <p:cTn id="17" presetID="1" presetClass="entr" presetSubtype="0" fill="hold" nodeType="clickEffect">
-                                  <p:stCondLst>
-                                    <p:cond delay="0"/>
-                                  </p:stCondLst>
-                                  <p:childTnLst>
-                                    <p:set>
-                                      <p:cBhvr>
-                                        <p:cTn id="18" dur="1" fill="hold">
-                                          <p:stCondLst>
-                                            <p:cond delay="0"/>
-                                          </p:stCondLst>
-                                        </p:cTn>
-                                        <p:tgtEl>
-                                          <p:spTgt spid="6">
-                                            <p:txEl>
-                                              <p:pRg st="3" end="3"/>
-                                            </p:txEl>
-                                          </p:spTgt>
-                                        </p:tgtEl>
-                                        <p:attrNameLst>
-                                          <p:attrName>style.visibility</p:attrName>
-                                        </p:attrNameLst>
-                                      </p:cBhvr>
-                                      <p:to>
-                                        <p:strVal val="visible"/>
-                                      </p:to>
-                                    </p:set>
-                                  </p:childTnLst>
-                                </p:cTn>
-                              </p:par>
-                            </p:childTnLst>
-                          </p:cTn>
-                        </p:par>
-                      </p:childTnLst>
-                    </p:cTn>
-                  </p:par>
-                </p:childTnLst>
-              </p:cTn>
-              <p:prevCondLst>
-                <p:cond evt="onPrev" delay="0">
-                  <p:tgtEl>
-                    <p:sldTgt/>
-                  </p:tgtEl>
-                </p:cond>
-              </p:prevCondLst>
-              <p:nextCondLst>
-                <p:cond evt="onNext" delay="0">
-                  <p:tgtEl>
-                    <p:sldTgt/>
-                  </p:tgtEl>
-                </p:cond>
-              </p:nextCondLst>
-            </p:seq>
-          </p:childTnLst>
-        </p:cTn>
-      </p:par>
-    </p:tnLst>
-  </p:timing>
-</p:sld>
-</file>
-
-<file path=ppt/slides/slide20.xml><?xml version="1.0" encoding="utf-8"?>
+<file path=ppt/slides/slide23.xml><?xml version="1.0" encoding="utf-8"?>
 <p:sld xmlns:a="http://schemas.openxmlformats.org/drawingml/2006/main" xmlns:r="http://schemas.openxmlformats.org/officeDocument/2006/relationships" xmlns:p="http://schemas.openxmlformats.org/presentationml/2006/main">
   <p:cSld>
     <p:spTree>
@@ -24982,7 +27561,7 @@
         </p:nvSpPr>
         <p:spPr>
           <a:xfrm>
-            <a:off x="807187" y="280918"/>
+            <a:off x="709612" y="101320"/>
             <a:ext cx="10772775" cy="961277"/>
           </a:xfrm>
           <a:prstGeom prst="rect">
@@ -25023,7 +27602,7 @@
                 </a:solidFill>
                 <a:latin typeface="+mn-lt"/>
               </a:rPr>
-              <a:t>Our Contributions</a:t>
+              <a:t>AI Augmented Writing Platforms</a:t>
             </a:r>
           </a:p>
         </p:txBody>
@@ -25078,385 +27657,7 @@
         </p:nvSpPr>
         <p:spPr>
           <a:xfrm>
-            <a:off x="807187" y="1242195"/>
-            <a:ext cx="11031392" cy="4524315"/>
-          </a:xfrm>
-          <a:prstGeom prst="rect">
-            <a:avLst/>
-          </a:prstGeom>
-          <a:noFill/>
-        </p:spPr>
-        <p:txBody>
-          <a:bodyPr wrap="square" rtlCol="0">
-            <a:spAutoFit/>
-          </a:bodyPr>
-          <a:lstStyle/>
-          <a:p>
-            <a:pPr marL="457200" indent="-457200">
-              <a:buFont typeface="Wingdings" panose="05000000000000000000" pitchFamily="2" charset="2"/>
-              <a:buChar char="§"/>
-            </a:pPr>
-            <a:r>
-              <a:rPr lang="en-US" sz="3200" dirty="0"/>
-              <a:t>We devise a novel method to identify the words an individual might struggle pronouncing.</a:t>
-            </a:r>
-          </a:p>
-          <a:p>
-            <a:pPr marL="457200" indent="-457200">
-              <a:buFont typeface="Wingdings" panose="05000000000000000000" pitchFamily="2" charset="2"/>
-              <a:buChar char="§"/>
-            </a:pPr>
-            <a:endParaRPr lang="en-US" sz="3200" dirty="0"/>
-          </a:p>
-          <a:p>
-            <a:pPr marL="457200" indent="-457200">
-              <a:buFont typeface="Wingdings" panose="05000000000000000000" pitchFamily="2" charset="2"/>
-              <a:buChar char="§"/>
-            </a:pPr>
-            <a:r>
-              <a:rPr lang="en-US" sz="3200" dirty="0"/>
-              <a:t>We design and implement a new writing platform ‘Fluent’ which helps identify difficult to pronounce words and suggests suitable alternatives.</a:t>
-            </a:r>
-          </a:p>
-          <a:p>
-            <a:pPr marL="457200" indent="-457200">
-              <a:buFont typeface="Wingdings" panose="05000000000000000000" pitchFamily="2" charset="2"/>
-              <a:buChar char="§"/>
-            </a:pPr>
-            <a:endParaRPr lang="en-US" sz="3200" dirty="0"/>
-          </a:p>
-          <a:p>
-            <a:pPr marL="457200" indent="-457200">
-              <a:buFont typeface="Wingdings" panose="05000000000000000000" pitchFamily="2" charset="2"/>
-              <a:buChar char="§"/>
-            </a:pPr>
-            <a:r>
-              <a:rPr lang="en-US" sz="3200" dirty="0"/>
-              <a:t>We demonstrate the effectiveness, usability and utility of our system using expert interviews and simulations.   </a:t>
-            </a:r>
-          </a:p>
-        </p:txBody>
-      </p:sp>
-    </p:spTree>
-    <p:extLst>
-      <p:ext uri="{BB962C8B-B14F-4D97-AF65-F5344CB8AC3E}">
-        <p14:creationId xmlns:p14="http://schemas.microsoft.com/office/powerpoint/2010/main" val="2736975429"/>
-      </p:ext>
-    </p:extLst>
-  </p:cSld>
-  <p:clrMapOvr>
-    <a:masterClrMapping/>
-  </p:clrMapOvr>
-  <p:timing>
-    <p:tnLst>
-      <p:par>
-        <p:cTn id="1" dur="indefinite" restart="never" nodeType="tmRoot">
-          <p:childTnLst>
-            <p:seq concurrent="1" nextAc="seek">
-              <p:cTn id="2" dur="indefinite" nodeType="mainSeq">
-                <p:childTnLst>
-                  <p:par>
-                    <p:cTn id="3" fill="hold">
-                      <p:stCondLst>
-                        <p:cond delay="indefinite"/>
-                      </p:stCondLst>
-                      <p:childTnLst>
-                        <p:par>
-                          <p:cTn id="4" fill="hold">
-                            <p:stCondLst>
-                              <p:cond delay="0"/>
-                            </p:stCondLst>
-                            <p:childTnLst>
-                              <p:par>
-                                <p:cTn id="5" presetID="1" presetClass="entr" presetSubtype="0" fill="hold" nodeType="clickEffect">
-                                  <p:stCondLst>
-                                    <p:cond delay="0"/>
-                                  </p:stCondLst>
-                                  <p:childTnLst>
-                                    <p:set>
-                                      <p:cBhvr>
-                                        <p:cTn id="6" dur="1" fill="hold">
-                                          <p:stCondLst>
-                                            <p:cond delay="0"/>
-                                          </p:stCondLst>
-                                        </p:cTn>
-                                        <p:tgtEl>
-                                          <p:spTgt spid="6">
-                                            <p:txEl>
-                                              <p:pRg st="0" end="0"/>
-                                            </p:txEl>
-                                          </p:spTgt>
-                                        </p:tgtEl>
-                                        <p:attrNameLst>
-                                          <p:attrName>style.visibility</p:attrName>
-                                        </p:attrNameLst>
-                                      </p:cBhvr>
-                                      <p:to>
-                                        <p:strVal val="visible"/>
-                                      </p:to>
-                                    </p:set>
-                                  </p:childTnLst>
-                                </p:cTn>
-                              </p:par>
-                            </p:childTnLst>
-                          </p:cTn>
-                        </p:par>
-                      </p:childTnLst>
-                    </p:cTn>
-                  </p:par>
-                  <p:par>
-                    <p:cTn id="7" fill="hold">
-                      <p:stCondLst>
-                        <p:cond delay="indefinite"/>
-                      </p:stCondLst>
-                      <p:childTnLst>
-                        <p:par>
-                          <p:cTn id="8" fill="hold">
-                            <p:stCondLst>
-                              <p:cond delay="0"/>
-                            </p:stCondLst>
-                            <p:childTnLst>
-                              <p:par>
-                                <p:cTn id="9" presetID="1" presetClass="entr" presetSubtype="0" fill="hold" nodeType="clickEffect">
-                                  <p:stCondLst>
-                                    <p:cond delay="0"/>
-                                  </p:stCondLst>
-                                  <p:childTnLst>
-                                    <p:set>
-                                      <p:cBhvr>
-                                        <p:cTn id="10" dur="1" fill="hold">
-                                          <p:stCondLst>
-                                            <p:cond delay="0"/>
-                                          </p:stCondLst>
-                                        </p:cTn>
-                                        <p:tgtEl>
-                                          <p:spTgt spid="6">
-                                            <p:txEl>
-                                              <p:pRg st="2" end="2"/>
-                                            </p:txEl>
-                                          </p:spTgt>
-                                        </p:tgtEl>
-                                        <p:attrNameLst>
-                                          <p:attrName>style.visibility</p:attrName>
-                                        </p:attrNameLst>
-                                      </p:cBhvr>
-                                      <p:to>
-                                        <p:strVal val="visible"/>
-                                      </p:to>
-                                    </p:set>
-                                  </p:childTnLst>
-                                </p:cTn>
-                              </p:par>
-                            </p:childTnLst>
-                          </p:cTn>
-                        </p:par>
-                      </p:childTnLst>
-                    </p:cTn>
-                  </p:par>
-                  <p:par>
-                    <p:cTn id="11" fill="hold">
-                      <p:stCondLst>
-                        <p:cond delay="indefinite"/>
-                      </p:stCondLst>
-                      <p:childTnLst>
-                        <p:par>
-                          <p:cTn id="12" fill="hold">
-                            <p:stCondLst>
-                              <p:cond delay="0"/>
-                            </p:stCondLst>
-                            <p:childTnLst>
-                              <p:par>
-                                <p:cTn id="13" presetID="1" presetClass="entr" presetSubtype="0" fill="hold" nodeType="clickEffect">
-                                  <p:stCondLst>
-                                    <p:cond delay="0"/>
-                                  </p:stCondLst>
-                                  <p:childTnLst>
-                                    <p:set>
-                                      <p:cBhvr>
-                                        <p:cTn id="14" dur="1" fill="hold">
-                                          <p:stCondLst>
-                                            <p:cond delay="0"/>
-                                          </p:stCondLst>
-                                        </p:cTn>
-                                        <p:tgtEl>
-                                          <p:spTgt spid="6">
-                                            <p:txEl>
-                                              <p:pRg st="4" end="4"/>
-                                            </p:txEl>
-                                          </p:spTgt>
-                                        </p:tgtEl>
-                                        <p:attrNameLst>
-                                          <p:attrName>style.visibility</p:attrName>
-                                        </p:attrNameLst>
-                                      </p:cBhvr>
-                                      <p:to>
-                                        <p:strVal val="visible"/>
-                                      </p:to>
-                                    </p:set>
-                                  </p:childTnLst>
-                                </p:cTn>
-                              </p:par>
-                            </p:childTnLst>
-                          </p:cTn>
-                        </p:par>
-                      </p:childTnLst>
-                    </p:cTn>
-                  </p:par>
-                </p:childTnLst>
-              </p:cTn>
-              <p:prevCondLst>
-                <p:cond evt="onPrev" delay="0">
-                  <p:tgtEl>
-                    <p:sldTgt/>
-                  </p:tgtEl>
-                </p:cond>
-              </p:prevCondLst>
-              <p:nextCondLst>
-                <p:cond evt="onNext" delay="0">
-                  <p:tgtEl>
-                    <p:sldTgt/>
-                  </p:tgtEl>
-                </p:cond>
-              </p:nextCondLst>
-            </p:seq>
-          </p:childTnLst>
-        </p:cTn>
-      </p:par>
-    </p:tnLst>
-  </p:timing>
-</p:sld>
-</file>
-
-<file path=ppt/slides/slide4.xml><?xml version="1.0" encoding="utf-8"?>
-<p:sld xmlns:a="http://schemas.openxmlformats.org/drawingml/2006/main" xmlns:r="http://schemas.openxmlformats.org/officeDocument/2006/relationships" xmlns:p="http://schemas.openxmlformats.org/presentationml/2006/main">
-  <p:cSld>
-    <p:spTree>
-      <p:nvGrpSpPr>
-        <p:cNvPr id="1" name=""/>
-        <p:cNvGrpSpPr/>
-        <p:nvPr/>
-      </p:nvGrpSpPr>
-      <p:grpSpPr>
-        <a:xfrm>
-          <a:off x="0" y="0"/>
-          <a:ext cx="0" cy="0"/>
-          <a:chOff x="0" y="0"/>
-          <a:chExt cx="0" cy="0"/>
-        </a:xfrm>
-      </p:grpSpPr>
-      <p:sp>
-        <p:nvSpPr>
-          <p:cNvPr id="19" name="Title 1">
-            <a:extLst>
-              <a:ext uri="{FF2B5EF4-FFF2-40B4-BE49-F238E27FC236}">
-                <a16:creationId xmlns:a16="http://schemas.microsoft.com/office/drawing/2014/main" id="{1145B1FC-8B5F-4A10-B215-C60705EDF134}"/>
-              </a:ext>
-            </a:extLst>
-          </p:cNvPr>
-          <p:cNvSpPr txBox="1">
-            <a:spLocks/>
-          </p:cNvSpPr>
-          <p:nvPr/>
-        </p:nvSpPr>
-        <p:spPr>
-          <a:xfrm>
-            <a:off x="807187" y="280918"/>
-            <a:ext cx="10772775" cy="961277"/>
-          </a:xfrm>
-          <a:prstGeom prst="rect">
-            <a:avLst/>
-          </a:prstGeom>
-        </p:spPr>
-        <p:txBody>
-          <a:bodyPr vert="horz" lIns="91440" tIns="45720" rIns="91440" bIns="45720" rtlCol="0" anchor="ctr">
-            <a:normAutofit/>
-          </a:bodyPr>
-          <a:lstStyle>
-            <a:lvl1pPr algn="l" defTabSz="914400" rtl="0" eaLnBrk="1" latinLnBrk="0" hangingPunct="1">
-              <a:lnSpc>
-                <a:spcPct val="90000"/>
-              </a:lnSpc>
-              <a:spcBef>
-                <a:spcPct val="0"/>
-              </a:spcBef>
-              <a:buNone/>
-              <a:defRPr sz="4400" kern="1200">
-                <a:solidFill>
-                  <a:schemeClr val="tx1"/>
-                </a:solidFill>
-                <a:latin typeface="+mj-lt"/>
-                <a:ea typeface="+mj-ea"/>
-                <a:cs typeface="+mj-cs"/>
-              </a:defRPr>
-            </a:lvl1pPr>
-          </a:lstStyle>
-          <a:p>
-            <a:pPr algn="ctr"/>
-            <a:r>
-              <a:rPr lang="en-US" b="1" dirty="0">
-                <a:solidFill>
-                  <a:schemeClr val="accent1">
-                    <a:lumMod val="75000"/>
-                  </a:schemeClr>
-                </a:solidFill>
-                <a:latin typeface="+mn-lt"/>
-              </a:rPr>
-              <a:t>AI Augmented Writing Platforms</a:t>
-            </a:r>
-          </a:p>
-        </p:txBody>
-      </p:sp>
-      <p:pic>
-        <p:nvPicPr>
-          <p:cNvPr id="20" name="Picture 19" descr="A picture containing object&#10;&#10;Description generated with very high confidence">
-            <a:extLst>
-              <a:ext uri="{FF2B5EF4-FFF2-40B4-BE49-F238E27FC236}">
-                <a16:creationId xmlns:a16="http://schemas.microsoft.com/office/drawing/2014/main" id="{BFA8EE74-C4C5-4B64-A157-B93B22BF494E}"/>
-              </a:ext>
-            </a:extLst>
-          </p:cNvPr>
-          <p:cNvPicPr>
-            <a:picLocks noChangeAspect="1"/>
-          </p:cNvPicPr>
-          <p:nvPr/>
-        </p:nvPicPr>
-        <p:blipFill>
-          <a:blip r:embed="rId3">
-            <a:extLst>
-              <a:ext uri="{28A0092B-C50C-407E-A947-70E740481C1C}">
-                <a14:useLocalDpi xmlns:a14="http://schemas.microsoft.com/office/drawing/2010/main" val="0"/>
-              </a:ext>
-            </a:extLst>
-          </a:blip>
-          <a:stretch>
-            <a:fillRect/>
-          </a:stretch>
-        </p:blipFill>
-        <p:spPr>
-          <a:xfrm>
-            <a:off x="9835376" y="6328400"/>
-            <a:ext cx="2223771" cy="428280"/>
-          </a:xfrm>
-          <a:prstGeom prst="rect">
-            <a:avLst/>
-          </a:prstGeom>
-        </p:spPr>
-      </p:pic>
-      <p:sp>
-        <p:nvSpPr>
-          <p:cNvPr id="6" name="TextBox 5">
-            <a:extLst>
-              <a:ext uri="{FF2B5EF4-FFF2-40B4-BE49-F238E27FC236}">
-                <a16:creationId xmlns:a16="http://schemas.microsoft.com/office/drawing/2014/main" id="{74D658F0-641F-4B92-BDB3-3845C185EDF3}"/>
-              </a:ext>
-            </a:extLst>
-          </p:cNvPr>
-          <p:cNvSpPr txBox="1"/>
-          <p:nvPr/>
-        </p:nvSpPr>
-        <p:spPr>
-          <a:xfrm>
-            <a:off x="677878" y="1242195"/>
+            <a:off x="967608" y="1430807"/>
             <a:ext cx="11031392" cy="1569660"/>
           </a:xfrm>
           <a:prstGeom prst="rect">
@@ -25486,7 +27687,7 @@
             </a:pPr>
             <a:r>
               <a:rPr lang="en-US" sz="2400" dirty="0"/>
-              <a:t>Autocompletion of sentences</a:t>
+              <a:t>Autocompletion of sentences - Gmail</a:t>
             </a:r>
           </a:p>
           <a:p>
@@ -25750,7 +27951,7 @@
 </p:sld>
 </file>
 
-<file path=ppt/slides/slide5.xml><?xml version="1.0" encoding="utf-8"?>
+<file path=ppt/slides/slide4.xml><?xml version="1.0" encoding="utf-8"?>
 <p:sld xmlns:a="http://schemas.openxmlformats.org/drawingml/2006/main" xmlns:r="http://schemas.openxmlformats.org/officeDocument/2006/relationships" xmlns:p="http://schemas.openxmlformats.org/presentationml/2006/main">
   <p:cSld>
     <p:spTree>
@@ -25824,7 +28025,7 @@
                 </a:solidFill>
                 <a:latin typeface="+mn-lt"/>
               </a:rPr>
-              <a:t>Phonetic Embeddings</a:t>
+              <a:t>Our Contributions</a:t>
             </a:r>
           </a:p>
         </p:txBody>
@@ -25879,8 +28080,8 @@
         </p:nvSpPr>
         <p:spPr>
           <a:xfrm>
-            <a:off x="677878" y="1128681"/>
-            <a:ext cx="11031392" cy="830997"/>
+            <a:off x="807187" y="1242195"/>
+            <a:ext cx="11031392" cy="4524315"/>
           </a:xfrm>
           <a:prstGeom prst="rect">
             <a:avLst/>
@@ -25893,10 +28094,447 @@
           </a:bodyPr>
           <a:lstStyle/>
           <a:p>
+            <a:pPr marL="457200" indent="-457200">
+              <a:buFont typeface="Wingdings" panose="05000000000000000000" pitchFamily="2" charset="2"/>
+              <a:buChar char="§"/>
+            </a:pPr>
+            <a:r>
+              <a:rPr lang="en-US" sz="3200" dirty="0"/>
+              <a:t>We devise a novel method to identify words an individual might struggle pronouncing.</a:t>
+            </a:r>
+          </a:p>
+          <a:p>
+            <a:pPr marL="457200" indent="-457200">
+              <a:buFont typeface="Wingdings" panose="05000000000000000000" pitchFamily="2" charset="2"/>
+              <a:buChar char="§"/>
+            </a:pPr>
+            <a:endParaRPr lang="en-US" sz="3200" dirty="0"/>
+          </a:p>
+          <a:p>
+            <a:pPr marL="457200" indent="-457200">
+              <a:buFont typeface="Wingdings" panose="05000000000000000000" pitchFamily="2" charset="2"/>
+              <a:buChar char="§"/>
+            </a:pPr>
+            <a:r>
+              <a:rPr lang="en-US" sz="3200" dirty="0"/>
+              <a:t>We design and implement a new writing platform ‘Fluent’ which embodies our approach to identify difficult to pronounce words and suggests suitable alternatives.</a:t>
+            </a:r>
+          </a:p>
+          <a:p>
+            <a:pPr marL="457200" indent="-457200">
+              <a:buFont typeface="Wingdings" panose="05000000000000000000" pitchFamily="2" charset="2"/>
+              <a:buChar char="§"/>
+            </a:pPr>
+            <a:endParaRPr lang="en-US" sz="3200" dirty="0"/>
+          </a:p>
+          <a:p>
+            <a:pPr marL="457200" indent="-457200">
+              <a:buFont typeface="Wingdings" panose="05000000000000000000" pitchFamily="2" charset="2"/>
+              <a:buChar char="§"/>
+            </a:pPr>
+            <a:r>
+              <a:rPr lang="en-US" sz="3200" dirty="0"/>
+              <a:t>We demonstrate the effectiveness, usability and utility of our system using expert interviews and simulation experiment.   </a:t>
+            </a:r>
+          </a:p>
+        </p:txBody>
+      </p:sp>
+    </p:spTree>
+    <p:extLst>
+      <p:ext uri="{BB962C8B-B14F-4D97-AF65-F5344CB8AC3E}">
+        <p14:creationId xmlns:p14="http://schemas.microsoft.com/office/powerpoint/2010/main" val="2736975429"/>
+      </p:ext>
+    </p:extLst>
+  </p:cSld>
+  <p:clrMapOvr>
+    <a:masterClrMapping/>
+  </p:clrMapOvr>
+  <p:timing>
+    <p:tnLst>
+      <p:par>
+        <p:cTn id="1" dur="indefinite" restart="never" nodeType="tmRoot">
+          <p:childTnLst>
+            <p:seq concurrent="1" nextAc="seek">
+              <p:cTn id="2" dur="indefinite" nodeType="mainSeq">
+                <p:childTnLst>
+                  <p:par>
+                    <p:cTn id="3" fill="hold">
+                      <p:stCondLst>
+                        <p:cond delay="indefinite"/>
+                      </p:stCondLst>
+                      <p:childTnLst>
+                        <p:par>
+                          <p:cTn id="4" fill="hold">
+                            <p:stCondLst>
+                              <p:cond delay="0"/>
+                            </p:stCondLst>
+                            <p:childTnLst>
+                              <p:par>
+                                <p:cTn id="5" presetID="1" presetClass="entr" presetSubtype="0" fill="hold" nodeType="clickEffect">
+                                  <p:stCondLst>
+                                    <p:cond delay="0"/>
+                                  </p:stCondLst>
+                                  <p:childTnLst>
+                                    <p:set>
+                                      <p:cBhvr>
+                                        <p:cTn id="6" dur="1" fill="hold">
+                                          <p:stCondLst>
+                                            <p:cond delay="0"/>
+                                          </p:stCondLst>
+                                        </p:cTn>
+                                        <p:tgtEl>
+                                          <p:spTgt spid="6">
+                                            <p:txEl>
+                                              <p:pRg st="0" end="0"/>
+                                            </p:txEl>
+                                          </p:spTgt>
+                                        </p:tgtEl>
+                                        <p:attrNameLst>
+                                          <p:attrName>style.visibility</p:attrName>
+                                        </p:attrNameLst>
+                                      </p:cBhvr>
+                                      <p:to>
+                                        <p:strVal val="visible"/>
+                                      </p:to>
+                                    </p:set>
+                                  </p:childTnLst>
+                                </p:cTn>
+                              </p:par>
+                            </p:childTnLst>
+                          </p:cTn>
+                        </p:par>
+                      </p:childTnLst>
+                    </p:cTn>
+                  </p:par>
+                  <p:par>
+                    <p:cTn id="7" fill="hold">
+                      <p:stCondLst>
+                        <p:cond delay="indefinite"/>
+                      </p:stCondLst>
+                      <p:childTnLst>
+                        <p:par>
+                          <p:cTn id="8" fill="hold">
+                            <p:stCondLst>
+                              <p:cond delay="0"/>
+                            </p:stCondLst>
+                            <p:childTnLst>
+                              <p:par>
+                                <p:cTn id="9" presetID="1" presetClass="entr" presetSubtype="0" fill="hold" nodeType="clickEffect">
+                                  <p:stCondLst>
+                                    <p:cond delay="0"/>
+                                  </p:stCondLst>
+                                  <p:childTnLst>
+                                    <p:set>
+                                      <p:cBhvr>
+                                        <p:cTn id="10" dur="1" fill="hold">
+                                          <p:stCondLst>
+                                            <p:cond delay="0"/>
+                                          </p:stCondLst>
+                                        </p:cTn>
+                                        <p:tgtEl>
+                                          <p:spTgt spid="6">
+                                            <p:txEl>
+                                              <p:pRg st="2" end="2"/>
+                                            </p:txEl>
+                                          </p:spTgt>
+                                        </p:tgtEl>
+                                        <p:attrNameLst>
+                                          <p:attrName>style.visibility</p:attrName>
+                                        </p:attrNameLst>
+                                      </p:cBhvr>
+                                      <p:to>
+                                        <p:strVal val="visible"/>
+                                      </p:to>
+                                    </p:set>
+                                  </p:childTnLst>
+                                </p:cTn>
+                              </p:par>
+                            </p:childTnLst>
+                          </p:cTn>
+                        </p:par>
+                      </p:childTnLst>
+                    </p:cTn>
+                  </p:par>
+                  <p:par>
+                    <p:cTn id="11" fill="hold">
+                      <p:stCondLst>
+                        <p:cond delay="indefinite"/>
+                      </p:stCondLst>
+                      <p:childTnLst>
+                        <p:par>
+                          <p:cTn id="12" fill="hold">
+                            <p:stCondLst>
+                              <p:cond delay="0"/>
+                            </p:stCondLst>
+                            <p:childTnLst>
+                              <p:par>
+                                <p:cTn id="13" presetID="1" presetClass="entr" presetSubtype="0" fill="hold" nodeType="clickEffect">
+                                  <p:stCondLst>
+                                    <p:cond delay="0"/>
+                                  </p:stCondLst>
+                                  <p:childTnLst>
+                                    <p:set>
+                                      <p:cBhvr>
+                                        <p:cTn id="14" dur="1" fill="hold">
+                                          <p:stCondLst>
+                                            <p:cond delay="0"/>
+                                          </p:stCondLst>
+                                        </p:cTn>
+                                        <p:tgtEl>
+                                          <p:spTgt spid="6">
+                                            <p:txEl>
+                                              <p:pRg st="4" end="4"/>
+                                            </p:txEl>
+                                          </p:spTgt>
+                                        </p:tgtEl>
+                                        <p:attrNameLst>
+                                          <p:attrName>style.visibility</p:attrName>
+                                        </p:attrNameLst>
+                                      </p:cBhvr>
+                                      <p:to>
+                                        <p:strVal val="visible"/>
+                                      </p:to>
+                                    </p:set>
+                                  </p:childTnLst>
+                                </p:cTn>
+                              </p:par>
+                            </p:childTnLst>
+                          </p:cTn>
+                        </p:par>
+                      </p:childTnLst>
+                    </p:cTn>
+                  </p:par>
+                </p:childTnLst>
+              </p:cTn>
+              <p:prevCondLst>
+                <p:cond evt="onPrev" delay="0">
+                  <p:tgtEl>
+                    <p:sldTgt/>
+                  </p:tgtEl>
+                </p:cond>
+              </p:prevCondLst>
+              <p:nextCondLst>
+                <p:cond evt="onNext" delay="0">
+                  <p:tgtEl>
+                    <p:sldTgt/>
+                  </p:tgtEl>
+                </p:cond>
+              </p:nextCondLst>
+            </p:seq>
+          </p:childTnLst>
+        </p:cTn>
+      </p:par>
+    </p:tnLst>
+  </p:timing>
+</p:sld>
+</file>
+
+<file path=ppt/slides/slide5.xml><?xml version="1.0" encoding="utf-8"?>
+<p:sld xmlns:a="http://schemas.openxmlformats.org/drawingml/2006/main" xmlns:r="http://schemas.openxmlformats.org/officeDocument/2006/relationships" xmlns:p="http://schemas.openxmlformats.org/presentationml/2006/main">
+  <p:cSld>
+    <p:spTree>
+      <p:nvGrpSpPr>
+        <p:cNvPr id="1" name=""/>
+        <p:cNvGrpSpPr/>
+        <p:nvPr/>
+      </p:nvGrpSpPr>
+      <p:grpSpPr>
+        <a:xfrm>
+          <a:off x="0" y="0"/>
+          <a:ext cx="0" cy="0"/>
+          <a:chOff x="0" y="0"/>
+          <a:chExt cx="0" cy="0"/>
+        </a:xfrm>
+      </p:grpSpPr>
+      <p:sp>
+        <p:nvSpPr>
+          <p:cNvPr id="19" name="Title 1">
+            <a:extLst>
+              <a:ext uri="{FF2B5EF4-FFF2-40B4-BE49-F238E27FC236}">
+                <a16:creationId xmlns:a16="http://schemas.microsoft.com/office/drawing/2014/main" id="{1145B1FC-8B5F-4A10-B215-C60705EDF134}"/>
+              </a:ext>
+            </a:extLst>
+          </p:cNvPr>
+          <p:cNvSpPr txBox="1">
+            <a:spLocks/>
+          </p:cNvSpPr>
+          <p:nvPr/>
+        </p:nvSpPr>
+        <p:spPr>
+          <a:xfrm>
+            <a:off x="807187" y="280918"/>
+            <a:ext cx="10772775" cy="961277"/>
+          </a:xfrm>
+          <a:prstGeom prst="rect">
+            <a:avLst/>
+          </a:prstGeom>
+        </p:spPr>
+        <p:txBody>
+          <a:bodyPr vert="horz" lIns="91440" tIns="45720" rIns="91440" bIns="45720" rtlCol="0" anchor="ctr">
+            <a:normAutofit/>
+          </a:bodyPr>
+          <a:lstStyle>
+            <a:lvl1pPr algn="l" defTabSz="914400" rtl="0" eaLnBrk="1" latinLnBrk="0" hangingPunct="1">
+              <a:lnSpc>
+                <a:spcPct val="90000"/>
+              </a:lnSpc>
+              <a:spcBef>
+                <a:spcPct val="0"/>
+              </a:spcBef>
+              <a:buNone/>
+              <a:defRPr sz="4400" kern="1200">
+                <a:solidFill>
+                  <a:schemeClr val="tx1"/>
+                </a:solidFill>
+                <a:latin typeface="+mj-lt"/>
+                <a:ea typeface="+mj-ea"/>
+                <a:cs typeface="+mj-cs"/>
+              </a:defRPr>
+            </a:lvl1pPr>
+          </a:lstStyle>
+          <a:p>
+            <a:pPr algn="ctr"/>
+            <a:r>
+              <a:rPr lang="en-US" b="1" dirty="0">
+                <a:solidFill>
+                  <a:schemeClr val="accent1">
+                    <a:lumMod val="75000"/>
+                  </a:schemeClr>
+                </a:solidFill>
+                <a:latin typeface="+mn-lt"/>
+              </a:rPr>
+              <a:t>Phonetic Embeddings</a:t>
+            </a:r>
+          </a:p>
+        </p:txBody>
+      </p:sp>
+      <p:pic>
+        <p:nvPicPr>
+          <p:cNvPr id="20" name="Picture 19" descr="A picture containing object&#10;&#10;Description generated with very high confidence">
+            <a:extLst>
+              <a:ext uri="{FF2B5EF4-FFF2-40B4-BE49-F238E27FC236}">
+                <a16:creationId xmlns:a16="http://schemas.microsoft.com/office/drawing/2014/main" id="{BFA8EE74-C4C5-4B64-A157-B93B22BF494E}"/>
+              </a:ext>
+            </a:extLst>
+          </p:cNvPr>
+          <p:cNvPicPr>
+            <a:picLocks noChangeAspect="1"/>
+          </p:cNvPicPr>
+          <p:nvPr/>
+        </p:nvPicPr>
+        <p:blipFill>
+          <a:blip r:embed="rId3">
+            <a:extLst>
+              <a:ext uri="{28A0092B-C50C-407E-A947-70E740481C1C}">
+                <a14:useLocalDpi xmlns:a14="http://schemas.microsoft.com/office/drawing/2010/main" val="0"/>
+              </a:ext>
+            </a:extLst>
+          </a:blip>
+          <a:stretch>
+            <a:fillRect/>
+          </a:stretch>
+        </p:blipFill>
+        <p:spPr>
+          <a:xfrm>
+            <a:off x="9835376" y="6328400"/>
+            <a:ext cx="2223771" cy="428280"/>
+          </a:xfrm>
+          <a:prstGeom prst="rect">
+            <a:avLst/>
+          </a:prstGeom>
+        </p:spPr>
+      </p:pic>
+      <p:sp>
+        <p:nvSpPr>
+          <p:cNvPr id="6" name="TextBox 5">
+            <a:extLst>
+              <a:ext uri="{FF2B5EF4-FFF2-40B4-BE49-F238E27FC236}">
+                <a16:creationId xmlns:a16="http://schemas.microsoft.com/office/drawing/2014/main" id="{74D658F0-641F-4B92-BDB3-3845C185EDF3}"/>
+              </a:ext>
+            </a:extLst>
+          </p:cNvPr>
+          <p:cNvSpPr txBox="1"/>
+          <p:nvPr/>
+        </p:nvSpPr>
+        <p:spPr>
+          <a:xfrm>
+            <a:off x="677878" y="1128681"/>
+            <a:ext cx="11031392" cy="1938992"/>
+          </a:xfrm>
+          <a:prstGeom prst="rect">
+            <a:avLst/>
+          </a:prstGeom>
+          <a:noFill/>
+        </p:spPr>
+        <p:txBody>
+          <a:bodyPr wrap="square" rtlCol="0">
+            <a:spAutoFit/>
+          </a:bodyPr>
+          <a:lstStyle/>
+          <a:p>
+            <a:pPr marL="342900" indent="-342900">
+              <a:buFont typeface="Arial" panose="020B0604020202020204" pitchFamily="34" charset="0"/>
+              <a:buChar char="•"/>
+            </a:pPr>
             <a:r>
               <a:rPr lang="en-US" sz="2400" dirty="0"/>
-              <a:t>Each word is represented by a high dimensional vector such that words with similar pronunciation lie close to each other.</a:t>
-            </a:r>
+              <a:t>Phonetic embeddings are high dimensional vector representation of each word such that words with similar pronunciation lie close to each other in high-D space.</a:t>
+            </a:r>
+          </a:p>
+          <a:p>
+            <a:pPr marL="342900" indent="-342900">
+              <a:buFont typeface="Arial" panose="020B0604020202020204" pitchFamily="34" charset="0"/>
+              <a:buChar char="•"/>
+            </a:pPr>
+            <a:endParaRPr lang="en-US" sz="2400" dirty="0"/>
+          </a:p>
+          <a:p>
+            <a:pPr marL="342900" indent="-342900">
+              <a:buFont typeface="Arial" panose="020B0604020202020204" pitchFamily="34" charset="0"/>
+              <a:buChar char="•"/>
+            </a:pPr>
+            <a:r>
+              <a:rPr lang="en-US" sz="2400" dirty="0"/>
+              <a:t>The phonetic embeddings used in this paper are derived from CMU pronunciation dictionary where each word is mapped to a set of phonemes.</a:t>
+            </a:r>
+          </a:p>
+        </p:txBody>
+      </p:sp>
+      <p:sp>
+        <p:nvSpPr>
+          <p:cNvPr id="2" name="TextBox 1">
+            <a:extLst>
+              <a:ext uri="{FF2B5EF4-FFF2-40B4-BE49-F238E27FC236}">
+                <a16:creationId xmlns:a16="http://schemas.microsoft.com/office/drawing/2014/main" id="{19F4B512-E317-487A-91CA-904BEC192A30}"/>
+              </a:ext>
+            </a:extLst>
+          </p:cNvPr>
+          <p:cNvSpPr txBox="1"/>
+          <p:nvPr/>
+        </p:nvSpPr>
+        <p:spPr>
+          <a:xfrm>
+            <a:off x="533499" y="6419429"/>
+            <a:ext cx="3090911" cy="246221"/>
+          </a:xfrm>
+          <a:prstGeom prst="rect">
+            <a:avLst/>
+          </a:prstGeom>
+          <a:noFill/>
+        </p:spPr>
+        <p:txBody>
+          <a:bodyPr wrap="none" rtlCol="0">
+            <a:spAutoFit/>
+          </a:bodyPr>
+          <a:lstStyle/>
+          <a:p>
+            <a:r>
+              <a:rPr lang="en-US" sz="1000" b="0" i="0" u="none" strike="noStrike" baseline="0" dirty="0">
+                <a:latin typeface="NimbusRomNo9L-Medi"/>
+              </a:rPr>
+              <a:t>Poetic Sound Similarity Vectors Using Phonetic Features</a:t>
+            </a:r>
+            <a:endParaRPr lang="en-US" sz="1000" dirty="0"/>
           </a:p>
         </p:txBody>
       </p:sp>
@@ -25947,6 +28585,55 @@
                                           <p:spTgt spid="6">
                                             <p:txEl>
                                               <p:pRg st="0" end="0"/>
+                                            </p:txEl>
+                                          </p:spTgt>
+                                        </p:tgtEl>
+                                        <p:attrNameLst>
+                                          <p:attrName>style.visibility</p:attrName>
+                                        </p:attrNameLst>
+                                      </p:cBhvr>
+                                      <p:to>
+                                        <p:strVal val="visible"/>
+                                      </p:to>
+                                    </p:set>
+                                  </p:childTnLst>
+                                </p:cTn>
+                              </p:par>
+                            </p:childTnLst>
+                          </p:cTn>
+                        </p:par>
+                      </p:childTnLst>
+                    </p:cTn>
+                  </p:par>
+                  <p:par>
+                    <p:cTn id="7" fill="hold">
+                      <p:stCondLst>
+                        <p:cond delay="indefinite"/>
+                      </p:stCondLst>
+                      <p:childTnLst>
+                        <p:par>
+                          <p:cTn id="8" fill="hold">
+                            <p:stCondLst>
+                              <p:cond delay="0"/>
+                            </p:stCondLst>
+                            <p:childTnLst>
+                              <p:par>
+                                <p:cTn id="9" presetID="1" presetClass="entr" presetSubtype="0" fill="hold" nodeType="clickEffect">
+                                  <p:stCondLst>
+                                    <p:cond delay="0"/>
+                                  </p:stCondLst>
+                                  <p:childTnLst>
+                                    <p:set>
+                                      <p:cBhvr>
+                                        <p:cTn id="10" dur="1" fill="hold">
+                                          <p:stCondLst>
+                                            <p:cond delay="0"/>
+                                          </p:stCondLst>
+                                        </p:cTn>
+                                        <p:tgtEl>
+                                          <p:spTgt spid="6">
+                                            <p:txEl>
+                                              <p:pRg st="2" end="2"/>
                                             </p:txEl>
                                           </p:spTgt>
                                         </p:tgtEl>
@@ -29624,7 +32311,7 @@
         </p:nvSpPr>
         <p:spPr>
           <a:xfrm>
-            <a:off x="807187" y="280918"/>
+            <a:off x="807186" y="26623"/>
             <a:ext cx="10772775" cy="961277"/>
           </a:xfrm>
           <a:prstGeom prst="rect">
@@ -29665,7 +32352,7 @@
                 </a:solidFill>
                 <a:latin typeface="+mn-lt"/>
               </a:rPr>
-              <a:t>Evaluation</a:t>
+              <a:t>Experiment Setup</a:t>
             </a:r>
           </a:p>
         </p:txBody>
@@ -29720,8 +32407,8 @@
         </p:nvSpPr>
         <p:spPr>
           <a:xfrm>
-            <a:off x="677878" y="1069360"/>
-            <a:ext cx="11031392" cy="3539430"/>
+            <a:off x="677877" y="838921"/>
+            <a:ext cx="11031392" cy="4708981"/>
           </a:xfrm>
           <a:prstGeom prst="rect">
             <a:avLst/>
@@ -29734,91 +32421,242 @@
           </a:bodyPr>
           <a:lstStyle/>
           <a:p>
-            <a:pPr marL="457200" indent="-457200">
+            <a:pPr marL="342900" indent="-342900">
               <a:buFont typeface="Wingdings" panose="05000000000000000000" pitchFamily="2" charset="2"/>
               <a:buChar char="§"/>
             </a:pPr>
             <a:r>
               <a:rPr lang="en-US" sz="2000" dirty="0"/>
-              <a:t>User Study</a:t>
-            </a:r>
-          </a:p>
-          <a:p>
-            <a:pPr marL="914400" lvl="1" indent="-457200">
+              <a:t>We have simulated 10 different users who struggle with different speech patterns like:</a:t>
+            </a:r>
+          </a:p>
+          <a:p>
+            <a:pPr marL="800100" lvl="1" indent="-342900">
               <a:buFont typeface="Wingdings" panose="05000000000000000000" pitchFamily="2" charset="2"/>
               <a:buChar char="§"/>
             </a:pPr>
             <a:r>
               <a:rPr lang="en-US" sz="2000" dirty="0"/>
-              <a:t>Difficult to find users with speaking difficulties. Non-native speakers might be an option.</a:t>
-            </a:r>
-          </a:p>
-          <a:p>
-            <a:pPr marL="914400" lvl="1" indent="-457200">
+              <a:t>words starting with B,P,D,M,N, and F like nostalgia</a:t>
+            </a:r>
+          </a:p>
+          <a:p>
+            <a:pPr marL="800100" lvl="1" indent="-342900">
               <a:buFont typeface="Wingdings" panose="05000000000000000000" pitchFamily="2" charset="2"/>
               <a:buChar char="§"/>
             </a:pPr>
             <a:r>
               <a:rPr lang="en-US" sz="2000" dirty="0"/>
-              <a:t>Our system is bad at the beginning but evolves with time. Might be tricky to evaluate</a:t>
-            </a:r>
-          </a:p>
-          <a:p>
-            <a:pPr marL="914400" lvl="1" indent="-457200">
+              <a:t>words beginning with ‘</a:t>
+            </a:r>
+            <a:r>
+              <a:rPr lang="en-US" sz="2000" dirty="0" err="1"/>
+              <a:t>st</a:t>
+            </a:r>
+            <a:r>
+              <a:rPr lang="en-US" sz="2000" dirty="0"/>
+              <a:t>’ or ‘</a:t>
+            </a:r>
+            <a:r>
+              <a:rPr lang="en-US" sz="2000" dirty="0" err="1"/>
+              <a:t>fl</a:t>
+            </a:r>
+            <a:r>
+              <a:rPr lang="en-US" sz="2000" dirty="0"/>
+              <a:t>’ like street</a:t>
+            </a:r>
+          </a:p>
+          <a:p>
+            <a:pPr marL="800100" lvl="1" indent="-342900">
               <a:buFont typeface="Wingdings" panose="05000000000000000000" pitchFamily="2" charset="2"/>
               <a:buChar char="§"/>
             </a:pPr>
             <a:r>
               <a:rPr lang="en-US" sz="2000" dirty="0"/>
-              <a:t>Can ask for subjective evaluation</a:t>
-            </a:r>
-          </a:p>
-          <a:p>
-            <a:pPr marL="914400" lvl="1" indent="-457200">
+              <a:t>words with begin with a consonant followed by a ‘r’ like grey</a:t>
+            </a:r>
+          </a:p>
+          <a:p>
+            <a:pPr marL="800100" lvl="1" indent="-342900">
               <a:buFont typeface="Wingdings" panose="05000000000000000000" pitchFamily="2" charset="2"/>
               <a:buChar char="§"/>
             </a:pPr>
-            <a:endParaRPr lang="en-US" sz="2400" dirty="0"/>
-          </a:p>
-          <a:p>
-            <a:pPr marL="457200" indent="-457200">
-              <a:buFont typeface="Wingdings" panose="05000000000000000000" pitchFamily="2" charset="2"/>
-              <a:buChar char="§"/>
-            </a:pPr>
             <a:r>
               <a:rPr lang="en-US" sz="2000" dirty="0"/>
-              <a:t>Expert Evaluation</a:t>
-            </a:r>
-          </a:p>
-          <a:p>
-            <a:pPr lvl="1"/>
+              <a:t>words which contain ‘</a:t>
+            </a:r>
+            <a:r>
+              <a:rPr lang="en-US" sz="2000" dirty="0" err="1"/>
+              <a:t>sc</a:t>
+            </a:r>
             <a:r>
               <a:rPr lang="en-US" sz="2000" dirty="0"/>
-              <a:t>We can demonstrate our tool to experts like Speech Language Pathologists Simulation</a:t>
-            </a:r>
-          </a:p>
-          <a:p>
-            <a:pPr marL="457200" indent="-457200">
+              <a:t>’ or ‘</a:t>
+            </a:r>
+            <a:r>
+              <a:rPr lang="en-US" sz="2000" dirty="0" err="1"/>
+              <a:t>ch</a:t>
+            </a:r>
+            <a:r>
+              <a:rPr lang="en-US" sz="2000" dirty="0"/>
+              <a:t>’ sound like chair</a:t>
+            </a:r>
+          </a:p>
+          <a:p>
+            <a:pPr marL="342900" indent="-342900">
               <a:buFont typeface="Wingdings" panose="05000000000000000000" pitchFamily="2" charset="2"/>
               <a:buChar char="§"/>
             </a:pPr>
             <a:endParaRPr lang="en-US" sz="2000" dirty="0"/>
           </a:p>
           <a:p>
-            <a:pPr marL="457200" indent="-457200">
+            <a:pPr marL="342900" indent="-342900">
               <a:buFont typeface="Wingdings" panose="05000000000000000000" pitchFamily="2" charset="2"/>
               <a:buChar char="§"/>
             </a:pPr>
             <a:r>
               <a:rPr lang="en-US" sz="2000" dirty="0"/>
-              <a:t>Simulation</a:t>
-            </a:r>
-          </a:p>
-          <a:p>
-            <a:pPr lvl="1"/>
+              <a:t>We used 2467 TED talks transcripts which contains ~57k unique words to evaluate our tool. We parsed all these transcripts to identify different words each simulated user might struggle with.</a:t>
+            </a:r>
+          </a:p>
+          <a:p>
+            <a:pPr marL="342900" indent="-342900">
+              <a:buFont typeface="Wingdings" panose="05000000000000000000" pitchFamily="2" charset="2"/>
+              <a:buChar char="§"/>
+            </a:pPr>
+            <a:endParaRPr lang="en-US" sz="2000" dirty="0"/>
+          </a:p>
+          <a:p>
+            <a:pPr marL="342900" indent="-342900">
+              <a:buFont typeface="Wingdings" panose="05000000000000000000" pitchFamily="2" charset="2"/>
+              <a:buChar char="§"/>
+            </a:pPr>
             <a:r>
               <a:rPr lang="en-US" sz="2000" dirty="0"/>
-              <a:t>We can simulate users who find certain words difficult and evaluate our tool on precision and recall. This way we can also see how the performance of the tool increases with time. </a:t>
+              <a:t>We split ~57k words into train and test dataset in the ration of 75:25.</a:t>
+            </a:r>
+          </a:p>
+          <a:p>
+            <a:pPr marL="342900" indent="-342900">
+              <a:buFont typeface="Wingdings" panose="05000000000000000000" pitchFamily="2" charset="2"/>
+              <a:buChar char="§"/>
+            </a:pPr>
+            <a:endParaRPr lang="en-US" sz="2000" dirty="0"/>
+          </a:p>
+          <a:p>
+            <a:pPr marL="342900" indent="-342900">
+              <a:buFont typeface="Wingdings" panose="05000000000000000000" pitchFamily="2" charset="2"/>
+              <a:buChar char="§"/>
+            </a:pPr>
+            <a:r>
+              <a:rPr lang="en-US" sz="2000" dirty="0"/>
+              <a:t>We have considered two scenarios i.e., when a user provides solely Implicit and Explicit feedback. Here, each user provides 5 easy and difficult words in the beginning. </a:t>
+            </a:r>
+          </a:p>
+          <a:p>
+            <a:pPr marL="342900" indent="-342900">
+              <a:buFont typeface="Wingdings" panose="05000000000000000000" pitchFamily="2" charset="2"/>
+              <a:buChar char="§"/>
+            </a:pPr>
+            <a:endParaRPr lang="en-US" sz="2000" dirty="0"/>
+          </a:p>
+          <a:p>
+            <a:pPr marL="342900" indent="-342900">
+              <a:buFont typeface="Wingdings" panose="05000000000000000000" pitchFamily="2" charset="2"/>
+              <a:buChar char="§"/>
+            </a:pPr>
+            <a:r>
+              <a:rPr lang="en-US" sz="2000" dirty="0"/>
+              <a:t>For each feedback, we compute and record metrics like accuracy, F1 score, precision, etc.  </a:t>
+            </a:r>
+          </a:p>
+        </p:txBody>
+      </p:sp>
+      <p:sp>
+        <p:nvSpPr>
+          <p:cNvPr id="9" name="Rectangle 8">
+            <a:extLst>
+              <a:ext uri="{FF2B5EF4-FFF2-40B4-BE49-F238E27FC236}">
+                <a16:creationId xmlns:a16="http://schemas.microsoft.com/office/drawing/2014/main" id="{67B4A426-6614-45C9-B76B-D7F7D2B52563}"/>
+              </a:ext>
+            </a:extLst>
+          </p:cNvPr>
+          <p:cNvSpPr/>
+          <p:nvPr/>
+        </p:nvSpPr>
+        <p:spPr>
+          <a:xfrm>
+            <a:off x="0" y="5676901"/>
+            <a:ext cx="12192000" cy="524260"/>
+          </a:xfrm>
+          <a:prstGeom prst="rect">
+            <a:avLst/>
+          </a:prstGeom>
+          <a:solidFill>
+            <a:schemeClr val="accent1">
+              <a:lumMod val="75000"/>
+            </a:schemeClr>
+          </a:solidFill>
+        </p:spPr>
+        <p:style>
+          <a:lnRef idx="2">
+            <a:schemeClr val="accent1">
+              <a:shade val="50000"/>
+            </a:schemeClr>
+          </a:lnRef>
+          <a:fillRef idx="1">
+            <a:schemeClr val="accent1"/>
+          </a:fillRef>
+          <a:effectRef idx="0">
+            <a:schemeClr val="accent1"/>
+          </a:effectRef>
+          <a:fontRef idx="minor">
+            <a:schemeClr val="lt1"/>
+          </a:fontRef>
+        </p:style>
+        <p:txBody>
+          <a:bodyPr rtlCol="0" anchor="ctr"/>
+          <a:lstStyle/>
+          <a:p>
+            <a:pPr algn="ctr"/>
+            <a:r>
+              <a:rPr lang="en-US" sz="2800" b="1" dirty="0"/>
+              <a:t>Our objective is to evaluate if our approach can adopt to user needs </a:t>
+            </a:r>
+          </a:p>
+        </p:txBody>
+      </p:sp>
+      <p:sp>
+        <p:nvSpPr>
+          <p:cNvPr id="7" name="TextBox 6">
+            <a:extLst>
+              <a:ext uri="{FF2B5EF4-FFF2-40B4-BE49-F238E27FC236}">
+                <a16:creationId xmlns:a16="http://schemas.microsoft.com/office/drawing/2014/main" id="{8311858F-E86C-4595-9367-EC4E624A1D74}"/>
+              </a:ext>
+            </a:extLst>
+          </p:cNvPr>
+          <p:cNvSpPr txBox="1"/>
+          <p:nvPr/>
+        </p:nvSpPr>
+        <p:spPr>
+          <a:xfrm>
+            <a:off x="429224" y="6419429"/>
+            <a:ext cx="4536819" cy="246221"/>
+          </a:xfrm>
+          <a:prstGeom prst="rect">
+            <a:avLst/>
+          </a:prstGeom>
+          <a:noFill/>
+        </p:spPr>
+        <p:txBody>
+          <a:bodyPr wrap="none" rtlCol="0">
+            <a:spAutoFit/>
+          </a:bodyPr>
+          <a:lstStyle/>
+          <a:p>
+            <a:r>
+              <a:rPr lang="en-US" sz="1000" dirty="0"/>
+              <a:t>Dataset link: https://www.kaggle.com/rounakbanik/ted-talks?select=transcripts.csv</a:t>
             </a:r>
           </a:p>
         </p:txBody>
@@ -29826,7 +32664,7 @@
     </p:spTree>
     <p:extLst>
       <p:ext uri="{BB962C8B-B14F-4D97-AF65-F5344CB8AC3E}">
-        <p14:creationId xmlns:p14="http://schemas.microsoft.com/office/powerpoint/2010/main" val="2783539026"/>
+        <p14:creationId xmlns:p14="http://schemas.microsoft.com/office/powerpoint/2010/main" val="2147391407"/>
       </p:ext>
     </p:extLst>
   </p:cSld>
@@ -29869,7 +32707,7 @@
                                         <p:tgtEl>
                                           <p:spTgt spid="6">
                                             <p:txEl>
-                                              <p:pRg st="8" end="8"/>
+                                              <p:pRg st="0" end="0"/>
                                             </p:txEl>
                                           </p:spTgt>
                                         </p:tgtEl>
@@ -29918,7 +32756,7 @@
                                         <p:tgtEl>
                                           <p:spTgt spid="6">
                                             <p:txEl>
-                                              <p:pRg st="9" end="9"/>
+                                              <p:pRg st="1" end="1"/>
                                             </p:txEl>
                                           </p:spTgt>
                                         </p:tgtEl>
@@ -29967,7 +32805,7 @@
                                         <p:tgtEl>
                                           <p:spTgt spid="6">
                                             <p:txEl>
-                                              <p:pRg st="0" end="0"/>
+                                              <p:pRg st="2" end="2"/>
                                             </p:txEl>
                                           </p:spTgt>
                                         </p:tgtEl>
@@ -30016,7 +32854,7 @@
                                         <p:tgtEl>
                                           <p:spTgt spid="6">
                                             <p:txEl>
-                                              <p:pRg st="1" end="1"/>
+                                              <p:pRg st="3" end="3"/>
                                             </p:txEl>
                                           </p:spTgt>
                                         </p:tgtEl>
@@ -30065,7 +32903,7 @@
                                         <p:tgtEl>
                                           <p:spTgt spid="6">
                                             <p:txEl>
-                                              <p:pRg st="2" end="2"/>
+                                              <p:pRg st="4" end="4"/>
                                             </p:txEl>
                                           </p:spTgt>
                                         </p:tgtEl>
@@ -30114,7 +32952,7 @@
                                         <p:tgtEl>
                                           <p:spTgt spid="6">
                                             <p:txEl>
-                                              <p:pRg st="3" end="3"/>
+                                              <p:pRg st="6" end="6"/>
                                             </p:txEl>
                                           </p:spTgt>
                                         </p:tgtEl>
@@ -30163,7 +33001,7 @@
                                         <p:tgtEl>
                                           <p:spTgt spid="6">
                                             <p:txEl>
-                                              <p:pRg st="5" end="5"/>
+                                              <p:pRg st="8" end="8"/>
                                             </p:txEl>
                                           </p:spTgt>
                                         </p:tgtEl>
@@ -30212,9 +33050,103 @@
                                         <p:tgtEl>
                                           <p:spTgt spid="6">
                                             <p:txEl>
-                                              <p:pRg st="6" end="6"/>
+                                              <p:pRg st="10" end="10"/>
                                             </p:txEl>
                                           </p:spTgt>
+                                        </p:tgtEl>
+                                        <p:attrNameLst>
+                                          <p:attrName>style.visibility</p:attrName>
+                                        </p:attrNameLst>
+                                      </p:cBhvr>
+                                      <p:to>
+                                        <p:strVal val="visible"/>
+                                      </p:to>
+                                    </p:set>
+                                  </p:childTnLst>
+                                </p:cTn>
+                              </p:par>
+                            </p:childTnLst>
+                          </p:cTn>
+                        </p:par>
+                      </p:childTnLst>
+                    </p:cTn>
+                  </p:par>
+                  <p:par>
+                    <p:cTn id="35" fill="hold">
+                      <p:stCondLst>
+                        <p:cond delay="indefinite"/>
+                      </p:stCondLst>
+                      <p:childTnLst>
+                        <p:par>
+                          <p:cTn id="36" fill="hold">
+                            <p:stCondLst>
+                              <p:cond delay="0"/>
+                            </p:stCondLst>
+                            <p:childTnLst>
+                              <p:par>
+                                <p:cTn id="37" presetID="1" presetClass="entr" presetSubtype="0" fill="hold" nodeType="clickEffect">
+                                  <p:stCondLst>
+                                    <p:cond delay="0"/>
+                                  </p:stCondLst>
+                                  <p:childTnLst>
+                                    <p:set>
+                                      <p:cBhvr>
+                                        <p:cTn id="38" dur="1" fill="hold">
+                                          <p:stCondLst>
+                                            <p:cond delay="0"/>
+                                          </p:stCondLst>
+                                        </p:cTn>
+                                        <p:tgtEl>
+                                          <p:spTgt spid="6">
+                                            <p:txEl>
+                                              <p:pRg st="12" end="12"/>
+                                            </p:txEl>
+                                          </p:spTgt>
+                                        </p:tgtEl>
+                                        <p:attrNameLst>
+                                          <p:attrName>style.visibility</p:attrName>
+                                        </p:attrNameLst>
+                                      </p:cBhvr>
+                                      <p:to>
+                                        <p:strVal val="visible"/>
+                                      </p:to>
+                                    </p:set>
+                                  </p:childTnLst>
+                                </p:cTn>
+                              </p:par>
+                            </p:childTnLst>
+                          </p:cTn>
+                        </p:par>
+                      </p:childTnLst>
+                    </p:cTn>
+                  </p:par>
+                  <p:par>
+                    <p:cTn id="39" fill="hold">
+                      <p:stCondLst>
+                        <p:cond delay="indefinite"/>
+                      </p:stCondLst>
+                      <p:childTnLst>
+                        <p:par>
+                          <p:cTn id="40" fill="hold">
+                            <p:stCondLst>
+                              <p:cond delay="0"/>
+                            </p:stCondLst>
+                            <p:childTnLst>
+                              <p:par>
+                                <p:cTn id="41" presetID="1" presetClass="entr" presetSubtype="0" fill="hold" grpId="0" nodeType="clickEffect">
+                                  <p:stCondLst>
+                                    <p:cond delay="0"/>
+                                  </p:stCondLst>
+                                  <p:childTnLst>
+                                    <p:set>
+                                      <p:cBhvr>
+                                        <p:cTn id="42" dur="1" fill="hold">
+                                          <p:stCondLst>
+                                            <p:cond delay="0"/>
+                                          </p:stCondLst>
+                                        </p:cTn>
+                                        <p:tgtEl>
+                                          <p:spTgt spid="9"/>
                                         </p:tgtEl>
                                         <p:attrNameLst>
                                           <p:attrName>style.visibility</p:attrName>
@@ -30254,6 +33186,9 @@
         </p:cTn>
       </p:par>
     </p:tnLst>
+    <p:bldLst>
+      <p:bldP spid="9" grpId="0" animBg="1"/>
+    </p:bldLst>
   </p:timing>
 </p:sld>
 </file>

--- a/presentation.pptx
+++ b/presentation.pptx
@@ -5,7 +5,7 @@
     <p:sldMasterId id="2147483672" r:id="rId1"/>
   </p:sldMasterIdLst>
   <p:notesMasterIdLst>
-    <p:notesMasterId r:id="rId25"/>
+    <p:notesMasterId r:id="rId26"/>
   </p:notesMasterIdLst>
   <p:sldIdLst>
     <p:sldId id="256" r:id="rId2"/>
@@ -20,17 +20,18 @@
     <p:sldId id="354" r:id="rId11"/>
     <p:sldId id="352" r:id="rId12"/>
     <p:sldId id="262" r:id="rId13"/>
-    <p:sldId id="351" r:id="rId14"/>
-    <p:sldId id="345" r:id="rId15"/>
-    <p:sldId id="355" r:id="rId16"/>
-    <p:sldId id="340" r:id="rId17"/>
-    <p:sldId id="339" r:id="rId18"/>
-    <p:sldId id="343" r:id="rId19"/>
-    <p:sldId id="338" r:id="rId20"/>
-    <p:sldId id="341" r:id="rId21"/>
-    <p:sldId id="342" r:id="rId22"/>
-    <p:sldId id="334" r:id="rId23"/>
-    <p:sldId id="336" r:id="rId24"/>
+    <p:sldId id="356" r:id="rId14"/>
+    <p:sldId id="351" r:id="rId15"/>
+    <p:sldId id="345" r:id="rId16"/>
+    <p:sldId id="355" r:id="rId17"/>
+    <p:sldId id="340" r:id="rId18"/>
+    <p:sldId id="339" r:id="rId19"/>
+    <p:sldId id="343" r:id="rId20"/>
+    <p:sldId id="338" r:id="rId21"/>
+    <p:sldId id="341" r:id="rId22"/>
+    <p:sldId id="342" r:id="rId23"/>
+    <p:sldId id="334" r:id="rId24"/>
+    <p:sldId id="336" r:id="rId25"/>
   </p:sldIdLst>
   <p:sldSz cx="12192000" cy="6858000"/>
   <p:notesSz cx="6858000" cy="9144000"/>
@@ -219,7 +220,7 @@
           <a:p>
             <a:fld id="{6DE9E842-1B71-4FDF-8546-7CFAC534C405}" type="datetimeFigureOut">
               <a:rPr lang="en-US" smtClean="0"/>
-              <a:t>3/29/2021</a:t>
+              <a:t>4/14/2021</a:t>
             </a:fld>
             <a:endParaRPr lang="en-US"/>
           </a:p>
@@ -842,7 +843,7 @@
           <a:p>
             <a:fld id="{8CBD757D-DE5A-4CD1-82FB-678E1CF7B585}" type="slidenum">
               <a:rPr lang="en-US" smtClean="0"/>
-              <a:t>13</a:t>
+              <a:t>14</a:t>
             </a:fld>
             <a:endParaRPr lang="en-US"/>
           </a:p>
@@ -929,7 +930,7 @@
           <a:p>
             <a:fld id="{8CBD757D-DE5A-4CD1-82FB-678E1CF7B585}" type="slidenum">
               <a:rPr lang="en-US" smtClean="0"/>
-              <a:t>14</a:t>
+              <a:t>15</a:t>
             </a:fld>
             <a:endParaRPr lang="en-US"/>
           </a:p>
@@ -1016,7 +1017,7 @@
           <a:p>
             <a:fld id="{8CBD757D-DE5A-4CD1-82FB-678E1CF7B585}" type="slidenum">
               <a:rPr lang="en-US" smtClean="0"/>
-              <a:t>15</a:t>
+              <a:t>16</a:t>
             </a:fld>
             <a:endParaRPr lang="en-US"/>
           </a:p>
@@ -1103,7 +1104,7 @@
           <a:p>
             <a:fld id="{8CBD757D-DE5A-4CD1-82FB-678E1CF7B585}" type="slidenum">
               <a:rPr lang="en-US" smtClean="0"/>
-              <a:t>16</a:t>
+              <a:t>17</a:t>
             </a:fld>
             <a:endParaRPr lang="en-US"/>
           </a:p>
@@ -1276,7 +1277,7 @@
           <a:p>
             <a:fld id="{8CBD757D-DE5A-4CD1-82FB-678E1CF7B585}" type="slidenum">
               <a:rPr lang="en-US" smtClean="0"/>
-              <a:t>17</a:t>
+              <a:t>18</a:t>
             </a:fld>
             <a:endParaRPr lang="en-US"/>
           </a:p>
@@ -1396,7 +1397,7 @@
           <a:p>
             <a:fld id="{8CBD757D-DE5A-4CD1-82FB-678E1CF7B585}" type="slidenum">
               <a:rPr lang="en-US" smtClean="0"/>
-              <a:t>18</a:t>
+              <a:t>19</a:t>
             </a:fld>
             <a:endParaRPr lang="en-US"/>
           </a:p>
@@ -1489,7 +1490,7 @@
           <a:p>
             <a:fld id="{8CBD757D-DE5A-4CD1-82FB-678E1CF7B585}" type="slidenum">
               <a:rPr lang="en-US" smtClean="0"/>
-              <a:t>19</a:t>
+              <a:t>20</a:t>
             </a:fld>
             <a:endParaRPr lang="en-US"/>
           </a:p>
@@ -1582,7 +1583,7 @@
           <a:p>
             <a:fld id="{8CBD757D-DE5A-4CD1-82FB-678E1CF7B585}" type="slidenum">
               <a:rPr lang="en-US" smtClean="0"/>
-              <a:t>20</a:t>
+              <a:t>21</a:t>
             </a:fld>
             <a:endParaRPr lang="en-US"/>
           </a:p>
@@ -1789,7 +1790,7 @@
           <a:p>
             <a:fld id="{8CBD757D-DE5A-4CD1-82FB-678E1CF7B585}" type="slidenum">
               <a:rPr lang="en-US" smtClean="0"/>
-              <a:t>21</a:t>
+              <a:t>22</a:t>
             </a:fld>
             <a:endParaRPr lang="en-US"/>
           </a:p>
@@ -1893,7 +1894,7 @@
           <a:p>
             <a:fld id="{8CBD757D-DE5A-4CD1-82FB-678E1CF7B585}" type="slidenum">
               <a:rPr lang="en-US" smtClean="0"/>
-              <a:t>22</a:t>
+              <a:t>23</a:t>
             </a:fld>
             <a:endParaRPr lang="en-US"/>
           </a:p>
@@ -1998,7 +1999,7 @@
           <a:p>
             <a:fld id="{8CBD757D-DE5A-4CD1-82FB-678E1CF7B585}" type="slidenum">
               <a:rPr lang="en-US" smtClean="0"/>
-              <a:t>23</a:t>
+              <a:t>24</a:t>
             </a:fld>
             <a:endParaRPr lang="en-US"/>
           </a:p>
@@ -2847,7 +2848,7 @@
           <a:p>
             <a:fld id="{CDEEAA9E-B205-4E3D-B322-3F4BE24D9928}" type="datetimeFigureOut">
               <a:rPr lang="en-US" smtClean="0"/>
-              <a:t>3/29/2021</a:t>
+              <a:t>4/14/2021</a:t>
             </a:fld>
             <a:endParaRPr lang="en-US"/>
           </a:p>
@@ -3045,7 +3046,7 @@
           <a:p>
             <a:fld id="{CDEEAA9E-B205-4E3D-B322-3F4BE24D9928}" type="datetimeFigureOut">
               <a:rPr lang="en-US" smtClean="0"/>
-              <a:t>3/29/2021</a:t>
+              <a:t>4/14/2021</a:t>
             </a:fld>
             <a:endParaRPr lang="en-US"/>
           </a:p>
@@ -3253,7 +3254,7 @@
           <a:p>
             <a:fld id="{CDEEAA9E-B205-4E3D-B322-3F4BE24D9928}" type="datetimeFigureOut">
               <a:rPr lang="en-US" smtClean="0"/>
-              <a:t>3/29/2021</a:t>
+              <a:t>4/14/2021</a:t>
             </a:fld>
             <a:endParaRPr lang="en-US"/>
           </a:p>
@@ -3451,7 +3452,7 @@
           <a:p>
             <a:fld id="{CDEEAA9E-B205-4E3D-B322-3F4BE24D9928}" type="datetimeFigureOut">
               <a:rPr lang="en-US" smtClean="0"/>
-              <a:t>3/29/2021</a:t>
+              <a:t>4/14/2021</a:t>
             </a:fld>
             <a:endParaRPr lang="en-US"/>
           </a:p>
@@ -3726,7 +3727,7 @@
           <a:p>
             <a:fld id="{CDEEAA9E-B205-4E3D-B322-3F4BE24D9928}" type="datetimeFigureOut">
               <a:rPr lang="en-US" smtClean="0"/>
-              <a:t>3/29/2021</a:t>
+              <a:t>4/14/2021</a:t>
             </a:fld>
             <a:endParaRPr lang="en-US"/>
           </a:p>
@@ -3991,7 +3992,7 @@
           <a:p>
             <a:fld id="{CDEEAA9E-B205-4E3D-B322-3F4BE24D9928}" type="datetimeFigureOut">
               <a:rPr lang="en-US" smtClean="0"/>
-              <a:t>3/29/2021</a:t>
+              <a:t>4/14/2021</a:t>
             </a:fld>
             <a:endParaRPr lang="en-US"/>
           </a:p>
@@ -4403,7 +4404,7 @@
           <a:p>
             <a:fld id="{CDEEAA9E-B205-4E3D-B322-3F4BE24D9928}" type="datetimeFigureOut">
               <a:rPr lang="en-US" smtClean="0"/>
-              <a:t>3/29/2021</a:t>
+              <a:t>4/14/2021</a:t>
             </a:fld>
             <a:endParaRPr lang="en-US"/>
           </a:p>
@@ -4544,7 +4545,7 @@
           <a:p>
             <a:fld id="{CDEEAA9E-B205-4E3D-B322-3F4BE24D9928}" type="datetimeFigureOut">
               <a:rPr lang="en-US" smtClean="0"/>
-              <a:t>3/29/2021</a:t>
+              <a:t>4/14/2021</a:t>
             </a:fld>
             <a:endParaRPr lang="en-US"/>
           </a:p>
@@ -4657,7 +4658,7 @@
           <a:p>
             <a:fld id="{CDEEAA9E-B205-4E3D-B322-3F4BE24D9928}" type="datetimeFigureOut">
               <a:rPr lang="en-US" smtClean="0"/>
-              <a:t>3/29/2021</a:t>
+              <a:t>4/14/2021</a:t>
             </a:fld>
             <a:endParaRPr lang="en-US"/>
           </a:p>
@@ -4968,7 +4969,7 @@
           <a:p>
             <a:fld id="{CDEEAA9E-B205-4E3D-B322-3F4BE24D9928}" type="datetimeFigureOut">
               <a:rPr lang="en-US" smtClean="0"/>
-              <a:t>3/29/2021</a:t>
+              <a:t>4/14/2021</a:t>
             </a:fld>
             <a:endParaRPr lang="en-US"/>
           </a:p>
@@ -5256,7 +5257,7 @@
           <a:p>
             <a:fld id="{CDEEAA9E-B205-4E3D-B322-3F4BE24D9928}" type="datetimeFigureOut">
               <a:rPr lang="en-US" smtClean="0"/>
-              <a:t>3/29/2021</a:t>
+              <a:t>4/14/2021</a:t>
             </a:fld>
             <a:endParaRPr lang="en-US"/>
           </a:p>
@@ -5497,7 +5498,7 @@
           <a:p>
             <a:fld id="{CDEEAA9E-B205-4E3D-B322-3F4BE24D9928}" type="datetimeFigureOut">
               <a:rPr lang="en-US" smtClean="0"/>
-              <a:t>3/29/2021</a:t>
+              <a:t>4/14/2021</a:t>
             </a:fld>
             <a:endParaRPr lang="en-US"/>
           </a:p>
@@ -7836,6 +7837,98 @@
       </p:grpSpPr>
       <p:sp>
         <p:nvSpPr>
+          <p:cNvPr id="7" name="Title 1">
+            <a:extLst>
+              <a:ext uri="{FF2B5EF4-FFF2-40B4-BE49-F238E27FC236}">
+                <a16:creationId xmlns:a16="http://schemas.microsoft.com/office/drawing/2014/main" id="{3EA575E6-1516-4B4D-B299-39E64E48D8CA}"/>
+              </a:ext>
+            </a:extLst>
+          </p:cNvPr>
+          <p:cNvSpPr txBox="1">
+            <a:spLocks/>
+          </p:cNvSpPr>
+          <p:nvPr/>
+        </p:nvSpPr>
+        <p:spPr>
+          <a:xfrm>
+            <a:off x="709612" y="2727077"/>
+            <a:ext cx="10772775" cy="961277"/>
+          </a:xfrm>
+          <a:prstGeom prst="rect">
+            <a:avLst/>
+          </a:prstGeom>
+        </p:spPr>
+        <p:txBody>
+          <a:bodyPr vert="horz" lIns="91440" tIns="45720" rIns="91440" bIns="45720" rtlCol="0" anchor="ctr">
+            <a:normAutofit/>
+          </a:bodyPr>
+          <a:lstStyle>
+            <a:lvl1pPr algn="l" defTabSz="914400" rtl="0" eaLnBrk="1" latinLnBrk="0" hangingPunct="1">
+              <a:lnSpc>
+                <a:spcPct val="90000"/>
+              </a:lnSpc>
+              <a:spcBef>
+                <a:spcPct val="0"/>
+              </a:spcBef>
+              <a:buNone/>
+              <a:defRPr sz="4400" kern="1200">
+                <a:solidFill>
+                  <a:schemeClr val="tx1"/>
+                </a:solidFill>
+                <a:latin typeface="+mj-lt"/>
+                <a:ea typeface="+mj-ea"/>
+                <a:cs typeface="+mj-cs"/>
+              </a:defRPr>
+            </a:lvl1pPr>
+          </a:lstStyle>
+          <a:p>
+            <a:pPr algn="ctr"/>
+            <a:r>
+              <a:rPr lang="en-US" b="1" dirty="0">
+                <a:solidFill>
+                  <a:schemeClr val="accent1">
+                    <a:lumMod val="75000"/>
+                  </a:schemeClr>
+                </a:solidFill>
+                <a:latin typeface="+mn-lt"/>
+              </a:rPr>
+              <a:t>Thanks for your Attention!</a:t>
+            </a:r>
+          </a:p>
+        </p:txBody>
+      </p:sp>
+    </p:spTree>
+    <p:extLst>
+      <p:ext uri="{BB962C8B-B14F-4D97-AF65-F5344CB8AC3E}">
+        <p14:creationId xmlns:p14="http://schemas.microsoft.com/office/powerpoint/2010/main" val="1490342698"/>
+      </p:ext>
+    </p:extLst>
+  </p:cSld>
+  <p:clrMapOvr>
+    <a:masterClrMapping/>
+  </p:clrMapOvr>
+</p:sld>
+</file>
+
+<file path=ppt/slides/slide14.xml><?xml version="1.0" encoding="utf-8"?>
+<p:sld xmlns:a="http://schemas.openxmlformats.org/drawingml/2006/main" xmlns:r="http://schemas.openxmlformats.org/officeDocument/2006/relationships" xmlns:p="http://schemas.openxmlformats.org/presentationml/2006/main">
+  <p:cSld>
+    <p:spTree>
+      <p:nvGrpSpPr>
+        <p:cNvPr id="1" name=""/>
+        <p:cNvGrpSpPr/>
+        <p:nvPr/>
+      </p:nvGrpSpPr>
+      <p:grpSpPr>
+        <a:xfrm>
+          <a:off x="0" y="0"/>
+          <a:ext cx="0" cy="0"/>
+          <a:chOff x="0" y="0"/>
+          <a:chExt cx="0" cy="0"/>
+        </a:xfrm>
+      </p:grpSpPr>
+      <p:sp>
+        <p:nvSpPr>
           <p:cNvPr id="19" name="Title 1">
             <a:extLst>
               <a:ext uri="{FF2B5EF4-FFF2-40B4-BE49-F238E27FC236}">
@@ -8327,7 +8420,7 @@
 </p:sld>
 </file>
 
-<file path=ppt/slides/slide14.xml><?xml version="1.0" encoding="utf-8"?>
+<file path=ppt/slides/slide15.xml><?xml version="1.0" encoding="utf-8"?>
 <p:sld xmlns:a="http://schemas.openxmlformats.org/drawingml/2006/main" xmlns:r="http://schemas.openxmlformats.org/officeDocument/2006/relationships" xmlns:p="http://schemas.openxmlformats.org/presentationml/2006/main">
   <p:cSld>
     <p:spTree>
@@ -8994,7 +9087,7 @@
 </p:sld>
 </file>
 
-<file path=ppt/slides/slide15.xml><?xml version="1.0" encoding="utf-8"?>
+<file path=ppt/slides/slide16.xml><?xml version="1.0" encoding="utf-8"?>
 <p:sld xmlns:a="http://schemas.openxmlformats.org/drawingml/2006/main" xmlns:r="http://schemas.openxmlformats.org/officeDocument/2006/relationships" xmlns:p="http://schemas.openxmlformats.org/presentationml/2006/main">
   <p:cSld>
     <p:spTree>
@@ -9417,7 +9510,7 @@
 </p:sld>
 </file>
 
-<file path=ppt/slides/slide16.xml><?xml version="1.0" encoding="utf-8"?>
+<file path=ppt/slides/slide17.xml><?xml version="1.0" encoding="utf-8"?>
 <p:sld xmlns:a="http://schemas.openxmlformats.org/drawingml/2006/main" xmlns:r="http://schemas.openxmlformats.org/officeDocument/2006/relationships" xmlns:p="http://schemas.openxmlformats.org/presentationml/2006/main">
   <p:cSld>
     <p:spTree>
@@ -12132,7 +12225,7 @@
 </p:sld>
 </file>
 
-<file path=ppt/slides/slide17.xml><?xml version="1.0" encoding="utf-8"?>
+<file path=ppt/slides/slide18.xml><?xml version="1.0" encoding="utf-8"?>
 <p:sld xmlns:a="http://schemas.openxmlformats.org/drawingml/2006/main" xmlns:r="http://schemas.openxmlformats.org/officeDocument/2006/relationships" xmlns:p="http://schemas.openxmlformats.org/presentationml/2006/main">
   <p:cSld>
     <p:spTree>
@@ -14987,7 +15080,7 @@
 </p:sld>
 </file>
 
-<file path=ppt/slides/slide18.xml><?xml version="1.0" encoding="utf-8"?>
+<file path=ppt/slides/slide19.xml><?xml version="1.0" encoding="utf-8"?>
 <p:sld xmlns:a="http://schemas.openxmlformats.org/drawingml/2006/main" xmlns:r="http://schemas.openxmlformats.org/officeDocument/2006/relationships" xmlns:p="http://schemas.openxmlformats.org/presentationml/2006/main">
   <p:cSld>
     <p:spTree>
@@ -18280,2629 +18373,6 @@
 </p:sld>
 </file>
 
-<file path=ppt/slides/slide19.xml><?xml version="1.0" encoding="utf-8"?>
-<p:sld xmlns:a="http://schemas.openxmlformats.org/drawingml/2006/main" xmlns:r="http://schemas.openxmlformats.org/officeDocument/2006/relationships" xmlns:p="http://schemas.openxmlformats.org/presentationml/2006/main">
-  <p:cSld>
-    <p:spTree>
-      <p:nvGrpSpPr>
-        <p:cNvPr id="1" name=""/>
-        <p:cNvGrpSpPr/>
-        <p:nvPr/>
-      </p:nvGrpSpPr>
-      <p:grpSpPr>
-        <a:xfrm>
-          <a:off x="0" y="0"/>
-          <a:ext cx="0" cy="0"/>
-          <a:chOff x="0" y="0"/>
-          <a:chExt cx="0" cy="0"/>
-        </a:xfrm>
-      </p:grpSpPr>
-      <p:sp>
-        <p:nvSpPr>
-          <p:cNvPr id="3" name="TextBox 2">
-            <a:extLst>
-              <a:ext uri="{FF2B5EF4-FFF2-40B4-BE49-F238E27FC236}">
-                <a16:creationId xmlns:a16="http://schemas.microsoft.com/office/drawing/2014/main" id="{8EDE257B-3306-45BA-B6CE-C40B4754C18E}"/>
-              </a:ext>
-            </a:extLst>
-          </p:cNvPr>
-          <p:cNvSpPr txBox="1"/>
-          <p:nvPr/>
-        </p:nvSpPr>
-        <p:spPr>
-          <a:xfrm>
-            <a:off x="670867" y="945289"/>
-            <a:ext cx="11031392" cy="2031325"/>
-          </a:xfrm>
-          <a:prstGeom prst="rect">
-            <a:avLst/>
-          </a:prstGeom>
-          <a:noFill/>
-        </p:spPr>
-        <p:txBody>
-          <a:bodyPr wrap="square" rtlCol="0">
-            <a:spAutoFit/>
-          </a:bodyPr>
-          <a:lstStyle/>
-          <a:p>
-            <a:pPr marL="457200" indent="-457200">
-              <a:buFont typeface="Wingdings" panose="05000000000000000000" pitchFamily="2" charset="2"/>
-              <a:buChar char="§"/>
-            </a:pPr>
-            <a:r>
-              <a:rPr lang="en-US" sz="2800" dirty="0"/>
-              <a:t>AL++ is a novel AL framework which can utilize an annotator’s labels as well as it’s rationale.</a:t>
-            </a:r>
-          </a:p>
-          <a:p>
-            <a:pPr marL="457200" indent="-457200">
-              <a:buFont typeface="Wingdings" panose="05000000000000000000" pitchFamily="2" charset="2"/>
-              <a:buChar char="§"/>
-            </a:pPr>
-            <a:endParaRPr lang="en-US" sz="1400" dirty="0"/>
-          </a:p>
-          <a:p>
-            <a:pPr marL="457200" indent="-457200">
-              <a:buFont typeface="Wingdings" panose="05000000000000000000" pitchFamily="2" charset="2"/>
-              <a:buChar char="§"/>
-            </a:pPr>
-            <a:r>
-              <a:rPr lang="en-US" sz="2800" dirty="0"/>
-              <a:t>We propose a new way to elicit annotator’s rationale and incorporate that into the learning process.  </a:t>
-            </a:r>
-          </a:p>
-        </p:txBody>
-      </p:sp>
-      <p:sp>
-        <p:nvSpPr>
-          <p:cNvPr id="19" name="Title 1">
-            <a:extLst>
-              <a:ext uri="{FF2B5EF4-FFF2-40B4-BE49-F238E27FC236}">
-                <a16:creationId xmlns:a16="http://schemas.microsoft.com/office/drawing/2014/main" id="{1145B1FC-8B5F-4A10-B215-C60705EDF134}"/>
-              </a:ext>
-            </a:extLst>
-          </p:cNvPr>
-          <p:cNvSpPr txBox="1">
-            <a:spLocks/>
-          </p:cNvSpPr>
-          <p:nvPr/>
-        </p:nvSpPr>
-        <p:spPr>
-          <a:xfrm>
-            <a:off x="647698" y="50768"/>
-            <a:ext cx="10772775" cy="961277"/>
-          </a:xfrm>
-          <a:prstGeom prst="rect">
-            <a:avLst/>
-          </a:prstGeom>
-        </p:spPr>
-        <p:txBody>
-          <a:bodyPr vert="horz" lIns="91440" tIns="45720" rIns="91440" bIns="45720" rtlCol="0" anchor="ctr">
-            <a:normAutofit/>
-          </a:bodyPr>
-          <a:lstStyle>
-            <a:lvl1pPr algn="l" defTabSz="914400" rtl="0" eaLnBrk="1" latinLnBrk="0" hangingPunct="1">
-              <a:lnSpc>
-                <a:spcPct val="90000"/>
-              </a:lnSpc>
-              <a:spcBef>
-                <a:spcPct val="0"/>
-              </a:spcBef>
-              <a:buNone/>
-              <a:defRPr sz="4400" kern="1200">
-                <a:solidFill>
-                  <a:schemeClr val="tx1"/>
-                </a:solidFill>
-                <a:latin typeface="+mj-lt"/>
-                <a:ea typeface="+mj-ea"/>
-                <a:cs typeface="+mj-cs"/>
-              </a:defRPr>
-            </a:lvl1pPr>
-          </a:lstStyle>
-          <a:p>
-            <a:pPr algn="ctr"/>
-            <a:r>
-              <a:rPr lang="en-US" b="1" dirty="0">
-                <a:solidFill>
-                  <a:schemeClr val="accent1">
-                    <a:lumMod val="75000"/>
-                  </a:schemeClr>
-                </a:solidFill>
-                <a:latin typeface="+mn-lt"/>
-              </a:rPr>
-              <a:t>Active Learning++</a:t>
-            </a:r>
-          </a:p>
-        </p:txBody>
-      </p:sp>
-      <p:sp>
-        <p:nvSpPr>
-          <p:cNvPr id="22" name="Rectangle 21">
-            <a:extLst>
-              <a:ext uri="{FF2B5EF4-FFF2-40B4-BE49-F238E27FC236}">
-                <a16:creationId xmlns:a16="http://schemas.microsoft.com/office/drawing/2014/main" id="{72FCB9E0-CE84-425E-B799-5920FD8E57C0}"/>
-              </a:ext>
-            </a:extLst>
-          </p:cNvPr>
-          <p:cNvSpPr/>
-          <p:nvPr/>
-        </p:nvSpPr>
-        <p:spPr>
-          <a:xfrm>
-            <a:off x="0" y="5676901"/>
-            <a:ext cx="12192000" cy="524260"/>
-          </a:xfrm>
-          <a:prstGeom prst="rect">
-            <a:avLst/>
-          </a:prstGeom>
-          <a:solidFill>
-            <a:schemeClr val="accent1">
-              <a:lumMod val="75000"/>
-            </a:schemeClr>
-          </a:solidFill>
-        </p:spPr>
-        <p:style>
-          <a:lnRef idx="2">
-            <a:schemeClr val="accent1">
-              <a:shade val="50000"/>
-            </a:schemeClr>
-          </a:lnRef>
-          <a:fillRef idx="1">
-            <a:schemeClr val="accent1"/>
-          </a:fillRef>
-          <a:effectRef idx="0">
-            <a:schemeClr val="accent1"/>
-          </a:effectRef>
-          <a:fontRef idx="minor">
-            <a:schemeClr val="lt1"/>
-          </a:fontRef>
-        </p:style>
-        <p:txBody>
-          <a:bodyPr rtlCol="0" anchor="ctr"/>
-          <a:lstStyle/>
-          <a:p>
-            <a:pPr algn="ctr"/>
-            <a:r>
-              <a:rPr lang="en-US" sz="2800" b="1" dirty="0"/>
-              <a:t>Our hypothesis is that the additional feedback should help train the model faster</a:t>
-            </a:r>
-          </a:p>
-        </p:txBody>
-      </p:sp>
-      <p:pic>
-        <p:nvPicPr>
-          <p:cNvPr id="23" name="Picture 22" descr="A picture containing object&#10;&#10;Description generated with very high confidence">
-            <a:extLst>
-              <a:ext uri="{FF2B5EF4-FFF2-40B4-BE49-F238E27FC236}">
-                <a16:creationId xmlns:a16="http://schemas.microsoft.com/office/drawing/2014/main" id="{1BB2763A-93F8-4CB9-89A2-E6B344E8178A}"/>
-              </a:ext>
-            </a:extLst>
-          </p:cNvPr>
-          <p:cNvPicPr>
-            <a:picLocks noChangeAspect="1"/>
-          </p:cNvPicPr>
-          <p:nvPr/>
-        </p:nvPicPr>
-        <p:blipFill>
-          <a:blip r:embed="rId3">
-            <a:extLst>
-              <a:ext uri="{28A0092B-C50C-407E-A947-70E740481C1C}">
-                <a14:useLocalDpi xmlns:a14="http://schemas.microsoft.com/office/drawing/2010/main" val="0"/>
-              </a:ext>
-            </a:extLst>
-          </a:blip>
-          <a:stretch>
-            <a:fillRect/>
-          </a:stretch>
-        </p:blipFill>
-        <p:spPr>
-          <a:xfrm>
-            <a:off x="9835376" y="6328400"/>
-            <a:ext cx="2223771" cy="428280"/>
-          </a:xfrm>
-          <a:prstGeom prst="rect">
-            <a:avLst/>
-          </a:prstGeom>
-        </p:spPr>
-      </p:pic>
-      <p:pic>
-        <p:nvPicPr>
-          <p:cNvPr id="5" name="Picture 4" descr="A picture containing drawing&#10;&#10;Description automatically generated">
-            <a:extLst>
-              <a:ext uri="{FF2B5EF4-FFF2-40B4-BE49-F238E27FC236}">
-                <a16:creationId xmlns:a16="http://schemas.microsoft.com/office/drawing/2014/main" id="{B0C3DD98-8A7E-49A1-993A-B38C3091E8C4}"/>
-              </a:ext>
-            </a:extLst>
-          </p:cNvPr>
-          <p:cNvPicPr>
-            <a:picLocks noChangeAspect="1"/>
-          </p:cNvPicPr>
-          <p:nvPr/>
-        </p:nvPicPr>
-        <p:blipFill>
-          <a:blip r:embed="rId4">
-            <a:extLst>
-              <a:ext uri="{28A0092B-C50C-407E-A947-70E740481C1C}">
-                <a14:useLocalDpi xmlns:a14="http://schemas.microsoft.com/office/drawing/2010/main" val="0"/>
-              </a:ext>
-            </a:extLst>
-          </a:blip>
-          <a:stretch>
-            <a:fillRect/>
-          </a:stretch>
-        </p:blipFill>
-        <p:spPr>
-          <a:xfrm>
-            <a:off x="84364" y="6271531"/>
-            <a:ext cx="1042307" cy="521154"/>
-          </a:xfrm>
-          <a:prstGeom prst="rect">
-            <a:avLst/>
-          </a:prstGeom>
-        </p:spPr>
-      </p:pic>
-      <p:grpSp>
-        <p:nvGrpSpPr>
-          <p:cNvPr id="29" name="Group 31">
-            <a:extLst>
-              <a:ext uri="{FF2B5EF4-FFF2-40B4-BE49-F238E27FC236}">
-                <a16:creationId xmlns:a16="http://schemas.microsoft.com/office/drawing/2014/main" id="{4B2A01B8-B53F-4E63-8A64-F2D4D92B566A}"/>
-              </a:ext>
-            </a:extLst>
-          </p:cNvPr>
-          <p:cNvGrpSpPr>
-            <a:grpSpLocks/>
-          </p:cNvGrpSpPr>
-          <p:nvPr/>
-        </p:nvGrpSpPr>
-        <p:grpSpPr bwMode="auto">
-          <a:xfrm>
-            <a:off x="1625030" y="3608456"/>
-            <a:ext cx="8690223" cy="2024086"/>
-            <a:chOff x="927100" y="8930087"/>
-            <a:chExt cx="9296400" cy="2252821"/>
-          </a:xfrm>
-        </p:grpSpPr>
-        <p:pic>
-          <p:nvPicPr>
-            <p:cNvPr id="30" name="Picture 56" descr="A picture containing table, cake, indoor, sky&#10;&#10;Description automatically generated">
-              <a:extLst>
-                <a:ext uri="{FF2B5EF4-FFF2-40B4-BE49-F238E27FC236}">
-                  <a16:creationId xmlns:a16="http://schemas.microsoft.com/office/drawing/2014/main" id="{7B74150F-0D37-4CFE-B621-41BB563614F4}"/>
-                </a:ext>
-              </a:extLst>
-            </p:cNvPr>
-            <p:cNvPicPr>
-              <a:picLocks noChangeAspect="1" noChangeArrowheads="1"/>
-            </p:cNvPicPr>
-            <p:nvPr/>
-          </p:nvPicPr>
-          <p:blipFill>
-            <a:blip r:embed="rId5">
-              <a:extLst>
-                <a:ext uri="{28A0092B-C50C-407E-A947-70E740481C1C}">
-                  <a14:useLocalDpi xmlns:a14="http://schemas.microsoft.com/office/drawing/2010/main" val="0"/>
-                </a:ext>
-              </a:extLst>
-            </a:blip>
-            <a:srcRect/>
-            <a:stretch>
-              <a:fillRect/>
-            </a:stretch>
-          </p:blipFill>
-          <p:spPr bwMode="auto">
-            <a:xfrm>
-              <a:off x="927100" y="9093864"/>
-              <a:ext cx="2462127" cy="1565659"/>
-            </a:xfrm>
-            <a:prstGeom prst="rect">
-              <a:avLst/>
-            </a:prstGeom>
-            <a:noFill/>
-            <a:ln>
-              <a:noFill/>
-            </a:ln>
-            <a:extLst>
-              <a:ext uri="{909E8E84-426E-40DD-AFC4-6F175D3DCCD1}">
-                <a14:hiddenFill xmlns:a14="http://schemas.microsoft.com/office/drawing/2010/main">
-                  <a:solidFill>
-                    <a:srgbClr val="FFFFFF"/>
-                  </a:solidFill>
-                </a14:hiddenFill>
-              </a:ext>
-              <a:ext uri="{91240B29-F687-4F45-9708-019B960494DF}">
-                <a14:hiddenLine xmlns:a14="http://schemas.microsoft.com/office/drawing/2010/main" w="9525">
-                  <a:solidFill>
-                    <a:srgbClr val="000000"/>
-                  </a:solidFill>
-                  <a:miter lim="800000"/>
-                  <a:headEnd/>
-                  <a:tailEnd/>
-                </a14:hiddenLine>
-              </a:ext>
-            </a:extLst>
-          </p:spPr>
-        </p:pic>
-        <p:sp>
-          <p:nvSpPr>
-            <p:cNvPr id="31" name="TextBox 6">
-              <a:extLst>
-                <a:ext uri="{FF2B5EF4-FFF2-40B4-BE49-F238E27FC236}">
-                  <a16:creationId xmlns:a16="http://schemas.microsoft.com/office/drawing/2014/main" id="{8282C4CA-D579-460A-9DA6-3578D3186F5D}"/>
-                </a:ext>
-              </a:extLst>
-            </p:cNvPr>
-            <p:cNvSpPr txBox="1">
-              <a:spLocks noChangeArrowheads="1"/>
-            </p:cNvSpPr>
-            <p:nvPr/>
-          </p:nvSpPr>
-          <p:spPr bwMode="auto">
-            <a:xfrm>
-              <a:off x="1169813" y="10737584"/>
-              <a:ext cx="2125235" cy="445324"/>
-            </a:xfrm>
-            <a:prstGeom prst="rect">
-              <a:avLst/>
-            </a:prstGeom>
-            <a:noFill/>
-            <a:ln>
-              <a:noFill/>
-            </a:ln>
-            <a:extLst>
-              <a:ext uri="{909E8E84-426E-40DD-AFC4-6F175D3DCCD1}">
-                <a14:hiddenFill xmlns:a14="http://schemas.microsoft.com/office/drawing/2010/main">
-                  <a:solidFill>
-                    <a:srgbClr val="FFFFFF"/>
-                  </a:solidFill>
-                </a14:hiddenFill>
-              </a:ext>
-              <a:ext uri="{91240B29-F687-4F45-9708-019B960494DF}">
-                <a14:hiddenLine xmlns:a14="http://schemas.microsoft.com/office/drawing/2010/main" w="9525">
-                  <a:solidFill>
-                    <a:srgbClr val="000000"/>
-                  </a:solidFill>
-                  <a:miter lim="800000"/>
-                  <a:headEnd/>
-                  <a:tailEnd/>
-                </a14:hiddenLine>
-              </a:ext>
-            </a:extLst>
-          </p:spPr>
-          <p:txBody>
-            <a:bodyPr wrap="square">
-              <a:spAutoFit/>
-            </a:bodyPr>
-            <a:lstStyle>
-              <a:lvl1pPr>
-                <a:lnSpc>
-                  <a:spcPct val="90000"/>
-                </a:lnSpc>
-                <a:spcBef>
-                  <a:spcPts val="2400"/>
-                </a:spcBef>
-                <a:buFont typeface="Arial" panose="020B0604020202020204" pitchFamily="34" charset="0"/>
-                <a:buChar char="•"/>
-                <a:defRPr sz="6700">
-                  <a:solidFill>
-                    <a:schemeClr val="tx1"/>
-                  </a:solidFill>
-                  <a:latin typeface="Calibri" panose="020F0502020204030204" pitchFamily="34" charset="0"/>
-                </a:defRPr>
-              </a:lvl1pPr>
-              <a:lvl2pPr marL="457200" indent="-547688">
-                <a:lnSpc>
-                  <a:spcPct val="90000"/>
-                </a:lnSpc>
-                <a:spcBef>
-                  <a:spcPts val="1200"/>
-                </a:spcBef>
-                <a:buFont typeface="Arial" panose="020B0604020202020204" pitchFamily="34" charset="0"/>
-                <a:buChar char="•"/>
-                <a:defRPr sz="5700">
-                  <a:solidFill>
-                    <a:schemeClr val="tx1"/>
-                  </a:solidFill>
-                  <a:latin typeface="Calibri" panose="020F0502020204030204" pitchFamily="34" charset="0"/>
-                </a:defRPr>
-              </a:lvl2pPr>
-              <a:lvl3pPr marL="914400" indent="-547688">
-                <a:lnSpc>
-                  <a:spcPct val="90000"/>
-                </a:lnSpc>
-                <a:spcBef>
-                  <a:spcPts val="1200"/>
-                </a:spcBef>
-                <a:buFont typeface="Arial" panose="020B0604020202020204" pitchFamily="34" charset="0"/>
-                <a:buChar char="•"/>
-                <a:defRPr sz="4800">
-                  <a:solidFill>
-                    <a:schemeClr val="tx1"/>
-                  </a:solidFill>
-                  <a:latin typeface="Calibri" panose="020F0502020204030204" pitchFamily="34" charset="0"/>
-                </a:defRPr>
-              </a:lvl3pPr>
-              <a:lvl4pPr marL="1371600" indent="-547688">
-                <a:lnSpc>
-                  <a:spcPct val="90000"/>
-                </a:lnSpc>
-                <a:spcBef>
-                  <a:spcPts val="1200"/>
-                </a:spcBef>
-                <a:buFont typeface="Arial" panose="020B0604020202020204" pitchFamily="34" charset="0"/>
-                <a:buChar char="•"/>
-                <a:defRPr sz="4300">
-                  <a:solidFill>
-                    <a:schemeClr val="tx1"/>
-                  </a:solidFill>
-                  <a:latin typeface="Calibri" panose="020F0502020204030204" pitchFamily="34" charset="0"/>
-                </a:defRPr>
-              </a:lvl4pPr>
-              <a:lvl5pPr marL="1828800" indent="-547688">
-                <a:lnSpc>
-                  <a:spcPct val="90000"/>
-                </a:lnSpc>
-                <a:spcBef>
-                  <a:spcPts val="1200"/>
-                </a:spcBef>
-                <a:buFont typeface="Arial" panose="020B0604020202020204" pitchFamily="34" charset="0"/>
-                <a:buChar char="•"/>
-                <a:defRPr sz="4300">
-                  <a:solidFill>
-                    <a:schemeClr val="tx1"/>
-                  </a:solidFill>
-                  <a:latin typeface="Calibri" panose="020F0502020204030204" pitchFamily="34" charset="0"/>
-                </a:defRPr>
-              </a:lvl5pPr>
-              <a:lvl6pPr indent="-547688" eaLnBrk="0" fontAlgn="base" hangingPunct="0">
-                <a:lnSpc>
-                  <a:spcPct val="90000"/>
-                </a:lnSpc>
-                <a:spcBef>
-                  <a:spcPts val="1200"/>
-                </a:spcBef>
-                <a:spcAft>
-                  <a:spcPct val="0"/>
-                </a:spcAft>
-                <a:buFont typeface="Arial" panose="020B0604020202020204" pitchFamily="34" charset="0"/>
-                <a:buChar char="•"/>
-                <a:defRPr sz="4300">
-                  <a:solidFill>
-                    <a:schemeClr val="tx1"/>
-                  </a:solidFill>
-                  <a:latin typeface="Calibri" panose="020F0502020204030204" pitchFamily="34" charset="0"/>
-                </a:defRPr>
-              </a:lvl6pPr>
-              <a:lvl7pPr indent="-547688" eaLnBrk="0" fontAlgn="base" hangingPunct="0">
-                <a:lnSpc>
-                  <a:spcPct val="90000"/>
-                </a:lnSpc>
-                <a:spcBef>
-                  <a:spcPts val="1200"/>
-                </a:spcBef>
-                <a:spcAft>
-                  <a:spcPct val="0"/>
-                </a:spcAft>
-                <a:buFont typeface="Arial" panose="020B0604020202020204" pitchFamily="34" charset="0"/>
-                <a:buChar char="•"/>
-                <a:defRPr sz="4300">
-                  <a:solidFill>
-                    <a:schemeClr val="tx1"/>
-                  </a:solidFill>
-                  <a:latin typeface="Calibri" panose="020F0502020204030204" pitchFamily="34" charset="0"/>
-                </a:defRPr>
-              </a:lvl7pPr>
-              <a:lvl8pPr indent="-547688" eaLnBrk="0" fontAlgn="base" hangingPunct="0">
-                <a:lnSpc>
-                  <a:spcPct val="90000"/>
-                </a:lnSpc>
-                <a:spcBef>
-                  <a:spcPts val="1200"/>
-                </a:spcBef>
-                <a:spcAft>
-                  <a:spcPct val="0"/>
-                </a:spcAft>
-                <a:buFont typeface="Arial" panose="020B0604020202020204" pitchFamily="34" charset="0"/>
-                <a:buChar char="•"/>
-                <a:defRPr sz="4300">
-                  <a:solidFill>
-                    <a:schemeClr val="tx1"/>
-                  </a:solidFill>
-                  <a:latin typeface="Calibri" panose="020F0502020204030204" pitchFamily="34" charset="0"/>
-                </a:defRPr>
-              </a:lvl8pPr>
-              <a:lvl9pPr indent="-547688" eaLnBrk="0" fontAlgn="base" hangingPunct="0">
-                <a:lnSpc>
-                  <a:spcPct val="90000"/>
-                </a:lnSpc>
-                <a:spcBef>
-                  <a:spcPts val="1200"/>
-                </a:spcBef>
-                <a:spcAft>
-                  <a:spcPct val="0"/>
-                </a:spcAft>
-                <a:buFont typeface="Arial" panose="020B0604020202020204" pitchFamily="34" charset="0"/>
-                <a:buChar char="•"/>
-                <a:defRPr sz="4300">
-                  <a:solidFill>
-                    <a:schemeClr val="tx1"/>
-                  </a:solidFill>
-                  <a:latin typeface="Calibri" panose="020F0502020204030204" pitchFamily="34" charset="0"/>
-                </a:defRPr>
-              </a:lvl9pPr>
-            </a:lstStyle>
-            <a:p>
-              <a:pPr algn="ctr" eaLnBrk="1" hangingPunct="1">
-                <a:lnSpc>
-                  <a:spcPct val="100000"/>
-                </a:lnSpc>
-                <a:spcBef>
-                  <a:spcPct val="0"/>
-                </a:spcBef>
-                <a:buFontTx/>
-                <a:buNone/>
-              </a:pPr>
-              <a:r>
-                <a:rPr lang="en-US" altLang="en-US" sz="2000" b="1" dirty="0"/>
-                <a:t>Unlabeled Data</a:t>
-              </a:r>
-            </a:p>
-          </p:txBody>
-        </p:sp>
-        <p:sp>
-          <p:nvSpPr>
-            <p:cNvPr id="32" name="TextBox 9">
-              <a:extLst>
-                <a:ext uri="{FF2B5EF4-FFF2-40B4-BE49-F238E27FC236}">
-                  <a16:creationId xmlns:a16="http://schemas.microsoft.com/office/drawing/2014/main" id="{F00061FB-CB00-45EC-89F4-618E889A776F}"/>
-                </a:ext>
-              </a:extLst>
-            </p:cNvPr>
-            <p:cNvSpPr txBox="1">
-              <a:spLocks noChangeArrowheads="1"/>
-            </p:cNvSpPr>
-            <p:nvPr/>
-          </p:nvSpPr>
-          <p:spPr bwMode="auto">
-            <a:xfrm>
-              <a:off x="9198533" y="10706842"/>
-              <a:ext cx="1006687" cy="444989"/>
-            </a:xfrm>
-            <a:prstGeom prst="rect">
-              <a:avLst/>
-            </a:prstGeom>
-            <a:noFill/>
-            <a:ln>
-              <a:noFill/>
-            </a:ln>
-            <a:extLst>
-              <a:ext uri="{909E8E84-426E-40DD-AFC4-6F175D3DCCD1}">
-                <a14:hiddenFill xmlns:a14="http://schemas.microsoft.com/office/drawing/2010/main">
-                  <a:solidFill>
-                    <a:srgbClr val="FFFFFF"/>
-                  </a:solidFill>
-                </a14:hiddenFill>
-              </a:ext>
-              <a:ext uri="{91240B29-F687-4F45-9708-019B960494DF}">
-                <a14:hiddenLine xmlns:a14="http://schemas.microsoft.com/office/drawing/2010/main" w="9525">
-                  <a:solidFill>
-                    <a:srgbClr val="000000"/>
-                  </a:solidFill>
-                  <a:miter lim="800000"/>
-                  <a:headEnd/>
-                  <a:tailEnd/>
-                </a14:hiddenLine>
-              </a:ext>
-            </a:extLst>
-          </p:spPr>
-          <p:txBody>
-            <a:bodyPr wrap="none">
-              <a:spAutoFit/>
-            </a:bodyPr>
-            <a:lstStyle>
-              <a:lvl1pPr>
-                <a:lnSpc>
-                  <a:spcPct val="90000"/>
-                </a:lnSpc>
-                <a:spcBef>
-                  <a:spcPts val="2400"/>
-                </a:spcBef>
-                <a:buFont typeface="Arial" panose="020B0604020202020204" pitchFamily="34" charset="0"/>
-                <a:buChar char="•"/>
-                <a:defRPr sz="6700">
-                  <a:solidFill>
-                    <a:schemeClr val="tx1"/>
-                  </a:solidFill>
-                  <a:latin typeface="Calibri" panose="020F0502020204030204" pitchFamily="34" charset="0"/>
-                </a:defRPr>
-              </a:lvl1pPr>
-              <a:lvl2pPr marL="457200" indent="-547688">
-                <a:lnSpc>
-                  <a:spcPct val="90000"/>
-                </a:lnSpc>
-                <a:spcBef>
-                  <a:spcPts val="1200"/>
-                </a:spcBef>
-                <a:buFont typeface="Arial" panose="020B0604020202020204" pitchFamily="34" charset="0"/>
-                <a:buChar char="•"/>
-                <a:defRPr sz="5700">
-                  <a:solidFill>
-                    <a:schemeClr val="tx1"/>
-                  </a:solidFill>
-                  <a:latin typeface="Calibri" panose="020F0502020204030204" pitchFamily="34" charset="0"/>
-                </a:defRPr>
-              </a:lvl2pPr>
-              <a:lvl3pPr marL="914400" indent="-547688">
-                <a:lnSpc>
-                  <a:spcPct val="90000"/>
-                </a:lnSpc>
-                <a:spcBef>
-                  <a:spcPts val="1200"/>
-                </a:spcBef>
-                <a:buFont typeface="Arial" panose="020B0604020202020204" pitchFamily="34" charset="0"/>
-                <a:buChar char="•"/>
-                <a:defRPr sz="4800">
-                  <a:solidFill>
-                    <a:schemeClr val="tx1"/>
-                  </a:solidFill>
-                  <a:latin typeface="Calibri" panose="020F0502020204030204" pitchFamily="34" charset="0"/>
-                </a:defRPr>
-              </a:lvl3pPr>
-              <a:lvl4pPr marL="1371600" indent="-547688">
-                <a:lnSpc>
-                  <a:spcPct val="90000"/>
-                </a:lnSpc>
-                <a:spcBef>
-                  <a:spcPts val="1200"/>
-                </a:spcBef>
-                <a:buFont typeface="Arial" panose="020B0604020202020204" pitchFamily="34" charset="0"/>
-                <a:buChar char="•"/>
-                <a:defRPr sz="4300">
-                  <a:solidFill>
-                    <a:schemeClr val="tx1"/>
-                  </a:solidFill>
-                  <a:latin typeface="Calibri" panose="020F0502020204030204" pitchFamily="34" charset="0"/>
-                </a:defRPr>
-              </a:lvl4pPr>
-              <a:lvl5pPr marL="1828800" indent="-547688">
-                <a:lnSpc>
-                  <a:spcPct val="90000"/>
-                </a:lnSpc>
-                <a:spcBef>
-                  <a:spcPts val="1200"/>
-                </a:spcBef>
-                <a:buFont typeface="Arial" panose="020B0604020202020204" pitchFamily="34" charset="0"/>
-                <a:buChar char="•"/>
-                <a:defRPr sz="4300">
-                  <a:solidFill>
-                    <a:schemeClr val="tx1"/>
-                  </a:solidFill>
-                  <a:latin typeface="Calibri" panose="020F0502020204030204" pitchFamily="34" charset="0"/>
-                </a:defRPr>
-              </a:lvl5pPr>
-              <a:lvl6pPr indent="-547688" eaLnBrk="0" fontAlgn="base" hangingPunct="0">
-                <a:lnSpc>
-                  <a:spcPct val="90000"/>
-                </a:lnSpc>
-                <a:spcBef>
-                  <a:spcPts val="1200"/>
-                </a:spcBef>
-                <a:spcAft>
-                  <a:spcPct val="0"/>
-                </a:spcAft>
-                <a:buFont typeface="Arial" panose="020B0604020202020204" pitchFamily="34" charset="0"/>
-                <a:buChar char="•"/>
-                <a:defRPr sz="4300">
-                  <a:solidFill>
-                    <a:schemeClr val="tx1"/>
-                  </a:solidFill>
-                  <a:latin typeface="Calibri" panose="020F0502020204030204" pitchFamily="34" charset="0"/>
-                </a:defRPr>
-              </a:lvl6pPr>
-              <a:lvl7pPr indent="-547688" eaLnBrk="0" fontAlgn="base" hangingPunct="0">
-                <a:lnSpc>
-                  <a:spcPct val="90000"/>
-                </a:lnSpc>
-                <a:spcBef>
-                  <a:spcPts val="1200"/>
-                </a:spcBef>
-                <a:spcAft>
-                  <a:spcPct val="0"/>
-                </a:spcAft>
-                <a:buFont typeface="Arial" panose="020B0604020202020204" pitchFamily="34" charset="0"/>
-                <a:buChar char="•"/>
-                <a:defRPr sz="4300">
-                  <a:solidFill>
-                    <a:schemeClr val="tx1"/>
-                  </a:solidFill>
-                  <a:latin typeface="Calibri" panose="020F0502020204030204" pitchFamily="34" charset="0"/>
-                </a:defRPr>
-              </a:lvl7pPr>
-              <a:lvl8pPr indent="-547688" eaLnBrk="0" fontAlgn="base" hangingPunct="0">
-                <a:lnSpc>
-                  <a:spcPct val="90000"/>
-                </a:lnSpc>
-                <a:spcBef>
-                  <a:spcPts val="1200"/>
-                </a:spcBef>
-                <a:spcAft>
-                  <a:spcPct val="0"/>
-                </a:spcAft>
-                <a:buFont typeface="Arial" panose="020B0604020202020204" pitchFamily="34" charset="0"/>
-                <a:buChar char="•"/>
-                <a:defRPr sz="4300">
-                  <a:solidFill>
-                    <a:schemeClr val="tx1"/>
-                  </a:solidFill>
-                  <a:latin typeface="Calibri" panose="020F0502020204030204" pitchFamily="34" charset="0"/>
-                </a:defRPr>
-              </a:lvl8pPr>
-              <a:lvl9pPr indent="-547688" eaLnBrk="0" fontAlgn="base" hangingPunct="0">
-                <a:lnSpc>
-                  <a:spcPct val="90000"/>
-                </a:lnSpc>
-                <a:spcBef>
-                  <a:spcPts val="1200"/>
-                </a:spcBef>
-                <a:spcAft>
-                  <a:spcPct val="0"/>
-                </a:spcAft>
-                <a:buFont typeface="Arial" panose="020B0604020202020204" pitchFamily="34" charset="0"/>
-                <a:buChar char="•"/>
-                <a:defRPr sz="4300">
-                  <a:solidFill>
-                    <a:schemeClr val="tx1"/>
-                  </a:solidFill>
-                  <a:latin typeface="Calibri" panose="020F0502020204030204" pitchFamily="34" charset="0"/>
-                </a:defRPr>
-              </a:lvl9pPr>
-            </a:lstStyle>
-            <a:p>
-              <a:pPr algn="ctr" eaLnBrk="1" hangingPunct="1">
-                <a:lnSpc>
-                  <a:spcPct val="100000"/>
-                </a:lnSpc>
-                <a:spcBef>
-                  <a:spcPct val="0"/>
-                </a:spcBef>
-                <a:buFontTx/>
-                <a:buNone/>
-              </a:pPr>
-              <a:r>
-                <a:rPr lang="en-US" altLang="en-US" sz="2400" b="1" dirty="0"/>
-                <a:t>Oracle</a:t>
-              </a:r>
-            </a:p>
-          </p:txBody>
-        </p:sp>
-        <p:pic>
-          <p:nvPicPr>
-            <p:cNvPr id="33" name="Picture 60" descr="A picture containing toy&#10;&#10;Description automatically generated">
-              <a:extLst>
-                <a:ext uri="{FF2B5EF4-FFF2-40B4-BE49-F238E27FC236}">
-                  <a16:creationId xmlns:a16="http://schemas.microsoft.com/office/drawing/2014/main" id="{A2F29C42-97DF-4496-857A-811FF5830F0F}"/>
-                </a:ext>
-              </a:extLst>
-            </p:cNvPr>
-            <p:cNvPicPr>
-              <a:picLocks noChangeAspect="1" noChangeArrowheads="1"/>
-            </p:cNvPicPr>
-            <p:nvPr/>
-          </p:nvPicPr>
-          <p:blipFill>
-            <a:blip r:embed="rId6">
-              <a:extLst>
-                <a:ext uri="{28A0092B-C50C-407E-A947-70E740481C1C}">
-                  <a14:useLocalDpi xmlns:a14="http://schemas.microsoft.com/office/drawing/2010/main" val="0"/>
-                </a:ext>
-              </a:extLst>
-            </a:blip>
-            <a:srcRect/>
-            <a:stretch>
-              <a:fillRect/>
-            </a:stretch>
-          </p:blipFill>
-          <p:spPr bwMode="auto">
-            <a:xfrm>
-              <a:off x="9180252" y="8930090"/>
-              <a:ext cx="1043248" cy="1744789"/>
-            </a:xfrm>
-            <a:prstGeom prst="rect">
-              <a:avLst/>
-            </a:prstGeom>
-            <a:noFill/>
-            <a:ln>
-              <a:noFill/>
-            </a:ln>
-            <a:extLst>
-              <a:ext uri="{909E8E84-426E-40DD-AFC4-6F175D3DCCD1}">
-                <a14:hiddenFill xmlns:a14="http://schemas.microsoft.com/office/drawing/2010/main">
-                  <a:solidFill>
-                    <a:srgbClr val="FFFFFF"/>
-                  </a:solidFill>
-                </a14:hiddenFill>
-              </a:ext>
-              <a:ext uri="{91240B29-F687-4F45-9708-019B960494DF}">
-                <a14:hiddenLine xmlns:a14="http://schemas.microsoft.com/office/drawing/2010/main" w="9525">
-                  <a:solidFill>
-                    <a:srgbClr val="000000"/>
-                  </a:solidFill>
-                  <a:miter lim="800000"/>
-                  <a:headEnd/>
-                  <a:tailEnd/>
-                </a14:hiddenLine>
-              </a:ext>
-            </a:extLst>
-          </p:spPr>
-        </p:pic>
-        <p:pic>
-          <p:nvPicPr>
-            <p:cNvPr id="34" name="Picture 61" descr="A close up of a device&#10;&#10;Description automatically generated">
-              <a:extLst>
-                <a:ext uri="{FF2B5EF4-FFF2-40B4-BE49-F238E27FC236}">
-                  <a16:creationId xmlns:a16="http://schemas.microsoft.com/office/drawing/2014/main" id="{A4758F7B-37E2-4CE8-A6A3-A84BC886083D}"/>
-                </a:ext>
-              </a:extLst>
-            </p:cNvPr>
-            <p:cNvPicPr>
-              <a:picLocks noChangeAspect="1" noChangeArrowheads="1"/>
-            </p:cNvPicPr>
-            <p:nvPr/>
-          </p:nvPicPr>
-          <p:blipFill>
-            <a:blip r:embed="rId7">
-              <a:extLst>
-                <a:ext uri="{28A0092B-C50C-407E-A947-70E740481C1C}">
-                  <a14:useLocalDpi xmlns:a14="http://schemas.microsoft.com/office/drawing/2010/main" val="0"/>
-                </a:ext>
-              </a:extLst>
-            </a:blip>
-            <a:srcRect/>
-            <a:stretch>
-              <a:fillRect/>
-            </a:stretch>
-          </p:blipFill>
-          <p:spPr bwMode="auto">
-            <a:xfrm>
-              <a:off x="5288645" y="8930087"/>
-              <a:ext cx="1444691" cy="1744789"/>
-            </a:xfrm>
-            <a:prstGeom prst="rect">
-              <a:avLst/>
-            </a:prstGeom>
-            <a:noFill/>
-            <a:ln>
-              <a:noFill/>
-            </a:ln>
-            <a:extLst>
-              <a:ext uri="{909E8E84-426E-40DD-AFC4-6F175D3DCCD1}">
-                <a14:hiddenFill xmlns:a14="http://schemas.microsoft.com/office/drawing/2010/main">
-                  <a:solidFill>
-                    <a:srgbClr val="FFFFFF"/>
-                  </a:solidFill>
-                </a14:hiddenFill>
-              </a:ext>
-              <a:ext uri="{91240B29-F687-4F45-9708-019B960494DF}">
-                <a14:hiddenLine xmlns:a14="http://schemas.microsoft.com/office/drawing/2010/main" w="9525">
-                  <a:solidFill>
-                    <a:srgbClr val="000000"/>
-                  </a:solidFill>
-                  <a:miter lim="800000"/>
-                  <a:headEnd/>
-                  <a:tailEnd/>
-                </a14:hiddenLine>
-              </a:ext>
-            </a:extLst>
-          </p:spPr>
-        </p:pic>
-        <p:sp>
-          <p:nvSpPr>
-            <p:cNvPr id="35" name="TextBox 14">
-              <a:extLst>
-                <a:ext uri="{FF2B5EF4-FFF2-40B4-BE49-F238E27FC236}">
-                  <a16:creationId xmlns:a16="http://schemas.microsoft.com/office/drawing/2014/main" id="{310EC23D-C183-4127-9B3D-915E1B9EE886}"/>
-                </a:ext>
-              </a:extLst>
-            </p:cNvPr>
-            <p:cNvSpPr txBox="1">
-              <a:spLocks noChangeArrowheads="1"/>
-            </p:cNvSpPr>
-            <p:nvPr/>
-          </p:nvSpPr>
-          <p:spPr bwMode="auto">
-            <a:xfrm>
-              <a:off x="5343180" y="10696239"/>
-              <a:ext cx="1335622" cy="444890"/>
-            </a:xfrm>
-            <a:prstGeom prst="rect">
-              <a:avLst/>
-            </a:prstGeom>
-            <a:noFill/>
-            <a:ln>
-              <a:noFill/>
-            </a:ln>
-            <a:extLst>
-              <a:ext uri="{909E8E84-426E-40DD-AFC4-6F175D3DCCD1}">
-                <a14:hiddenFill xmlns:a14="http://schemas.microsoft.com/office/drawing/2010/main">
-                  <a:solidFill>
-                    <a:srgbClr val="FFFFFF"/>
-                  </a:solidFill>
-                </a14:hiddenFill>
-              </a:ext>
-              <a:ext uri="{91240B29-F687-4F45-9708-019B960494DF}">
-                <a14:hiddenLine xmlns:a14="http://schemas.microsoft.com/office/drawing/2010/main" w="9525">
-                  <a:solidFill>
-                    <a:srgbClr val="000000"/>
-                  </a:solidFill>
-                  <a:miter lim="800000"/>
-                  <a:headEnd/>
-                  <a:tailEnd/>
-                </a14:hiddenLine>
-              </a:ext>
-            </a:extLst>
-          </p:spPr>
-          <p:txBody>
-            <a:bodyPr wrap="none">
-              <a:spAutoFit/>
-            </a:bodyPr>
-            <a:lstStyle>
-              <a:lvl1pPr>
-                <a:lnSpc>
-                  <a:spcPct val="90000"/>
-                </a:lnSpc>
-                <a:spcBef>
-                  <a:spcPts val="2400"/>
-                </a:spcBef>
-                <a:buFont typeface="Arial" panose="020B0604020202020204" pitchFamily="34" charset="0"/>
-                <a:buChar char="•"/>
-                <a:defRPr sz="6700">
-                  <a:solidFill>
-                    <a:schemeClr val="tx1"/>
-                  </a:solidFill>
-                  <a:latin typeface="Calibri" panose="020F0502020204030204" pitchFamily="34" charset="0"/>
-                </a:defRPr>
-              </a:lvl1pPr>
-              <a:lvl2pPr marL="457200" indent="-547688">
-                <a:lnSpc>
-                  <a:spcPct val="90000"/>
-                </a:lnSpc>
-                <a:spcBef>
-                  <a:spcPts val="1200"/>
-                </a:spcBef>
-                <a:buFont typeface="Arial" panose="020B0604020202020204" pitchFamily="34" charset="0"/>
-                <a:buChar char="•"/>
-                <a:defRPr sz="5700">
-                  <a:solidFill>
-                    <a:schemeClr val="tx1"/>
-                  </a:solidFill>
-                  <a:latin typeface="Calibri" panose="020F0502020204030204" pitchFamily="34" charset="0"/>
-                </a:defRPr>
-              </a:lvl2pPr>
-              <a:lvl3pPr marL="914400" indent="-547688">
-                <a:lnSpc>
-                  <a:spcPct val="90000"/>
-                </a:lnSpc>
-                <a:spcBef>
-                  <a:spcPts val="1200"/>
-                </a:spcBef>
-                <a:buFont typeface="Arial" panose="020B0604020202020204" pitchFamily="34" charset="0"/>
-                <a:buChar char="•"/>
-                <a:defRPr sz="4800">
-                  <a:solidFill>
-                    <a:schemeClr val="tx1"/>
-                  </a:solidFill>
-                  <a:latin typeface="Calibri" panose="020F0502020204030204" pitchFamily="34" charset="0"/>
-                </a:defRPr>
-              </a:lvl3pPr>
-              <a:lvl4pPr marL="1371600" indent="-547688">
-                <a:lnSpc>
-                  <a:spcPct val="90000"/>
-                </a:lnSpc>
-                <a:spcBef>
-                  <a:spcPts val="1200"/>
-                </a:spcBef>
-                <a:buFont typeface="Arial" panose="020B0604020202020204" pitchFamily="34" charset="0"/>
-                <a:buChar char="•"/>
-                <a:defRPr sz="4300">
-                  <a:solidFill>
-                    <a:schemeClr val="tx1"/>
-                  </a:solidFill>
-                  <a:latin typeface="Calibri" panose="020F0502020204030204" pitchFamily="34" charset="0"/>
-                </a:defRPr>
-              </a:lvl4pPr>
-              <a:lvl5pPr marL="1828800" indent="-547688">
-                <a:lnSpc>
-                  <a:spcPct val="90000"/>
-                </a:lnSpc>
-                <a:spcBef>
-                  <a:spcPts val="1200"/>
-                </a:spcBef>
-                <a:buFont typeface="Arial" panose="020B0604020202020204" pitchFamily="34" charset="0"/>
-                <a:buChar char="•"/>
-                <a:defRPr sz="4300">
-                  <a:solidFill>
-                    <a:schemeClr val="tx1"/>
-                  </a:solidFill>
-                  <a:latin typeface="Calibri" panose="020F0502020204030204" pitchFamily="34" charset="0"/>
-                </a:defRPr>
-              </a:lvl5pPr>
-              <a:lvl6pPr indent="-547688" eaLnBrk="0" fontAlgn="base" hangingPunct="0">
-                <a:lnSpc>
-                  <a:spcPct val="90000"/>
-                </a:lnSpc>
-                <a:spcBef>
-                  <a:spcPts val="1200"/>
-                </a:spcBef>
-                <a:spcAft>
-                  <a:spcPct val="0"/>
-                </a:spcAft>
-                <a:buFont typeface="Arial" panose="020B0604020202020204" pitchFamily="34" charset="0"/>
-                <a:buChar char="•"/>
-                <a:defRPr sz="4300">
-                  <a:solidFill>
-                    <a:schemeClr val="tx1"/>
-                  </a:solidFill>
-                  <a:latin typeface="Calibri" panose="020F0502020204030204" pitchFamily="34" charset="0"/>
-                </a:defRPr>
-              </a:lvl6pPr>
-              <a:lvl7pPr indent="-547688" eaLnBrk="0" fontAlgn="base" hangingPunct="0">
-                <a:lnSpc>
-                  <a:spcPct val="90000"/>
-                </a:lnSpc>
-                <a:spcBef>
-                  <a:spcPts val="1200"/>
-                </a:spcBef>
-                <a:spcAft>
-                  <a:spcPct val="0"/>
-                </a:spcAft>
-                <a:buFont typeface="Arial" panose="020B0604020202020204" pitchFamily="34" charset="0"/>
-                <a:buChar char="•"/>
-                <a:defRPr sz="4300">
-                  <a:solidFill>
-                    <a:schemeClr val="tx1"/>
-                  </a:solidFill>
-                  <a:latin typeface="Calibri" panose="020F0502020204030204" pitchFamily="34" charset="0"/>
-                </a:defRPr>
-              </a:lvl7pPr>
-              <a:lvl8pPr indent="-547688" eaLnBrk="0" fontAlgn="base" hangingPunct="0">
-                <a:lnSpc>
-                  <a:spcPct val="90000"/>
-                </a:lnSpc>
-                <a:spcBef>
-                  <a:spcPts val="1200"/>
-                </a:spcBef>
-                <a:spcAft>
-                  <a:spcPct val="0"/>
-                </a:spcAft>
-                <a:buFont typeface="Arial" panose="020B0604020202020204" pitchFamily="34" charset="0"/>
-                <a:buChar char="•"/>
-                <a:defRPr sz="4300">
-                  <a:solidFill>
-                    <a:schemeClr val="tx1"/>
-                  </a:solidFill>
-                  <a:latin typeface="Calibri" panose="020F0502020204030204" pitchFamily="34" charset="0"/>
-                </a:defRPr>
-              </a:lvl8pPr>
-              <a:lvl9pPr indent="-547688" eaLnBrk="0" fontAlgn="base" hangingPunct="0">
-                <a:lnSpc>
-                  <a:spcPct val="90000"/>
-                </a:lnSpc>
-                <a:spcBef>
-                  <a:spcPts val="1200"/>
-                </a:spcBef>
-                <a:spcAft>
-                  <a:spcPct val="0"/>
-                </a:spcAft>
-                <a:buFont typeface="Arial" panose="020B0604020202020204" pitchFamily="34" charset="0"/>
-                <a:buChar char="•"/>
-                <a:defRPr sz="4300">
-                  <a:solidFill>
-                    <a:schemeClr val="tx1"/>
-                  </a:solidFill>
-                  <a:latin typeface="Calibri" panose="020F0502020204030204" pitchFamily="34" charset="0"/>
-                </a:defRPr>
-              </a:lvl9pPr>
-            </a:lstStyle>
-            <a:p>
-              <a:pPr algn="ctr" eaLnBrk="1" hangingPunct="1">
-                <a:lnSpc>
-                  <a:spcPct val="100000"/>
-                </a:lnSpc>
-                <a:spcBef>
-                  <a:spcPct val="0"/>
-                </a:spcBef>
-                <a:buFontTx/>
-                <a:buNone/>
-              </a:pPr>
-              <a:r>
-                <a:rPr lang="en-US" altLang="en-US" sz="2400" b="1" dirty="0"/>
-                <a:t>Classifier</a:t>
-              </a:r>
-            </a:p>
-          </p:txBody>
-        </p:sp>
-        <p:cxnSp>
-          <p:nvCxnSpPr>
-            <p:cNvPr id="36" name="Straight Arrow Connector 35">
-              <a:extLst>
-                <a:ext uri="{FF2B5EF4-FFF2-40B4-BE49-F238E27FC236}">
-                  <a16:creationId xmlns:a16="http://schemas.microsoft.com/office/drawing/2014/main" id="{F0B8BDAF-1429-4729-B8C3-475247549965}"/>
-                </a:ext>
-              </a:extLst>
-            </p:cNvPr>
-            <p:cNvCxnSpPr>
-              <a:cxnSpLocks/>
-            </p:cNvCxnSpPr>
-            <p:nvPr/>
-          </p:nvCxnSpPr>
-          <p:spPr bwMode="auto">
-            <a:xfrm flipV="1">
-              <a:off x="3389313" y="9899678"/>
-              <a:ext cx="1898650" cy="0"/>
-            </a:xfrm>
-            <a:prstGeom prst="straightConnector1">
-              <a:avLst/>
-            </a:prstGeom>
-            <a:ln w="63500">
-              <a:tailEnd type="triangle"/>
-            </a:ln>
-          </p:spPr>
-          <p:style>
-            <a:lnRef idx="1">
-              <a:schemeClr val="accent1"/>
-            </a:lnRef>
-            <a:fillRef idx="0">
-              <a:schemeClr val="accent1"/>
-            </a:fillRef>
-            <a:effectRef idx="0">
-              <a:schemeClr val="accent1"/>
-            </a:effectRef>
-            <a:fontRef idx="minor">
-              <a:schemeClr val="tx1"/>
-            </a:fontRef>
-          </p:style>
-        </p:cxnSp>
-        <p:cxnSp>
-          <p:nvCxnSpPr>
-            <p:cNvPr id="37" name="Straight Arrow Connector 36">
-              <a:extLst>
-                <a:ext uri="{FF2B5EF4-FFF2-40B4-BE49-F238E27FC236}">
-                  <a16:creationId xmlns:a16="http://schemas.microsoft.com/office/drawing/2014/main" id="{AB3AE8E9-34BE-4917-9271-94AE9F9F0D33}"/>
-                </a:ext>
-              </a:extLst>
-            </p:cNvPr>
-            <p:cNvCxnSpPr>
-              <a:cxnSpLocks/>
-            </p:cNvCxnSpPr>
-            <p:nvPr/>
-          </p:nvCxnSpPr>
-          <p:spPr bwMode="auto">
-            <a:xfrm flipV="1">
-              <a:off x="6804025" y="9710760"/>
-              <a:ext cx="2187575" cy="0"/>
-            </a:xfrm>
-            <a:prstGeom prst="straightConnector1">
-              <a:avLst/>
-            </a:prstGeom>
-            <a:ln w="63500">
-              <a:tailEnd type="triangle"/>
-            </a:ln>
-          </p:spPr>
-          <p:style>
-            <a:lnRef idx="1">
-              <a:schemeClr val="accent1"/>
-            </a:lnRef>
-            <a:fillRef idx="0">
-              <a:schemeClr val="accent1"/>
-            </a:fillRef>
-            <a:effectRef idx="0">
-              <a:schemeClr val="accent1"/>
-            </a:effectRef>
-            <a:fontRef idx="minor">
-              <a:schemeClr val="tx1"/>
-            </a:fontRef>
-          </p:style>
-        </p:cxnSp>
-        <p:cxnSp>
-          <p:nvCxnSpPr>
-            <p:cNvPr id="38" name="Straight Arrow Connector 37">
-              <a:extLst>
-                <a:ext uri="{FF2B5EF4-FFF2-40B4-BE49-F238E27FC236}">
-                  <a16:creationId xmlns:a16="http://schemas.microsoft.com/office/drawing/2014/main" id="{E72200BF-F21A-427E-A405-95496C2EBC8F}"/>
-                </a:ext>
-              </a:extLst>
-            </p:cNvPr>
-            <p:cNvCxnSpPr>
-              <a:cxnSpLocks/>
-            </p:cNvCxnSpPr>
-            <p:nvPr/>
-          </p:nvCxnSpPr>
-          <p:spPr bwMode="auto">
-            <a:xfrm flipH="1">
-              <a:off x="6804025" y="10221950"/>
-              <a:ext cx="2187575" cy="0"/>
-            </a:xfrm>
-            <a:prstGeom prst="straightConnector1">
-              <a:avLst/>
-            </a:prstGeom>
-            <a:ln w="63500">
-              <a:tailEnd type="triangle"/>
-            </a:ln>
-          </p:spPr>
-          <p:style>
-            <a:lnRef idx="1">
-              <a:schemeClr val="accent1"/>
-            </a:lnRef>
-            <a:fillRef idx="0">
-              <a:schemeClr val="accent1"/>
-            </a:fillRef>
-            <a:effectRef idx="0">
-              <a:schemeClr val="accent1"/>
-            </a:effectRef>
-            <a:fontRef idx="minor">
-              <a:schemeClr val="tx1"/>
-            </a:fontRef>
-          </p:style>
-        </p:cxnSp>
-        <p:sp>
-          <p:nvSpPr>
-            <p:cNvPr id="39" name="TextBox 22">
-              <a:extLst>
-                <a:ext uri="{FF2B5EF4-FFF2-40B4-BE49-F238E27FC236}">
-                  <a16:creationId xmlns:a16="http://schemas.microsoft.com/office/drawing/2014/main" id="{4EAF91CE-F1C1-4EC9-8A1B-4549A216F939}"/>
-                </a:ext>
-              </a:extLst>
-            </p:cNvPr>
-            <p:cNvSpPr txBox="1">
-              <a:spLocks noChangeArrowheads="1"/>
-            </p:cNvSpPr>
-            <p:nvPr/>
-          </p:nvSpPr>
-          <p:spPr bwMode="auto">
-            <a:xfrm>
-              <a:off x="3607321" y="9089185"/>
-              <a:ext cx="1245301" cy="787880"/>
-            </a:xfrm>
-            <a:prstGeom prst="rect">
-              <a:avLst/>
-            </a:prstGeom>
-            <a:noFill/>
-            <a:ln>
-              <a:noFill/>
-            </a:ln>
-            <a:extLst>
-              <a:ext uri="{909E8E84-426E-40DD-AFC4-6F175D3DCCD1}">
-                <a14:hiddenFill xmlns:a14="http://schemas.microsoft.com/office/drawing/2010/main">
-                  <a:solidFill>
-                    <a:srgbClr val="FFFFFF"/>
-                  </a:solidFill>
-                </a14:hiddenFill>
-              </a:ext>
-              <a:ext uri="{91240B29-F687-4F45-9708-019B960494DF}">
-                <a14:hiddenLine xmlns:a14="http://schemas.microsoft.com/office/drawing/2010/main" w="9525">
-                  <a:solidFill>
-                    <a:srgbClr val="000000"/>
-                  </a:solidFill>
-                  <a:miter lim="800000"/>
-                  <a:headEnd/>
-                  <a:tailEnd/>
-                </a14:hiddenLine>
-              </a:ext>
-            </a:extLst>
-          </p:spPr>
-          <p:txBody>
-            <a:bodyPr wrap="none">
-              <a:spAutoFit/>
-            </a:bodyPr>
-            <a:lstStyle>
-              <a:lvl1pPr>
-                <a:lnSpc>
-                  <a:spcPct val="90000"/>
-                </a:lnSpc>
-                <a:spcBef>
-                  <a:spcPts val="2400"/>
-                </a:spcBef>
-                <a:buFont typeface="Arial" panose="020B0604020202020204" pitchFamily="34" charset="0"/>
-                <a:buChar char="•"/>
-                <a:defRPr sz="6700">
-                  <a:solidFill>
-                    <a:schemeClr val="tx1"/>
-                  </a:solidFill>
-                  <a:latin typeface="Calibri" panose="020F0502020204030204" pitchFamily="34" charset="0"/>
-                </a:defRPr>
-              </a:lvl1pPr>
-              <a:lvl2pPr marL="457200" indent="-547688">
-                <a:lnSpc>
-                  <a:spcPct val="90000"/>
-                </a:lnSpc>
-                <a:spcBef>
-                  <a:spcPts val="1200"/>
-                </a:spcBef>
-                <a:buFont typeface="Arial" panose="020B0604020202020204" pitchFamily="34" charset="0"/>
-                <a:buChar char="•"/>
-                <a:defRPr sz="5700">
-                  <a:solidFill>
-                    <a:schemeClr val="tx1"/>
-                  </a:solidFill>
-                  <a:latin typeface="Calibri" panose="020F0502020204030204" pitchFamily="34" charset="0"/>
-                </a:defRPr>
-              </a:lvl2pPr>
-              <a:lvl3pPr marL="914400" indent="-547688">
-                <a:lnSpc>
-                  <a:spcPct val="90000"/>
-                </a:lnSpc>
-                <a:spcBef>
-                  <a:spcPts val="1200"/>
-                </a:spcBef>
-                <a:buFont typeface="Arial" panose="020B0604020202020204" pitchFamily="34" charset="0"/>
-                <a:buChar char="•"/>
-                <a:defRPr sz="4800">
-                  <a:solidFill>
-                    <a:schemeClr val="tx1"/>
-                  </a:solidFill>
-                  <a:latin typeface="Calibri" panose="020F0502020204030204" pitchFamily="34" charset="0"/>
-                </a:defRPr>
-              </a:lvl3pPr>
-              <a:lvl4pPr marL="1371600" indent="-547688">
-                <a:lnSpc>
-                  <a:spcPct val="90000"/>
-                </a:lnSpc>
-                <a:spcBef>
-                  <a:spcPts val="1200"/>
-                </a:spcBef>
-                <a:buFont typeface="Arial" panose="020B0604020202020204" pitchFamily="34" charset="0"/>
-                <a:buChar char="•"/>
-                <a:defRPr sz="4300">
-                  <a:solidFill>
-                    <a:schemeClr val="tx1"/>
-                  </a:solidFill>
-                  <a:latin typeface="Calibri" panose="020F0502020204030204" pitchFamily="34" charset="0"/>
-                </a:defRPr>
-              </a:lvl4pPr>
-              <a:lvl5pPr marL="1828800" indent="-547688">
-                <a:lnSpc>
-                  <a:spcPct val="90000"/>
-                </a:lnSpc>
-                <a:spcBef>
-                  <a:spcPts val="1200"/>
-                </a:spcBef>
-                <a:buFont typeface="Arial" panose="020B0604020202020204" pitchFamily="34" charset="0"/>
-                <a:buChar char="•"/>
-                <a:defRPr sz="4300">
-                  <a:solidFill>
-                    <a:schemeClr val="tx1"/>
-                  </a:solidFill>
-                  <a:latin typeface="Calibri" panose="020F0502020204030204" pitchFamily="34" charset="0"/>
-                </a:defRPr>
-              </a:lvl5pPr>
-              <a:lvl6pPr indent="-547688" eaLnBrk="0" fontAlgn="base" hangingPunct="0">
-                <a:lnSpc>
-                  <a:spcPct val="90000"/>
-                </a:lnSpc>
-                <a:spcBef>
-                  <a:spcPts val="1200"/>
-                </a:spcBef>
-                <a:spcAft>
-                  <a:spcPct val="0"/>
-                </a:spcAft>
-                <a:buFont typeface="Arial" panose="020B0604020202020204" pitchFamily="34" charset="0"/>
-                <a:buChar char="•"/>
-                <a:defRPr sz="4300">
-                  <a:solidFill>
-                    <a:schemeClr val="tx1"/>
-                  </a:solidFill>
-                  <a:latin typeface="Calibri" panose="020F0502020204030204" pitchFamily="34" charset="0"/>
-                </a:defRPr>
-              </a:lvl6pPr>
-              <a:lvl7pPr indent="-547688" eaLnBrk="0" fontAlgn="base" hangingPunct="0">
-                <a:lnSpc>
-                  <a:spcPct val="90000"/>
-                </a:lnSpc>
-                <a:spcBef>
-                  <a:spcPts val="1200"/>
-                </a:spcBef>
-                <a:spcAft>
-                  <a:spcPct val="0"/>
-                </a:spcAft>
-                <a:buFont typeface="Arial" panose="020B0604020202020204" pitchFamily="34" charset="0"/>
-                <a:buChar char="•"/>
-                <a:defRPr sz="4300">
-                  <a:solidFill>
-                    <a:schemeClr val="tx1"/>
-                  </a:solidFill>
-                  <a:latin typeface="Calibri" panose="020F0502020204030204" pitchFamily="34" charset="0"/>
-                </a:defRPr>
-              </a:lvl7pPr>
-              <a:lvl8pPr indent="-547688" eaLnBrk="0" fontAlgn="base" hangingPunct="0">
-                <a:lnSpc>
-                  <a:spcPct val="90000"/>
-                </a:lnSpc>
-                <a:spcBef>
-                  <a:spcPts val="1200"/>
-                </a:spcBef>
-                <a:spcAft>
-                  <a:spcPct val="0"/>
-                </a:spcAft>
-                <a:buFont typeface="Arial" panose="020B0604020202020204" pitchFamily="34" charset="0"/>
-                <a:buChar char="•"/>
-                <a:defRPr sz="4300">
-                  <a:solidFill>
-                    <a:schemeClr val="tx1"/>
-                  </a:solidFill>
-                  <a:latin typeface="Calibri" panose="020F0502020204030204" pitchFamily="34" charset="0"/>
-                </a:defRPr>
-              </a:lvl8pPr>
-              <a:lvl9pPr indent="-547688" eaLnBrk="0" fontAlgn="base" hangingPunct="0">
-                <a:lnSpc>
-                  <a:spcPct val="90000"/>
-                </a:lnSpc>
-                <a:spcBef>
-                  <a:spcPts val="1200"/>
-                </a:spcBef>
-                <a:spcAft>
-                  <a:spcPct val="0"/>
-                </a:spcAft>
-                <a:buFont typeface="Arial" panose="020B0604020202020204" pitchFamily="34" charset="0"/>
-                <a:buChar char="•"/>
-                <a:defRPr sz="4300">
-                  <a:solidFill>
-                    <a:schemeClr val="tx1"/>
-                  </a:solidFill>
-                  <a:latin typeface="Calibri" panose="020F0502020204030204" pitchFamily="34" charset="0"/>
-                </a:defRPr>
-              </a:lvl9pPr>
-            </a:lstStyle>
-            <a:p>
-              <a:pPr algn="ctr" eaLnBrk="1" hangingPunct="1">
-                <a:lnSpc>
-                  <a:spcPct val="100000"/>
-                </a:lnSpc>
-                <a:spcBef>
-                  <a:spcPct val="0"/>
-                </a:spcBef>
-                <a:buFontTx/>
-                <a:buNone/>
-              </a:pPr>
-              <a:r>
-                <a:rPr lang="en-US" altLang="en-US" sz="2000" b="1" dirty="0"/>
-                <a:t>Sampling</a:t>
-              </a:r>
-            </a:p>
-            <a:p>
-              <a:pPr algn="ctr" eaLnBrk="1" hangingPunct="1">
-                <a:lnSpc>
-                  <a:spcPct val="100000"/>
-                </a:lnSpc>
-                <a:spcBef>
-                  <a:spcPct val="0"/>
-                </a:spcBef>
-                <a:buFontTx/>
-                <a:buNone/>
-              </a:pPr>
-              <a:r>
-                <a:rPr lang="en-US" altLang="en-US" sz="2000" b="1" dirty="0"/>
-                <a:t>Strategy</a:t>
-              </a:r>
-            </a:p>
-          </p:txBody>
-        </p:sp>
-        <p:sp>
-          <p:nvSpPr>
-            <p:cNvPr id="40" name="TextBox 23">
-              <a:extLst>
-                <a:ext uri="{FF2B5EF4-FFF2-40B4-BE49-F238E27FC236}">
-                  <a16:creationId xmlns:a16="http://schemas.microsoft.com/office/drawing/2014/main" id="{CFE4E752-46E7-4691-90BD-9FE2B130D116}"/>
-                </a:ext>
-              </a:extLst>
-            </p:cNvPr>
-            <p:cNvSpPr txBox="1">
-              <a:spLocks noChangeArrowheads="1"/>
-            </p:cNvSpPr>
-            <p:nvPr/>
-          </p:nvSpPr>
-          <p:spPr bwMode="auto">
-            <a:xfrm>
-              <a:off x="7372784" y="9181510"/>
-              <a:ext cx="901857" cy="445324"/>
-            </a:xfrm>
-            <a:prstGeom prst="rect">
-              <a:avLst/>
-            </a:prstGeom>
-            <a:noFill/>
-            <a:ln>
-              <a:noFill/>
-            </a:ln>
-            <a:extLst>
-              <a:ext uri="{909E8E84-426E-40DD-AFC4-6F175D3DCCD1}">
-                <a14:hiddenFill xmlns:a14="http://schemas.microsoft.com/office/drawing/2010/main">
-                  <a:solidFill>
-                    <a:srgbClr val="FFFFFF"/>
-                  </a:solidFill>
-                </a14:hiddenFill>
-              </a:ext>
-              <a:ext uri="{91240B29-F687-4F45-9708-019B960494DF}">
-                <a14:hiddenLine xmlns:a14="http://schemas.microsoft.com/office/drawing/2010/main" w="9525">
-                  <a:solidFill>
-                    <a:srgbClr val="000000"/>
-                  </a:solidFill>
-                  <a:miter lim="800000"/>
-                  <a:headEnd/>
-                  <a:tailEnd/>
-                </a14:hiddenLine>
-              </a:ext>
-            </a:extLst>
-          </p:spPr>
-          <p:txBody>
-            <a:bodyPr wrap="none">
-              <a:spAutoFit/>
-            </a:bodyPr>
-            <a:lstStyle>
-              <a:lvl1pPr>
-                <a:lnSpc>
-                  <a:spcPct val="90000"/>
-                </a:lnSpc>
-                <a:spcBef>
-                  <a:spcPts val="2400"/>
-                </a:spcBef>
-                <a:buFont typeface="Arial" panose="020B0604020202020204" pitchFamily="34" charset="0"/>
-                <a:buChar char="•"/>
-                <a:defRPr sz="6700">
-                  <a:solidFill>
-                    <a:schemeClr val="tx1"/>
-                  </a:solidFill>
-                  <a:latin typeface="Calibri" panose="020F0502020204030204" pitchFamily="34" charset="0"/>
-                </a:defRPr>
-              </a:lvl1pPr>
-              <a:lvl2pPr marL="457200" indent="-547688">
-                <a:lnSpc>
-                  <a:spcPct val="90000"/>
-                </a:lnSpc>
-                <a:spcBef>
-                  <a:spcPts val="1200"/>
-                </a:spcBef>
-                <a:buFont typeface="Arial" panose="020B0604020202020204" pitchFamily="34" charset="0"/>
-                <a:buChar char="•"/>
-                <a:defRPr sz="5700">
-                  <a:solidFill>
-                    <a:schemeClr val="tx1"/>
-                  </a:solidFill>
-                  <a:latin typeface="Calibri" panose="020F0502020204030204" pitchFamily="34" charset="0"/>
-                </a:defRPr>
-              </a:lvl2pPr>
-              <a:lvl3pPr marL="914400" indent="-547688">
-                <a:lnSpc>
-                  <a:spcPct val="90000"/>
-                </a:lnSpc>
-                <a:spcBef>
-                  <a:spcPts val="1200"/>
-                </a:spcBef>
-                <a:buFont typeface="Arial" panose="020B0604020202020204" pitchFamily="34" charset="0"/>
-                <a:buChar char="•"/>
-                <a:defRPr sz="4800">
-                  <a:solidFill>
-                    <a:schemeClr val="tx1"/>
-                  </a:solidFill>
-                  <a:latin typeface="Calibri" panose="020F0502020204030204" pitchFamily="34" charset="0"/>
-                </a:defRPr>
-              </a:lvl3pPr>
-              <a:lvl4pPr marL="1371600" indent="-547688">
-                <a:lnSpc>
-                  <a:spcPct val="90000"/>
-                </a:lnSpc>
-                <a:spcBef>
-                  <a:spcPts val="1200"/>
-                </a:spcBef>
-                <a:buFont typeface="Arial" panose="020B0604020202020204" pitchFamily="34" charset="0"/>
-                <a:buChar char="•"/>
-                <a:defRPr sz="4300">
-                  <a:solidFill>
-                    <a:schemeClr val="tx1"/>
-                  </a:solidFill>
-                  <a:latin typeface="Calibri" panose="020F0502020204030204" pitchFamily="34" charset="0"/>
-                </a:defRPr>
-              </a:lvl4pPr>
-              <a:lvl5pPr marL="1828800" indent="-547688">
-                <a:lnSpc>
-                  <a:spcPct val="90000"/>
-                </a:lnSpc>
-                <a:spcBef>
-                  <a:spcPts val="1200"/>
-                </a:spcBef>
-                <a:buFont typeface="Arial" panose="020B0604020202020204" pitchFamily="34" charset="0"/>
-                <a:buChar char="•"/>
-                <a:defRPr sz="4300">
-                  <a:solidFill>
-                    <a:schemeClr val="tx1"/>
-                  </a:solidFill>
-                  <a:latin typeface="Calibri" panose="020F0502020204030204" pitchFamily="34" charset="0"/>
-                </a:defRPr>
-              </a:lvl5pPr>
-              <a:lvl6pPr indent="-547688" eaLnBrk="0" fontAlgn="base" hangingPunct="0">
-                <a:lnSpc>
-                  <a:spcPct val="90000"/>
-                </a:lnSpc>
-                <a:spcBef>
-                  <a:spcPts val="1200"/>
-                </a:spcBef>
-                <a:spcAft>
-                  <a:spcPct val="0"/>
-                </a:spcAft>
-                <a:buFont typeface="Arial" panose="020B0604020202020204" pitchFamily="34" charset="0"/>
-                <a:buChar char="•"/>
-                <a:defRPr sz="4300">
-                  <a:solidFill>
-                    <a:schemeClr val="tx1"/>
-                  </a:solidFill>
-                  <a:latin typeface="Calibri" panose="020F0502020204030204" pitchFamily="34" charset="0"/>
-                </a:defRPr>
-              </a:lvl6pPr>
-              <a:lvl7pPr indent="-547688" eaLnBrk="0" fontAlgn="base" hangingPunct="0">
-                <a:lnSpc>
-                  <a:spcPct val="90000"/>
-                </a:lnSpc>
-                <a:spcBef>
-                  <a:spcPts val="1200"/>
-                </a:spcBef>
-                <a:spcAft>
-                  <a:spcPct val="0"/>
-                </a:spcAft>
-                <a:buFont typeface="Arial" panose="020B0604020202020204" pitchFamily="34" charset="0"/>
-                <a:buChar char="•"/>
-                <a:defRPr sz="4300">
-                  <a:solidFill>
-                    <a:schemeClr val="tx1"/>
-                  </a:solidFill>
-                  <a:latin typeface="Calibri" panose="020F0502020204030204" pitchFamily="34" charset="0"/>
-                </a:defRPr>
-              </a:lvl7pPr>
-              <a:lvl8pPr indent="-547688" eaLnBrk="0" fontAlgn="base" hangingPunct="0">
-                <a:lnSpc>
-                  <a:spcPct val="90000"/>
-                </a:lnSpc>
-                <a:spcBef>
-                  <a:spcPts val="1200"/>
-                </a:spcBef>
-                <a:spcAft>
-                  <a:spcPct val="0"/>
-                </a:spcAft>
-                <a:buFont typeface="Arial" panose="020B0604020202020204" pitchFamily="34" charset="0"/>
-                <a:buChar char="•"/>
-                <a:defRPr sz="4300">
-                  <a:solidFill>
-                    <a:schemeClr val="tx1"/>
-                  </a:solidFill>
-                  <a:latin typeface="Calibri" panose="020F0502020204030204" pitchFamily="34" charset="0"/>
-                </a:defRPr>
-              </a:lvl8pPr>
-              <a:lvl9pPr indent="-547688" eaLnBrk="0" fontAlgn="base" hangingPunct="0">
-                <a:lnSpc>
-                  <a:spcPct val="90000"/>
-                </a:lnSpc>
-                <a:spcBef>
-                  <a:spcPts val="1200"/>
-                </a:spcBef>
-                <a:spcAft>
-                  <a:spcPct val="0"/>
-                </a:spcAft>
-                <a:buFont typeface="Arial" panose="020B0604020202020204" pitchFamily="34" charset="0"/>
-                <a:buChar char="•"/>
-                <a:defRPr sz="4300">
-                  <a:solidFill>
-                    <a:schemeClr val="tx1"/>
-                  </a:solidFill>
-                  <a:latin typeface="Calibri" panose="020F0502020204030204" pitchFamily="34" charset="0"/>
-                </a:defRPr>
-              </a:lvl9pPr>
-            </a:lstStyle>
-            <a:p>
-              <a:pPr algn="ctr" eaLnBrk="1" hangingPunct="1">
-                <a:lnSpc>
-                  <a:spcPct val="100000"/>
-                </a:lnSpc>
-                <a:spcBef>
-                  <a:spcPct val="0"/>
-                </a:spcBef>
-                <a:buFontTx/>
-                <a:buNone/>
-              </a:pPr>
-              <a:r>
-                <a:rPr lang="en-US" altLang="en-US" sz="2000" b="1" dirty="0"/>
-                <a:t>Query</a:t>
-              </a:r>
-            </a:p>
-          </p:txBody>
-        </p:sp>
-        <p:sp>
-          <p:nvSpPr>
-            <p:cNvPr id="41" name="TextBox 24">
-              <a:extLst>
-                <a:ext uri="{FF2B5EF4-FFF2-40B4-BE49-F238E27FC236}">
-                  <a16:creationId xmlns:a16="http://schemas.microsoft.com/office/drawing/2014/main" id="{7370CCB6-BBA3-40D1-AF35-F731D02F945F}"/>
-                </a:ext>
-              </a:extLst>
-            </p:cNvPr>
-            <p:cNvSpPr txBox="1">
-              <a:spLocks noChangeArrowheads="1"/>
-            </p:cNvSpPr>
-            <p:nvPr/>
-          </p:nvSpPr>
-          <p:spPr bwMode="auto">
-            <a:xfrm>
-              <a:off x="7434203" y="10217849"/>
-              <a:ext cx="802877" cy="445324"/>
-            </a:xfrm>
-            <a:prstGeom prst="rect">
-              <a:avLst/>
-            </a:prstGeom>
-            <a:noFill/>
-            <a:ln>
-              <a:noFill/>
-            </a:ln>
-            <a:extLst>
-              <a:ext uri="{909E8E84-426E-40DD-AFC4-6F175D3DCCD1}">
-                <a14:hiddenFill xmlns:a14="http://schemas.microsoft.com/office/drawing/2010/main">
-                  <a:solidFill>
-                    <a:srgbClr val="FFFFFF"/>
-                  </a:solidFill>
-                </a14:hiddenFill>
-              </a:ext>
-              <a:ext uri="{91240B29-F687-4F45-9708-019B960494DF}">
-                <a14:hiddenLine xmlns:a14="http://schemas.microsoft.com/office/drawing/2010/main" w="9525">
-                  <a:solidFill>
-                    <a:srgbClr val="000000"/>
-                  </a:solidFill>
-                  <a:miter lim="800000"/>
-                  <a:headEnd/>
-                  <a:tailEnd/>
-                </a14:hiddenLine>
-              </a:ext>
-            </a:extLst>
-          </p:spPr>
-          <p:txBody>
-            <a:bodyPr wrap="none">
-              <a:spAutoFit/>
-            </a:bodyPr>
-            <a:lstStyle>
-              <a:lvl1pPr>
-                <a:lnSpc>
-                  <a:spcPct val="90000"/>
-                </a:lnSpc>
-                <a:spcBef>
-                  <a:spcPts val="2400"/>
-                </a:spcBef>
-                <a:buFont typeface="Arial" panose="020B0604020202020204" pitchFamily="34" charset="0"/>
-                <a:buChar char="•"/>
-                <a:defRPr sz="6700">
-                  <a:solidFill>
-                    <a:schemeClr val="tx1"/>
-                  </a:solidFill>
-                  <a:latin typeface="Calibri" panose="020F0502020204030204" pitchFamily="34" charset="0"/>
-                </a:defRPr>
-              </a:lvl1pPr>
-              <a:lvl2pPr marL="457200" indent="-547688">
-                <a:lnSpc>
-                  <a:spcPct val="90000"/>
-                </a:lnSpc>
-                <a:spcBef>
-                  <a:spcPts val="1200"/>
-                </a:spcBef>
-                <a:buFont typeface="Arial" panose="020B0604020202020204" pitchFamily="34" charset="0"/>
-                <a:buChar char="•"/>
-                <a:defRPr sz="5700">
-                  <a:solidFill>
-                    <a:schemeClr val="tx1"/>
-                  </a:solidFill>
-                  <a:latin typeface="Calibri" panose="020F0502020204030204" pitchFamily="34" charset="0"/>
-                </a:defRPr>
-              </a:lvl2pPr>
-              <a:lvl3pPr marL="914400" indent="-547688">
-                <a:lnSpc>
-                  <a:spcPct val="90000"/>
-                </a:lnSpc>
-                <a:spcBef>
-                  <a:spcPts val="1200"/>
-                </a:spcBef>
-                <a:buFont typeface="Arial" panose="020B0604020202020204" pitchFamily="34" charset="0"/>
-                <a:buChar char="•"/>
-                <a:defRPr sz="4800">
-                  <a:solidFill>
-                    <a:schemeClr val="tx1"/>
-                  </a:solidFill>
-                  <a:latin typeface="Calibri" panose="020F0502020204030204" pitchFamily="34" charset="0"/>
-                </a:defRPr>
-              </a:lvl3pPr>
-              <a:lvl4pPr marL="1371600" indent="-547688">
-                <a:lnSpc>
-                  <a:spcPct val="90000"/>
-                </a:lnSpc>
-                <a:spcBef>
-                  <a:spcPts val="1200"/>
-                </a:spcBef>
-                <a:buFont typeface="Arial" panose="020B0604020202020204" pitchFamily="34" charset="0"/>
-                <a:buChar char="•"/>
-                <a:defRPr sz="4300">
-                  <a:solidFill>
-                    <a:schemeClr val="tx1"/>
-                  </a:solidFill>
-                  <a:latin typeface="Calibri" panose="020F0502020204030204" pitchFamily="34" charset="0"/>
-                </a:defRPr>
-              </a:lvl4pPr>
-              <a:lvl5pPr marL="1828800" indent="-547688">
-                <a:lnSpc>
-                  <a:spcPct val="90000"/>
-                </a:lnSpc>
-                <a:spcBef>
-                  <a:spcPts val="1200"/>
-                </a:spcBef>
-                <a:buFont typeface="Arial" panose="020B0604020202020204" pitchFamily="34" charset="0"/>
-                <a:buChar char="•"/>
-                <a:defRPr sz="4300">
-                  <a:solidFill>
-                    <a:schemeClr val="tx1"/>
-                  </a:solidFill>
-                  <a:latin typeface="Calibri" panose="020F0502020204030204" pitchFamily="34" charset="0"/>
-                </a:defRPr>
-              </a:lvl5pPr>
-              <a:lvl6pPr indent="-547688" eaLnBrk="0" fontAlgn="base" hangingPunct="0">
-                <a:lnSpc>
-                  <a:spcPct val="90000"/>
-                </a:lnSpc>
-                <a:spcBef>
-                  <a:spcPts val="1200"/>
-                </a:spcBef>
-                <a:spcAft>
-                  <a:spcPct val="0"/>
-                </a:spcAft>
-                <a:buFont typeface="Arial" panose="020B0604020202020204" pitchFamily="34" charset="0"/>
-                <a:buChar char="•"/>
-                <a:defRPr sz="4300">
-                  <a:solidFill>
-                    <a:schemeClr val="tx1"/>
-                  </a:solidFill>
-                  <a:latin typeface="Calibri" panose="020F0502020204030204" pitchFamily="34" charset="0"/>
-                </a:defRPr>
-              </a:lvl6pPr>
-              <a:lvl7pPr indent="-547688" eaLnBrk="0" fontAlgn="base" hangingPunct="0">
-                <a:lnSpc>
-                  <a:spcPct val="90000"/>
-                </a:lnSpc>
-                <a:spcBef>
-                  <a:spcPts val="1200"/>
-                </a:spcBef>
-                <a:spcAft>
-                  <a:spcPct val="0"/>
-                </a:spcAft>
-                <a:buFont typeface="Arial" panose="020B0604020202020204" pitchFamily="34" charset="0"/>
-                <a:buChar char="•"/>
-                <a:defRPr sz="4300">
-                  <a:solidFill>
-                    <a:schemeClr val="tx1"/>
-                  </a:solidFill>
-                  <a:latin typeface="Calibri" panose="020F0502020204030204" pitchFamily="34" charset="0"/>
-                </a:defRPr>
-              </a:lvl7pPr>
-              <a:lvl8pPr indent="-547688" eaLnBrk="0" fontAlgn="base" hangingPunct="0">
-                <a:lnSpc>
-                  <a:spcPct val="90000"/>
-                </a:lnSpc>
-                <a:spcBef>
-                  <a:spcPts val="1200"/>
-                </a:spcBef>
-                <a:spcAft>
-                  <a:spcPct val="0"/>
-                </a:spcAft>
-                <a:buFont typeface="Arial" panose="020B0604020202020204" pitchFamily="34" charset="0"/>
-                <a:buChar char="•"/>
-                <a:defRPr sz="4300">
-                  <a:solidFill>
-                    <a:schemeClr val="tx1"/>
-                  </a:solidFill>
-                  <a:latin typeface="Calibri" panose="020F0502020204030204" pitchFamily="34" charset="0"/>
-                </a:defRPr>
-              </a:lvl8pPr>
-              <a:lvl9pPr indent="-547688" eaLnBrk="0" fontAlgn="base" hangingPunct="0">
-                <a:lnSpc>
-                  <a:spcPct val="90000"/>
-                </a:lnSpc>
-                <a:spcBef>
-                  <a:spcPts val="1200"/>
-                </a:spcBef>
-                <a:spcAft>
-                  <a:spcPct val="0"/>
-                </a:spcAft>
-                <a:buFont typeface="Arial" panose="020B0604020202020204" pitchFamily="34" charset="0"/>
-                <a:buChar char="•"/>
-                <a:defRPr sz="4300">
-                  <a:solidFill>
-                    <a:schemeClr val="tx1"/>
-                  </a:solidFill>
-                  <a:latin typeface="Calibri" panose="020F0502020204030204" pitchFamily="34" charset="0"/>
-                </a:defRPr>
-              </a:lvl9pPr>
-            </a:lstStyle>
-            <a:p>
-              <a:pPr algn="ctr" eaLnBrk="1" hangingPunct="1">
-                <a:lnSpc>
-                  <a:spcPct val="100000"/>
-                </a:lnSpc>
-                <a:spcBef>
-                  <a:spcPct val="0"/>
-                </a:spcBef>
-                <a:buFontTx/>
-                <a:buNone/>
-              </a:pPr>
-              <a:r>
-                <a:rPr lang="en-US" altLang="en-US" sz="2000" b="1" dirty="0"/>
-                <a:t>Label</a:t>
-              </a:r>
-            </a:p>
-          </p:txBody>
-        </p:sp>
-      </p:grpSp>
-      <p:cxnSp>
-        <p:nvCxnSpPr>
-          <p:cNvPr id="24" name="Straight Arrow Connector 23">
-            <a:extLst>
-              <a:ext uri="{FF2B5EF4-FFF2-40B4-BE49-F238E27FC236}">
-                <a16:creationId xmlns:a16="http://schemas.microsoft.com/office/drawing/2014/main" id="{B2E1A147-9220-4D9E-895A-421093D26F6E}"/>
-              </a:ext>
-            </a:extLst>
-          </p:cNvPr>
-          <p:cNvCxnSpPr>
-            <a:cxnSpLocks/>
-          </p:cNvCxnSpPr>
-          <p:nvPr/>
-        </p:nvCxnSpPr>
-        <p:spPr bwMode="auto">
-          <a:xfrm flipH="1" flipV="1">
-            <a:off x="8864538" y="3264874"/>
-            <a:ext cx="557374" cy="401468"/>
-          </a:xfrm>
-          <a:prstGeom prst="straightConnector1">
-            <a:avLst/>
-          </a:prstGeom>
-          <a:ln w="63500">
-            <a:solidFill>
-              <a:schemeClr val="accent2"/>
-            </a:solidFill>
-            <a:tailEnd type="triangle"/>
-          </a:ln>
-        </p:spPr>
-        <p:style>
-          <a:lnRef idx="1">
-            <a:schemeClr val="accent1"/>
-          </a:lnRef>
-          <a:fillRef idx="0">
-            <a:schemeClr val="accent1"/>
-          </a:fillRef>
-          <a:effectRef idx="0">
-            <a:schemeClr val="accent1"/>
-          </a:effectRef>
-          <a:fontRef idx="minor">
-            <a:schemeClr val="tx1"/>
-          </a:fontRef>
-        </p:style>
-      </p:cxnSp>
-      <p:sp>
-        <p:nvSpPr>
-          <p:cNvPr id="25" name="TextBox 14">
-            <a:extLst>
-              <a:ext uri="{FF2B5EF4-FFF2-40B4-BE49-F238E27FC236}">
-                <a16:creationId xmlns:a16="http://schemas.microsoft.com/office/drawing/2014/main" id="{8E2F0BE7-E3FE-423D-BBFB-F44C38696B4E}"/>
-              </a:ext>
-            </a:extLst>
-          </p:cNvPr>
-          <p:cNvSpPr txBox="1">
-            <a:spLocks noChangeArrowheads="1"/>
-          </p:cNvSpPr>
-          <p:nvPr/>
-        </p:nvSpPr>
-        <p:spPr bwMode="auto">
-          <a:xfrm>
-            <a:off x="7390835" y="2932196"/>
-            <a:ext cx="1441805" cy="707886"/>
-          </a:xfrm>
-          <a:prstGeom prst="rect">
-            <a:avLst/>
-          </a:prstGeom>
-          <a:noFill/>
-          <a:ln>
-            <a:noFill/>
-          </a:ln>
-          <a:extLst>
-            <a:ext uri="{909E8E84-426E-40DD-AFC4-6F175D3DCCD1}">
-              <a14:hiddenFill xmlns:a14="http://schemas.microsoft.com/office/drawing/2010/main">
-                <a:solidFill>
-                  <a:srgbClr val="FFFFFF"/>
-                </a:solidFill>
-              </a14:hiddenFill>
-            </a:ext>
-            <a:ext uri="{91240B29-F687-4F45-9708-019B960494DF}">
-              <a14:hiddenLine xmlns:a14="http://schemas.microsoft.com/office/drawing/2010/main" w="9525">
-                <a:solidFill>
-                  <a:srgbClr val="000000"/>
-                </a:solidFill>
-                <a:miter lim="800000"/>
-                <a:headEnd/>
-                <a:tailEnd/>
-              </a14:hiddenLine>
-            </a:ext>
-          </a:extLst>
-        </p:spPr>
-        <p:txBody>
-          <a:bodyPr wrap="none">
-            <a:spAutoFit/>
-          </a:bodyPr>
-          <a:lstStyle>
-            <a:lvl1pPr>
-              <a:lnSpc>
-                <a:spcPct val="90000"/>
-              </a:lnSpc>
-              <a:spcBef>
-                <a:spcPts val="2400"/>
-              </a:spcBef>
-              <a:buFont typeface="Arial" panose="020B0604020202020204" pitchFamily="34" charset="0"/>
-              <a:buChar char="•"/>
-              <a:defRPr sz="6700">
-                <a:solidFill>
-                  <a:schemeClr val="tx1"/>
-                </a:solidFill>
-                <a:latin typeface="Calibri" panose="020F0502020204030204" pitchFamily="34" charset="0"/>
-              </a:defRPr>
-            </a:lvl1pPr>
-            <a:lvl2pPr marL="457200" indent="-547688">
-              <a:lnSpc>
-                <a:spcPct val="90000"/>
-              </a:lnSpc>
-              <a:spcBef>
-                <a:spcPts val="1200"/>
-              </a:spcBef>
-              <a:buFont typeface="Arial" panose="020B0604020202020204" pitchFamily="34" charset="0"/>
-              <a:buChar char="•"/>
-              <a:defRPr sz="5700">
-                <a:solidFill>
-                  <a:schemeClr val="tx1"/>
-                </a:solidFill>
-                <a:latin typeface="Calibri" panose="020F0502020204030204" pitchFamily="34" charset="0"/>
-              </a:defRPr>
-            </a:lvl2pPr>
-            <a:lvl3pPr marL="914400" indent="-547688">
-              <a:lnSpc>
-                <a:spcPct val="90000"/>
-              </a:lnSpc>
-              <a:spcBef>
-                <a:spcPts val="1200"/>
-              </a:spcBef>
-              <a:buFont typeface="Arial" panose="020B0604020202020204" pitchFamily="34" charset="0"/>
-              <a:buChar char="•"/>
-              <a:defRPr sz="4800">
-                <a:solidFill>
-                  <a:schemeClr val="tx1"/>
-                </a:solidFill>
-                <a:latin typeface="Calibri" panose="020F0502020204030204" pitchFamily="34" charset="0"/>
-              </a:defRPr>
-            </a:lvl3pPr>
-            <a:lvl4pPr marL="1371600" indent="-547688">
-              <a:lnSpc>
-                <a:spcPct val="90000"/>
-              </a:lnSpc>
-              <a:spcBef>
-                <a:spcPts val="1200"/>
-              </a:spcBef>
-              <a:buFont typeface="Arial" panose="020B0604020202020204" pitchFamily="34" charset="0"/>
-              <a:buChar char="•"/>
-              <a:defRPr sz="4300">
-                <a:solidFill>
-                  <a:schemeClr val="tx1"/>
-                </a:solidFill>
-                <a:latin typeface="Calibri" panose="020F0502020204030204" pitchFamily="34" charset="0"/>
-              </a:defRPr>
-            </a:lvl4pPr>
-            <a:lvl5pPr marL="1828800" indent="-547688">
-              <a:lnSpc>
-                <a:spcPct val="90000"/>
-              </a:lnSpc>
-              <a:spcBef>
-                <a:spcPts val="1200"/>
-              </a:spcBef>
-              <a:buFont typeface="Arial" panose="020B0604020202020204" pitchFamily="34" charset="0"/>
-              <a:buChar char="•"/>
-              <a:defRPr sz="4300">
-                <a:solidFill>
-                  <a:schemeClr val="tx1"/>
-                </a:solidFill>
-                <a:latin typeface="Calibri" panose="020F0502020204030204" pitchFamily="34" charset="0"/>
-              </a:defRPr>
-            </a:lvl5pPr>
-            <a:lvl6pPr indent="-547688" eaLnBrk="0" fontAlgn="base" hangingPunct="0">
-              <a:lnSpc>
-                <a:spcPct val="90000"/>
-              </a:lnSpc>
-              <a:spcBef>
-                <a:spcPts val="1200"/>
-              </a:spcBef>
-              <a:spcAft>
-                <a:spcPct val="0"/>
-              </a:spcAft>
-              <a:buFont typeface="Arial" panose="020B0604020202020204" pitchFamily="34" charset="0"/>
-              <a:buChar char="•"/>
-              <a:defRPr sz="4300">
-                <a:solidFill>
-                  <a:schemeClr val="tx1"/>
-                </a:solidFill>
-                <a:latin typeface="Calibri" panose="020F0502020204030204" pitchFamily="34" charset="0"/>
-              </a:defRPr>
-            </a:lvl6pPr>
-            <a:lvl7pPr indent="-547688" eaLnBrk="0" fontAlgn="base" hangingPunct="0">
-              <a:lnSpc>
-                <a:spcPct val="90000"/>
-              </a:lnSpc>
-              <a:spcBef>
-                <a:spcPts val="1200"/>
-              </a:spcBef>
-              <a:spcAft>
-                <a:spcPct val="0"/>
-              </a:spcAft>
-              <a:buFont typeface="Arial" panose="020B0604020202020204" pitchFamily="34" charset="0"/>
-              <a:buChar char="•"/>
-              <a:defRPr sz="4300">
-                <a:solidFill>
-                  <a:schemeClr val="tx1"/>
-                </a:solidFill>
-                <a:latin typeface="Calibri" panose="020F0502020204030204" pitchFamily="34" charset="0"/>
-              </a:defRPr>
-            </a:lvl7pPr>
-            <a:lvl8pPr indent="-547688" eaLnBrk="0" fontAlgn="base" hangingPunct="0">
-              <a:lnSpc>
-                <a:spcPct val="90000"/>
-              </a:lnSpc>
-              <a:spcBef>
-                <a:spcPts val="1200"/>
-              </a:spcBef>
-              <a:spcAft>
-                <a:spcPct val="0"/>
-              </a:spcAft>
-              <a:buFont typeface="Arial" panose="020B0604020202020204" pitchFamily="34" charset="0"/>
-              <a:buChar char="•"/>
-              <a:defRPr sz="4300">
-                <a:solidFill>
-                  <a:schemeClr val="tx1"/>
-                </a:solidFill>
-                <a:latin typeface="Calibri" panose="020F0502020204030204" pitchFamily="34" charset="0"/>
-              </a:defRPr>
-            </a:lvl8pPr>
-            <a:lvl9pPr indent="-547688" eaLnBrk="0" fontAlgn="base" hangingPunct="0">
-              <a:lnSpc>
-                <a:spcPct val="90000"/>
-              </a:lnSpc>
-              <a:spcBef>
-                <a:spcPts val="1200"/>
-              </a:spcBef>
-              <a:spcAft>
-                <a:spcPct val="0"/>
-              </a:spcAft>
-              <a:buFont typeface="Arial" panose="020B0604020202020204" pitchFamily="34" charset="0"/>
-              <a:buChar char="•"/>
-              <a:defRPr sz="4300">
-                <a:solidFill>
-                  <a:schemeClr val="tx1"/>
-                </a:solidFill>
-                <a:latin typeface="Calibri" panose="020F0502020204030204" pitchFamily="34" charset="0"/>
-              </a:defRPr>
-            </a:lvl9pPr>
-          </a:lstStyle>
-          <a:p>
-            <a:pPr algn="ctr" eaLnBrk="1" hangingPunct="1">
-              <a:lnSpc>
-                <a:spcPct val="100000"/>
-              </a:lnSpc>
-              <a:spcBef>
-                <a:spcPct val="0"/>
-              </a:spcBef>
-              <a:buFontTx/>
-              <a:buNone/>
-            </a:pPr>
-            <a:r>
-              <a:rPr lang="en-US" altLang="en-US" sz="2000" b="1" dirty="0"/>
-              <a:t>Annotator’s</a:t>
-            </a:r>
-          </a:p>
-          <a:p>
-            <a:pPr algn="ctr" eaLnBrk="1" hangingPunct="1">
-              <a:lnSpc>
-                <a:spcPct val="100000"/>
-              </a:lnSpc>
-              <a:spcBef>
-                <a:spcPct val="0"/>
-              </a:spcBef>
-              <a:buFontTx/>
-              <a:buNone/>
-            </a:pPr>
-            <a:r>
-              <a:rPr lang="en-US" altLang="en-US" sz="2000" b="1" dirty="0"/>
-              <a:t>Rationale</a:t>
-            </a:r>
-          </a:p>
-        </p:txBody>
-      </p:sp>
-      <p:cxnSp>
-        <p:nvCxnSpPr>
-          <p:cNvPr id="26" name="Straight Arrow Connector 25">
-            <a:extLst>
-              <a:ext uri="{FF2B5EF4-FFF2-40B4-BE49-F238E27FC236}">
-                <a16:creationId xmlns:a16="http://schemas.microsoft.com/office/drawing/2014/main" id="{26E0D824-B239-407C-B1B2-9BEF3A8DA710}"/>
-              </a:ext>
-            </a:extLst>
-          </p:cNvPr>
-          <p:cNvCxnSpPr>
-            <a:cxnSpLocks/>
-          </p:cNvCxnSpPr>
-          <p:nvPr/>
-        </p:nvCxnSpPr>
-        <p:spPr bwMode="auto">
-          <a:xfrm flipH="1">
-            <a:off x="6834259" y="3306725"/>
-            <a:ext cx="544737" cy="452081"/>
-          </a:xfrm>
-          <a:prstGeom prst="straightConnector1">
-            <a:avLst/>
-          </a:prstGeom>
-          <a:ln w="63500">
-            <a:solidFill>
-              <a:schemeClr val="accent2"/>
-            </a:solidFill>
-            <a:tailEnd type="triangle"/>
-          </a:ln>
-        </p:spPr>
-        <p:style>
-          <a:lnRef idx="1">
-            <a:schemeClr val="accent1"/>
-          </a:lnRef>
-          <a:fillRef idx="0">
-            <a:schemeClr val="accent1"/>
-          </a:fillRef>
-          <a:effectRef idx="0">
-            <a:schemeClr val="accent1"/>
-          </a:effectRef>
-          <a:fontRef idx="minor">
-            <a:schemeClr val="tx1"/>
-          </a:fontRef>
-        </p:style>
-      </p:cxnSp>
-    </p:spTree>
-    <p:extLst>
-      <p:ext uri="{BB962C8B-B14F-4D97-AF65-F5344CB8AC3E}">
-        <p14:creationId xmlns:p14="http://schemas.microsoft.com/office/powerpoint/2010/main" val="3069422600"/>
-      </p:ext>
-    </p:extLst>
-  </p:cSld>
-  <p:clrMapOvr>
-    <a:masterClrMapping/>
-  </p:clrMapOvr>
-  <p:timing>
-    <p:tnLst>
-      <p:par>
-        <p:cTn id="1" dur="indefinite" restart="never" nodeType="tmRoot">
-          <p:childTnLst>
-            <p:seq concurrent="1" nextAc="seek">
-              <p:cTn id="2" dur="indefinite" nodeType="mainSeq">
-                <p:childTnLst>
-                  <p:par>
-                    <p:cTn id="3" fill="hold">
-                      <p:stCondLst>
-                        <p:cond delay="indefinite"/>
-                      </p:stCondLst>
-                      <p:childTnLst>
-                        <p:par>
-                          <p:cTn id="4" fill="hold">
-                            <p:stCondLst>
-                              <p:cond delay="0"/>
-                            </p:stCondLst>
-                            <p:childTnLst>
-                              <p:par>
-                                <p:cTn id="5" presetID="1" presetClass="entr" presetSubtype="0" fill="hold" nodeType="clickEffect">
-                                  <p:stCondLst>
-                                    <p:cond delay="0"/>
-                                  </p:stCondLst>
-                                  <p:childTnLst>
-                                    <p:set>
-                                      <p:cBhvr>
-                                        <p:cTn id="6" dur="1" fill="hold">
-                                          <p:stCondLst>
-                                            <p:cond delay="0"/>
-                                          </p:stCondLst>
-                                        </p:cTn>
-                                        <p:tgtEl>
-                                          <p:spTgt spid="3">
-                                            <p:txEl>
-                                              <p:pRg st="0" end="0"/>
-                                            </p:txEl>
-                                          </p:spTgt>
-                                        </p:tgtEl>
-                                        <p:attrNameLst>
-                                          <p:attrName>style.visibility</p:attrName>
-                                        </p:attrNameLst>
-                                      </p:cBhvr>
-                                      <p:to>
-                                        <p:strVal val="visible"/>
-                                      </p:to>
-                                    </p:set>
-                                  </p:childTnLst>
-                                </p:cTn>
-                              </p:par>
-                            </p:childTnLst>
-                          </p:cTn>
-                        </p:par>
-                      </p:childTnLst>
-                    </p:cTn>
-                  </p:par>
-                  <p:par>
-                    <p:cTn id="7" fill="hold">
-                      <p:stCondLst>
-                        <p:cond delay="indefinite"/>
-                      </p:stCondLst>
-                      <p:childTnLst>
-                        <p:par>
-                          <p:cTn id="8" fill="hold">
-                            <p:stCondLst>
-                              <p:cond delay="0"/>
-                            </p:stCondLst>
-                            <p:childTnLst>
-                              <p:par>
-                                <p:cTn id="9" presetID="1" presetClass="entr" presetSubtype="0" fill="hold" nodeType="clickEffect">
-                                  <p:stCondLst>
-                                    <p:cond delay="0"/>
-                                  </p:stCondLst>
-                                  <p:childTnLst>
-                                    <p:set>
-                                      <p:cBhvr>
-                                        <p:cTn id="10" dur="1" fill="hold">
-                                          <p:stCondLst>
-                                            <p:cond delay="0"/>
-                                          </p:stCondLst>
-                                        </p:cTn>
-                                        <p:tgtEl>
-                                          <p:spTgt spid="29"/>
-                                        </p:tgtEl>
-                                        <p:attrNameLst>
-                                          <p:attrName>style.visibility</p:attrName>
-                                        </p:attrNameLst>
-                                      </p:cBhvr>
-                                      <p:to>
-                                        <p:strVal val="visible"/>
-                                      </p:to>
-                                    </p:set>
-                                  </p:childTnLst>
-                                </p:cTn>
-                              </p:par>
-                            </p:childTnLst>
-                          </p:cTn>
-                        </p:par>
-                      </p:childTnLst>
-                    </p:cTn>
-                  </p:par>
-                  <p:par>
-                    <p:cTn id="11" fill="hold">
-                      <p:stCondLst>
-                        <p:cond delay="indefinite"/>
-                      </p:stCondLst>
-                      <p:childTnLst>
-                        <p:par>
-                          <p:cTn id="12" fill="hold">
-                            <p:stCondLst>
-                              <p:cond delay="0"/>
-                            </p:stCondLst>
-                            <p:childTnLst>
-                              <p:par>
-                                <p:cTn id="13" presetID="1" presetClass="entr" presetSubtype="0" fill="hold" nodeType="clickEffect">
-                                  <p:stCondLst>
-                                    <p:cond delay="0"/>
-                                  </p:stCondLst>
-                                  <p:childTnLst>
-                                    <p:set>
-                                      <p:cBhvr>
-                                        <p:cTn id="14" dur="1" fill="hold">
-                                          <p:stCondLst>
-                                            <p:cond delay="0"/>
-                                          </p:stCondLst>
-                                        </p:cTn>
-                                        <p:tgtEl>
-                                          <p:spTgt spid="24"/>
-                                        </p:tgtEl>
-                                        <p:attrNameLst>
-                                          <p:attrName>style.visibility</p:attrName>
-                                        </p:attrNameLst>
-                                      </p:cBhvr>
-                                      <p:to>
-                                        <p:strVal val="visible"/>
-                                      </p:to>
-                                    </p:set>
-                                  </p:childTnLst>
-                                </p:cTn>
-                              </p:par>
-                              <p:par>
-                                <p:cTn id="15" presetID="1" presetClass="entr" presetSubtype="0" fill="hold" grpId="0" nodeType="withEffect">
-                                  <p:stCondLst>
-                                    <p:cond delay="0"/>
-                                  </p:stCondLst>
-                                  <p:childTnLst>
-                                    <p:set>
-                                      <p:cBhvr>
-                                        <p:cTn id="16" dur="1" fill="hold">
-                                          <p:stCondLst>
-                                            <p:cond delay="0"/>
-                                          </p:stCondLst>
-                                        </p:cTn>
-                                        <p:tgtEl>
-                                          <p:spTgt spid="25"/>
-                                        </p:tgtEl>
-                                        <p:attrNameLst>
-                                          <p:attrName>style.visibility</p:attrName>
-                                        </p:attrNameLst>
-                                      </p:cBhvr>
-                                      <p:to>
-                                        <p:strVal val="visible"/>
-                                      </p:to>
-                                    </p:set>
-                                  </p:childTnLst>
-                                </p:cTn>
-                              </p:par>
-                              <p:par>
-                                <p:cTn id="17" presetID="1" presetClass="entr" presetSubtype="0" fill="hold" nodeType="withEffect">
-                                  <p:stCondLst>
-                                    <p:cond delay="0"/>
-                                  </p:stCondLst>
-                                  <p:childTnLst>
-                                    <p:set>
-                                      <p:cBhvr>
-                                        <p:cTn id="18" dur="1" fill="hold">
-                                          <p:stCondLst>
-                                            <p:cond delay="0"/>
-                                          </p:stCondLst>
-                                        </p:cTn>
-                                        <p:tgtEl>
-                                          <p:spTgt spid="26"/>
-                                        </p:tgtEl>
-                                        <p:attrNameLst>
-                                          <p:attrName>style.visibility</p:attrName>
-                                        </p:attrNameLst>
-                                      </p:cBhvr>
-                                      <p:to>
-                                        <p:strVal val="visible"/>
-                                      </p:to>
-                                    </p:set>
-                                  </p:childTnLst>
-                                </p:cTn>
-                              </p:par>
-                            </p:childTnLst>
-                          </p:cTn>
-                        </p:par>
-                      </p:childTnLst>
-                    </p:cTn>
-                  </p:par>
-                  <p:par>
-                    <p:cTn id="19" fill="hold">
-                      <p:stCondLst>
-                        <p:cond delay="indefinite"/>
-                      </p:stCondLst>
-                      <p:childTnLst>
-                        <p:par>
-                          <p:cTn id="20" fill="hold">
-                            <p:stCondLst>
-                              <p:cond delay="0"/>
-                            </p:stCondLst>
-                            <p:childTnLst>
-                              <p:par>
-                                <p:cTn id="21" presetID="1" presetClass="entr" presetSubtype="0" fill="hold" nodeType="clickEffect">
-                                  <p:stCondLst>
-                                    <p:cond delay="0"/>
-                                  </p:stCondLst>
-                                  <p:childTnLst>
-                                    <p:set>
-                                      <p:cBhvr>
-                                        <p:cTn id="22" dur="1" fill="hold">
-                                          <p:stCondLst>
-                                            <p:cond delay="0"/>
-                                          </p:stCondLst>
-                                        </p:cTn>
-                                        <p:tgtEl>
-                                          <p:spTgt spid="3">
-                                            <p:txEl>
-                                              <p:pRg st="2" end="2"/>
-                                            </p:txEl>
-                                          </p:spTgt>
-                                        </p:tgtEl>
-                                        <p:attrNameLst>
-                                          <p:attrName>style.visibility</p:attrName>
-                                        </p:attrNameLst>
-                                      </p:cBhvr>
-                                      <p:to>
-                                        <p:strVal val="visible"/>
-                                      </p:to>
-                                    </p:set>
-                                  </p:childTnLst>
-                                </p:cTn>
-                              </p:par>
-                            </p:childTnLst>
-                          </p:cTn>
-                        </p:par>
-                      </p:childTnLst>
-                    </p:cTn>
-                  </p:par>
-                  <p:par>
-                    <p:cTn id="23" fill="hold">
-                      <p:stCondLst>
-                        <p:cond delay="indefinite"/>
-                      </p:stCondLst>
-                      <p:childTnLst>
-                        <p:par>
-                          <p:cTn id="24" fill="hold">
-                            <p:stCondLst>
-                              <p:cond delay="0"/>
-                            </p:stCondLst>
-                            <p:childTnLst>
-                              <p:par>
-                                <p:cTn id="25" presetID="1" presetClass="entr" presetSubtype="0" fill="hold" grpId="0" nodeType="clickEffect">
-                                  <p:stCondLst>
-                                    <p:cond delay="0"/>
-                                  </p:stCondLst>
-                                  <p:childTnLst>
-                                    <p:set>
-                                      <p:cBhvr>
-                                        <p:cTn id="26" dur="1" fill="hold">
-                                          <p:stCondLst>
-                                            <p:cond delay="0"/>
-                                          </p:stCondLst>
-                                        </p:cTn>
-                                        <p:tgtEl>
-                                          <p:spTgt spid="22"/>
-                                        </p:tgtEl>
-                                        <p:attrNameLst>
-                                          <p:attrName>style.visibility</p:attrName>
-                                        </p:attrNameLst>
-                                      </p:cBhvr>
-                                      <p:to>
-                                        <p:strVal val="visible"/>
-                                      </p:to>
-                                    </p:set>
-                                  </p:childTnLst>
-                                </p:cTn>
-                              </p:par>
-                            </p:childTnLst>
-                          </p:cTn>
-                        </p:par>
-                      </p:childTnLst>
-                    </p:cTn>
-                  </p:par>
-                </p:childTnLst>
-              </p:cTn>
-              <p:prevCondLst>
-                <p:cond evt="onPrev" delay="0">
-                  <p:tgtEl>
-                    <p:sldTgt/>
-                  </p:tgtEl>
-                </p:cond>
-              </p:prevCondLst>
-              <p:nextCondLst>
-                <p:cond evt="onNext" delay="0">
-                  <p:tgtEl>
-                    <p:sldTgt/>
-                  </p:tgtEl>
-                </p:cond>
-              </p:nextCondLst>
-            </p:seq>
-          </p:childTnLst>
-        </p:cTn>
-      </p:par>
-    </p:tnLst>
-    <p:bldLst>
-      <p:bldP spid="22" grpId="0" animBg="1"/>
-      <p:bldP spid="25" grpId="0"/>
-    </p:bldLst>
-  </p:timing>
-</p:sld>
-</file>
-
 <file path=ppt/slides/slide2.xml><?xml version="1.0" encoding="utf-8"?>
 <p:sld xmlns:a="http://schemas.openxmlformats.org/drawingml/2006/main" xmlns:r="http://schemas.openxmlformats.org/officeDocument/2006/relationships" xmlns:p="http://schemas.openxmlformats.org/presentationml/2006/main">
   <p:cSld>
@@ -21671,6 +19141,2629 @@
 </file>
 
 <file path=ppt/slides/slide20.xml><?xml version="1.0" encoding="utf-8"?>
+<p:sld xmlns:a="http://schemas.openxmlformats.org/drawingml/2006/main" xmlns:r="http://schemas.openxmlformats.org/officeDocument/2006/relationships" xmlns:p="http://schemas.openxmlformats.org/presentationml/2006/main">
+  <p:cSld>
+    <p:spTree>
+      <p:nvGrpSpPr>
+        <p:cNvPr id="1" name=""/>
+        <p:cNvGrpSpPr/>
+        <p:nvPr/>
+      </p:nvGrpSpPr>
+      <p:grpSpPr>
+        <a:xfrm>
+          <a:off x="0" y="0"/>
+          <a:ext cx="0" cy="0"/>
+          <a:chOff x="0" y="0"/>
+          <a:chExt cx="0" cy="0"/>
+        </a:xfrm>
+      </p:grpSpPr>
+      <p:sp>
+        <p:nvSpPr>
+          <p:cNvPr id="3" name="TextBox 2">
+            <a:extLst>
+              <a:ext uri="{FF2B5EF4-FFF2-40B4-BE49-F238E27FC236}">
+                <a16:creationId xmlns:a16="http://schemas.microsoft.com/office/drawing/2014/main" id="{8EDE257B-3306-45BA-B6CE-C40B4754C18E}"/>
+              </a:ext>
+            </a:extLst>
+          </p:cNvPr>
+          <p:cNvSpPr txBox="1"/>
+          <p:nvPr/>
+        </p:nvSpPr>
+        <p:spPr>
+          <a:xfrm>
+            <a:off x="670867" y="945289"/>
+            <a:ext cx="11031392" cy="2031325"/>
+          </a:xfrm>
+          <a:prstGeom prst="rect">
+            <a:avLst/>
+          </a:prstGeom>
+          <a:noFill/>
+        </p:spPr>
+        <p:txBody>
+          <a:bodyPr wrap="square" rtlCol="0">
+            <a:spAutoFit/>
+          </a:bodyPr>
+          <a:lstStyle/>
+          <a:p>
+            <a:pPr marL="457200" indent="-457200">
+              <a:buFont typeface="Wingdings" panose="05000000000000000000" pitchFamily="2" charset="2"/>
+              <a:buChar char="§"/>
+            </a:pPr>
+            <a:r>
+              <a:rPr lang="en-US" sz="2800" dirty="0"/>
+              <a:t>AL++ is a novel AL framework which can utilize an annotator’s labels as well as it’s rationale.</a:t>
+            </a:r>
+          </a:p>
+          <a:p>
+            <a:pPr marL="457200" indent="-457200">
+              <a:buFont typeface="Wingdings" panose="05000000000000000000" pitchFamily="2" charset="2"/>
+              <a:buChar char="§"/>
+            </a:pPr>
+            <a:endParaRPr lang="en-US" sz="1400" dirty="0"/>
+          </a:p>
+          <a:p>
+            <a:pPr marL="457200" indent="-457200">
+              <a:buFont typeface="Wingdings" panose="05000000000000000000" pitchFamily="2" charset="2"/>
+              <a:buChar char="§"/>
+            </a:pPr>
+            <a:r>
+              <a:rPr lang="en-US" sz="2800" dirty="0"/>
+              <a:t>We propose a new way to elicit annotator’s rationale and incorporate that into the learning process.  </a:t>
+            </a:r>
+          </a:p>
+        </p:txBody>
+      </p:sp>
+      <p:sp>
+        <p:nvSpPr>
+          <p:cNvPr id="19" name="Title 1">
+            <a:extLst>
+              <a:ext uri="{FF2B5EF4-FFF2-40B4-BE49-F238E27FC236}">
+                <a16:creationId xmlns:a16="http://schemas.microsoft.com/office/drawing/2014/main" id="{1145B1FC-8B5F-4A10-B215-C60705EDF134}"/>
+              </a:ext>
+            </a:extLst>
+          </p:cNvPr>
+          <p:cNvSpPr txBox="1">
+            <a:spLocks/>
+          </p:cNvSpPr>
+          <p:nvPr/>
+        </p:nvSpPr>
+        <p:spPr>
+          <a:xfrm>
+            <a:off x="647698" y="50768"/>
+            <a:ext cx="10772775" cy="961277"/>
+          </a:xfrm>
+          <a:prstGeom prst="rect">
+            <a:avLst/>
+          </a:prstGeom>
+        </p:spPr>
+        <p:txBody>
+          <a:bodyPr vert="horz" lIns="91440" tIns="45720" rIns="91440" bIns="45720" rtlCol="0" anchor="ctr">
+            <a:normAutofit/>
+          </a:bodyPr>
+          <a:lstStyle>
+            <a:lvl1pPr algn="l" defTabSz="914400" rtl="0" eaLnBrk="1" latinLnBrk="0" hangingPunct="1">
+              <a:lnSpc>
+                <a:spcPct val="90000"/>
+              </a:lnSpc>
+              <a:spcBef>
+                <a:spcPct val="0"/>
+              </a:spcBef>
+              <a:buNone/>
+              <a:defRPr sz="4400" kern="1200">
+                <a:solidFill>
+                  <a:schemeClr val="tx1"/>
+                </a:solidFill>
+                <a:latin typeface="+mj-lt"/>
+                <a:ea typeface="+mj-ea"/>
+                <a:cs typeface="+mj-cs"/>
+              </a:defRPr>
+            </a:lvl1pPr>
+          </a:lstStyle>
+          <a:p>
+            <a:pPr algn="ctr"/>
+            <a:r>
+              <a:rPr lang="en-US" b="1" dirty="0">
+                <a:solidFill>
+                  <a:schemeClr val="accent1">
+                    <a:lumMod val="75000"/>
+                  </a:schemeClr>
+                </a:solidFill>
+                <a:latin typeface="+mn-lt"/>
+              </a:rPr>
+              <a:t>Active Learning++</a:t>
+            </a:r>
+          </a:p>
+        </p:txBody>
+      </p:sp>
+      <p:sp>
+        <p:nvSpPr>
+          <p:cNvPr id="22" name="Rectangle 21">
+            <a:extLst>
+              <a:ext uri="{FF2B5EF4-FFF2-40B4-BE49-F238E27FC236}">
+                <a16:creationId xmlns:a16="http://schemas.microsoft.com/office/drawing/2014/main" id="{72FCB9E0-CE84-425E-B799-5920FD8E57C0}"/>
+              </a:ext>
+            </a:extLst>
+          </p:cNvPr>
+          <p:cNvSpPr/>
+          <p:nvPr/>
+        </p:nvSpPr>
+        <p:spPr>
+          <a:xfrm>
+            <a:off x="0" y="5676901"/>
+            <a:ext cx="12192000" cy="524260"/>
+          </a:xfrm>
+          <a:prstGeom prst="rect">
+            <a:avLst/>
+          </a:prstGeom>
+          <a:solidFill>
+            <a:schemeClr val="accent1">
+              <a:lumMod val="75000"/>
+            </a:schemeClr>
+          </a:solidFill>
+        </p:spPr>
+        <p:style>
+          <a:lnRef idx="2">
+            <a:schemeClr val="accent1">
+              <a:shade val="50000"/>
+            </a:schemeClr>
+          </a:lnRef>
+          <a:fillRef idx="1">
+            <a:schemeClr val="accent1"/>
+          </a:fillRef>
+          <a:effectRef idx="0">
+            <a:schemeClr val="accent1"/>
+          </a:effectRef>
+          <a:fontRef idx="minor">
+            <a:schemeClr val="lt1"/>
+          </a:fontRef>
+        </p:style>
+        <p:txBody>
+          <a:bodyPr rtlCol="0" anchor="ctr"/>
+          <a:lstStyle/>
+          <a:p>
+            <a:pPr algn="ctr"/>
+            <a:r>
+              <a:rPr lang="en-US" sz="2800" b="1" dirty="0"/>
+              <a:t>Our hypothesis is that the additional feedback should help train the model faster</a:t>
+            </a:r>
+          </a:p>
+        </p:txBody>
+      </p:sp>
+      <p:pic>
+        <p:nvPicPr>
+          <p:cNvPr id="23" name="Picture 22" descr="A picture containing object&#10;&#10;Description generated with very high confidence">
+            <a:extLst>
+              <a:ext uri="{FF2B5EF4-FFF2-40B4-BE49-F238E27FC236}">
+                <a16:creationId xmlns:a16="http://schemas.microsoft.com/office/drawing/2014/main" id="{1BB2763A-93F8-4CB9-89A2-E6B344E8178A}"/>
+              </a:ext>
+            </a:extLst>
+          </p:cNvPr>
+          <p:cNvPicPr>
+            <a:picLocks noChangeAspect="1"/>
+          </p:cNvPicPr>
+          <p:nvPr/>
+        </p:nvPicPr>
+        <p:blipFill>
+          <a:blip r:embed="rId3">
+            <a:extLst>
+              <a:ext uri="{28A0092B-C50C-407E-A947-70E740481C1C}">
+                <a14:useLocalDpi xmlns:a14="http://schemas.microsoft.com/office/drawing/2010/main" val="0"/>
+              </a:ext>
+            </a:extLst>
+          </a:blip>
+          <a:stretch>
+            <a:fillRect/>
+          </a:stretch>
+        </p:blipFill>
+        <p:spPr>
+          <a:xfrm>
+            <a:off x="9835376" y="6328400"/>
+            <a:ext cx="2223771" cy="428280"/>
+          </a:xfrm>
+          <a:prstGeom prst="rect">
+            <a:avLst/>
+          </a:prstGeom>
+        </p:spPr>
+      </p:pic>
+      <p:pic>
+        <p:nvPicPr>
+          <p:cNvPr id="5" name="Picture 4" descr="A picture containing drawing&#10;&#10;Description automatically generated">
+            <a:extLst>
+              <a:ext uri="{FF2B5EF4-FFF2-40B4-BE49-F238E27FC236}">
+                <a16:creationId xmlns:a16="http://schemas.microsoft.com/office/drawing/2014/main" id="{B0C3DD98-8A7E-49A1-993A-B38C3091E8C4}"/>
+              </a:ext>
+            </a:extLst>
+          </p:cNvPr>
+          <p:cNvPicPr>
+            <a:picLocks noChangeAspect="1"/>
+          </p:cNvPicPr>
+          <p:nvPr/>
+        </p:nvPicPr>
+        <p:blipFill>
+          <a:blip r:embed="rId4">
+            <a:extLst>
+              <a:ext uri="{28A0092B-C50C-407E-A947-70E740481C1C}">
+                <a14:useLocalDpi xmlns:a14="http://schemas.microsoft.com/office/drawing/2010/main" val="0"/>
+              </a:ext>
+            </a:extLst>
+          </a:blip>
+          <a:stretch>
+            <a:fillRect/>
+          </a:stretch>
+        </p:blipFill>
+        <p:spPr>
+          <a:xfrm>
+            <a:off x="84364" y="6271531"/>
+            <a:ext cx="1042307" cy="521154"/>
+          </a:xfrm>
+          <a:prstGeom prst="rect">
+            <a:avLst/>
+          </a:prstGeom>
+        </p:spPr>
+      </p:pic>
+      <p:grpSp>
+        <p:nvGrpSpPr>
+          <p:cNvPr id="29" name="Group 31">
+            <a:extLst>
+              <a:ext uri="{FF2B5EF4-FFF2-40B4-BE49-F238E27FC236}">
+                <a16:creationId xmlns:a16="http://schemas.microsoft.com/office/drawing/2014/main" id="{4B2A01B8-B53F-4E63-8A64-F2D4D92B566A}"/>
+              </a:ext>
+            </a:extLst>
+          </p:cNvPr>
+          <p:cNvGrpSpPr>
+            <a:grpSpLocks/>
+          </p:cNvGrpSpPr>
+          <p:nvPr/>
+        </p:nvGrpSpPr>
+        <p:grpSpPr bwMode="auto">
+          <a:xfrm>
+            <a:off x="1625030" y="3608456"/>
+            <a:ext cx="8690223" cy="2024086"/>
+            <a:chOff x="927100" y="8930087"/>
+            <a:chExt cx="9296400" cy="2252821"/>
+          </a:xfrm>
+        </p:grpSpPr>
+        <p:pic>
+          <p:nvPicPr>
+            <p:cNvPr id="30" name="Picture 56" descr="A picture containing table, cake, indoor, sky&#10;&#10;Description automatically generated">
+              <a:extLst>
+                <a:ext uri="{FF2B5EF4-FFF2-40B4-BE49-F238E27FC236}">
+                  <a16:creationId xmlns:a16="http://schemas.microsoft.com/office/drawing/2014/main" id="{7B74150F-0D37-4CFE-B621-41BB563614F4}"/>
+                </a:ext>
+              </a:extLst>
+            </p:cNvPr>
+            <p:cNvPicPr>
+              <a:picLocks noChangeAspect="1" noChangeArrowheads="1"/>
+            </p:cNvPicPr>
+            <p:nvPr/>
+          </p:nvPicPr>
+          <p:blipFill>
+            <a:blip r:embed="rId5">
+              <a:extLst>
+                <a:ext uri="{28A0092B-C50C-407E-A947-70E740481C1C}">
+                  <a14:useLocalDpi xmlns:a14="http://schemas.microsoft.com/office/drawing/2010/main" val="0"/>
+                </a:ext>
+              </a:extLst>
+            </a:blip>
+            <a:srcRect/>
+            <a:stretch>
+              <a:fillRect/>
+            </a:stretch>
+          </p:blipFill>
+          <p:spPr bwMode="auto">
+            <a:xfrm>
+              <a:off x="927100" y="9093864"/>
+              <a:ext cx="2462127" cy="1565659"/>
+            </a:xfrm>
+            <a:prstGeom prst="rect">
+              <a:avLst/>
+            </a:prstGeom>
+            <a:noFill/>
+            <a:ln>
+              <a:noFill/>
+            </a:ln>
+            <a:extLst>
+              <a:ext uri="{909E8E84-426E-40DD-AFC4-6F175D3DCCD1}">
+                <a14:hiddenFill xmlns:a14="http://schemas.microsoft.com/office/drawing/2010/main">
+                  <a:solidFill>
+                    <a:srgbClr val="FFFFFF"/>
+                  </a:solidFill>
+                </a14:hiddenFill>
+              </a:ext>
+              <a:ext uri="{91240B29-F687-4F45-9708-019B960494DF}">
+                <a14:hiddenLine xmlns:a14="http://schemas.microsoft.com/office/drawing/2010/main" w="9525">
+                  <a:solidFill>
+                    <a:srgbClr val="000000"/>
+                  </a:solidFill>
+                  <a:miter lim="800000"/>
+                  <a:headEnd/>
+                  <a:tailEnd/>
+                </a14:hiddenLine>
+              </a:ext>
+            </a:extLst>
+          </p:spPr>
+        </p:pic>
+        <p:sp>
+          <p:nvSpPr>
+            <p:cNvPr id="31" name="TextBox 6">
+              <a:extLst>
+                <a:ext uri="{FF2B5EF4-FFF2-40B4-BE49-F238E27FC236}">
+                  <a16:creationId xmlns:a16="http://schemas.microsoft.com/office/drawing/2014/main" id="{8282C4CA-D579-460A-9DA6-3578D3186F5D}"/>
+                </a:ext>
+              </a:extLst>
+            </p:cNvPr>
+            <p:cNvSpPr txBox="1">
+              <a:spLocks noChangeArrowheads="1"/>
+            </p:cNvSpPr>
+            <p:nvPr/>
+          </p:nvSpPr>
+          <p:spPr bwMode="auto">
+            <a:xfrm>
+              <a:off x="1169813" y="10737584"/>
+              <a:ext cx="2125235" cy="445324"/>
+            </a:xfrm>
+            <a:prstGeom prst="rect">
+              <a:avLst/>
+            </a:prstGeom>
+            <a:noFill/>
+            <a:ln>
+              <a:noFill/>
+            </a:ln>
+            <a:extLst>
+              <a:ext uri="{909E8E84-426E-40DD-AFC4-6F175D3DCCD1}">
+                <a14:hiddenFill xmlns:a14="http://schemas.microsoft.com/office/drawing/2010/main">
+                  <a:solidFill>
+                    <a:srgbClr val="FFFFFF"/>
+                  </a:solidFill>
+                </a14:hiddenFill>
+              </a:ext>
+              <a:ext uri="{91240B29-F687-4F45-9708-019B960494DF}">
+                <a14:hiddenLine xmlns:a14="http://schemas.microsoft.com/office/drawing/2010/main" w="9525">
+                  <a:solidFill>
+                    <a:srgbClr val="000000"/>
+                  </a:solidFill>
+                  <a:miter lim="800000"/>
+                  <a:headEnd/>
+                  <a:tailEnd/>
+                </a14:hiddenLine>
+              </a:ext>
+            </a:extLst>
+          </p:spPr>
+          <p:txBody>
+            <a:bodyPr wrap="square">
+              <a:spAutoFit/>
+            </a:bodyPr>
+            <a:lstStyle>
+              <a:lvl1pPr>
+                <a:lnSpc>
+                  <a:spcPct val="90000"/>
+                </a:lnSpc>
+                <a:spcBef>
+                  <a:spcPts val="2400"/>
+                </a:spcBef>
+                <a:buFont typeface="Arial" panose="020B0604020202020204" pitchFamily="34" charset="0"/>
+                <a:buChar char="•"/>
+                <a:defRPr sz="6700">
+                  <a:solidFill>
+                    <a:schemeClr val="tx1"/>
+                  </a:solidFill>
+                  <a:latin typeface="Calibri" panose="020F0502020204030204" pitchFamily="34" charset="0"/>
+                </a:defRPr>
+              </a:lvl1pPr>
+              <a:lvl2pPr marL="457200" indent="-547688">
+                <a:lnSpc>
+                  <a:spcPct val="90000"/>
+                </a:lnSpc>
+                <a:spcBef>
+                  <a:spcPts val="1200"/>
+                </a:spcBef>
+                <a:buFont typeface="Arial" panose="020B0604020202020204" pitchFamily="34" charset="0"/>
+                <a:buChar char="•"/>
+                <a:defRPr sz="5700">
+                  <a:solidFill>
+                    <a:schemeClr val="tx1"/>
+                  </a:solidFill>
+                  <a:latin typeface="Calibri" panose="020F0502020204030204" pitchFamily="34" charset="0"/>
+                </a:defRPr>
+              </a:lvl2pPr>
+              <a:lvl3pPr marL="914400" indent="-547688">
+                <a:lnSpc>
+                  <a:spcPct val="90000"/>
+                </a:lnSpc>
+                <a:spcBef>
+                  <a:spcPts val="1200"/>
+                </a:spcBef>
+                <a:buFont typeface="Arial" panose="020B0604020202020204" pitchFamily="34" charset="0"/>
+                <a:buChar char="•"/>
+                <a:defRPr sz="4800">
+                  <a:solidFill>
+                    <a:schemeClr val="tx1"/>
+                  </a:solidFill>
+                  <a:latin typeface="Calibri" panose="020F0502020204030204" pitchFamily="34" charset="0"/>
+                </a:defRPr>
+              </a:lvl3pPr>
+              <a:lvl4pPr marL="1371600" indent="-547688">
+                <a:lnSpc>
+                  <a:spcPct val="90000"/>
+                </a:lnSpc>
+                <a:spcBef>
+                  <a:spcPts val="1200"/>
+                </a:spcBef>
+                <a:buFont typeface="Arial" panose="020B0604020202020204" pitchFamily="34" charset="0"/>
+                <a:buChar char="•"/>
+                <a:defRPr sz="4300">
+                  <a:solidFill>
+                    <a:schemeClr val="tx1"/>
+                  </a:solidFill>
+                  <a:latin typeface="Calibri" panose="020F0502020204030204" pitchFamily="34" charset="0"/>
+                </a:defRPr>
+              </a:lvl4pPr>
+              <a:lvl5pPr marL="1828800" indent="-547688">
+                <a:lnSpc>
+                  <a:spcPct val="90000"/>
+                </a:lnSpc>
+                <a:spcBef>
+                  <a:spcPts val="1200"/>
+                </a:spcBef>
+                <a:buFont typeface="Arial" panose="020B0604020202020204" pitchFamily="34" charset="0"/>
+                <a:buChar char="•"/>
+                <a:defRPr sz="4300">
+                  <a:solidFill>
+                    <a:schemeClr val="tx1"/>
+                  </a:solidFill>
+                  <a:latin typeface="Calibri" panose="020F0502020204030204" pitchFamily="34" charset="0"/>
+                </a:defRPr>
+              </a:lvl5pPr>
+              <a:lvl6pPr indent="-547688" eaLnBrk="0" fontAlgn="base" hangingPunct="0">
+                <a:lnSpc>
+                  <a:spcPct val="90000"/>
+                </a:lnSpc>
+                <a:spcBef>
+                  <a:spcPts val="1200"/>
+                </a:spcBef>
+                <a:spcAft>
+                  <a:spcPct val="0"/>
+                </a:spcAft>
+                <a:buFont typeface="Arial" panose="020B0604020202020204" pitchFamily="34" charset="0"/>
+                <a:buChar char="•"/>
+                <a:defRPr sz="4300">
+                  <a:solidFill>
+                    <a:schemeClr val="tx1"/>
+                  </a:solidFill>
+                  <a:latin typeface="Calibri" panose="020F0502020204030204" pitchFamily="34" charset="0"/>
+                </a:defRPr>
+              </a:lvl6pPr>
+              <a:lvl7pPr indent="-547688" eaLnBrk="0" fontAlgn="base" hangingPunct="0">
+                <a:lnSpc>
+                  <a:spcPct val="90000"/>
+                </a:lnSpc>
+                <a:spcBef>
+                  <a:spcPts val="1200"/>
+                </a:spcBef>
+                <a:spcAft>
+                  <a:spcPct val="0"/>
+                </a:spcAft>
+                <a:buFont typeface="Arial" panose="020B0604020202020204" pitchFamily="34" charset="0"/>
+                <a:buChar char="•"/>
+                <a:defRPr sz="4300">
+                  <a:solidFill>
+                    <a:schemeClr val="tx1"/>
+                  </a:solidFill>
+                  <a:latin typeface="Calibri" panose="020F0502020204030204" pitchFamily="34" charset="0"/>
+                </a:defRPr>
+              </a:lvl7pPr>
+              <a:lvl8pPr indent="-547688" eaLnBrk="0" fontAlgn="base" hangingPunct="0">
+                <a:lnSpc>
+                  <a:spcPct val="90000"/>
+                </a:lnSpc>
+                <a:spcBef>
+                  <a:spcPts val="1200"/>
+                </a:spcBef>
+                <a:spcAft>
+                  <a:spcPct val="0"/>
+                </a:spcAft>
+                <a:buFont typeface="Arial" panose="020B0604020202020204" pitchFamily="34" charset="0"/>
+                <a:buChar char="•"/>
+                <a:defRPr sz="4300">
+                  <a:solidFill>
+                    <a:schemeClr val="tx1"/>
+                  </a:solidFill>
+                  <a:latin typeface="Calibri" panose="020F0502020204030204" pitchFamily="34" charset="0"/>
+                </a:defRPr>
+              </a:lvl8pPr>
+              <a:lvl9pPr indent="-547688" eaLnBrk="0" fontAlgn="base" hangingPunct="0">
+                <a:lnSpc>
+                  <a:spcPct val="90000"/>
+                </a:lnSpc>
+                <a:spcBef>
+                  <a:spcPts val="1200"/>
+                </a:spcBef>
+                <a:spcAft>
+                  <a:spcPct val="0"/>
+                </a:spcAft>
+                <a:buFont typeface="Arial" panose="020B0604020202020204" pitchFamily="34" charset="0"/>
+                <a:buChar char="•"/>
+                <a:defRPr sz="4300">
+                  <a:solidFill>
+                    <a:schemeClr val="tx1"/>
+                  </a:solidFill>
+                  <a:latin typeface="Calibri" panose="020F0502020204030204" pitchFamily="34" charset="0"/>
+                </a:defRPr>
+              </a:lvl9pPr>
+            </a:lstStyle>
+            <a:p>
+              <a:pPr algn="ctr" eaLnBrk="1" hangingPunct="1">
+                <a:lnSpc>
+                  <a:spcPct val="100000"/>
+                </a:lnSpc>
+                <a:spcBef>
+                  <a:spcPct val="0"/>
+                </a:spcBef>
+                <a:buFontTx/>
+                <a:buNone/>
+              </a:pPr>
+              <a:r>
+                <a:rPr lang="en-US" altLang="en-US" sz="2000" b="1" dirty="0"/>
+                <a:t>Unlabeled Data</a:t>
+              </a:r>
+            </a:p>
+          </p:txBody>
+        </p:sp>
+        <p:sp>
+          <p:nvSpPr>
+            <p:cNvPr id="32" name="TextBox 9">
+              <a:extLst>
+                <a:ext uri="{FF2B5EF4-FFF2-40B4-BE49-F238E27FC236}">
+                  <a16:creationId xmlns:a16="http://schemas.microsoft.com/office/drawing/2014/main" id="{F00061FB-CB00-45EC-89F4-618E889A776F}"/>
+                </a:ext>
+              </a:extLst>
+            </p:cNvPr>
+            <p:cNvSpPr txBox="1">
+              <a:spLocks noChangeArrowheads="1"/>
+            </p:cNvSpPr>
+            <p:nvPr/>
+          </p:nvSpPr>
+          <p:spPr bwMode="auto">
+            <a:xfrm>
+              <a:off x="9198533" y="10706842"/>
+              <a:ext cx="1006687" cy="444989"/>
+            </a:xfrm>
+            <a:prstGeom prst="rect">
+              <a:avLst/>
+            </a:prstGeom>
+            <a:noFill/>
+            <a:ln>
+              <a:noFill/>
+            </a:ln>
+            <a:extLst>
+              <a:ext uri="{909E8E84-426E-40DD-AFC4-6F175D3DCCD1}">
+                <a14:hiddenFill xmlns:a14="http://schemas.microsoft.com/office/drawing/2010/main">
+                  <a:solidFill>
+                    <a:srgbClr val="FFFFFF"/>
+                  </a:solidFill>
+                </a14:hiddenFill>
+              </a:ext>
+              <a:ext uri="{91240B29-F687-4F45-9708-019B960494DF}">
+                <a14:hiddenLine xmlns:a14="http://schemas.microsoft.com/office/drawing/2010/main" w="9525">
+                  <a:solidFill>
+                    <a:srgbClr val="000000"/>
+                  </a:solidFill>
+                  <a:miter lim="800000"/>
+                  <a:headEnd/>
+                  <a:tailEnd/>
+                </a14:hiddenLine>
+              </a:ext>
+            </a:extLst>
+          </p:spPr>
+          <p:txBody>
+            <a:bodyPr wrap="none">
+              <a:spAutoFit/>
+            </a:bodyPr>
+            <a:lstStyle>
+              <a:lvl1pPr>
+                <a:lnSpc>
+                  <a:spcPct val="90000"/>
+                </a:lnSpc>
+                <a:spcBef>
+                  <a:spcPts val="2400"/>
+                </a:spcBef>
+                <a:buFont typeface="Arial" panose="020B0604020202020204" pitchFamily="34" charset="0"/>
+                <a:buChar char="•"/>
+                <a:defRPr sz="6700">
+                  <a:solidFill>
+                    <a:schemeClr val="tx1"/>
+                  </a:solidFill>
+                  <a:latin typeface="Calibri" panose="020F0502020204030204" pitchFamily="34" charset="0"/>
+                </a:defRPr>
+              </a:lvl1pPr>
+              <a:lvl2pPr marL="457200" indent="-547688">
+                <a:lnSpc>
+                  <a:spcPct val="90000"/>
+                </a:lnSpc>
+                <a:spcBef>
+                  <a:spcPts val="1200"/>
+                </a:spcBef>
+                <a:buFont typeface="Arial" panose="020B0604020202020204" pitchFamily="34" charset="0"/>
+                <a:buChar char="•"/>
+                <a:defRPr sz="5700">
+                  <a:solidFill>
+                    <a:schemeClr val="tx1"/>
+                  </a:solidFill>
+                  <a:latin typeface="Calibri" panose="020F0502020204030204" pitchFamily="34" charset="0"/>
+                </a:defRPr>
+              </a:lvl2pPr>
+              <a:lvl3pPr marL="914400" indent="-547688">
+                <a:lnSpc>
+                  <a:spcPct val="90000"/>
+                </a:lnSpc>
+                <a:spcBef>
+                  <a:spcPts val="1200"/>
+                </a:spcBef>
+                <a:buFont typeface="Arial" panose="020B0604020202020204" pitchFamily="34" charset="0"/>
+                <a:buChar char="•"/>
+                <a:defRPr sz="4800">
+                  <a:solidFill>
+                    <a:schemeClr val="tx1"/>
+                  </a:solidFill>
+                  <a:latin typeface="Calibri" panose="020F0502020204030204" pitchFamily="34" charset="0"/>
+                </a:defRPr>
+              </a:lvl3pPr>
+              <a:lvl4pPr marL="1371600" indent="-547688">
+                <a:lnSpc>
+                  <a:spcPct val="90000"/>
+                </a:lnSpc>
+                <a:spcBef>
+                  <a:spcPts val="1200"/>
+                </a:spcBef>
+                <a:buFont typeface="Arial" panose="020B0604020202020204" pitchFamily="34" charset="0"/>
+                <a:buChar char="•"/>
+                <a:defRPr sz="4300">
+                  <a:solidFill>
+                    <a:schemeClr val="tx1"/>
+                  </a:solidFill>
+                  <a:latin typeface="Calibri" panose="020F0502020204030204" pitchFamily="34" charset="0"/>
+                </a:defRPr>
+              </a:lvl4pPr>
+              <a:lvl5pPr marL="1828800" indent="-547688">
+                <a:lnSpc>
+                  <a:spcPct val="90000"/>
+                </a:lnSpc>
+                <a:spcBef>
+                  <a:spcPts val="1200"/>
+                </a:spcBef>
+                <a:buFont typeface="Arial" panose="020B0604020202020204" pitchFamily="34" charset="0"/>
+                <a:buChar char="•"/>
+                <a:defRPr sz="4300">
+                  <a:solidFill>
+                    <a:schemeClr val="tx1"/>
+                  </a:solidFill>
+                  <a:latin typeface="Calibri" panose="020F0502020204030204" pitchFamily="34" charset="0"/>
+                </a:defRPr>
+              </a:lvl5pPr>
+              <a:lvl6pPr indent="-547688" eaLnBrk="0" fontAlgn="base" hangingPunct="0">
+                <a:lnSpc>
+                  <a:spcPct val="90000"/>
+                </a:lnSpc>
+                <a:spcBef>
+                  <a:spcPts val="1200"/>
+                </a:spcBef>
+                <a:spcAft>
+                  <a:spcPct val="0"/>
+                </a:spcAft>
+                <a:buFont typeface="Arial" panose="020B0604020202020204" pitchFamily="34" charset="0"/>
+                <a:buChar char="•"/>
+                <a:defRPr sz="4300">
+                  <a:solidFill>
+                    <a:schemeClr val="tx1"/>
+                  </a:solidFill>
+                  <a:latin typeface="Calibri" panose="020F0502020204030204" pitchFamily="34" charset="0"/>
+                </a:defRPr>
+              </a:lvl6pPr>
+              <a:lvl7pPr indent="-547688" eaLnBrk="0" fontAlgn="base" hangingPunct="0">
+                <a:lnSpc>
+                  <a:spcPct val="90000"/>
+                </a:lnSpc>
+                <a:spcBef>
+                  <a:spcPts val="1200"/>
+                </a:spcBef>
+                <a:spcAft>
+                  <a:spcPct val="0"/>
+                </a:spcAft>
+                <a:buFont typeface="Arial" panose="020B0604020202020204" pitchFamily="34" charset="0"/>
+                <a:buChar char="•"/>
+                <a:defRPr sz="4300">
+                  <a:solidFill>
+                    <a:schemeClr val="tx1"/>
+                  </a:solidFill>
+                  <a:latin typeface="Calibri" panose="020F0502020204030204" pitchFamily="34" charset="0"/>
+                </a:defRPr>
+              </a:lvl7pPr>
+              <a:lvl8pPr indent="-547688" eaLnBrk="0" fontAlgn="base" hangingPunct="0">
+                <a:lnSpc>
+                  <a:spcPct val="90000"/>
+                </a:lnSpc>
+                <a:spcBef>
+                  <a:spcPts val="1200"/>
+                </a:spcBef>
+                <a:spcAft>
+                  <a:spcPct val="0"/>
+                </a:spcAft>
+                <a:buFont typeface="Arial" panose="020B0604020202020204" pitchFamily="34" charset="0"/>
+                <a:buChar char="•"/>
+                <a:defRPr sz="4300">
+                  <a:solidFill>
+                    <a:schemeClr val="tx1"/>
+                  </a:solidFill>
+                  <a:latin typeface="Calibri" panose="020F0502020204030204" pitchFamily="34" charset="0"/>
+                </a:defRPr>
+              </a:lvl8pPr>
+              <a:lvl9pPr indent="-547688" eaLnBrk="0" fontAlgn="base" hangingPunct="0">
+                <a:lnSpc>
+                  <a:spcPct val="90000"/>
+                </a:lnSpc>
+                <a:spcBef>
+                  <a:spcPts val="1200"/>
+                </a:spcBef>
+                <a:spcAft>
+                  <a:spcPct val="0"/>
+                </a:spcAft>
+                <a:buFont typeface="Arial" panose="020B0604020202020204" pitchFamily="34" charset="0"/>
+                <a:buChar char="•"/>
+                <a:defRPr sz="4300">
+                  <a:solidFill>
+                    <a:schemeClr val="tx1"/>
+                  </a:solidFill>
+                  <a:latin typeface="Calibri" panose="020F0502020204030204" pitchFamily="34" charset="0"/>
+                </a:defRPr>
+              </a:lvl9pPr>
+            </a:lstStyle>
+            <a:p>
+              <a:pPr algn="ctr" eaLnBrk="1" hangingPunct="1">
+                <a:lnSpc>
+                  <a:spcPct val="100000"/>
+                </a:lnSpc>
+                <a:spcBef>
+                  <a:spcPct val="0"/>
+                </a:spcBef>
+                <a:buFontTx/>
+                <a:buNone/>
+              </a:pPr>
+              <a:r>
+                <a:rPr lang="en-US" altLang="en-US" sz="2400" b="1" dirty="0"/>
+                <a:t>Oracle</a:t>
+              </a:r>
+            </a:p>
+          </p:txBody>
+        </p:sp>
+        <p:pic>
+          <p:nvPicPr>
+            <p:cNvPr id="33" name="Picture 60" descr="A picture containing toy&#10;&#10;Description automatically generated">
+              <a:extLst>
+                <a:ext uri="{FF2B5EF4-FFF2-40B4-BE49-F238E27FC236}">
+                  <a16:creationId xmlns:a16="http://schemas.microsoft.com/office/drawing/2014/main" id="{A2F29C42-97DF-4496-857A-811FF5830F0F}"/>
+                </a:ext>
+              </a:extLst>
+            </p:cNvPr>
+            <p:cNvPicPr>
+              <a:picLocks noChangeAspect="1" noChangeArrowheads="1"/>
+            </p:cNvPicPr>
+            <p:nvPr/>
+          </p:nvPicPr>
+          <p:blipFill>
+            <a:blip r:embed="rId6">
+              <a:extLst>
+                <a:ext uri="{28A0092B-C50C-407E-A947-70E740481C1C}">
+                  <a14:useLocalDpi xmlns:a14="http://schemas.microsoft.com/office/drawing/2010/main" val="0"/>
+                </a:ext>
+              </a:extLst>
+            </a:blip>
+            <a:srcRect/>
+            <a:stretch>
+              <a:fillRect/>
+            </a:stretch>
+          </p:blipFill>
+          <p:spPr bwMode="auto">
+            <a:xfrm>
+              <a:off x="9180252" y="8930090"/>
+              <a:ext cx="1043248" cy="1744789"/>
+            </a:xfrm>
+            <a:prstGeom prst="rect">
+              <a:avLst/>
+            </a:prstGeom>
+            <a:noFill/>
+            <a:ln>
+              <a:noFill/>
+            </a:ln>
+            <a:extLst>
+              <a:ext uri="{909E8E84-426E-40DD-AFC4-6F175D3DCCD1}">
+                <a14:hiddenFill xmlns:a14="http://schemas.microsoft.com/office/drawing/2010/main">
+                  <a:solidFill>
+                    <a:srgbClr val="FFFFFF"/>
+                  </a:solidFill>
+                </a14:hiddenFill>
+              </a:ext>
+              <a:ext uri="{91240B29-F687-4F45-9708-019B960494DF}">
+                <a14:hiddenLine xmlns:a14="http://schemas.microsoft.com/office/drawing/2010/main" w="9525">
+                  <a:solidFill>
+                    <a:srgbClr val="000000"/>
+                  </a:solidFill>
+                  <a:miter lim="800000"/>
+                  <a:headEnd/>
+                  <a:tailEnd/>
+                </a14:hiddenLine>
+              </a:ext>
+            </a:extLst>
+          </p:spPr>
+        </p:pic>
+        <p:pic>
+          <p:nvPicPr>
+            <p:cNvPr id="34" name="Picture 61" descr="A close up of a device&#10;&#10;Description automatically generated">
+              <a:extLst>
+                <a:ext uri="{FF2B5EF4-FFF2-40B4-BE49-F238E27FC236}">
+                  <a16:creationId xmlns:a16="http://schemas.microsoft.com/office/drawing/2014/main" id="{A4758F7B-37E2-4CE8-A6A3-A84BC886083D}"/>
+                </a:ext>
+              </a:extLst>
+            </p:cNvPr>
+            <p:cNvPicPr>
+              <a:picLocks noChangeAspect="1" noChangeArrowheads="1"/>
+            </p:cNvPicPr>
+            <p:nvPr/>
+          </p:nvPicPr>
+          <p:blipFill>
+            <a:blip r:embed="rId7">
+              <a:extLst>
+                <a:ext uri="{28A0092B-C50C-407E-A947-70E740481C1C}">
+                  <a14:useLocalDpi xmlns:a14="http://schemas.microsoft.com/office/drawing/2010/main" val="0"/>
+                </a:ext>
+              </a:extLst>
+            </a:blip>
+            <a:srcRect/>
+            <a:stretch>
+              <a:fillRect/>
+            </a:stretch>
+          </p:blipFill>
+          <p:spPr bwMode="auto">
+            <a:xfrm>
+              <a:off x="5288645" y="8930087"/>
+              <a:ext cx="1444691" cy="1744789"/>
+            </a:xfrm>
+            <a:prstGeom prst="rect">
+              <a:avLst/>
+            </a:prstGeom>
+            <a:noFill/>
+            <a:ln>
+              <a:noFill/>
+            </a:ln>
+            <a:extLst>
+              <a:ext uri="{909E8E84-426E-40DD-AFC4-6F175D3DCCD1}">
+                <a14:hiddenFill xmlns:a14="http://schemas.microsoft.com/office/drawing/2010/main">
+                  <a:solidFill>
+                    <a:srgbClr val="FFFFFF"/>
+                  </a:solidFill>
+                </a14:hiddenFill>
+              </a:ext>
+              <a:ext uri="{91240B29-F687-4F45-9708-019B960494DF}">
+                <a14:hiddenLine xmlns:a14="http://schemas.microsoft.com/office/drawing/2010/main" w="9525">
+                  <a:solidFill>
+                    <a:srgbClr val="000000"/>
+                  </a:solidFill>
+                  <a:miter lim="800000"/>
+                  <a:headEnd/>
+                  <a:tailEnd/>
+                </a14:hiddenLine>
+              </a:ext>
+            </a:extLst>
+          </p:spPr>
+        </p:pic>
+        <p:sp>
+          <p:nvSpPr>
+            <p:cNvPr id="35" name="TextBox 14">
+              <a:extLst>
+                <a:ext uri="{FF2B5EF4-FFF2-40B4-BE49-F238E27FC236}">
+                  <a16:creationId xmlns:a16="http://schemas.microsoft.com/office/drawing/2014/main" id="{310EC23D-C183-4127-9B3D-915E1B9EE886}"/>
+                </a:ext>
+              </a:extLst>
+            </p:cNvPr>
+            <p:cNvSpPr txBox="1">
+              <a:spLocks noChangeArrowheads="1"/>
+            </p:cNvSpPr>
+            <p:nvPr/>
+          </p:nvSpPr>
+          <p:spPr bwMode="auto">
+            <a:xfrm>
+              <a:off x="5343180" y="10696239"/>
+              <a:ext cx="1335622" cy="444890"/>
+            </a:xfrm>
+            <a:prstGeom prst="rect">
+              <a:avLst/>
+            </a:prstGeom>
+            <a:noFill/>
+            <a:ln>
+              <a:noFill/>
+            </a:ln>
+            <a:extLst>
+              <a:ext uri="{909E8E84-426E-40DD-AFC4-6F175D3DCCD1}">
+                <a14:hiddenFill xmlns:a14="http://schemas.microsoft.com/office/drawing/2010/main">
+                  <a:solidFill>
+                    <a:srgbClr val="FFFFFF"/>
+                  </a:solidFill>
+                </a14:hiddenFill>
+              </a:ext>
+              <a:ext uri="{91240B29-F687-4F45-9708-019B960494DF}">
+                <a14:hiddenLine xmlns:a14="http://schemas.microsoft.com/office/drawing/2010/main" w="9525">
+                  <a:solidFill>
+                    <a:srgbClr val="000000"/>
+                  </a:solidFill>
+                  <a:miter lim="800000"/>
+                  <a:headEnd/>
+                  <a:tailEnd/>
+                </a14:hiddenLine>
+              </a:ext>
+            </a:extLst>
+          </p:spPr>
+          <p:txBody>
+            <a:bodyPr wrap="none">
+              <a:spAutoFit/>
+            </a:bodyPr>
+            <a:lstStyle>
+              <a:lvl1pPr>
+                <a:lnSpc>
+                  <a:spcPct val="90000"/>
+                </a:lnSpc>
+                <a:spcBef>
+                  <a:spcPts val="2400"/>
+                </a:spcBef>
+                <a:buFont typeface="Arial" panose="020B0604020202020204" pitchFamily="34" charset="0"/>
+                <a:buChar char="•"/>
+                <a:defRPr sz="6700">
+                  <a:solidFill>
+                    <a:schemeClr val="tx1"/>
+                  </a:solidFill>
+                  <a:latin typeface="Calibri" panose="020F0502020204030204" pitchFamily="34" charset="0"/>
+                </a:defRPr>
+              </a:lvl1pPr>
+              <a:lvl2pPr marL="457200" indent="-547688">
+                <a:lnSpc>
+                  <a:spcPct val="90000"/>
+                </a:lnSpc>
+                <a:spcBef>
+                  <a:spcPts val="1200"/>
+                </a:spcBef>
+                <a:buFont typeface="Arial" panose="020B0604020202020204" pitchFamily="34" charset="0"/>
+                <a:buChar char="•"/>
+                <a:defRPr sz="5700">
+                  <a:solidFill>
+                    <a:schemeClr val="tx1"/>
+                  </a:solidFill>
+                  <a:latin typeface="Calibri" panose="020F0502020204030204" pitchFamily="34" charset="0"/>
+                </a:defRPr>
+              </a:lvl2pPr>
+              <a:lvl3pPr marL="914400" indent="-547688">
+                <a:lnSpc>
+                  <a:spcPct val="90000"/>
+                </a:lnSpc>
+                <a:spcBef>
+                  <a:spcPts val="1200"/>
+                </a:spcBef>
+                <a:buFont typeface="Arial" panose="020B0604020202020204" pitchFamily="34" charset="0"/>
+                <a:buChar char="•"/>
+                <a:defRPr sz="4800">
+                  <a:solidFill>
+                    <a:schemeClr val="tx1"/>
+                  </a:solidFill>
+                  <a:latin typeface="Calibri" panose="020F0502020204030204" pitchFamily="34" charset="0"/>
+                </a:defRPr>
+              </a:lvl3pPr>
+              <a:lvl4pPr marL="1371600" indent="-547688">
+                <a:lnSpc>
+                  <a:spcPct val="90000"/>
+                </a:lnSpc>
+                <a:spcBef>
+                  <a:spcPts val="1200"/>
+                </a:spcBef>
+                <a:buFont typeface="Arial" panose="020B0604020202020204" pitchFamily="34" charset="0"/>
+                <a:buChar char="•"/>
+                <a:defRPr sz="4300">
+                  <a:solidFill>
+                    <a:schemeClr val="tx1"/>
+                  </a:solidFill>
+                  <a:latin typeface="Calibri" panose="020F0502020204030204" pitchFamily="34" charset="0"/>
+                </a:defRPr>
+              </a:lvl4pPr>
+              <a:lvl5pPr marL="1828800" indent="-547688">
+                <a:lnSpc>
+                  <a:spcPct val="90000"/>
+                </a:lnSpc>
+                <a:spcBef>
+                  <a:spcPts val="1200"/>
+                </a:spcBef>
+                <a:buFont typeface="Arial" panose="020B0604020202020204" pitchFamily="34" charset="0"/>
+                <a:buChar char="•"/>
+                <a:defRPr sz="4300">
+                  <a:solidFill>
+                    <a:schemeClr val="tx1"/>
+                  </a:solidFill>
+                  <a:latin typeface="Calibri" panose="020F0502020204030204" pitchFamily="34" charset="0"/>
+                </a:defRPr>
+              </a:lvl5pPr>
+              <a:lvl6pPr indent="-547688" eaLnBrk="0" fontAlgn="base" hangingPunct="0">
+                <a:lnSpc>
+                  <a:spcPct val="90000"/>
+                </a:lnSpc>
+                <a:spcBef>
+                  <a:spcPts val="1200"/>
+                </a:spcBef>
+                <a:spcAft>
+                  <a:spcPct val="0"/>
+                </a:spcAft>
+                <a:buFont typeface="Arial" panose="020B0604020202020204" pitchFamily="34" charset="0"/>
+                <a:buChar char="•"/>
+                <a:defRPr sz="4300">
+                  <a:solidFill>
+                    <a:schemeClr val="tx1"/>
+                  </a:solidFill>
+                  <a:latin typeface="Calibri" panose="020F0502020204030204" pitchFamily="34" charset="0"/>
+                </a:defRPr>
+              </a:lvl6pPr>
+              <a:lvl7pPr indent="-547688" eaLnBrk="0" fontAlgn="base" hangingPunct="0">
+                <a:lnSpc>
+                  <a:spcPct val="90000"/>
+                </a:lnSpc>
+                <a:spcBef>
+                  <a:spcPts val="1200"/>
+                </a:spcBef>
+                <a:spcAft>
+                  <a:spcPct val="0"/>
+                </a:spcAft>
+                <a:buFont typeface="Arial" panose="020B0604020202020204" pitchFamily="34" charset="0"/>
+                <a:buChar char="•"/>
+                <a:defRPr sz="4300">
+                  <a:solidFill>
+                    <a:schemeClr val="tx1"/>
+                  </a:solidFill>
+                  <a:latin typeface="Calibri" panose="020F0502020204030204" pitchFamily="34" charset="0"/>
+                </a:defRPr>
+              </a:lvl7pPr>
+              <a:lvl8pPr indent="-547688" eaLnBrk="0" fontAlgn="base" hangingPunct="0">
+                <a:lnSpc>
+                  <a:spcPct val="90000"/>
+                </a:lnSpc>
+                <a:spcBef>
+                  <a:spcPts val="1200"/>
+                </a:spcBef>
+                <a:spcAft>
+                  <a:spcPct val="0"/>
+                </a:spcAft>
+                <a:buFont typeface="Arial" panose="020B0604020202020204" pitchFamily="34" charset="0"/>
+                <a:buChar char="•"/>
+                <a:defRPr sz="4300">
+                  <a:solidFill>
+                    <a:schemeClr val="tx1"/>
+                  </a:solidFill>
+                  <a:latin typeface="Calibri" panose="020F0502020204030204" pitchFamily="34" charset="0"/>
+                </a:defRPr>
+              </a:lvl8pPr>
+              <a:lvl9pPr indent="-547688" eaLnBrk="0" fontAlgn="base" hangingPunct="0">
+                <a:lnSpc>
+                  <a:spcPct val="90000"/>
+                </a:lnSpc>
+                <a:spcBef>
+                  <a:spcPts val="1200"/>
+                </a:spcBef>
+                <a:spcAft>
+                  <a:spcPct val="0"/>
+                </a:spcAft>
+                <a:buFont typeface="Arial" panose="020B0604020202020204" pitchFamily="34" charset="0"/>
+                <a:buChar char="•"/>
+                <a:defRPr sz="4300">
+                  <a:solidFill>
+                    <a:schemeClr val="tx1"/>
+                  </a:solidFill>
+                  <a:latin typeface="Calibri" panose="020F0502020204030204" pitchFamily="34" charset="0"/>
+                </a:defRPr>
+              </a:lvl9pPr>
+            </a:lstStyle>
+            <a:p>
+              <a:pPr algn="ctr" eaLnBrk="1" hangingPunct="1">
+                <a:lnSpc>
+                  <a:spcPct val="100000"/>
+                </a:lnSpc>
+                <a:spcBef>
+                  <a:spcPct val="0"/>
+                </a:spcBef>
+                <a:buFontTx/>
+                <a:buNone/>
+              </a:pPr>
+              <a:r>
+                <a:rPr lang="en-US" altLang="en-US" sz="2400" b="1" dirty="0"/>
+                <a:t>Classifier</a:t>
+              </a:r>
+            </a:p>
+          </p:txBody>
+        </p:sp>
+        <p:cxnSp>
+          <p:nvCxnSpPr>
+            <p:cNvPr id="36" name="Straight Arrow Connector 35">
+              <a:extLst>
+                <a:ext uri="{FF2B5EF4-FFF2-40B4-BE49-F238E27FC236}">
+                  <a16:creationId xmlns:a16="http://schemas.microsoft.com/office/drawing/2014/main" id="{F0B8BDAF-1429-4729-B8C3-475247549965}"/>
+                </a:ext>
+              </a:extLst>
+            </p:cNvPr>
+            <p:cNvCxnSpPr>
+              <a:cxnSpLocks/>
+            </p:cNvCxnSpPr>
+            <p:nvPr/>
+          </p:nvCxnSpPr>
+          <p:spPr bwMode="auto">
+            <a:xfrm flipV="1">
+              <a:off x="3389313" y="9899678"/>
+              <a:ext cx="1898650" cy="0"/>
+            </a:xfrm>
+            <a:prstGeom prst="straightConnector1">
+              <a:avLst/>
+            </a:prstGeom>
+            <a:ln w="63500">
+              <a:tailEnd type="triangle"/>
+            </a:ln>
+          </p:spPr>
+          <p:style>
+            <a:lnRef idx="1">
+              <a:schemeClr val="accent1"/>
+            </a:lnRef>
+            <a:fillRef idx="0">
+              <a:schemeClr val="accent1"/>
+            </a:fillRef>
+            <a:effectRef idx="0">
+              <a:schemeClr val="accent1"/>
+            </a:effectRef>
+            <a:fontRef idx="minor">
+              <a:schemeClr val="tx1"/>
+            </a:fontRef>
+          </p:style>
+        </p:cxnSp>
+        <p:cxnSp>
+          <p:nvCxnSpPr>
+            <p:cNvPr id="37" name="Straight Arrow Connector 36">
+              <a:extLst>
+                <a:ext uri="{FF2B5EF4-FFF2-40B4-BE49-F238E27FC236}">
+                  <a16:creationId xmlns:a16="http://schemas.microsoft.com/office/drawing/2014/main" id="{AB3AE8E9-34BE-4917-9271-94AE9F9F0D33}"/>
+                </a:ext>
+              </a:extLst>
+            </p:cNvPr>
+            <p:cNvCxnSpPr>
+              <a:cxnSpLocks/>
+            </p:cNvCxnSpPr>
+            <p:nvPr/>
+          </p:nvCxnSpPr>
+          <p:spPr bwMode="auto">
+            <a:xfrm flipV="1">
+              <a:off x="6804025" y="9710760"/>
+              <a:ext cx="2187575" cy="0"/>
+            </a:xfrm>
+            <a:prstGeom prst="straightConnector1">
+              <a:avLst/>
+            </a:prstGeom>
+            <a:ln w="63500">
+              <a:tailEnd type="triangle"/>
+            </a:ln>
+          </p:spPr>
+          <p:style>
+            <a:lnRef idx="1">
+              <a:schemeClr val="accent1"/>
+            </a:lnRef>
+            <a:fillRef idx="0">
+              <a:schemeClr val="accent1"/>
+            </a:fillRef>
+            <a:effectRef idx="0">
+              <a:schemeClr val="accent1"/>
+            </a:effectRef>
+            <a:fontRef idx="minor">
+              <a:schemeClr val="tx1"/>
+            </a:fontRef>
+          </p:style>
+        </p:cxnSp>
+        <p:cxnSp>
+          <p:nvCxnSpPr>
+            <p:cNvPr id="38" name="Straight Arrow Connector 37">
+              <a:extLst>
+                <a:ext uri="{FF2B5EF4-FFF2-40B4-BE49-F238E27FC236}">
+                  <a16:creationId xmlns:a16="http://schemas.microsoft.com/office/drawing/2014/main" id="{E72200BF-F21A-427E-A405-95496C2EBC8F}"/>
+                </a:ext>
+              </a:extLst>
+            </p:cNvPr>
+            <p:cNvCxnSpPr>
+              <a:cxnSpLocks/>
+            </p:cNvCxnSpPr>
+            <p:nvPr/>
+          </p:nvCxnSpPr>
+          <p:spPr bwMode="auto">
+            <a:xfrm flipH="1">
+              <a:off x="6804025" y="10221950"/>
+              <a:ext cx="2187575" cy="0"/>
+            </a:xfrm>
+            <a:prstGeom prst="straightConnector1">
+              <a:avLst/>
+            </a:prstGeom>
+            <a:ln w="63500">
+              <a:tailEnd type="triangle"/>
+            </a:ln>
+          </p:spPr>
+          <p:style>
+            <a:lnRef idx="1">
+              <a:schemeClr val="accent1"/>
+            </a:lnRef>
+            <a:fillRef idx="0">
+              <a:schemeClr val="accent1"/>
+            </a:fillRef>
+            <a:effectRef idx="0">
+              <a:schemeClr val="accent1"/>
+            </a:effectRef>
+            <a:fontRef idx="minor">
+              <a:schemeClr val="tx1"/>
+            </a:fontRef>
+          </p:style>
+        </p:cxnSp>
+        <p:sp>
+          <p:nvSpPr>
+            <p:cNvPr id="39" name="TextBox 22">
+              <a:extLst>
+                <a:ext uri="{FF2B5EF4-FFF2-40B4-BE49-F238E27FC236}">
+                  <a16:creationId xmlns:a16="http://schemas.microsoft.com/office/drawing/2014/main" id="{4EAF91CE-F1C1-4EC9-8A1B-4549A216F939}"/>
+                </a:ext>
+              </a:extLst>
+            </p:cNvPr>
+            <p:cNvSpPr txBox="1">
+              <a:spLocks noChangeArrowheads="1"/>
+            </p:cNvSpPr>
+            <p:nvPr/>
+          </p:nvSpPr>
+          <p:spPr bwMode="auto">
+            <a:xfrm>
+              <a:off x="3607321" y="9089185"/>
+              <a:ext cx="1245301" cy="787880"/>
+            </a:xfrm>
+            <a:prstGeom prst="rect">
+              <a:avLst/>
+            </a:prstGeom>
+            <a:noFill/>
+            <a:ln>
+              <a:noFill/>
+            </a:ln>
+            <a:extLst>
+              <a:ext uri="{909E8E84-426E-40DD-AFC4-6F175D3DCCD1}">
+                <a14:hiddenFill xmlns:a14="http://schemas.microsoft.com/office/drawing/2010/main">
+                  <a:solidFill>
+                    <a:srgbClr val="FFFFFF"/>
+                  </a:solidFill>
+                </a14:hiddenFill>
+              </a:ext>
+              <a:ext uri="{91240B29-F687-4F45-9708-019B960494DF}">
+                <a14:hiddenLine xmlns:a14="http://schemas.microsoft.com/office/drawing/2010/main" w="9525">
+                  <a:solidFill>
+                    <a:srgbClr val="000000"/>
+                  </a:solidFill>
+                  <a:miter lim="800000"/>
+                  <a:headEnd/>
+                  <a:tailEnd/>
+                </a14:hiddenLine>
+              </a:ext>
+            </a:extLst>
+          </p:spPr>
+          <p:txBody>
+            <a:bodyPr wrap="none">
+              <a:spAutoFit/>
+            </a:bodyPr>
+            <a:lstStyle>
+              <a:lvl1pPr>
+                <a:lnSpc>
+                  <a:spcPct val="90000"/>
+                </a:lnSpc>
+                <a:spcBef>
+                  <a:spcPts val="2400"/>
+                </a:spcBef>
+                <a:buFont typeface="Arial" panose="020B0604020202020204" pitchFamily="34" charset="0"/>
+                <a:buChar char="•"/>
+                <a:defRPr sz="6700">
+                  <a:solidFill>
+                    <a:schemeClr val="tx1"/>
+                  </a:solidFill>
+                  <a:latin typeface="Calibri" panose="020F0502020204030204" pitchFamily="34" charset="0"/>
+                </a:defRPr>
+              </a:lvl1pPr>
+              <a:lvl2pPr marL="457200" indent="-547688">
+                <a:lnSpc>
+                  <a:spcPct val="90000"/>
+                </a:lnSpc>
+                <a:spcBef>
+                  <a:spcPts val="1200"/>
+                </a:spcBef>
+                <a:buFont typeface="Arial" panose="020B0604020202020204" pitchFamily="34" charset="0"/>
+                <a:buChar char="•"/>
+                <a:defRPr sz="5700">
+                  <a:solidFill>
+                    <a:schemeClr val="tx1"/>
+                  </a:solidFill>
+                  <a:latin typeface="Calibri" panose="020F0502020204030204" pitchFamily="34" charset="0"/>
+                </a:defRPr>
+              </a:lvl2pPr>
+              <a:lvl3pPr marL="914400" indent="-547688">
+                <a:lnSpc>
+                  <a:spcPct val="90000"/>
+                </a:lnSpc>
+                <a:spcBef>
+                  <a:spcPts val="1200"/>
+                </a:spcBef>
+                <a:buFont typeface="Arial" panose="020B0604020202020204" pitchFamily="34" charset="0"/>
+                <a:buChar char="•"/>
+                <a:defRPr sz="4800">
+                  <a:solidFill>
+                    <a:schemeClr val="tx1"/>
+                  </a:solidFill>
+                  <a:latin typeface="Calibri" panose="020F0502020204030204" pitchFamily="34" charset="0"/>
+                </a:defRPr>
+              </a:lvl3pPr>
+              <a:lvl4pPr marL="1371600" indent="-547688">
+                <a:lnSpc>
+                  <a:spcPct val="90000"/>
+                </a:lnSpc>
+                <a:spcBef>
+                  <a:spcPts val="1200"/>
+                </a:spcBef>
+                <a:buFont typeface="Arial" panose="020B0604020202020204" pitchFamily="34" charset="0"/>
+                <a:buChar char="•"/>
+                <a:defRPr sz="4300">
+                  <a:solidFill>
+                    <a:schemeClr val="tx1"/>
+                  </a:solidFill>
+                  <a:latin typeface="Calibri" panose="020F0502020204030204" pitchFamily="34" charset="0"/>
+                </a:defRPr>
+              </a:lvl4pPr>
+              <a:lvl5pPr marL="1828800" indent="-547688">
+                <a:lnSpc>
+                  <a:spcPct val="90000"/>
+                </a:lnSpc>
+                <a:spcBef>
+                  <a:spcPts val="1200"/>
+                </a:spcBef>
+                <a:buFont typeface="Arial" panose="020B0604020202020204" pitchFamily="34" charset="0"/>
+                <a:buChar char="•"/>
+                <a:defRPr sz="4300">
+                  <a:solidFill>
+                    <a:schemeClr val="tx1"/>
+                  </a:solidFill>
+                  <a:latin typeface="Calibri" panose="020F0502020204030204" pitchFamily="34" charset="0"/>
+                </a:defRPr>
+              </a:lvl5pPr>
+              <a:lvl6pPr indent="-547688" eaLnBrk="0" fontAlgn="base" hangingPunct="0">
+                <a:lnSpc>
+                  <a:spcPct val="90000"/>
+                </a:lnSpc>
+                <a:spcBef>
+                  <a:spcPts val="1200"/>
+                </a:spcBef>
+                <a:spcAft>
+                  <a:spcPct val="0"/>
+                </a:spcAft>
+                <a:buFont typeface="Arial" panose="020B0604020202020204" pitchFamily="34" charset="0"/>
+                <a:buChar char="•"/>
+                <a:defRPr sz="4300">
+                  <a:solidFill>
+                    <a:schemeClr val="tx1"/>
+                  </a:solidFill>
+                  <a:latin typeface="Calibri" panose="020F0502020204030204" pitchFamily="34" charset="0"/>
+                </a:defRPr>
+              </a:lvl6pPr>
+              <a:lvl7pPr indent="-547688" eaLnBrk="0" fontAlgn="base" hangingPunct="0">
+                <a:lnSpc>
+                  <a:spcPct val="90000"/>
+                </a:lnSpc>
+                <a:spcBef>
+                  <a:spcPts val="1200"/>
+                </a:spcBef>
+                <a:spcAft>
+                  <a:spcPct val="0"/>
+                </a:spcAft>
+                <a:buFont typeface="Arial" panose="020B0604020202020204" pitchFamily="34" charset="0"/>
+                <a:buChar char="•"/>
+                <a:defRPr sz="4300">
+                  <a:solidFill>
+                    <a:schemeClr val="tx1"/>
+                  </a:solidFill>
+                  <a:latin typeface="Calibri" panose="020F0502020204030204" pitchFamily="34" charset="0"/>
+                </a:defRPr>
+              </a:lvl7pPr>
+              <a:lvl8pPr indent="-547688" eaLnBrk="0" fontAlgn="base" hangingPunct="0">
+                <a:lnSpc>
+                  <a:spcPct val="90000"/>
+                </a:lnSpc>
+                <a:spcBef>
+                  <a:spcPts val="1200"/>
+                </a:spcBef>
+                <a:spcAft>
+                  <a:spcPct val="0"/>
+                </a:spcAft>
+                <a:buFont typeface="Arial" panose="020B0604020202020204" pitchFamily="34" charset="0"/>
+                <a:buChar char="•"/>
+                <a:defRPr sz="4300">
+                  <a:solidFill>
+                    <a:schemeClr val="tx1"/>
+                  </a:solidFill>
+                  <a:latin typeface="Calibri" panose="020F0502020204030204" pitchFamily="34" charset="0"/>
+                </a:defRPr>
+              </a:lvl8pPr>
+              <a:lvl9pPr indent="-547688" eaLnBrk="0" fontAlgn="base" hangingPunct="0">
+                <a:lnSpc>
+                  <a:spcPct val="90000"/>
+                </a:lnSpc>
+                <a:spcBef>
+                  <a:spcPts val="1200"/>
+                </a:spcBef>
+                <a:spcAft>
+                  <a:spcPct val="0"/>
+                </a:spcAft>
+                <a:buFont typeface="Arial" panose="020B0604020202020204" pitchFamily="34" charset="0"/>
+                <a:buChar char="•"/>
+                <a:defRPr sz="4300">
+                  <a:solidFill>
+                    <a:schemeClr val="tx1"/>
+                  </a:solidFill>
+                  <a:latin typeface="Calibri" panose="020F0502020204030204" pitchFamily="34" charset="0"/>
+                </a:defRPr>
+              </a:lvl9pPr>
+            </a:lstStyle>
+            <a:p>
+              <a:pPr algn="ctr" eaLnBrk="1" hangingPunct="1">
+                <a:lnSpc>
+                  <a:spcPct val="100000"/>
+                </a:lnSpc>
+                <a:spcBef>
+                  <a:spcPct val="0"/>
+                </a:spcBef>
+                <a:buFontTx/>
+                <a:buNone/>
+              </a:pPr>
+              <a:r>
+                <a:rPr lang="en-US" altLang="en-US" sz="2000" b="1" dirty="0"/>
+                <a:t>Sampling</a:t>
+              </a:r>
+            </a:p>
+            <a:p>
+              <a:pPr algn="ctr" eaLnBrk="1" hangingPunct="1">
+                <a:lnSpc>
+                  <a:spcPct val="100000"/>
+                </a:lnSpc>
+                <a:spcBef>
+                  <a:spcPct val="0"/>
+                </a:spcBef>
+                <a:buFontTx/>
+                <a:buNone/>
+              </a:pPr>
+              <a:r>
+                <a:rPr lang="en-US" altLang="en-US" sz="2000" b="1" dirty="0"/>
+                <a:t>Strategy</a:t>
+              </a:r>
+            </a:p>
+          </p:txBody>
+        </p:sp>
+        <p:sp>
+          <p:nvSpPr>
+            <p:cNvPr id="40" name="TextBox 23">
+              <a:extLst>
+                <a:ext uri="{FF2B5EF4-FFF2-40B4-BE49-F238E27FC236}">
+                  <a16:creationId xmlns:a16="http://schemas.microsoft.com/office/drawing/2014/main" id="{CFE4E752-46E7-4691-90BD-9FE2B130D116}"/>
+                </a:ext>
+              </a:extLst>
+            </p:cNvPr>
+            <p:cNvSpPr txBox="1">
+              <a:spLocks noChangeArrowheads="1"/>
+            </p:cNvSpPr>
+            <p:nvPr/>
+          </p:nvSpPr>
+          <p:spPr bwMode="auto">
+            <a:xfrm>
+              <a:off x="7372784" y="9181510"/>
+              <a:ext cx="901857" cy="445324"/>
+            </a:xfrm>
+            <a:prstGeom prst="rect">
+              <a:avLst/>
+            </a:prstGeom>
+            <a:noFill/>
+            <a:ln>
+              <a:noFill/>
+            </a:ln>
+            <a:extLst>
+              <a:ext uri="{909E8E84-426E-40DD-AFC4-6F175D3DCCD1}">
+                <a14:hiddenFill xmlns:a14="http://schemas.microsoft.com/office/drawing/2010/main">
+                  <a:solidFill>
+                    <a:srgbClr val="FFFFFF"/>
+                  </a:solidFill>
+                </a14:hiddenFill>
+              </a:ext>
+              <a:ext uri="{91240B29-F687-4F45-9708-019B960494DF}">
+                <a14:hiddenLine xmlns:a14="http://schemas.microsoft.com/office/drawing/2010/main" w="9525">
+                  <a:solidFill>
+                    <a:srgbClr val="000000"/>
+                  </a:solidFill>
+                  <a:miter lim="800000"/>
+                  <a:headEnd/>
+                  <a:tailEnd/>
+                </a14:hiddenLine>
+              </a:ext>
+            </a:extLst>
+          </p:spPr>
+          <p:txBody>
+            <a:bodyPr wrap="none">
+              <a:spAutoFit/>
+            </a:bodyPr>
+            <a:lstStyle>
+              <a:lvl1pPr>
+                <a:lnSpc>
+                  <a:spcPct val="90000"/>
+                </a:lnSpc>
+                <a:spcBef>
+                  <a:spcPts val="2400"/>
+                </a:spcBef>
+                <a:buFont typeface="Arial" panose="020B0604020202020204" pitchFamily="34" charset="0"/>
+                <a:buChar char="•"/>
+                <a:defRPr sz="6700">
+                  <a:solidFill>
+                    <a:schemeClr val="tx1"/>
+                  </a:solidFill>
+                  <a:latin typeface="Calibri" panose="020F0502020204030204" pitchFamily="34" charset="0"/>
+                </a:defRPr>
+              </a:lvl1pPr>
+              <a:lvl2pPr marL="457200" indent="-547688">
+                <a:lnSpc>
+                  <a:spcPct val="90000"/>
+                </a:lnSpc>
+                <a:spcBef>
+                  <a:spcPts val="1200"/>
+                </a:spcBef>
+                <a:buFont typeface="Arial" panose="020B0604020202020204" pitchFamily="34" charset="0"/>
+                <a:buChar char="•"/>
+                <a:defRPr sz="5700">
+                  <a:solidFill>
+                    <a:schemeClr val="tx1"/>
+                  </a:solidFill>
+                  <a:latin typeface="Calibri" panose="020F0502020204030204" pitchFamily="34" charset="0"/>
+                </a:defRPr>
+              </a:lvl2pPr>
+              <a:lvl3pPr marL="914400" indent="-547688">
+                <a:lnSpc>
+                  <a:spcPct val="90000"/>
+                </a:lnSpc>
+                <a:spcBef>
+                  <a:spcPts val="1200"/>
+                </a:spcBef>
+                <a:buFont typeface="Arial" panose="020B0604020202020204" pitchFamily="34" charset="0"/>
+                <a:buChar char="•"/>
+                <a:defRPr sz="4800">
+                  <a:solidFill>
+                    <a:schemeClr val="tx1"/>
+                  </a:solidFill>
+                  <a:latin typeface="Calibri" panose="020F0502020204030204" pitchFamily="34" charset="0"/>
+                </a:defRPr>
+              </a:lvl3pPr>
+              <a:lvl4pPr marL="1371600" indent="-547688">
+                <a:lnSpc>
+                  <a:spcPct val="90000"/>
+                </a:lnSpc>
+                <a:spcBef>
+                  <a:spcPts val="1200"/>
+                </a:spcBef>
+                <a:buFont typeface="Arial" panose="020B0604020202020204" pitchFamily="34" charset="0"/>
+                <a:buChar char="•"/>
+                <a:defRPr sz="4300">
+                  <a:solidFill>
+                    <a:schemeClr val="tx1"/>
+                  </a:solidFill>
+                  <a:latin typeface="Calibri" panose="020F0502020204030204" pitchFamily="34" charset="0"/>
+                </a:defRPr>
+              </a:lvl4pPr>
+              <a:lvl5pPr marL="1828800" indent="-547688">
+                <a:lnSpc>
+                  <a:spcPct val="90000"/>
+                </a:lnSpc>
+                <a:spcBef>
+                  <a:spcPts val="1200"/>
+                </a:spcBef>
+                <a:buFont typeface="Arial" panose="020B0604020202020204" pitchFamily="34" charset="0"/>
+                <a:buChar char="•"/>
+                <a:defRPr sz="4300">
+                  <a:solidFill>
+                    <a:schemeClr val="tx1"/>
+                  </a:solidFill>
+                  <a:latin typeface="Calibri" panose="020F0502020204030204" pitchFamily="34" charset="0"/>
+                </a:defRPr>
+              </a:lvl5pPr>
+              <a:lvl6pPr indent="-547688" eaLnBrk="0" fontAlgn="base" hangingPunct="0">
+                <a:lnSpc>
+                  <a:spcPct val="90000"/>
+                </a:lnSpc>
+                <a:spcBef>
+                  <a:spcPts val="1200"/>
+                </a:spcBef>
+                <a:spcAft>
+                  <a:spcPct val="0"/>
+                </a:spcAft>
+                <a:buFont typeface="Arial" panose="020B0604020202020204" pitchFamily="34" charset="0"/>
+                <a:buChar char="•"/>
+                <a:defRPr sz="4300">
+                  <a:solidFill>
+                    <a:schemeClr val="tx1"/>
+                  </a:solidFill>
+                  <a:latin typeface="Calibri" panose="020F0502020204030204" pitchFamily="34" charset="0"/>
+                </a:defRPr>
+              </a:lvl6pPr>
+              <a:lvl7pPr indent="-547688" eaLnBrk="0" fontAlgn="base" hangingPunct="0">
+                <a:lnSpc>
+                  <a:spcPct val="90000"/>
+                </a:lnSpc>
+                <a:spcBef>
+                  <a:spcPts val="1200"/>
+                </a:spcBef>
+                <a:spcAft>
+                  <a:spcPct val="0"/>
+                </a:spcAft>
+                <a:buFont typeface="Arial" panose="020B0604020202020204" pitchFamily="34" charset="0"/>
+                <a:buChar char="•"/>
+                <a:defRPr sz="4300">
+                  <a:solidFill>
+                    <a:schemeClr val="tx1"/>
+                  </a:solidFill>
+                  <a:latin typeface="Calibri" panose="020F0502020204030204" pitchFamily="34" charset="0"/>
+                </a:defRPr>
+              </a:lvl7pPr>
+              <a:lvl8pPr indent="-547688" eaLnBrk="0" fontAlgn="base" hangingPunct="0">
+                <a:lnSpc>
+                  <a:spcPct val="90000"/>
+                </a:lnSpc>
+                <a:spcBef>
+                  <a:spcPts val="1200"/>
+                </a:spcBef>
+                <a:spcAft>
+                  <a:spcPct val="0"/>
+                </a:spcAft>
+                <a:buFont typeface="Arial" panose="020B0604020202020204" pitchFamily="34" charset="0"/>
+                <a:buChar char="•"/>
+                <a:defRPr sz="4300">
+                  <a:solidFill>
+                    <a:schemeClr val="tx1"/>
+                  </a:solidFill>
+                  <a:latin typeface="Calibri" panose="020F0502020204030204" pitchFamily="34" charset="0"/>
+                </a:defRPr>
+              </a:lvl8pPr>
+              <a:lvl9pPr indent="-547688" eaLnBrk="0" fontAlgn="base" hangingPunct="0">
+                <a:lnSpc>
+                  <a:spcPct val="90000"/>
+                </a:lnSpc>
+                <a:spcBef>
+                  <a:spcPts val="1200"/>
+                </a:spcBef>
+                <a:spcAft>
+                  <a:spcPct val="0"/>
+                </a:spcAft>
+                <a:buFont typeface="Arial" panose="020B0604020202020204" pitchFamily="34" charset="0"/>
+                <a:buChar char="•"/>
+                <a:defRPr sz="4300">
+                  <a:solidFill>
+                    <a:schemeClr val="tx1"/>
+                  </a:solidFill>
+                  <a:latin typeface="Calibri" panose="020F0502020204030204" pitchFamily="34" charset="0"/>
+                </a:defRPr>
+              </a:lvl9pPr>
+            </a:lstStyle>
+            <a:p>
+              <a:pPr algn="ctr" eaLnBrk="1" hangingPunct="1">
+                <a:lnSpc>
+                  <a:spcPct val="100000"/>
+                </a:lnSpc>
+                <a:spcBef>
+                  <a:spcPct val="0"/>
+                </a:spcBef>
+                <a:buFontTx/>
+                <a:buNone/>
+              </a:pPr>
+              <a:r>
+                <a:rPr lang="en-US" altLang="en-US" sz="2000" b="1" dirty="0"/>
+                <a:t>Query</a:t>
+              </a:r>
+            </a:p>
+          </p:txBody>
+        </p:sp>
+        <p:sp>
+          <p:nvSpPr>
+            <p:cNvPr id="41" name="TextBox 24">
+              <a:extLst>
+                <a:ext uri="{FF2B5EF4-FFF2-40B4-BE49-F238E27FC236}">
+                  <a16:creationId xmlns:a16="http://schemas.microsoft.com/office/drawing/2014/main" id="{7370CCB6-BBA3-40D1-AF35-F731D02F945F}"/>
+                </a:ext>
+              </a:extLst>
+            </p:cNvPr>
+            <p:cNvSpPr txBox="1">
+              <a:spLocks noChangeArrowheads="1"/>
+            </p:cNvSpPr>
+            <p:nvPr/>
+          </p:nvSpPr>
+          <p:spPr bwMode="auto">
+            <a:xfrm>
+              <a:off x="7434203" y="10217849"/>
+              <a:ext cx="802877" cy="445324"/>
+            </a:xfrm>
+            <a:prstGeom prst="rect">
+              <a:avLst/>
+            </a:prstGeom>
+            <a:noFill/>
+            <a:ln>
+              <a:noFill/>
+            </a:ln>
+            <a:extLst>
+              <a:ext uri="{909E8E84-426E-40DD-AFC4-6F175D3DCCD1}">
+                <a14:hiddenFill xmlns:a14="http://schemas.microsoft.com/office/drawing/2010/main">
+                  <a:solidFill>
+                    <a:srgbClr val="FFFFFF"/>
+                  </a:solidFill>
+                </a14:hiddenFill>
+              </a:ext>
+              <a:ext uri="{91240B29-F687-4F45-9708-019B960494DF}">
+                <a14:hiddenLine xmlns:a14="http://schemas.microsoft.com/office/drawing/2010/main" w="9525">
+                  <a:solidFill>
+                    <a:srgbClr val="000000"/>
+                  </a:solidFill>
+                  <a:miter lim="800000"/>
+                  <a:headEnd/>
+                  <a:tailEnd/>
+                </a14:hiddenLine>
+              </a:ext>
+            </a:extLst>
+          </p:spPr>
+          <p:txBody>
+            <a:bodyPr wrap="none">
+              <a:spAutoFit/>
+            </a:bodyPr>
+            <a:lstStyle>
+              <a:lvl1pPr>
+                <a:lnSpc>
+                  <a:spcPct val="90000"/>
+                </a:lnSpc>
+                <a:spcBef>
+                  <a:spcPts val="2400"/>
+                </a:spcBef>
+                <a:buFont typeface="Arial" panose="020B0604020202020204" pitchFamily="34" charset="0"/>
+                <a:buChar char="•"/>
+                <a:defRPr sz="6700">
+                  <a:solidFill>
+                    <a:schemeClr val="tx1"/>
+                  </a:solidFill>
+                  <a:latin typeface="Calibri" panose="020F0502020204030204" pitchFamily="34" charset="0"/>
+                </a:defRPr>
+              </a:lvl1pPr>
+              <a:lvl2pPr marL="457200" indent="-547688">
+                <a:lnSpc>
+                  <a:spcPct val="90000"/>
+                </a:lnSpc>
+                <a:spcBef>
+                  <a:spcPts val="1200"/>
+                </a:spcBef>
+                <a:buFont typeface="Arial" panose="020B0604020202020204" pitchFamily="34" charset="0"/>
+                <a:buChar char="•"/>
+                <a:defRPr sz="5700">
+                  <a:solidFill>
+                    <a:schemeClr val="tx1"/>
+                  </a:solidFill>
+                  <a:latin typeface="Calibri" panose="020F0502020204030204" pitchFamily="34" charset="0"/>
+                </a:defRPr>
+              </a:lvl2pPr>
+              <a:lvl3pPr marL="914400" indent="-547688">
+                <a:lnSpc>
+                  <a:spcPct val="90000"/>
+                </a:lnSpc>
+                <a:spcBef>
+                  <a:spcPts val="1200"/>
+                </a:spcBef>
+                <a:buFont typeface="Arial" panose="020B0604020202020204" pitchFamily="34" charset="0"/>
+                <a:buChar char="•"/>
+                <a:defRPr sz="4800">
+                  <a:solidFill>
+                    <a:schemeClr val="tx1"/>
+                  </a:solidFill>
+                  <a:latin typeface="Calibri" panose="020F0502020204030204" pitchFamily="34" charset="0"/>
+                </a:defRPr>
+              </a:lvl3pPr>
+              <a:lvl4pPr marL="1371600" indent="-547688">
+                <a:lnSpc>
+                  <a:spcPct val="90000"/>
+                </a:lnSpc>
+                <a:spcBef>
+                  <a:spcPts val="1200"/>
+                </a:spcBef>
+                <a:buFont typeface="Arial" panose="020B0604020202020204" pitchFamily="34" charset="0"/>
+                <a:buChar char="•"/>
+                <a:defRPr sz="4300">
+                  <a:solidFill>
+                    <a:schemeClr val="tx1"/>
+                  </a:solidFill>
+                  <a:latin typeface="Calibri" panose="020F0502020204030204" pitchFamily="34" charset="0"/>
+                </a:defRPr>
+              </a:lvl4pPr>
+              <a:lvl5pPr marL="1828800" indent="-547688">
+                <a:lnSpc>
+                  <a:spcPct val="90000"/>
+                </a:lnSpc>
+                <a:spcBef>
+                  <a:spcPts val="1200"/>
+                </a:spcBef>
+                <a:buFont typeface="Arial" panose="020B0604020202020204" pitchFamily="34" charset="0"/>
+                <a:buChar char="•"/>
+                <a:defRPr sz="4300">
+                  <a:solidFill>
+                    <a:schemeClr val="tx1"/>
+                  </a:solidFill>
+                  <a:latin typeface="Calibri" panose="020F0502020204030204" pitchFamily="34" charset="0"/>
+                </a:defRPr>
+              </a:lvl5pPr>
+              <a:lvl6pPr indent="-547688" eaLnBrk="0" fontAlgn="base" hangingPunct="0">
+                <a:lnSpc>
+                  <a:spcPct val="90000"/>
+                </a:lnSpc>
+                <a:spcBef>
+                  <a:spcPts val="1200"/>
+                </a:spcBef>
+                <a:spcAft>
+                  <a:spcPct val="0"/>
+                </a:spcAft>
+                <a:buFont typeface="Arial" panose="020B0604020202020204" pitchFamily="34" charset="0"/>
+                <a:buChar char="•"/>
+                <a:defRPr sz="4300">
+                  <a:solidFill>
+                    <a:schemeClr val="tx1"/>
+                  </a:solidFill>
+                  <a:latin typeface="Calibri" panose="020F0502020204030204" pitchFamily="34" charset="0"/>
+                </a:defRPr>
+              </a:lvl6pPr>
+              <a:lvl7pPr indent="-547688" eaLnBrk="0" fontAlgn="base" hangingPunct="0">
+                <a:lnSpc>
+                  <a:spcPct val="90000"/>
+                </a:lnSpc>
+                <a:spcBef>
+                  <a:spcPts val="1200"/>
+                </a:spcBef>
+                <a:spcAft>
+                  <a:spcPct val="0"/>
+                </a:spcAft>
+                <a:buFont typeface="Arial" panose="020B0604020202020204" pitchFamily="34" charset="0"/>
+                <a:buChar char="•"/>
+                <a:defRPr sz="4300">
+                  <a:solidFill>
+                    <a:schemeClr val="tx1"/>
+                  </a:solidFill>
+                  <a:latin typeface="Calibri" panose="020F0502020204030204" pitchFamily="34" charset="0"/>
+                </a:defRPr>
+              </a:lvl7pPr>
+              <a:lvl8pPr indent="-547688" eaLnBrk="0" fontAlgn="base" hangingPunct="0">
+                <a:lnSpc>
+                  <a:spcPct val="90000"/>
+                </a:lnSpc>
+                <a:spcBef>
+                  <a:spcPts val="1200"/>
+                </a:spcBef>
+                <a:spcAft>
+                  <a:spcPct val="0"/>
+                </a:spcAft>
+                <a:buFont typeface="Arial" panose="020B0604020202020204" pitchFamily="34" charset="0"/>
+                <a:buChar char="•"/>
+                <a:defRPr sz="4300">
+                  <a:solidFill>
+                    <a:schemeClr val="tx1"/>
+                  </a:solidFill>
+                  <a:latin typeface="Calibri" panose="020F0502020204030204" pitchFamily="34" charset="0"/>
+                </a:defRPr>
+              </a:lvl8pPr>
+              <a:lvl9pPr indent="-547688" eaLnBrk="0" fontAlgn="base" hangingPunct="0">
+                <a:lnSpc>
+                  <a:spcPct val="90000"/>
+                </a:lnSpc>
+                <a:spcBef>
+                  <a:spcPts val="1200"/>
+                </a:spcBef>
+                <a:spcAft>
+                  <a:spcPct val="0"/>
+                </a:spcAft>
+                <a:buFont typeface="Arial" panose="020B0604020202020204" pitchFamily="34" charset="0"/>
+                <a:buChar char="•"/>
+                <a:defRPr sz="4300">
+                  <a:solidFill>
+                    <a:schemeClr val="tx1"/>
+                  </a:solidFill>
+                  <a:latin typeface="Calibri" panose="020F0502020204030204" pitchFamily="34" charset="0"/>
+                </a:defRPr>
+              </a:lvl9pPr>
+            </a:lstStyle>
+            <a:p>
+              <a:pPr algn="ctr" eaLnBrk="1" hangingPunct="1">
+                <a:lnSpc>
+                  <a:spcPct val="100000"/>
+                </a:lnSpc>
+                <a:spcBef>
+                  <a:spcPct val="0"/>
+                </a:spcBef>
+                <a:buFontTx/>
+                <a:buNone/>
+              </a:pPr>
+              <a:r>
+                <a:rPr lang="en-US" altLang="en-US" sz="2000" b="1" dirty="0"/>
+                <a:t>Label</a:t>
+              </a:r>
+            </a:p>
+          </p:txBody>
+        </p:sp>
+      </p:grpSp>
+      <p:cxnSp>
+        <p:nvCxnSpPr>
+          <p:cNvPr id="24" name="Straight Arrow Connector 23">
+            <a:extLst>
+              <a:ext uri="{FF2B5EF4-FFF2-40B4-BE49-F238E27FC236}">
+                <a16:creationId xmlns:a16="http://schemas.microsoft.com/office/drawing/2014/main" id="{B2E1A147-9220-4D9E-895A-421093D26F6E}"/>
+              </a:ext>
+            </a:extLst>
+          </p:cNvPr>
+          <p:cNvCxnSpPr>
+            <a:cxnSpLocks/>
+          </p:cNvCxnSpPr>
+          <p:nvPr/>
+        </p:nvCxnSpPr>
+        <p:spPr bwMode="auto">
+          <a:xfrm flipH="1" flipV="1">
+            <a:off x="8864538" y="3264874"/>
+            <a:ext cx="557374" cy="401468"/>
+          </a:xfrm>
+          <a:prstGeom prst="straightConnector1">
+            <a:avLst/>
+          </a:prstGeom>
+          <a:ln w="63500">
+            <a:solidFill>
+              <a:schemeClr val="accent2"/>
+            </a:solidFill>
+            <a:tailEnd type="triangle"/>
+          </a:ln>
+        </p:spPr>
+        <p:style>
+          <a:lnRef idx="1">
+            <a:schemeClr val="accent1"/>
+          </a:lnRef>
+          <a:fillRef idx="0">
+            <a:schemeClr val="accent1"/>
+          </a:fillRef>
+          <a:effectRef idx="0">
+            <a:schemeClr val="accent1"/>
+          </a:effectRef>
+          <a:fontRef idx="minor">
+            <a:schemeClr val="tx1"/>
+          </a:fontRef>
+        </p:style>
+      </p:cxnSp>
+      <p:sp>
+        <p:nvSpPr>
+          <p:cNvPr id="25" name="TextBox 14">
+            <a:extLst>
+              <a:ext uri="{FF2B5EF4-FFF2-40B4-BE49-F238E27FC236}">
+                <a16:creationId xmlns:a16="http://schemas.microsoft.com/office/drawing/2014/main" id="{8E2F0BE7-E3FE-423D-BBFB-F44C38696B4E}"/>
+              </a:ext>
+            </a:extLst>
+          </p:cNvPr>
+          <p:cNvSpPr txBox="1">
+            <a:spLocks noChangeArrowheads="1"/>
+          </p:cNvSpPr>
+          <p:nvPr/>
+        </p:nvSpPr>
+        <p:spPr bwMode="auto">
+          <a:xfrm>
+            <a:off x="7390835" y="2932196"/>
+            <a:ext cx="1441805" cy="707886"/>
+          </a:xfrm>
+          <a:prstGeom prst="rect">
+            <a:avLst/>
+          </a:prstGeom>
+          <a:noFill/>
+          <a:ln>
+            <a:noFill/>
+          </a:ln>
+          <a:extLst>
+            <a:ext uri="{909E8E84-426E-40DD-AFC4-6F175D3DCCD1}">
+              <a14:hiddenFill xmlns:a14="http://schemas.microsoft.com/office/drawing/2010/main">
+                <a:solidFill>
+                  <a:srgbClr val="FFFFFF"/>
+                </a:solidFill>
+              </a14:hiddenFill>
+            </a:ext>
+            <a:ext uri="{91240B29-F687-4F45-9708-019B960494DF}">
+              <a14:hiddenLine xmlns:a14="http://schemas.microsoft.com/office/drawing/2010/main" w="9525">
+                <a:solidFill>
+                  <a:srgbClr val="000000"/>
+                </a:solidFill>
+                <a:miter lim="800000"/>
+                <a:headEnd/>
+                <a:tailEnd/>
+              </a14:hiddenLine>
+            </a:ext>
+          </a:extLst>
+        </p:spPr>
+        <p:txBody>
+          <a:bodyPr wrap="none">
+            <a:spAutoFit/>
+          </a:bodyPr>
+          <a:lstStyle>
+            <a:lvl1pPr>
+              <a:lnSpc>
+                <a:spcPct val="90000"/>
+              </a:lnSpc>
+              <a:spcBef>
+                <a:spcPts val="2400"/>
+              </a:spcBef>
+              <a:buFont typeface="Arial" panose="020B0604020202020204" pitchFamily="34" charset="0"/>
+              <a:buChar char="•"/>
+              <a:defRPr sz="6700">
+                <a:solidFill>
+                  <a:schemeClr val="tx1"/>
+                </a:solidFill>
+                <a:latin typeface="Calibri" panose="020F0502020204030204" pitchFamily="34" charset="0"/>
+              </a:defRPr>
+            </a:lvl1pPr>
+            <a:lvl2pPr marL="457200" indent="-547688">
+              <a:lnSpc>
+                <a:spcPct val="90000"/>
+              </a:lnSpc>
+              <a:spcBef>
+                <a:spcPts val="1200"/>
+              </a:spcBef>
+              <a:buFont typeface="Arial" panose="020B0604020202020204" pitchFamily="34" charset="0"/>
+              <a:buChar char="•"/>
+              <a:defRPr sz="5700">
+                <a:solidFill>
+                  <a:schemeClr val="tx1"/>
+                </a:solidFill>
+                <a:latin typeface="Calibri" panose="020F0502020204030204" pitchFamily="34" charset="0"/>
+              </a:defRPr>
+            </a:lvl2pPr>
+            <a:lvl3pPr marL="914400" indent="-547688">
+              <a:lnSpc>
+                <a:spcPct val="90000"/>
+              </a:lnSpc>
+              <a:spcBef>
+                <a:spcPts val="1200"/>
+              </a:spcBef>
+              <a:buFont typeface="Arial" panose="020B0604020202020204" pitchFamily="34" charset="0"/>
+              <a:buChar char="•"/>
+              <a:defRPr sz="4800">
+                <a:solidFill>
+                  <a:schemeClr val="tx1"/>
+                </a:solidFill>
+                <a:latin typeface="Calibri" panose="020F0502020204030204" pitchFamily="34" charset="0"/>
+              </a:defRPr>
+            </a:lvl3pPr>
+            <a:lvl4pPr marL="1371600" indent="-547688">
+              <a:lnSpc>
+                <a:spcPct val="90000"/>
+              </a:lnSpc>
+              <a:spcBef>
+                <a:spcPts val="1200"/>
+              </a:spcBef>
+              <a:buFont typeface="Arial" panose="020B0604020202020204" pitchFamily="34" charset="0"/>
+              <a:buChar char="•"/>
+              <a:defRPr sz="4300">
+                <a:solidFill>
+                  <a:schemeClr val="tx1"/>
+                </a:solidFill>
+                <a:latin typeface="Calibri" panose="020F0502020204030204" pitchFamily="34" charset="0"/>
+              </a:defRPr>
+            </a:lvl4pPr>
+            <a:lvl5pPr marL="1828800" indent="-547688">
+              <a:lnSpc>
+                <a:spcPct val="90000"/>
+              </a:lnSpc>
+              <a:spcBef>
+                <a:spcPts val="1200"/>
+              </a:spcBef>
+              <a:buFont typeface="Arial" panose="020B0604020202020204" pitchFamily="34" charset="0"/>
+              <a:buChar char="•"/>
+              <a:defRPr sz="4300">
+                <a:solidFill>
+                  <a:schemeClr val="tx1"/>
+                </a:solidFill>
+                <a:latin typeface="Calibri" panose="020F0502020204030204" pitchFamily="34" charset="0"/>
+              </a:defRPr>
+            </a:lvl5pPr>
+            <a:lvl6pPr indent="-547688" eaLnBrk="0" fontAlgn="base" hangingPunct="0">
+              <a:lnSpc>
+                <a:spcPct val="90000"/>
+              </a:lnSpc>
+              <a:spcBef>
+                <a:spcPts val="1200"/>
+              </a:spcBef>
+              <a:spcAft>
+                <a:spcPct val="0"/>
+              </a:spcAft>
+              <a:buFont typeface="Arial" panose="020B0604020202020204" pitchFamily="34" charset="0"/>
+              <a:buChar char="•"/>
+              <a:defRPr sz="4300">
+                <a:solidFill>
+                  <a:schemeClr val="tx1"/>
+                </a:solidFill>
+                <a:latin typeface="Calibri" panose="020F0502020204030204" pitchFamily="34" charset="0"/>
+              </a:defRPr>
+            </a:lvl6pPr>
+            <a:lvl7pPr indent="-547688" eaLnBrk="0" fontAlgn="base" hangingPunct="0">
+              <a:lnSpc>
+                <a:spcPct val="90000"/>
+              </a:lnSpc>
+              <a:spcBef>
+                <a:spcPts val="1200"/>
+              </a:spcBef>
+              <a:spcAft>
+                <a:spcPct val="0"/>
+              </a:spcAft>
+              <a:buFont typeface="Arial" panose="020B0604020202020204" pitchFamily="34" charset="0"/>
+              <a:buChar char="•"/>
+              <a:defRPr sz="4300">
+                <a:solidFill>
+                  <a:schemeClr val="tx1"/>
+                </a:solidFill>
+                <a:latin typeface="Calibri" panose="020F0502020204030204" pitchFamily="34" charset="0"/>
+              </a:defRPr>
+            </a:lvl7pPr>
+            <a:lvl8pPr indent="-547688" eaLnBrk="0" fontAlgn="base" hangingPunct="0">
+              <a:lnSpc>
+                <a:spcPct val="90000"/>
+              </a:lnSpc>
+              <a:spcBef>
+                <a:spcPts val="1200"/>
+              </a:spcBef>
+              <a:spcAft>
+                <a:spcPct val="0"/>
+              </a:spcAft>
+              <a:buFont typeface="Arial" panose="020B0604020202020204" pitchFamily="34" charset="0"/>
+              <a:buChar char="•"/>
+              <a:defRPr sz="4300">
+                <a:solidFill>
+                  <a:schemeClr val="tx1"/>
+                </a:solidFill>
+                <a:latin typeface="Calibri" panose="020F0502020204030204" pitchFamily="34" charset="0"/>
+              </a:defRPr>
+            </a:lvl8pPr>
+            <a:lvl9pPr indent="-547688" eaLnBrk="0" fontAlgn="base" hangingPunct="0">
+              <a:lnSpc>
+                <a:spcPct val="90000"/>
+              </a:lnSpc>
+              <a:spcBef>
+                <a:spcPts val="1200"/>
+              </a:spcBef>
+              <a:spcAft>
+                <a:spcPct val="0"/>
+              </a:spcAft>
+              <a:buFont typeface="Arial" panose="020B0604020202020204" pitchFamily="34" charset="0"/>
+              <a:buChar char="•"/>
+              <a:defRPr sz="4300">
+                <a:solidFill>
+                  <a:schemeClr val="tx1"/>
+                </a:solidFill>
+                <a:latin typeface="Calibri" panose="020F0502020204030204" pitchFamily="34" charset="0"/>
+              </a:defRPr>
+            </a:lvl9pPr>
+          </a:lstStyle>
+          <a:p>
+            <a:pPr algn="ctr" eaLnBrk="1" hangingPunct="1">
+              <a:lnSpc>
+                <a:spcPct val="100000"/>
+              </a:lnSpc>
+              <a:spcBef>
+                <a:spcPct val="0"/>
+              </a:spcBef>
+              <a:buFontTx/>
+              <a:buNone/>
+            </a:pPr>
+            <a:r>
+              <a:rPr lang="en-US" altLang="en-US" sz="2000" b="1" dirty="0"/>
+              <a:t>Annotator’s</a:t>
+            </a:r>
+          </a:p>
+          <a:p>
+            <a:pPr algn="ctr" eaLnBrk="1" hangingPunct="1">
+              <a:lnSpc>
+                <a:spcPct val="100000"/>
+              </a:lnSpc>
+              <a:spcBef>
+                <a:spcPct val="0"/>
+              </a:spcBef>
+              <a:buFontTx/>
+              <a:buNone/>
+            </a:pPr>
+            <a:r>
+              <a:rPr lang="en-US" altLang="en-US" sz="2000" b="1" dirty="0"/>
+              <a:t>Rationale</a:t>
+            </a:r>
+          </a:p>
+        </p:txBody>
+      </p:sp>
+      <p:cxnSp>
+        <p:nvCxnSpPr>
+          <p:cNvPr id="26" name="Straight Arrow Connector 25">
+            <a:extLst>
+              <a:ext uri="{FF2B5EF4-FFF2-40B4-BE49-F238E27FC236}">
+                <a16:creationId xmlns:a16="http://schemas.microsoft.com/office/drawing/2014/main" id="{26E0D824-B239-407C-B1B2-9BEF3A8DA710}"/>
+              </a:ext>
+            </a:extLst>
+          </p:cNvPr>
+          <p:cNvCxnSpPr>
+            <a:cxnSpLocks/>
+          </p:cNvCxnSpPr>
+          <p:nvPr/>
+        </p:nvCxnSpPr>
+        <p:spPr bwMode="auto">
+          <a:xfrm flipH="1">
+            <a:off x="6834259" y="3306725"/>
+            <a:ext cx="544737" cy="452081"/>
+          </a:xfrm>
+          <a:prstGeom prst="straightConnector1">
+            <a:avLst/>
+          </a:prstGeom>
+          <a:ln w="63500">
+            <a:solidFill>
+              <a:schemeClr val="accent2"/>
+            </a:solidFill>
+            <a:tailEnd type="triangle"/>
+          </a:ln>
+        </p:spPr>
+        <p:style>
+          <a:lnRef idx="1">
+            <a:schemeClr val="accent1"/>
+          </a:lnRef>
+          <a:fillRef idx="0">
+            <a:schemeClr val="accent1"/>
+          </a:fillRef>
+          <a:effectRef idx="0">
+            <a:schemeClr val="accent1"/>
+          </a:effectRef>
+          <a:fontRef idx="minor">
+            <a:schemeClr val="tx1"/>
+          </a:fontRef>
+        </p:style>
+      </p:cxnSp>
+    </p:spTree>
+    <p:extLst>
+      <p:ext uri="{BB962C8B-B14F-4D97-AF65-F5344CB8AC3E}">
+        <p14:creationId xmlns:p14="http://schemas.microsoft.com/office/powerpoint/2010/main" val="3069422600"/>
+      </p:ext>
+    </p:extLst>
+  </p:cSld>
+  <p:clrMapOvr>
+    <a:masterClrMapping/>
+  </p:clrMapOvr>
+  <p:timing>
+    <p:tnLst>
+      <p:par>
+        <p:cTn id="1" dur="indefinite" restart="never" nodeType="tmRoot">
+          <p:childTnLst>
+            <p:seq concurrent="1" nextAc="seek">
+              <p:cTn id="2" dur="indefinite" nodeType="mainSeq">
+                <p:childTnLst>
+                  <p:par>
+                    <p:cTn id="3" fill="hold">
+                      <p:stCondLst>
+                        <p:cond delay="indefinite"/>
+                      </p:stCondLst>
+                      <p:childTnLst>
+                        <p:par>
+                          <p:cTn id="4" fill="hold">
+                            <p:stCondLst>
+                              <p:cond delay="0"/>
+                            </p:stCondLst>
+                            <p:childTnLst>
+                              <p:par>
+                                <p:cTn id="5" presetID="1" presetClass="entr" presetSubtype="0" fill="hold" nodeType="clickEffect">
+                                  <p:stCondLst>
+                                    <p:cond delay="0"/>
+                                  </p:stCondLst>
+                                  <p:childTnLst>
+                                    <p:set>
+                                      <p:cBhvr>
+                                        <p:cTn id="6" dur="1" fill="hold">
+                                          <p:stCondLst>
+                                            <p:cond delay="0"/>
+                                          </p:stCondLst>
+                                        </p:cTn>
+                                        <p:tgtEl>
+                                          <p:spTgt spid="3">
+                                            <p:txEl>
+                                              <p:pRg st="0" end="0"/>
+                                            </p:txEl>
+                                          </p:spTgt>
+                                        </p:tgtEl>
+                                        <p:attrNameLst>
+                                          <p:attrName>style.visibility</p:attrName>
+                                        </p:attrNameLst>
+                                      </p:cBhvr>
+                                      <p:to>
+                                        <p:strVal val="visible"/>
+                                      </p:to>
+                                    </p:set>
+                                  </p:childTnLst>
+                                </p:cTn>
+                              </p:par>
+                            </p:childTnLst>
+                          </p:cTn>
+                        </p:par>
+                      </p:childTnLst>
+                    </p:cTn>
+                  </p:par>
+                  <p:par>
+                    <p:cTn id="7" fill="hold">
+                      <p:stCondLst>
+                        <p:cond delay="indefinite"/>
+                      </p:stCondLst>
+                      <p:childTnLst>
+                        <p:par>
+                          <p:cTn id="8" fill="hold">
+                            <p:stCondLst>
+                              <p:cond delay="0"/>
+                            </p:stCondLst>
+                            <p:childTnLst>
+                              <p:par>
+                                <p:cTn id="9" presetID="1" presetClass="entr" presetSubtype="0" fill="hold" nodeType="clickEffect">
+                                  <p:stCondLst>
+                                    <p:cond delay="0"/>
+                                  </p:stCondLst>
+                                  <p:childTnLst>
+                                    <p:set>
+                                      <p:cBhvr>
+                                        <p:cTn id="10" dur="1" fill="hold">
+                                          <p:stCondLst>
+                                            <p:cond delay="0"/>
+                                          </p:stCondLst>
+                                        </p:cTn>
+                                        <p:tgtEl>
+                                          <p:spTgt spid="29"/>
+                                        </p:tgtEl>
+                                        <p:attrNameLst>
+                                          <p:attrName>style.visibility</p:attrName>
+                                        </p:attrNameLst>
+                                      </p:cBhvr>
+                                      <p:to>
+                                        <p:strVal val="visible"/>
+                                      </p:to>
+                                    </p:set>
+                                  </p:childTnLst>
+                                </p:cTn>
+                              </p:par>
+                            </p:childTnLst>
+                          </p:cTn>
+                        </p:par>
+                      </p:childTnLst>
+                    </p:cTn>
+                  </p:par>
+                  <p:par>
+                    <p:cTn id="11" fill="hold">
+                      <p:stCondLst>
+                        <p:cond delay="indefinite"/>
+                      </p:stCondLst>
+                      <p:childTnLst>
+                        <p:par>
+                          <p:cTn id="12" fill="hold">
+                            <p:stCondLst>
+                              <p:cond delay="0"/>
+                            </p:stCondLst>
+                            <p:childTnLst>
+                              <p:par>
+                                <p:cTn id="13" presetID="1" presetClass="entr" presetSubtype="0" fill="hold" nodeType="clickEffect">
+                                  <p:stCondLst>
+                                    <p:cond delay="0"/>
+                                  </p:stCondLst>
+                                  <p:childTnLst>
+                                    <p:set>
+                                      <p:cBhvr>
+                                        <p:cTn id="14" dur="1" fill="hold">
+                                          <p:stCondLst>
+                                            <p:cond delay="0"/>
+                                          </p:stCondLst>
+                                        </p:cTn>
+                                        <p:tgtEl>
+                                          <p:spTgt spid="24"/>
+                                        </p:tgtEl>
+                                        <p:attrNameLst>
+                                          <p:attrName>style.visibility</p:attrName>
+                                        </p:attrNameLst>
+                                      </p:cBhvr>
+                                      <p:to>
+                                        <p:strVal val="visible"/>
+                                      </p:to>
+                                    </p:set>
+                                  </p:childTnLst>
+                                </p:cTn>
+                              </p:par>
+                              <p:par>
+                                <p:cTn id="15" presetID="1" presetClass="entr" presetSubtype="0" fill="hold" grpId="0" nodeType="withEffect">
+                                  <p:stCondLst>
+                                    <p:cond delay="0"/>
+                                  </p:stCondLst>
+                                  <p:childTnLst>
+                                    <p:set>
+                                      <p:cBhvr>
+                                        <p:cTn id="16" dur="1" fill="hold">
+                                          <p:stCondLst>
+                                            <p:cond delay="0"/>
+                                          </p:stCondLst>
+                                        </p:cTn>
+                                        <p:tgtEl>
+                                          <p:spTgt spid="25"/>
+                                        </p:tgtEl>
+                                        <p:attrNameLst>
+                                          <p:attrName>style.visibility</p:attrName>
+                                        </p:attrNameLst>
+                                      </p:cBhvr>
+                                      <p:to>
+                                        <p:strVal val="visible"/>
+                                      </p:to>
+                                    </p:set>
+                                  </p:childTnLst>
+                                </p:cTn>
+                              </p:par>
+                              <p:par>
+                                <p:cTn id="17" presetID="1" presetClass="entr" presetSubtype="0" fill="hold" nodeType="withEffect">
+                                  <p:stCondLst>
+                                    <p:cond delay="0"/>
+                                  </p:stCondLst>
+                                  <p:childTnLst>
+                                    <p:set>
+                                      <p:cBhvr>
+                                        <p:cTn id="18" dur="1" fill="hold">
+                                          <p:stCondLst>
+                                            <p:cond delay="0"/>
+                                          </p:stCondLst>
+                                        </p:cTn>
+                                        <p:tgtEl>
+                                          <p:spTgt spid="26"/>
+                                        </p:tgtEl>
+                                        <p:attrNameLst>
+                                          <p:attrName>style.visibility</p:attrName>
+                                        </p:attrNameLst>
+                                      </p:cBhvr>
+                                      <p:to>
+                                        <p:strVal val="visible"/>
+                                      </p:to>
+                                    </p:set>
+                                  </p:childTnLst>
+                                </p:cTn>
+                              </p:par>
+                            </p:childTnLst>
+                          </p:cTn>
+                        </p:par>
+                      </p:childTnLst>
+                    </p:cTn>
+                  </p:par>
+                  <p:par>
+                    <p:cTn id="19" fill="hold">
+                      <p:stCondLst>
+                        <p:cond delay="indefinite"/>
+                      </p:stCondLst>
+                      <p:childTnLst>
+                        <p:par>
+                          <p:cTn id="20" fill="hold">
+                            <p:stCondLst>
+                              <p:cond delay="0"/>
+                            </p:stCondLst>
+                            <p:childTnLst>
+                              <p:par>
+                                <p:cTn id="21" presetID="1" presetClass="entr" presetSubtype="0" fill="hold" nodeType="clickEffect">
+                                  <p:stCondLst>
+                                    <p:cond delay="0"/>
+                                  </p:stCondLst>
+                                  <p:childTnLst>
+                                    <p:set>
+                                      <p:cBhvr>
+                                        <p:cTn id="22" dur="1" fill="hold">
+                                          <p:stCondLst>
+                                            <p:cond delay="0"/>
+                                          </p:stCondLst>
+                                        </p:cTn>
+                                        <p:tgtEl>
+                                          <p:spTgt spid="3">
+                                            <p:txEl>
+                                              <p:pRg st="2" end="2"/>
+                                            </p:txEl>
+                                          </p:spTgt>
+                                        </p:tgtEl>
+                                        <p:attrNameLst>
+                                          <p:attrName>style.visibility</p:attrName>
+                                        </p:attrNameLst>
+                                      </p:cBhvr>
+                                      <p:to>
+                                        <p:strVal val="visible"/>
+                                      </p:to>
+                                    </p:set>
+                                  </p:childTnLst>
+                                </p:cTn>
+                              </p:par>
+                            </p:childTnLst>
+                          </p:cTn>
+                        </p:par>
+                      </p:childTnLst>
+                    </p:cTn>
+                  </p:par>
+                  <p:par>
+                    <p:cTn id="23" fill="hold">
+                      <p:stCondLst>
+                        <p:cond delay="indefinite"/>
+                      </p:stCondLst>
+                      <p:childTnLst>
+                        <p:par>
+                          <p:cTn id="24" fill="hold">
+                            <p:stCondLst>
+                              <p:cond delay="0"/>
+                            </p:stCondLst>
+                            <p:childTnLst>
+                              <p:par>
+                                <p:cTn id="25" presetID="1" presetClass="entr" presetSubtype="0" fill="hold" grpId="0" nodeType="clickEffect">
+                                  <p:stCondLst>
+                                    <p:cond delay="0"/>
+                                  </p:stCondLst>
+                                  <p:childTnLst>
+                                    <p:set>
+                                      <p:cBhvr>
+                                        <p:cTn id="26" dur="1" fill="hold">
+                                          <p:stCondLst>
+                                            <p:cond delay="0"/>
+                                          </p:stCondLst>
+                                        </p:cTn>
+                                        <p:tgtEl>
+                                          <p:spTgt spid="22"/>
+                                        </p:tgtEl>
+                                        <p:attrNameLst>
+                                          <p:attrName>style.visibility</p:attrName>
+                                        </p:attrNameLst>
+                                      </p:cBhvr>
+                                      <p:to>
+                                        <p:strVal val="visible"/>
+                                      </p:to>
+                                    </p:set>
+                                  </p:childTnLst>
+                                </p:cTn>
+                              </p:par>
+                            </p:childTnLst>
+                          </p:cTn>
+                        </p:par>
+                      </p:childTnLst>
+                    </p:cTn>
+                  </p:par>
+                </p:childTnLst>
+              </p:cTn>
+              <p:prevCondLst>
+                <p:cond evt="onPrev" delay="0">
+                  <p:tgtEl>
+                    <p:sldTgt/>
+                  </p:tgtEl>
+                </p:cond>
+              </p:prevCondLst>
+              <p:nextCondLst>
+                <p:cond evt="onNext" delay="0">
+                  <p:tgtEl>
+                    <p:sldTgt/>
+                  </p:tgtEl>
+                </p:cond>
+              </p:nextCondLst>
+            </p:seq>
+          </p:childTnLst>
+        </p:cTn>
+      </p:par>
+    </p:tnLst>
+    <p:bldLst>
+      <p:bldP spid="22" grpId="0" animBg="1"/>
+      <p:bldP spid="25" grpId="0"/>
+    </p:bldLst>
+  </p:timing>
+</p:sld>
+</file>
+
+<file path=ppt/slides/slide21.xml><?xml version="1.0" encoding="utf-8"?>
 <p:sld xmlns:a="http://schemas.openxmlformats.org/drawingml/2006/main" xmlns:r="http://schemas.openxmlformats.org/officeDocument/2006/relationships" xmlns:p="http://schemas.openxmlformats.org/presentationml/2006/main">
   <p:cSld>
     <p:spTree>
@@ -24175,7 +24268,7 @@
 </p:sld>
 </file>
 
-<file path=ppt/slides/slide21.xml><?xml version="1.0" encoding="utf-8"?>
+<file path=ppt/slides/slide22.xml><?xml version="1.0" encoding="utf-8"?>
 <p:sld xmlns:a="http://schemas.openxmlformats.org/drawingml/2006/main" xmlns:r="http://schemas.openxmlformats.org/officeDocument/2006/relationships" xmlns:p="http://schemas.openxmlformats.org/presentationml/2006/main">
   <p:cSld>
     <p:spTree>
@@ -26364,7 +26457,7 @@
 </p:sld>
 </file>
 
-<file path=ppt/slides/slide22.xml><?xml version="1.0" encoding="utf-8"?>
+<file path=ppt/slides/slide23.xml><?xml version="1.0" encoding="utf-8"?>
 <p:sld xmlns:a="http://schemas.openxmlformats.org/drawingml/2006/main" xmlns:r="http://schemas.openxmlformats.org/officeDocument/2006/relationships" xmlns:p="http://schemas.openxmlformats.org/presentationml/2006/main">
   <p:cSld>
     <p:spTree>
@@ -26961,7 +27054,7 @@
 </p:sld>
 </file>
 
-<file path=ppt/slides/slide23.xml><?xml version="1.0" encoding="utf-8"?>
+<file path=ppt/slides/slide24.xml><?xml version="1.0" encoding="utf-8"?>
 <p:sld xmlns:a="http://schemas.openxmlformats.org/drawingml/2006/main" xmlns:r="http://schemas.openxmlformats.org/officeDocument/2006/relationships" xmlns:p="http://schemas.openxmlformats.org/presentationml/2006/main">
   <p:cSld>
     <p:spTree>
